--- a/NOTES.pptx
+++ b/NOTES.pptx
@@ -14744,7 +14744,7 @@
           <p:nvPr>
             <p:extLst>
               <p:ext uri="{D42A27DB-BD31-4B8C-83A1-F6EECF244321}">
-                <p14:modId xmlns:p14="http://schemas.microsoft.com/office/powerpoint/2010/main" val="976290571"/>
+                <p14:modId xmlns:p14="http://schemas.microsoft.com/office/powerpoint/2010/main" val="3685231929"/>
               </p:ext>
             </p:extLst>
           </p:nvPr>
@@ -15919,7 +15919,7 @@
                         <a:rPr lang="en-US" sz="1000" b="0">
                           <a:latin typeface="Consolas" panose="020B0609020204030204" pitchFamily="49" charset="0"/>
                         </a:rPr>
-                        <a:t>+3/+4</a:t>
+                        <a:t>+5/+4</a:t>
                       </a:r>
                     </a:p>
                   </a:txBody>
@@ -16262,7 +16262,7 @@
                         <a:rPr lang="en-US" sz="1000" b="0">
                           <a:latin typeface="Consolas" panose="020B0609020204030204" pitchFamily="49" charset="0"/>
                         </a:rPr>
-                        <a:t>+5</a:t>
+                        <a:t>+6</a:t>
                       </a:r>
                     </a:p>
                   </a:txBody>
@@ -16605,7 +16605,7 @@
                         <a:rPr lang="en-US" sz="1000" b="0">
                           <a:latin typeface="Consolas" panose="020B0609020204030204" pitchFamily="49" charset="0"/>
                         </a:rPr>
-                        <a:t>+8</a:t>
+                        <a:t>+9</a:t>
                       </a:r>
                     </a:p>
                   </a:txBody>
@@ -16948,7 +16948,7 @@
                         <a:rPr lang="en-US" sz="1000" b="0">
                           <a:latin typeface="Consolas" panose="020B0609020204030204" pitchFamily="49" charset="0"/>
                         </a:rPr>
-                        <a:t>+10</a:t>
+                        <a:t>+12</a:t>
                       </a:r>
                     </a:p>
                   </a:txBody>

--- a/NOTES.pptx
+++ b/NOTES.pptx
@@ -21568,6 +21568,167 @@
           </a:p>
         </p:txBody>
       </p:sp>
+      <p:sp>
+        <p:nvSpPr>
+          <p:cNvPr id="2" name="TextBox 1">
+            <a:extLst>
+              <a:ext uri="{FF2B5EF4-FFF2-40B4-BE49-F238E27FC236}">
+                <a16:creationId xmlns:a16="http://schemas.microsoft.com/office/drawing/2014/main" id="{6DF770AE-8894-022C-49EA-9B02652065E7}"/>
+              </a:ext>
+            </a:extLst>
+          </p:cNvPr>
+          <p:cNvSpPr txBox="1"/>
+          <p:nvPr/>
+        </p:nvSpPr>
+        <p:spPr>
+          <a:xfrm>
+            <a:off x="1417643" y="1282217"/>
+            <a:ext cx="8213537" cy="2862322"/>
+          </a:xfrm>
+          <a:prstGeom prst="rect">
+            <a:avLst/>
+          </a:prstGeom>
+          <a:noFill/>
+        </p:spPr>
+        <p:txBody>
+          <a:bodyPr wrap="square" rtlCol="0">
+            <a:spAutoFit/>
+          </a:bodyPr>
+          <a:lstStyle/>
+          <a:p>
+            <a:r>
+              <a:rPr lang="en-US" sz="1000">
+                <a:latin typeface="Consolas" panose="020B0609020204030204" pitchFamily="49" charset="0"/>
+              </a:rPr>
+              <a:t>- The key is used for global setting</a:t>
+            </a:r>
+          </a:p>
+          <a:p>
+            <a:r>
+              <a:rPr lang="en-US" sz="1000">
+                <a:latin typeface="Consolas" panose="020B0609020204030204" pitchFamily="49" charset="0"/>
+              </a:rPr>
+              <a:t>SET CURRENT_PATCH {patch_indicator}</a:t>
+            </a:r>
+          </a:p>
+          <a:p>
+            <a:endParaRPr lang="en-US" sz="1000">
+              <a:latin typeface="Consolas" panose="020B0609020204030204" pitchFamily="49" charset="0"/>
+            </a:endParaRPr>
+          </a:p>
+          <a:p>
+            <a:r>
+              <a:rPr lang="en-US" sz="1000">
+                <a:latin typeface="Consolas" panose="020B0609020204030204" pitchFamily="49" charset="0"/>
+              </a:rPr>
+              <a:t>- The key is the number of the current sample in the patch</a:t>
+            </a:r>
+          </a:p>
+          <a:p>
+            <a:r>
+              <a:rPr lang="en-US" sz="1000">
+                <a:latin typeface="Consolas" panose="020B0609020204030204" pitchFamily="49" charset="0"/>
+              </a:rPr>
+              <a:t>SET CURRENT_NUM_PATCH {number}</a:t>
+            </a:r>
+          </a:p>
+          <a:p>
+            <a:endParaRPr lang="en-US" sz="1000">
+              <a:latin typeface="Consolas" panose="020B0609020204030204" pitchFamily="49" charset="0"/>
+            </a:endParaRPr>
+          </a:p>
+          <a:p>
+            <a:r>
+              <a:rPr lang="en-US" sz="1000">
+                <a:latin typeface="Consolas" panose="020B0609020204030204" pitchFamily="49" charset="0"/>
+              </a:rPr>
+              <a:t>- redis db key format:</a:t>
+            </a:r>
+          </a:p>
+          <a:p>
+            <a:r>
+              <a:rPr lang="en-US" sz="1000">
+                <a:latin typeface="Consolas" panose="020B0609020204030204" pitchFamily="49" charset="0"/>
+              </a:rPr>
+              <a:t>	- mod: [0, 1, ..., 7]</a:t>
+            </a:r>
+          </a:p>
+          <a:p>
+            <a:r>
+              <a:rPr lang="en-US" sz="1000">
+                <a:latin typeface="Consolas" panose="020B0609020204030204" pitchFamily="49" charset="0"/>
+              </a:rPr>
+              <a:t>	- pdu_length: [0, 1, ..., 1499]</a:t>
+            </a:r>
+          </a:p>
+          <a:p>
+            <a:r>
+              <a:rPr lang="en-US" sz="1000">
+                <a:latin typeface="Consolas" panose="020B0609020204030204" pitchFamily="49" charset="0"/>
+              </a:rPr>
+              <a:t>	- patch_indicator: Indicating which patch by serial number or timestamp</a:t>
+            </a:r>
+          </a:p>
+          <a:p>
+            <a:r>
+              <a:rPr lang="en-US" sz="1000">
+                <a:latin typeface="Consolas" panose="020B0609020204030204" pitchFamily="49" charset="0"/>
+              </a:rPr>
+              <a:t>	- number: [0, 1, ..., 999]</a:t>
+            </a:r>
+          </a:p>
+          <a:p>
+            <a:endParaRPr lang="en-US" sz="1000">
+              <a:latin typeface="Consolas" panose="020B0609020204030204" pitchFamily="49" charset="0"/>
+            </a:endParaRPr>
+          </a:p>
+          <a:p>
+            <a:r>
+              <a:rPr lang="en-US" sz="1000">
+                <a:latin typeface="Consolas" panose="020B0609020204030204" pitchFamily="49" charset="0"/>
+              </a:rPr>
+              <a:t>WIRELESS_PACKET:WIFI:{mod}:{pdu_length}:{patch_indicator}:{number}</a:t>
+            </a:r>
+          </a:p>
+          <a:p>
+            <a:endParaRPr lang="en-US" sz="1000">
+              <a:latin typeface="Consolas" panose="020B0609020204030204" pitchFamily="49" charset="0"/>
+            </a:endParaRPr>
+          </a:p>
+          <a:p>
+            <a:r>
+              <a:rPr lang="en-US" sz="1000">
+                <a:latin typeface="Consolas" panose="020B0609020204030204" pitchFamily="49" charset="0"/>
+              </a:rPr>
+              <a:t>Example:</a:t>
+            </a:r>
+          </a:p>
+          <a:p>
+            <a:r>
+              <a:rPr lang="en-US" sz="1000">
+                <a:latin typeface="Consolas" panose="020B0609020204030204" pitchFamily="49" charset="0"/>
+              </a:rPr>
+              <a:t>	WIRELESS_PACKET:WIFI:0:40:12:870</a:t>
+            </a:r>
+          </a:p>
+          <a:p>
+            <a:r>
+              <a:rPr lang="en-US" sz="1000">
+                <a:latin typeface="Consolas" panose="020B0609020204030204" pitchFamily="49" charset="0"/>
+              </a:rPr>
+              <a:t>	WIRELESS_PACKET:WIFI:0:40:2024_03_21_23_59:870</a:t>
+            </a:r>
+          </a:p>
+          <a:p>
+            <a:r>
+              <a:rPr lang="en-US" sz="1000">
+                <a:latin typeface="Consolas" panose="020B0609020204030204" pitchFamily="49" charset="0"/>
+              </a:rPr>
+              <a:t>	</a:t>
+            </a:r>
+          </a:p>
+        </p:txBody>
+      </p:sp>
     </p:spTree>
     <p:extLst>
       <p:ext uri="{BB962C8B-B14F-4D97-AF65-F5344CB8AC3E}">

--- a/NOTES.pptx
+++ b/NOTES.pptx
@@ -114,6 +114,11 @@
       </a:defRPr>
     </a:lvl9pPr>
   </p:defaultTextStyle>
+  <p:extLst>
+    <p:ext uri="{EFAFB233-063F-42B5-8137-9DF3F51BA10A}">
+      <p15:sldGuideLst xmlns:p15="http://schemas.microsoft.com/office/powerpoint/2012/main"/>
+    </p:ext>
+  </p:extLst>
 </p:presentation>
 </file>
 
@@ -302,7 +307,7 @@
           <a:p>
             <a:fld id="{DB96A1BF-7A60-4A28-908B-BEE221AF7F3D}" type="datetimeFigureOut">
               <a:rPr lang="en-US" smtClean="0"/>
-              <a:t>3/19/2024</a:t>
+              <a:t>3/21/2024</a:t>
             </a:fld>
             <a:endParaRPr lang="en-US"/>
           </a:p>
@@ -600,7 +605,7 @@
           <a:p>
             <a:fld id="{DB96A1BF-7A60-4A28-908B-BEE221AF7F3D}" type="datetimeFigureOut">
               <a:rPr lang="en-US" smtClean="0"/>
-              <a:t>3/19/2024</a:t>
+              <a:t>3/21/2024</a:t>
             </a:fld>
             <a:endParaRPr lang="en-US"/>
           </a:p>
@@ -792,7 +797,7 @@
           <a:p>
             <a:fld id="{DB96A1BF-7A60-4A28-908B-BEE221AF7F3D}" type="datetimeFigureOut">
               <a:rPr lang="en-US" smtClean="0"/>
-              <a:t>3/19/2024</a:t>
+              <a:t>3/21/2024</a:t>
             </a:fld>
             <a:endParaRPr lang="en-US"/>
           </a:p>
@@ -1053,7 +1058,7 @@
           <a:p>
             <a:fld id="{DB96A1BF-7A60-4A28-908B-BEE221AF7F3D}" type="datetimeFigureOut">
               <a:rPr lang="en-US" smtClean="0"/>
-              <a:t>3/19/2024</a:t>
+              <a:t>3/21/2024</a:t>
             </a:fld>
             <a:endParaRPr lang="en-US"/>
           </a:p>
@@ -1477,7 +1482,7 @@
           <a:p>
             <a:fld id="{DB96A1BF-7A60-4A28-908B-BEE221AF7F3D}" type="datetimeFigureOut">
               <a:rPr lang="en-US" smtClean="0"/>
-              <a:t>3/19/2024</a:t>
+              <a:t>3/21/2024</a:t>
             </a:fld>
             <a:endParaRPr lang="en-US"/>
           </a:p>
@@ -2014,7 +2019,7 @@
           <a:p>
             <a:fld id="{DB96A1BF-7A60-4A28-908B-BEE221AF7F3D}" type="datetimeFigureOut">
               <a:rPr lang="en-US" smtClean="0"/>
-              <a:t>3/19/2024</a:t>
+              <a:t>3/21/2024</a:t>
             </a:fld>
             <a:endParaRPr lang="en-US"/>
           </a:p>
@@ -2878,7 +2883,7 @@
           <a:p>
             <a:fld id="{DB96A1BF-7A60-4A28-908B-BEE221AF7F3D}" type="datetimeFigureOut">
               <a:rPr lang="en-US" smtClean="0"/>
-              <a:t>3/19/2024</a:t>
+              <a:t>3/21/2024</a:t>
             </a:fld>
             <a:endParaRPr lang="en-US"/>
           </a:p>
@@ -3048,7 +3053,7 @@
           <a:p>
             <a:fld id="{DB96A1BF-7A60-4A28-908B-BEE221AF7F3D}" type="datetimeFigureOut">
               <a:rPr lang="en-US" smtClean="0"/>
-              <a:t>3/19/2024</a:t>
+              <a:t>3/21/2024</a:t>
             </a:fld>
             <a:endParaRPr lang="en-US"/>
           </a:p>
@@ -3232,7 +3237,7 @@
           <a:p>
             <a:fld id="{DB96A1BF-7A60-4A28-908B-BEE221AF7F3D}" type="datetimeFigureOut">
               <a:rPr lang="en-US" smtClean="0"/>
-              <a:t>3/19/2024</a:t>
+              <a:t>3/21/2024</a:t>
             </a:fld>
             <a:endParaRPr lang="en-US"/>
           </a:p>
@@ -3402,7 +3407,7 @@
           <a:p>
             <a:fld id="{DB96A1BF-7A60-4A28-908B-BEE221AF7F3D}" type="datetimeFigureOut">
               <a:rPr lang="en-US" smtClean="0"/>
-              <a:t>3/19/2024</a:t>
+              <a:t>3/21/2024</a:t>
             </a:fld>
             <a:endParaRPr lang="en-US"/>
           </a:p>
@@ -3646,7 +3651,7 @@
           <a:p>
             <a:fld id="{DB96A1BF-7A60-4A28-908B-BEE221AF7F3D}" type="datetimeFigureOut">
               <a:rPr lang="en-US" smtClean="0"/>
-              <a:t>3/19/2024</a:t>
+              <a:t>3/21/2024</a:t>
             </a:fld>
             <a:endParaRPr lang="en-US"/>
           </a:p>
@@ -3882,7 +3887,7 @@
           <a:p>
             <a:fld id="{DB96A1BF-7A60-4A28-908B-BEE221AF7F3D}" type="datetimeFigureOut">
               <a:rPr lang="en-US" smtClean="0"/>
-              <a:t>3/19/2024</a:t>
+              <a:t>3/21/2024</a:t>
             </a:fld>
             <a:endParaRPr lang="en-US"/>
           </a:p>
@@ -4348,7 +4353,7 @@
           <a:p>
             <a:fld id="{DB96A1BF-7A60-4A28-908B-BEE221AF7F3D}" type="datetimeFigureOut">
               <a:rPr lang="en-US" smtClean="0"/>
-              <a:t>3/19/2024</a:t>
+              <a:t>3/21/2024</a:t>
             </a:fld>
             <a:endParaRPr lang="en-US"/>
           </a:p>
@@ -4466,7 +4471,7 @@
           <a:p>
             <a:fld id="{DB96A1BF-7A60-4A28-908B-BEE221AF7F3D}" type="datetimeFigureOut">
               <a:rPr lang="en-US" smtClean="0"/>
-              <a:t>3/19/2024</a:t>
+              <a:t>3/21/2024</a:t>
             </a:fld>
             <a:endParaRPr lang="en-US"/>
           </a:p>
@@ -4561,7 +4566,7 @@
           <a:p>
             <a:fld id="{DB96A1BF-7A60-4A28-908B-BEE221AF7F3D}" type="datetimeFigureOut">
               <a:rPr lang="en-US" smtClean="0"/>
-              <a:t>3/19/2024</a:t>
+              <a:t>3/21/2024</a:t>
             </a:fld>
             <a:endParaRPr lang="en-US"/>
           </a:p>
@@ -4816,7 +4821,7 @@
           <a:p>
             <a:fld id="{DB96A1BF-7A60-4A28-908B-BEE221AF7F3D}" type="datetimeFigureOut">
               <a:rPr lang="en-US" smtClean="0"/>
-              <a:t>3/19/2024</a:t>
+              <a:t>3/21/2024</a:t>
             </a:fld>
             <a:endParaRPr lang="en-US"/>
           </a:p>
@@ -5116,7 +5121,7 @@
           <a:p>
             <a:fld id="{DB96A1BF-7A60-4A28-908B-BEE221AF7F3D}" type="datetimeFigureOut">
               <a:rPr lang="en-US" smtClean="0"/>
-              <a:t>3/19/2024</a:t>
+              <a:t>3/21/2024</a:t>
             </a:fld>
             <a:endParaRPr lang="en-US"/>
           </a:p>
@@ -5350,7 +5355,7 @@
           <a:p>
             <a:fld id="{DB96A1BF-7A60-4A28-908B-BEE221AF7F3D}" type="datetimeFigureOut">
               <a:rPr lang="en-US" smtClean="0"/>
-              <a:t>3/19/2024</a:t>
+              <a:t>3/21/2024</a:t>
             </a:fld>
             <a:endParaRPr lang="en-US"/>
           </a:p>
@@ -21598,6 +21603,11 @@
           <a:p>
             <a:r>
               <a:rPr lang="en-US" sz="1000">
+                <a:solidFill>
+                  <a:schemeClr val="tx1">
+                    <a:lumMod val="65000"/>
+                  </a:schemeClr>
+                </a:solidFill>
                 <a:latin typeface="Consolas" panose="020B0609020204030204" pitchFamily="49" charset="0"/>
               </a:rPr>
               <a:t>- The key is used for global setting</a:t>
@@ -21605,31 +21615,28 @@
           </a:p>
           <a:p>
             <a:r>
-              <a:rPr lang="en-US" sz="1000">
+              <a:rPr lang="en-US" sz="1000" b="1">
                 <a:latin typeface="Consolas" panose="020B0609020204030204" pitchFamily="49" charset="0"/>
               </a:rPr>
-              <a:t>SET CURRENT_PATCH {patch_indicator}</a:t>
+              <a:t>SET</a:t>
             </a:r>
-          </a:p>
-          <a:p>
-            <a:endParaRPr lang="en-US" sz="1000">
-              <a:latin typeface="Consolas" panose="020B0609020204030204" pitchFamily="49" charset="0"/>
-            </a:endParaRPr>
-          </a:p>
-          <a:p>
             <a:r>
               <a:rPr lang="en-US" sz="1000">
                 <a:latin typeface="Consolas" panose="020B0609020204030204" pitchFamily="49" charset="0"/>
               </a:rPr>
-              <a:t>- The key is the number of the current sample in the patch</a:t>
+              <a:t> </a:t>
             </a:r>
-          </a:p>
-          <a:p>
+            <a:r>
+              <a:rPr lang="en-US" sz="1000" b="1">
+                <a:latin typeface="Consolas" panose="020B0609020204030204" pitchFamily="49" charset="0"/>
+              </a:rPr>
+              <a:t>CURRENT_PATCH</a:t>
+            </a:r>
             <a:r>
               <a:rPr lang="en-US" sz="1000">
                 <a:latin typeface="Consolas" panose="020B0609020204030204" pitchFamily="49" charset="0"/>
               </a:rPr>
-              <a:t>SET CURRENT_NUM_PATCH {number}</a:t>
+              <a:t> {patch_indicator}</a:t>
             </a:r>
           </a:p>
           <a:p>
@@ -21638,24 +21645,83 @@
             </a:endParaRPr>
           </a:p>
           <a:p>
+            <a:r>
+              <a:rPr lang="en-US" sz="1000">
+                <a:solidFill>
+                  <a:schemeClr val="tx1">
+                    <a:lumMod val="65000"/>
+                  </a:schemeClr>
+                </a:solidFill>
+                <a:latin typeface="Consolas" panose="020B0609020204030204" pitchFamily="49" charset="0"/>
+              </a:rPr>
+              <a:t>- The key is the number of the current sample in the patch</a:t>
+            </a:r>
+          </a:p>
+          <a:p>
+            <a:r>
+              <a:rPr lang="en-US" sz="1000" b="1">
+                <a:latin typeface="Consolas" panose="020B0609020204030204" pitchFamily="49" charset="0"/>
+              </a:rPr>
+              <a:t>SET</a:t>
+            </a:r>
             <a:r>
               <a:rPr lang="en-US" sz="1000">
                 <a:latin typeface="Consolas" panose="020B0609020204030204" pitchFamily="49" charset="0"/>
               </a:rPr>
-              <a:t>- redis db key format:</a:t>
+              <a:t> </a:t>
             </a:r>
-          </a:p>
-          <a:p>
+            <a:r>
+              <a:rPr lang="en-US" sz="1000" b="1">
+                <a:latin typeface="Consolas" panose="020B0609020204030204" pitchFamily="49" charset="0"/>
+              </a:rPr>
+              <a:t>CURRENT_NUM_PATCH</a:t>
+            </a:r>
             <a:r>
               <a:rPr lang="en-US" sz="1000">
                 <a:latin typeface="Consolas" panose="020B0609020204030204" pitchFamily="49" charset="0"/>
               </a:rPr>
+              <a:t> {number}</a:t>
+            </a:r>
+          </a:p>
+          <a:p>
+            <a:endParaRPr lang="en-US" sz="1000">
+              <a:latin typeface="Consolas" panose="020B0609020204030204" pitchFamily="49" charset="0"/>
+            </a:endParaRPr>
+          </a:p>
+          <a:p>
+            <a:r>
+              <a:rPr lang="en-US" sz="1000">
+                <a:solidFill>
+                  <a:schemeClr val="tx1">
+                    <a:lumMod val="65000"/>
+                  </a:schemeClr>
+                </a:solidFill>
+                <a:latin typeface="Consolas" panose="020B0609020204030204" pitchFamily="49" charset="0"/>
+              </a:rPr>
+              <a:t>- redis db key format:</a:t>
+            </a:r>
+          </a:p>
+          <a:p>
+            <a:r>
+              <a:rPr lang="en-US" sz="1000">
+                <a:solidFill>
+                  <a:schemeClr val="tx1">
+                    <a:lumMod val="65000"/>
+                  </a:schemeClr>
+                </a:solidFill>
+                <a:latin typeface="Consolas" panose="020B0609020204030204" pitchFamily="49" charset="0"/>
+              </a:rPr>
               <a:t>	- mod: [0, 1, ..., 7]</a:t>
             </a:r>
           </a:p>
           <a:p>
             <a:r>
               <a:rPr lang="en-US" sz="1000">
+                <a:solidFill>
+                  <a:schemeClr val="tx1">
+                    <a:lumMod val="65000"/>
+                  </a:schemeClr>
+                </a:solidFill>
                 <a:latin typeface="Consolas" panose="020B0609020204030204" pitchFamily="49" charset="0"/>
               </a:rPr>
               <a:t>	- pdu_length: [0, 1, ..., 1499]</a:t>
@@ -21664,6 +21730,11 @@
           <a:p>
             <a:r>
               <a:rPr lang="en-US" sz="1000">
+                <a:solidFill>
+                  <a:schemeClr val="tx1">
+                    <a:lumMod val="65000"/>
+                  </a:schemeClr>
+                </a:solidFill>
                 <a:latin typeface="Consolas" panose="020B0609020204030204" pitchFamily="49" charset="0"/>
               </a:rPr>
               <a:t>	- patch_indicator: Indicating which patch by serial number or timestamp</a:t>
@@ -21672,6 +21743,11 @@
           <a:p>
             <a:r>
               <a:rPr lang="en-US" sz="1000">
+                <a:solidFill>
+                  <a:schemeClr val="tx1">
+                    <a:lumMod val="65000"/>
+                  </a:schemeClr>
+                </a:solidFill>
                 <a:latin typeface="Consolas" panose="020B0609020204030204" pitchFamily="49" charset="0"/>
               </a:rPr>
               <a:t>	- number: [0, 1, ..., 999]</a:t>
@@ -21684,10 +21760,10 @@
           </a:p>
           <a:p>
             <a:r>
-              <a:rPr lang="en-US" sz="1000">
+              <a:rPr lang="en-US" sz="1000" b="1">
                 <a:latin typeface="Consolas" panose="020B0609020204030204" pitchFamily="49" charset="0"/>
               </a:rPr>
-              <a:t>WIRELESS_PACKET:WIFI:{mod}:{pdu_length}:{patch_indicator}:{number}</a:t>
+              <a:t>SYSTEM:COLLECT:WIFI:{mod}:{pdu_length}:{patch_indicator}:{number}</a:t>
             </a:r>
           </a:p>
           <a:p>
@@ -21698,6 +21774,11 @@
           <a:p>
             <a:r>
               <a:rPr lang="en-US" sz="1000">
+                <a:solidFill>
+                  <a:schemeClr val="tx1">
+                    <a:lumMod val="65000"/>
+                  </a:schemeClr>
+                </a:solidFill>
                 <a:latin typeface="Consolas" panose="020B0609020204030204" pitchFamily="49" charset="0"/>
               </a:rPr>
               <a:t>Example:</a:t>
@@ -21706,22 +21787,37 @@
           <a:p>
             <a:r>
               <a:rPr lang="en-US" sz="1000">
+                <a:solidFill>
+                  <a:schemeClr val="tx1">
+                    <a:lumMod val="65000"/>
+                  </a:schemeClr>
+                </a:solidFill>
                 <a:latin typeface="Consolas" panose="020B0609020204030204" pitchFamily="49" charset="0"/>
               </a:rPr>
-              <a:t>	WIRELESS_PACKET:WIFI:0:40:12:870</a:t>
+              <a:t>	SYSTEM:COLLECT:WIFI:0:40:12:870</a:t>
             </a:r>
           </a:p>
           <a:p>
             <a:r>
               <a:rPr lang="en-US" sz="1000">
+                <a:solidFill>
+                  <a:schemeClr val="tx1">
+                    <a:lumMod val="65000"/>
+                  </a:schemeClr>
+                </a:solidFill>
                 <a:latin typeface="Consolas" panose="020B0609020204030204" pitchFamily="49" charset="0"/>
               </a:rPr>
-              <a:t>	WIRELESS_PACKET:WIFI:0:40:2024_03_21_23_59:870</a:t>
+              <a:t>	SYSTEM:COLLECT:WIFI:0:40:2024_03_21_23_59:870</a:t>
             </a:r>
           </a:p>
           <a:p>
             <a:r>
               <a:rPr lang="en-US" sz="1000">
+                <a:solidFill>
+                  <a:schemeClr val="tx1">
+                    <a:lumMod val="65000"/>
+                  </a:schemeClr>
+                </a:solidFill>
                 <a:latin typeface="Consolas" panose="020B0609020204030204" pitchFamily="49" charset="0"/>
               </a:rPr>
               <a:t>	</a:t>
@@ -22357,6 +22453,920 @@
                 <a:latin typeface="Consolas" panose="020B0609020204030204" pitchFamily="49" charset="0"/>
               </a:rPr>
               <a:t>text</a:t>
+            </a:r>
+          </a:p>
+        </p:txBody>
+      </p:sp>
+      <p:sp>
+        <p:nvSpPr>
+          <p:cNvPr id="2" name="Rectangle: Rounded Corners 1">
+            <a:extLst>
+              <a:ext uri="{FF2B5EF4-FFF2-40B4-BE49-F238E27FC236}">
+                <a16:creationId xmlns:a16="http://schemas.microsoft.com/office/drawing/2014/main" id="{12489FE0-B1BF-82F0-20A9-490451A10C68}"/>
+              </a:ext>
+            </a:extLst>
+          </p:cNvPr>
+          <p:cNvSpPr/>
+          <p:nvPr/>
+        </p:nvSpPr>
+        <p:spPr>
+          <a:xfrm>
+            <a:off x="8713570" y="2988384"/>
+            <a:ext cx="1627502" cy="277318"/>
+          </a:xfrm>
+          <a:prstGeom prst="roundRect">
+            <a:avLst/>
+          </a:prstGeom>
+        </p:spPr>
+        <p:style>
+          <a:lnRef idx="2">
+            <a:schemeClr val="accent3">
+              <a:shade val="15000"/>
+            </a:schemeClr>
+          </a:lnRef>
+          <a:fillRef idx="1">
+            <a:schemeClr val="accent3"/>
+          </a:fillRef>
+          <a:effectRef idx="0">
+            <a:schemeClr val="accent3"/>
+          </a:effectRef>
+          <a:fontRef idx="minor">
+            <a:schemeClr val="lt1"/>
+          </a:fontRef>
+        </p:style>
+        <p:txBody>
+          <a:bodyPr rtlCol="0" anchor="ctr"/>
+          <a:lstStyle/>
+          <a:p>
+            <a:pPr algn="ctr"/>
+            <a:endParaRPr lang="en-US" sz="1000">
+              <a:latin typeface="Consolas" panose="020B0609020204030204" pitchFamily="49" charset="0"/>
+            </a:endParaRPr>
+          </a:p>
+        </p:txBody>
+      </p:sp>
+      <p:sp>
+        <p:nvSpPr>
+          <p:cNvPr id="3" name="Rectangle: Rounded Corners 2">
+            <a:extLst>
+              <a:ext uri="{FF2B5EF4-FFF2-40B4-BE49-F238E27FC236}">
+                <a16:creationId xmlns:a16="http://schemas.microsoft.com/office/drawing/2014/main" id="{998C7178-FB8E-7999-46ED-834CEF8F1C72}"/>
+              </a:ext>
+            </a:extLst>
+          </p:cNvPr>
+          <p:cNvSpPr/>
+          <p:nvPr/>
+        </p:nvSpPr>
+        <p:spPr>
+          <a:xfrm>
+            <a:off x="1134970" y="2990537"/>
+            <a:ext cx="7578600" cy="277318"/>
+          </a:xfrm>
+          <a:prstGeom prst="roundRect">
+            <a:avLst/>
+          </a:prstGeom>
+        </p:spPr>
+        <p:style>
+          <a:lnRef idx="2">
+            <a:schemeClr val="accent4">
+              <a:shade val="15000"/>
+            </a:schemeClr>
+          </a:lnRef>
+          <a:fillRef idx="1">
+            <a:schemeClr val="accent4"/>
+          </a:fillRef>
+          <a:effectRef idx="0">
+            <a:schemeClr val="accent4"/>
+          </a:effectRef>
+          <a:fontRef idx="minor">
+            <a:schemeClr val="lt1"/>
+          </a:fontRef>
+        </p:style>
+        <p:txBody>
+          <a:bodyPr rtlCol="0" anchor="ctr"/>
+          <a:lstStyle/>
+          <a:p>
+            <a:pPr algn="ctr"/>
+            <a:endParaRPr lang="en-US" sz="1000">
+              <a:latin typeface="Consolas" panose="020B0609020204030204" pitchFamily="49" charset="0"/>
+            </a:endParaRPr>
+          </a:p>
+        </p:txBody>
+      </p:sp>
+      <p:sp>
+        <p:nvSpPr>
+          <p:cNvPr id="8" name="Rectangle: Rounded Corners 7">
+            <a:extLst>
+              <a:ext uri="{FF2B5EF4-FFF2-40B4-BE49-F238E27FC236}">
+                <a16:creationId xmlns:a16="http://schemas.microsoft.com/office/drawing/2014/main" id="{D62B06F2-E0BC-1D7E-B1C3-B7CE807023B3}"/>
+              </a:ext>
+            </a:extLst>
+          </p:cNvPr>
+          <p:cNvSpPr/>
+          <p:nvPr/>
+        </p:nvSpPr>
+        <p:spPr>
+          <a:xfrm>
+            <a:off x="227351" y="3301583"/>
+            <a:ext cx="11443563" cy="127417"/>
+          </a:xfrm>
+          <a:prstGeom prst="roundRect">
+            <a:avLst/>
+          </a:prstGeom>
+        </p:spPr>
+        <p:style>
+          <a:lnRef idx="2">
+            <a:schemeClr val="accent1"/>
+          </a:lnRef>
+          <a:fillRef idx="1">
+            <a:schemeClr val="lt1"/>
+          </a:fillRef>
+          <a:effectRef idx="0">
+            <a:schemeClr val="accent1"/>
+          </a:effectRef>
+          <a:fontRef idx="minor">
+            <a:schemeClr val="dk1"/>
+          </a:fontRef>
+        </p:style>
+        <p:txBody>
+          <a:bodyPr rtlCol="0" anchor="ctr"/>
+          <a:lstStyle/>
+          <a:p>
+            <a:pPr algn="ctr"/>
+            <a:endParaRPr lang="en-US" sz="1000">
+              <a:latin typeface="Consolas" panose="020B0609020204030204" pitchFamily="49" charset="0"/>
+            </a:endParaRPr>
+          </a:p>
+        </p:txBody>
+      </p:sp>
+      <p:sp>
+        <p:nvSpPr>
+          <p:cNvPr id="9" name="Rectangle: Rounded Corners 8">
+            <a:extLst>
+              <a:ext uri="{FF2B5EF4-FFF2-40B4-BE49-F238E27FC236}">
+                <a16:creationId xmlns:a16="http://schemas.microsoft.com/office/drawing/2014/main" id="{CF30AB9D-ED28-E478-F9EB-BB3B9A540F9C}"/>
+              </a:ext>
+            </a:extLst>
+          </p:cNvPr>
+          <p:cNvSpPr/>
+          <p:nvPr/>
+        </p:nvSpPr>
+        <p:spPr>
+          <a:xfrm>
+            <a:off x="227351" y="3522689"/>
+            <a:ext cx="11443563" cy="277318"/>
+          </a:xfrm>
+          <a:prstGeom prst="roundRect">
+            <a:avLst/>
+          </a:prstGeom>
+        </p:spPr>
+        <p:style>
+          <a:lnRef idx="2">
+            <a:schemeClr val="accent6">
+              <a:shade val="15000"/>
+            </a:schemeClr>
+          </a:lnRef>
+          <a:fillRef idx="1">
+            <a:schemeClr val="accent6"/>
+          </a:fillRef>
+          <a:effectRef idx="0">
+            <a:schemeClr val="accent6"/>
+          </a:effectRef>
+          <a:fontRef idx="minor">
+            <a:schemeClr val="lt1"/>
+          </a:fontRef>
+        </p:style>
+        <p:txBody>
+          <a:bodyPr rtlCol="0" anchor="ctr"/>
+          <a:lstStyle/>
+          <a:p>
+            <a:pPr algn="ctr"/>
+            <a:endParaRPr lang="en-US" sz="1000">
+              <a:latin typeface="Consolas" panose="020B0609020204030204" pitchFamily="49" charset="0"/>
+            </a:endParaRPr>
+          </a:p>
+        </p:txBody>
+      </p:sp>
+      <p:sp>
+        <p:nvSpPr>
+          <p:cNvPr id="10" name="Rectangle: Rounded Corners 9">
+            <a:extLst>
+              <a:ext uri="{FF2B5EF4-FFF2-40B4-BE49-F238E27FC236}">
+                <a16:creationId xmlns:a16="http://schemas.microsoft.com/office/drawing/2014/main" id="{CB0B65DD-007B-C2D3-A998-72249F1442AA}"/>
+              </a:ext>
+            </a:extLst>
+          </p:cNvPr>
+          <p:cNvSpPr/>
+          <p:nvPr/>
+        </p:nvSpPr>
+        <p:spPr>
+          <a:xfrm>
+            <a:off x="2934858" y="4087290"/>
+            <a:ext cx="4062335" cy="277318"/>
+          </a:xfrm>
+          <a:prstGeom prst="roundRect">
+            <a:avLst/>
+          </a:prstGeom>
+        </p:spPr>
+        <p:style>
+          <a:lnRef idx="2">
+            <a:schemeClr val="accent6">
+              <a:shade val="15000"/>
+            </a:schemeClr>
+          </a:lnRef>
+          <a:fillRef idx="1">
+            <a:schemeClr val="accent6"/>
+          </a:fillRef>
+          <a:effectRef idx="0">
+            <a:schemeClr val="accent6"/>
+          </a:effectRef>
+          <a:fontRef idx="minor">
+            <a:schemeClr val="lt1"/>
+          </a:fontRef>
+        </p:style>
+        <p:txBody>
+          <a:bodyPr rtlCol="0" anchor="ctr"/>
+          <a:lstStyle/>
+          <a:p>
+            <a:pPr algn="ctr"/>
+            <a:endParaRPr lang="en-US" sz="1000">
+              <a:latin typeface="Consolas" panose="020B0609020204030204" pitchFamily="49" charset="0"/>
+            </a:endParaRPr>
+          </a:p>
+        </p:txBody>
+      </p:sp>
+      <p:sp>
+        <p:nvSpPr>
+          <p:cNvPr id="11" name="Rectangle: Rounded Corners 10">
+            <a:extLst>
+              <a:ext uri="{FF2B5EF4-FFF2-40B4-BE49-F238E27FC236}">
+                <a16:creationId xmlns:a16="http://schemas.microsoft.com/office/drawing/2014/main" id="{5526B423-EEFD-8F98-1669-2054BD3C4CDF}"/>
+              </a:ext>
+            </a:extLst>
+          </p:cNvPr>
+          <p:cNvSpPr/>
+          <p:nvPr/>
+        </p:nvSpPr>
+        <p:spPr>
+          <a:xfrm>
+            <a:off x="5128778" y="4600863"/>
+            <a:ext cx="4062335" cy="277318"/>
+          </a:xfrm>
+          <a:prstGeom prst="roundRect">
+            <a:avLst/>
+          </a:prstGeom>
+        </p:spPr>
+        <p:style>
+          <a:lnRef idx="2">
+            <a:schemeClr val="accent6">
+              <a:shade val="15000"/>
+            </a:schemeClr>
+          </a:lnRef>
+          <a:fillRef idx="1">
+            <a:schemeClr val="accent6"/>
+          </a:fillRef>
+          <a:effectRef idx="0">
+            <a:schemeClr val="accent6"/>
+          </a:effectRef>
+          <a:fontRef idx="minor">
+            <a:schemeClr val="lt1"/>
+          </a:fontRef>
+        </p:style>
+        <p:txBody>
+          <a:bodyPr rtlCol="0" anchor="ctr"/>
+          <a:lstStyle/>
+          <a:p>
+            <a:pPr algn="ctr"/>
+            <a:endParaRPr lang="en-US" sz="1000">
+              <a:latin typeface="Consolas" panose="020B0609020204030204" pitchFamily="49" charset="0"/>
+            </a:endParaRPr>
+          </a:p>
+        </p:txBody>
+      </p:sp>
+      <p:sp>
+        <p:nvSpPr>
+          <p:cNvPr id="14" name="Rectangle: Rounded Corners 13">
+            <a:extLst>
+              <a:ext uri="{FF2B5EF4-FFF2-40B4-BE49-F238E27FC236}">
+                <a16:creationId xmlns:a16="http://schemas.microsoft.com/office/drawing/2014/main" id="{F7877CA5-0431-CBC2-586D-667EB1AD2B4C}"/>
+              </a:ext>
+            </a:extLst>
+          </p:cNvPr>
+          <p:cNvSpPr/>
+          <p:nvPr/>
+        </p:nvSpPr>
+        <p:spPr>
+          <a:xfrm>
+            <a:off x="6850505" y="5065558"/>
+            <a:ext cx="4062335" cy="277318"/>
+          </a:xfrm>
+          <a:prstGeom prst="roundRect">
+            <a:avLst/>
+          </a:prstGeom>
+        </p:spPr>
+        <p:style>
+          <a:lnRef idx="2">
+            <a:schemeClr val="accent6">
+              <a:shade val="15000"/>
+            </a:schemeClr>
+          </a:lnRef>
+          <a:fillRef idx="1">
+            <a:schemeClr val="accent6"/>
+          </a:fillRef>
+          <a:effectRef idx="0">
+            <a:schemeClr val="accent6"/>
+          </a:effectRef>
+          <a:fontRef idx="minor">
+            <a:schemeClr val="lt1"/>
+          </a:fontRef>
+        </p:style>
+        <p:txBody>
+          <a:bodyPr rtlCol="0" anchor="ctr"/>
+          <a:lstStyle/>
+          <a:p>
+            <a:pPr algn="ctr"/>
+            <a:endParaRPr lang="en-US" sz="1000">
+              <a:latin typeface="Consolas" panose="020B0609020204030204" pitchFamily="49" charset="0"/>
+            </a:endParaRPr>
+          </a:p>
+        </p:txBody>
+      </p:sp>
+      <p:sp>
+        <p:nvSpPr>
+          <p:cNvPr id="15" name="TextBox 14">
+            <a:extLst>
+              <a:ext uri="{FF2B5EF4-FFF2-40B4-BE49-F238E27FC236}">
+                <a16:creationId xmlns:a16="http://schemas.microsoft.com/office/drawing/2014/main" id="{CECFCCDE-4201-C458-608A-15D8FE22D4A4}"/>
+              </a:ext>
+            </a:extLst>
+          </p:cNvPr>
+          <p:cNvSpPr txBox="1"/>
+          <p:nvPr/>
+        </p:nvSpPr>
+        <p:spPr>
+          <a:xfrm>
+            <a:off x="4966026" y="1024038"/>
+            <a:ext cx="2229253" cy="584775"/>
+          </a:xfrm>
+          <a:prstGeom prst="rect">
+            <a:avLst/>
+          </a:prstGeom>
+          <a:noFill/>
+        </p:spPr>
+        <p:txBody>
+          <a:bodyPr wrap="square" rtlCol="0">
+            <a:spAutoFit/>
+          </a:bodyPr>
+          <a:lstStyle/>
+          <a:p>
+            <a:pPr algn="ctr"/>
+            <a:r>
+              <a:rPr lang="en-US" sz="3200">
+                <a:latin typeface="Consolas" panose="020B0609020204030204" pitchFamily="49" charset="0"/>
+              </a:rPr>
+              <a:t>SNR</a:t>
+            </a:r>
+          </a:p>
+        </p:txBody>
+      </p:sp>
+      <p:sp>
+        <p:nvSpPr>
+          <p:cNvPr id="23" name="TextBox 22">
+            <a:extLst>
+              <a:ext uri="{FF2B5EF4-FFF2-40B4-BE49-F238E27FC236}">
+                <a16:creationId xmlns:a16="http://schemas.microsoft.com/office/drawing/2014/main" id="{D8F5E42B-BC92-4779-1621-F760E9C173EC}"/>
+              </a:ext>
+            </a:extLst>
+          </p:cNvPr>
+          <p:cNvSpPr txBox="1"/>
+          <p:nvPr/>
+        </p:nvSpPr>
+        <p:spPr>
+          <a:xfrm>
+            <a:off x="4966026" y="1518313"/>
+            <a:ext cx="2229253" cy="584775"/>
+          </a:xfrm>
+          <a:prstGeom prst="rect">
+            <a:avLst/>
+          </a:prstGeom>
+          <a:noFill/>
+        </p:spPr>
+        <p:txBody>
+          <a:bodyPr wrap="square" rtlCol="0">
+            <a:spAutoFit/>
+          </a:bodyPr>
+          <a:lstStyle/>
+          <a:p>
+            <a:pPr algn="ctr"/>
+            <a:r>
+              <a:rPr lang="en-US" sz="3200">
+                <a:latin typeface="Consolas" panose="020B0609020204030204" pitchFamily="49" charset="0"/>
+              </a:rPr>
+              <a:t>SINR</a:t>
+            </a:r>
+          </a:p>
+        </p:txBody>
+      </p:sp>
+      <p:sp>
+        <p:nvSpPr>
+          <p:cNvPr id="24" name="Rectangle: Rounded Corners 23">
+            <a:extLst>
+              <a:ext uri="{FF2B5EF4-FFF2-40B4-BE49-F238E27FC236}">
+                <a16:creationId xmlns:a16="http://schemas.microsoft.com/office/drawing/2014/main" id="{2C517285-63A6-368A-EF8B-2D5560804F28}"/>
+              </a:ext>
+            </a:extLst>
+          </p:cNvPr>
+          <p:cNvSpPr/>
+          <p:nvPr/>
+        </p:nvSpPr>
+        <p:spPr>
+          <a:xfrm>
+            <a:off x="1841649" y="2573484"/>
+            <a:ext cx="1212063" cy="277318"/>
+          </a:xfrm>
+          <a:prstGeom prst="roundRect">
+            <a:avLst/>
+          </a:prstGeom>
+        </p:spPr>
+        <p:style>
+          <a:lnRef idx="2">
+            <a:schemeClr val="accent5">
+              <a:shade val="15000"/>
+            </a:schemeClr>
+          </a:lnRef>
+          <a:fillRef idx="1">
+            <a:schemeClr val="accent5"/>
+          </a:fillRef>
+          <a:effectRef idx="0">
+            <a:schemeClr val="accent5"/>
+          </a:effectRef>
+          <a:fontRef idx="minor">
+            <a:schemeClr val="lt1"/>
+          </a:fontRef>
+        </p:style>
+        <p:txBody>
+          <a:bodyPr rtlCol="0" anchor="ctr"/>
+          <a:lstStyle/>
+          <a:p>
+            <a:pPr algn="ctr"/>
+            <a:endParaRPr lang="en-US" sz="1000">
+              <a:latin typeface="Consolas" panose="020B0609020204030204" pitchFamily="49" charset="0"/>
+            </a:endParaRPr>
+          </a:p>
+        </p:txBody>
+      </p:sp>
+      <p:sp>
+        <p:nvSpPr>
+          <p:cNvPr id="25" name="Rectangle: Rounded Corners 24">
+            <a:extLst>
+              <a:ext uri="{FF2B5EF4-FFF2-40B4-BE49-F238E27FC236}">
+                <a16:creationId xmlns:a16="http://schemas.microsoft.com/office/drawing/2014/main" id="{D270F8B1-675C-C0C6-AABE-8D373B3A9016}"/>
+              </a:ext>
+            </a:extLst>
+          </p:cNvPr>
+          <p:cNvSpPr/>
+          <p:nvPr/>
+        </p:nvSpPr>
+        <p:spPr>
+          <a:xfrm>
+            <a:off x="3063347" y="2573484"/>
+            <a:ext cx="1212063" cy="277318"/>
+          </a:xfrm>
+          <a:prstGeom prst="roundRect">
+            <a:avLst/>
+          </a:prstGeom>
+        </p:spPr>
+        <p:style>
+          <a:lnRef idx="2">
+            <a:schemeClr val="accent5">
+              <a:shade val="15000"/>
+            </a:schemeClr>
+          </a:lnRef>
+          <a:fillRef idx="1">
+            <a:schemeClr val="accent5"/>
+          </a:fillRef>
+          <a:effectRef idx="0">
+            <a:schemeClr val="accent5"/>
+          </a:effectRef>
+          <a:fontRef idx="minor">
+            <a:schemeClr val="lt1"/>
+          </a:fontRef>
+        </p:style>
+        <p:txBody>
+          <a:bodyPr rtlCol="0" anchor="ctr"/>
+          <a:lstStyle/>
+          <a:p>
+            <a:pPr algn="ctr"/>
+            <a:endParaRPr lang="en-US" sz="1000">
+              <a:latin typeface="Consolas" panose="020B0609020204030204" pitchFamily="49" charset="0"/>
+            </a:endParaRPr>
+          </a:p>
+        </p:txBody>
+      </p:sp>
+      <p:sp>
+        <p:nvSpPr>
+          <p:cNvPr id="26" name="Rectangle: Rounded Corners 25">
+            <a:extLst>
+              <a:ext uri="{FF2B5EF4-FFF2-40B4-BE49-F238E27FC236}">
+                <a16:creationId xmlns:a16="http://schemas.microsoft.com/office/drawing/2014/main" id="{6D5BA92F-812F-ED8D-D6B7-564AE344E6AD}"/>
+              </a:ext>
+            </a:extLst>
+          </p:cNvPr>
+          <p:cNvSpPr/>
+          <p:nvPr/>
+        </p:nvSpPr>
+        <p:spPr>
+          <a:xfrm>
+            <a:off x="4275410" y="2573484"/>
+            <a:ext cx="1212063" cy="277318"/>
+          </a:xfrm>
+          <a:prstGeom prst="roundRect">
+            <a:avLst/>
+          </a:prstGeom>
+        </p:spPr>
+        <p:style>
+          <a:lnRef idx="2">
+            <a:schemeClr val="accent5">
+              <a:shade val="15000"/>
+            </a:schemeClr>
+          </a:lnRef>
+          <a:fillRef idx="1">
+            <a:schemeClr val="accent5"/>
+          </a:fillRef>
+          <a:effectRef idx="0">
+            <a:schemeClr val="accent5"/>
+          </a:effectRef>
+          <a:fontRef idx="minor">
+            <a:schemeClr val="lt1"/>
+          </a:fontRef>
+        </p:style>
+        <p:txBody>
+          <a:bodyPr rtlCol="0" anchor="ctr"/>
+          <a:lstStyle/>
+          <a:p>
+            <a:pPr algn="ctr"/>
+            <a:endParaRPr lang="en-US" sz="1000">
+              <a:latin typeface="Consolas" panose="020B0609020204030204" pitchFamily="49" charset="0"/>
+            </a:endParaRPr>
+          </a:p>
+        </p:txBody>
+      </p:sp>
+      <p:sp>
+        <p:nvSpPr>
+          <p:cNvPr id="27" name="Rectangle: Rounded Corners 26">
+            <a:extLst>
+              <a:ext uri="{FF2B5EF4-FFF2-40B4-BE49-F238E27FC236}">
+                <a16:creationId xmlns:a16="http://schemas.microsoft.com/office/drawing/2014/main" id="{764CEB56-1179-C4BE-3989-2B19372ED02A}"/>
+              </a:ext>
+            </a:extLst>
+          </p:cNvPr>
+          <p:cNvSpPr/>
+          <p:nvPr/>
+        </p:nvSpPr>
+        <p:spPr>
+          <a:xfrm>
+            <a:off x="5487473" y="2573484"/>
+            <a:ext cx="1212063" cy="277318"/>
+          </a:xfrm>
+          <a:prstGeom prst="roundRect">
+            <a:avLst/>
+          </a:prstGeom>
+        </p:spPr>
+        <p:style>
+          <a:lnRef idx="2">
+            <a:schemeClr val="accent5">
+              <a:shade val="15000"/>
+            </a:schemeClr>
+          </a:lnRef>
+          <a:fillRef idx="1">
+            <a:schemeClr val="accent5"/>
+          </a:fillRef>
+          <a:effectRef idx="0">
+            <a:schemeClr val="accent5"/>
+          </a:effectRef>
+          <a:fontRef idx="minor">
+            <a:schemeClr val="lt1"/>
+          </a:fontRef>
+        </p:style>
+        <p:txBody>
+          <a:bodyPr rtlCol="0" anchor="ctr"/>
+          <a:lstStyle/>
+          <a:p>
+            <a:pPr algn="ctr"/>
+            <a:endParaRPr lang="en-US" sz="1000">
+              <a:latin typeface="Consolas" panose="020B0609020204030204" pitchFamily="49" charset="0"/>
+            </a:endParaRPr>
+          </a:p>
+        </p:txBody>
+      </p:sp>
+      <p:sp>
+        <p:nvSpPr>
+          <p:cNvPr id="28" name="Rectangle: Rounded Corners 27">
+            <a:extLst>
+              <a:ext uri="{FF2B5EF4-FFF2-40B4-BE49-F238E27FC236}">
+                <a16:creationId xmlns:a16="http://schemas.microsoft.com/office/drawing/2014/main" id="{CB8E2891-60E5-2578-02A3-4E027479BF77}"/>
+              </a:ext>
+            </a:extLst>
+          </p:cNvPr>
+          <p:cNvSpPr/>
+          <p:nvPr/>
+        </p:nvSpPr>
+        <p:spPr>
+          <a:xfrm>
+            <a:off x="6709171" y="2573484"/>
+            <a:ext cx="1212063" cy="277318"/>
+          </a:xfrm>
+          <a:prstGeom prst="roundRect">
+            <a:avLst/>
+          </a:prstGeom>
+        </p:spPr>
+        <p:style>
+          <a:lnRef idx="2">
+            <a:schemeClr val="accent5">
+              <a:shade val="15000"/>
+            </a:schemeClr>
+          </a:lnRef>
+          <a:fillRef idx="1">
+            <a:schemeClr val="accent5"/>
+          </a:fillRef>
+          <a:effectRef idx="0">
+            <a:schemeClr val="accent5"/>
+          </a:effectRef>
+          <a:fontRef idx="minor">
+            <a:schemeClr val="lt1"/>
+          </a:fontRef>
+        </p:style>
+        <p:txBody>
+          <a:bodyPr rtlCol="0" anchor="ctr"/>
+          <a:lstStyle/>
+          <a:p>
+            <a:pPr algn="ctr"/>
+            <a:endParaRPr lang="en-US" sz="1000">
+              <a:latin typeface="Consolas" panose="020B0609020204030204" pitchFamily="49" charset="0"/>
+            </a:endParaRPr>
+          </a:p>
+        </p:txBody>
+      </p:sp>
+      <p:sp>
+        <p:nvSpPr>
+          <p:cNvPr id="30" name="Rectangle: Rounded Corners 29">
+            <a:extLst>
+              <a:ext uri="{FF2B5EF4-FFF2-40B4-BE49-F238E27FC236}">
+                <a16:creationId xmlns:a16="http://schemas.microsoft.com/office/drawing/2014/main" id="{A6D4AA6E-DC77-45EE-A858-5A0CCE6D0997}"/>
+              </a:ext>
+            </a:extLst>
+          </p:cNvPr>
+          <p:cNvSpPr/>
+          <p:nvPr/>
+        </p:nvSpPr>
+        <p:spPr>
+          <a:xfrm>
+            <a:off x="7930869" y="2569457"/>
+            <a:ext cx="2414491" cy="277318"/>
+          </a:xfrm>
+          <a:prstGeom prst="roundRect">
+            <a:avLst/>
+          </a:prstGeom>
+        </p:spPr>
+        <p:style>
+          <a:lnRef idx="2">
+            <a:schemeClr val="accent5">
+              <a:shade val="15000"/>
+            </a:schemeClr>
+          </a:lnRef>
+          <a:fillRef idx="1">
+            <a:schemeClr val="accent5"/>
+          </a:fillRef>
+          <a:effectRef idx="0">
+            <a:schemeClr val="accent5"/>
+          </a:effectRef>
+          <a:fontRef idx="minor">
+            <a:schemeClr val="lt1"/>
+          </a:fontRef>
+        </p:style>
+        <p:txBody>
+          <a:bodyPr rtlCol="0" anchor="ctr"/>
+          <a:lstStyle/>
+          <a:p>
+            <a:pPr algn="ctr"/>
+            <a:endParaRPr lang="en-US" sz="1000">
+              <a:latin typeface="Consolas" panose="020B0609020204030204" pitchFamily="49" charset="0"/>
+            </a:endParaRPr>
+          </a:p>
+        </p:txBody>
+      </p:sp>
+      <p:sp>
+        <p:nvSpPr>
+          <p:cNvPr id="31" name="TextBox 30">
+            <a:extLst>
+              <a:ext uri="{FF2B5EF4-FFF2-40B4-BE49-F238E27FC236}">
+                <a16:creationId xmlns:a16="http://schemas.microsoft.com/office/drawing/2014/main" id="{A835CA07-92DD-0B35-CB52-C5773FE55803}"/>
+              </a:ext>
+            </a:extLst>
+          </p:cNvPr>
+          <p:cNvSpPr txBox="1"/>
+          <p:nvPr/>
+        </p:nvSpPr>
+        <p:spPr>
+          <a:xfrm>
+            <a:off x="9326026" y="2181627"/>
+            <a:ext cx="689547" cy="246221"/>
+          </a:xfrm>
+          <a:prstGeom prst="rect">
+            <a:avLst/>
+          </a:prstGeom>
+          <a:noFill/>
+        </p:spPr>
+        <p:txBody>
+          <a:bodyPr wrap="square" rtlCol="0">
+            <a:spAutoFit/>
+          </a:bodyPr>
+          <a:lstStyle/>
+          <a:p>
+            <a:pPr algn="ctr"/>
+            <a:r>
+              <a:rPr lang="en-US" sz="1000">
+                <a:latin typeface="Consolas" panose="020B0609020204030204" pitchFamily="49" charset="0"/>
+              </a:rPr>
+              <a:t>BPSK</a:t>
+            </a:r>
+          </a:p>
+        </p:txBody>
+      </p:sp>
+      <p:sp>
+        <p:nvSpPr>
+          <p:cNvPr id="32" name="TextBox 31">
+            <a:extLst>
+              <a:ext uri="{FF2B5EF4-FFF2-40B4-BE49-F238E27FC236}">
+                <a16:creationId xmlns:a16="http://schemas.microsoft.com/office/drawing/2014/main" id="{E0411B96-2F59-DEAF-4F40-40AB03F76912}"/>
+              </a:ext>
+            </a:extLst>
+          </p:cNvPr>
+          <p:cNvSpPr txBox="1"/>
+          <p:nvPr/>
+        </p:nvSpPr>
+        <p:spPr>
+          <a:xfrm>
+            <a:off x="8182491" y="2181627"/>
+            <a:ext cx="689547" cy="246221"/>
+          </a:xfrm>
+          <a:prstGeom prst="rect">
+            <a:avLst/>
+          </a:prstGeom>
+          <a:noFill/>
+        </p:spPr>
+        <p:txBody>
+          <a:bodyPr wrap="square" rtlCol="0">
+            <a:spAutoFit/>
+          </a:bodyPr>
+          <a:lstStyle/>
+          <a:p>
+            <a:pPr algn="ctr"/>
+            <a:r>
+              <a:rPr lang="en-US" sz="1000">
+                <a:latin typeface="Consolas" panose="020B0609020204030204" pitchFamily="49" charset="0"/>
+              </a:rPr>
+              <a:t>BPSK</a:t>
+            </a:r>
+          </a:p>
+        </p:txBody>
+      </p:sp>
+      <p:sp>
+        <p:nvSpPr>
+          <p:cNvPr id="33" name="TextBox 32">
+            <a:extLst>
+              <a:ext uri="{FF2B5EF4-FFF2-40B4-BE49-F238E27FC236}">
+                <a16:creationId xmlns:a16="http://schemas.microsoft.com/office/drawing/2014/main" id="{24847D98-3E24-570A-7F3A-07DE5AA2D47A}"/>
+              </a:ext>
+            </a:extLst>
+          </p:cNvPr>
+          <p:cNvSpPr txBox="1"/>
+          <p:nvPr/>
+        </p:nvSpPr>
+        <p:spPr>
+          <a:xfrm>
+            <a:off x="6970428" y="2181627"/>
+            <a:ext cx="689547" cy="246221"/>
+          </a:xfrm>
+          <a:prstGeom prst="rect">
+            <a:avLst/>
+          </a:prstGeom>
+          <a:noFill/>
+        </p:spPr>
+        <p:txBody>
+          <a:bodyPr wrap="square" rtlCol="0">
+            <a:spAutoFit/>
+          </a:bodyPr>
+          <a:lstStyle/>
+          <a:p>
+            <a:pPr algn="ctr"/>
+            <a:r>
+              <a:rPr lang="en-US" sz="1000">
+                <a:latin typeface="Consolas" panose="020B0609020204030204" pitchFamily="49" charset="0"/>
+              </a:rPr>
+              <a:t>BPSK</a:t>
+            </a:r>
+          </a:p>
+        </p:txBody>
+      </p:sp>
+      <p:sp>
+        <p:nvSpPr>
+          <p:cNvPr id="34" name="Rectangle: Rounded Corners 33">
+            <a:extLst>
+              <a:ext uri="{FF2B5EF4-FFF2-40B4-BE49-F238E27FC236}">
+                <a16:creationId xmlns:a16="http://schemas.microsoft.com/office/drawing/2014/main" id="{CFED7F78-01D1-CB2F-B76C-265F6450FE3B}"/>
+              </a:ext>
+            </a:extLst>
+          </p:cNvPr>
+          <p:cNvSpPr/>
+          <p:nvPr/>
+        </p:nvSpPr>
+        <p:spPr>
+          <a:xfrm>
+            <a:off x="639221" y="2573484"/>
+            <a:ext cx="1212063" cy="277318"/>
+          </a:xfrm>
+          <a:prstGeom prst="roundRect">
+            <a:avLst/>
+          </a:prstGeom>
+        </p:spPr>
+        <p:style>
+          <a:lnRef idx="2">
+            <a:schemeClr val="accent5">
+              <a:shade val="15000"/>
+            </a:schemeClr>
+          </a:lnRef>
+          <a:fillRef idx="1">
+            <a:schemeClr val="accent5"/>
+          </a:fillRef>
+          <a:effectRef idx="0">
+            <a:schemeClr val="accent5"/>
+          </a:effectRef>
+          <a:fontRef idx="minor">
+            <a:schemeClr val="lt1"/>
+          </a:fontRef>
+        </p:style>
+        <p:txBody>
+          <a:bodyPr rtlCol="0" anchor="ctr"/>
+          <a:lstStyle/>
+          <a:p>
+            <a:pPr algn="ctr"/>
+            <a:endParaRPr lang="en-US" sz="1000">
+              <a:latin typeface="Consolas" panose="020B0609020204030204" pitchFamily="49" charset="0"/>
+            </a:endParaRPr>
+          </a:p>
+        </p:txBody>
+      </p:sp>
+      <p:sp>
+        <p:nvSpPr>
+          <p:cNvPr id="38" name="Rectangle: Rounded Corners 37">
+            <a:extLst>
+              <a:ext uri="{FF2B5EF4-FFF2-40B4-BE49-F238E27FC236}">
+                <a16:creationId xmlns:a16="http://schemas.microsoft.com/office/drawing/2014/main" id="{7FE6AA7D-C328-C2AA-2C24-218F401AFCC1}"/>
+              </a:ext>
+            </a:extLst>
+          </p:cNvPr>
+          <p:cNvSpPr/>
+          <p:nvPr/>
+        </p:nvSpPr>
+        <p:spPr>
+          <a:xfrm>
+            <a:off x="708823" y="2988384"/>
+            <a:ext cx="426147" cy="277318"/>
+          </a:xfrm>
+          <a:prstGeom prst="roundRect">
+            <a:avLst/>
+          </a:prstGeom>
+        </p:spPr>
+        <p:style>
+          <a:lnRef idx="2">
+            <a:schemeClr val="accent2">
+              <a:shade val="15000"/>
+            </a:schemeClr>
+          </a:lnRef>
+          <a:fillRef idx="1">
+            <a:schemeClr val="accent2"/>
+          </a:fillRef>
+          <a:effectRef idx="0">
+            <a:schemeClr val="accent2"/>
+          </a:effectRef>
+          <a:fontRef idx="minor">
+            <a:schemeClr val="lt1"/>
+          </a:fontRef>
+        </p:style>
+        <p:txBody>
+          <a:bodyPr rtlCol="0" anchor="ctr"/>
+          <a:lstStyle/>
+          <a:p>
+            <a:pPr algn="ctr"/>
+            <a:r>
+              <a:rPr lang="en-US" sz="1000">
+                <a:solidFill>
+                  <a:schemeClr val="bg1"/>
+                </a:solidFill>
+                <a:latin typeface="Consolas" panose="020B0609020204030204" pitchFamily="49" charset="0"/>
+              </a:rPr>
+              <a:t>CRC</a:t>
             </a:r>
           </a:p>
         </p:txBody>

--- a/NOTES.pptx
+++ b/NOTES.pptx
@@ -10,12 +10,6 @@
     <p:sldId id="258" r:id="rId4"/>
     <p:sldId id="259" r:id="rId5"/>
     <p:sldId id="260" r:id="rId6"/>
-    <p:sldId id="261" r:id="rId7"/>
-    <p:sldId id="262" r:id="rId8"/>
-    <p:sldId id="263" r:id="rId9"/>
-    <p:sldId id="264" r:id="rId10"/>
-    <p:sldId id="265" r:id="rId11"/>
-    <p:sldId id="266" r:id="rId12"/>
   </p:sldIdLst>
   <p:sldSz cx="12192000" cy="6858000"/>
   <p:notesSz cx="6858000" cy="9144000"/>
@@ -12851,1270 +12845,6 @@
 </p:sld>
 </file>
 
-<file path=ppt/slides/slide10.xml><?xml version="1.0" encoding="utf-8"?>
-<p:sld xmlns:a="http://schemas.openxmlformats.org/drawingml/2006/main" xmlns:r="http://schemas.openxmlformats.org/officeDocument/2006/relationships" xmlns:p="http://schemas.openxmlformats.org/presentationml/2006/main">
-  <p:cSld>
-    <p:spTree>
-      <p:nvGrpSpPr>
-        <p:cNvPr id="1" name=""/>
-        <p:cNvGrpSpPr/>
-        <p:nvPr/>
-      </p:nvGrpSpPr>
-      <p:grpSpPr>
-        <a:xfrm>
-          <a:off x="0" y="0"/>
-          <a:ext cx="0" cy="0"/>
-          <a:chOff x="0" y="0"/>
-          <a:chExt cx="0" cy="0"/>
-        </a:xfrm>
-      </p:grpSpPr>
-      <p:sp>
-        <p:nvSpPr>
-          <p:cNvPr id="4" name="Rectangle: Rounded Corners 3">
-            <a:extLst>
-              <a:ext uri="{FF2B5EF4-FFF2-40B4-BE49-F238E27FC236}">
-                <a16:creationId xmlns:a16="http://schemas.microsoft.com/office/drawing/2014/main" id="{0529DAC7-D153-B502-FD22-F84ECEC1B68A}"/>
-              </a:ext>
-            </a:extLst>
-          </p:cNvPr>
-          <p:cNvSpPr/>
-          <p:nvPr/>
-        </p:nvSpPr>
-        <p:spPr>
-          <a:xfrm>
-            <a:off x="239843" y="209863"/>
-            <a:ext cx="689547" cy="277318"/>
-          </a:xfrm>
-          <a:prstGeom prst="roundRect">
-            <a:avLst/>
-          </a:prstGeom>
-        </p:spPr>
-        <p:style>
-          <a:lnRef idx="2">
-            <a:schemeClr val="accent1">
-              <a:shade val="15000"/>
-            </a:schemeClr>
-          </a:lnRef>
-          <a:fillRef idx="1">
-            <a:schemeClr val="accent1"/>
-          </a:fillRef>
-          <a:effectRef idx="0">
-            <a:schemeClr val="accent1"/>
-          </a:effectRef>
-          <a:fontRef idx="minor">
-            <a:schemeClr val="lt1"/>
-          </a:fontRef>
-        </p:style>
-        <p:txBody>
-          <a:bodyPr rtlCol="0" anchor="ctr"/>
-          <a:lstStyle/>
-          <a:p>
-            <a:pPr algn="ctr"/>
-            <a:endParaRPr lang="en-US" sz="1000">
-              <a:latin typeface="Consolas" panose="020B0609020204030204" pitchFamily="49" charset="0"/>
-            </a:endParaRPr>
-          </a:p>
-        </p:txBody>
-      </p:sp>
-      <p:sp>
-        <p:nvSpPr>
-          <p:cNvPr id="5" name="Rectangle: Rounded Corners 4">
-            <a:extLst>
-              <a:ext uri="{FF2B5EF4-FFF2-40B4-BE49-F238E27FC236}">
-                <a16:creationId xmlns:a16="http://schemas.microsoft.com/office/drawing/2014/main" id="{78222DEF-245D-DEE9-110A-41326A009FE2}"/>
-              </a:ext>
-            </a:extLst>
-          </p:cNvPr>
-          <p:cNvSpPr/>
-          <p:nvPr/>
-        </p:nvSpPr>
-        <p:spPr>
-          <a:xfrm>
-            <a:off x="1134970" y="209863"/>
-            <a:ext cx="689547" cy="277318"/>
-          </a:xfrm>
-          <a:prstGeom prst="roundRect">
-            <a:avLst/>
-          </a:prstGeom>
-        </p:spPr>
-        <p:style>
-          <a:lnRef idx="2">
-            <a:schemeClr val="accent2">
-              <a:shade val="15000"/>
-            </a:schemeClr>
-          </a:lnRef>
-          <a:fillRef idx="1">
-            <a:schemeClr val="accent2"/>
-          </a:fillRef>
-          <a:effectRef idx="0">
-            <a:schemeClr val="accent2"/>
-          </a:effectRef>
-          <a:fontRef idx="minor">
-            <a:schemeClr val="lt1"/>
-          </a:fontRef>
-        </p:style>
-        <p:txBody>
-          <a:bodyPr rtlCol="0" anchor="ctr"/>
-          <a:lstStyle/>
-          <a:p>
-            <a:pPr algn="ctr"/>
-            <a:endParaRPr lang="en-US" sz="1000">
-              <a:latin typeface="Consolas" panose="020B0609020204030204" pitchFamily="49" charset="0"/>
-            </a:endParaRPr>
-          </a:p>
-        </p:txBody>
-      </p:sp>
-      <p:sp>
-        <p:nvSpPr>
-          <p:cNvPr id="6" name="Rectangle: Rounded Corners 5">
-            <a:extLst>
-              <a:ext uri="{FF2B5EF4-FFF2-40B4-BE49-F238E27FC236}">
-                <a16:creationId xmlns:a16="http://schemas.microsoft.com/office/drawing/2014/main" id="{20E1BD12-F7E2-C18E-A07D-5F38DF4EB450}"/>
-              </a:ext>
-            </a:extLst>
-          </p:cNvPr>
-          <p:cNvSpPr/>
-          <p:nvPr/>
-        </p:nvSpPr>
-        <p:spPr>
-          <a:xfrm>
-            <a:off x="2030097" y="209863"/>
-            <a:ext cx="689547" cy="277318"/>
-          </a:xfrm>
-          <a:prstGeom prst="roundRect">
-            <a:avLst/>
-          </a:prstGeom>
-        </p:spPr>
-        <p:style>
-          <a:lnRef idx="2">
-            <a:schemeClr val="accent3">
-              <a:shade val="15000"/>
-            </a:schemeClr>
-          </a:lnRef>
-          <a:fillRef idx="1">
-            <a:schemeClr val="accent3"/>
-          </a:fillRef>
-          <a:effectRef idx="0">
-            <a:schemeClr val="accent3"/>
-          </a:effectRef>
-          <a:fontRef idx="minor">
-            <a:schemeClr val="lt1"/>
-          </a:fontRef>
-        </p:style>
-        <p:txBody>
-          <a:bodyPr rtlCol="0" anchor="ctr"/>
-          <a:lstStyle/>
-          <a:p>
-            <a:pPr algn="ctr"/>
-            <a:endParaRPr lang="en-US" sz="1000">
-              <a:latin typeface="Consolas" panose="020B0609020204030204" pitchFamily="49" charset="0"/>
-            </a:endParaRPr>
-          </a:p>
-        </p:txBody>
-      </p:sp>
-      <p:sp>
-        <p:nvSpPr>
-          <p:cNvPr id="7" name="Rectangle: Rounded Corners 6">
-            <a:extLst>
-              <a:ext uri="{FF2B5EF4-FFF2-40B4-BE49-F238E27FC236}">
-                <a16:creationId xmlns:a16="http://schemas.microsoft.com/office/drawing/2014/main" id="{019F89DF-61BC-EA53-3541-39455786AC54}"/>
-              </a:ext>
-            </a:extLst>
-          </p:cNvPr>
-          <p:cNvSpPr/>
-          <p:nvPr/>
-        </p:nvSpPr>
-        <p:spPr>
-          <a:xfrm>
-            <a:off x="2925224" y="209863"/>
-            <a:ext cx="689547" cy="277318"/>
-          </a:xfrm>
-          <a:prstGeom prst="roundRect">
-            <a:avLst/>
-          </a:prstGeom>
-        </p:spPr>
-        <p:style>
-          <a:lnRef idx="2">
-            <a:schemeClr val="accent4">
-              <a:shade val="15000"/>
-            </a:schemeClr>
-          </a:lnRef>
-          <a:fillRef idx="1">
-            <a:schemeClr val="accent4"/>
-          </a:fillRef>
-          <a:effectRef idx="0">
-            <a:schemeClr val="accent4"/>
-          </a:effectRef>
-          <a:fontRef idx="minor">
-            <a:schemeClr val="lt1"/>
-          </a:fontRef>
-        </p:style>
-        <p:txBody>
-          <a:bodyPr rtlCol="0" anchor="ctr"/>
-          <a:lstStyle/>
-          <a:p>
-            <a:pPr algn="ctr"/>
-            <a:endParaRPr lang="en-US" sz="1000">
-              <a:latin typeface="Consolas" panose="020B0609020204030204" pitchFamily="49" charset="0"/>
-            </a:endParaRPr>
-          </a:p>
-        </p:txBody>
-      </p:sp>
-      <p:sp>
-        <p:nvSpPr>
-          <p:cNvPr id="12" name="Rectangle: Rounded Corners 11">
-            <a:extLst>
-              <a:ext uri="{FF2B5EF4-FFF2-40B4-BE49-F238E27FC236}">
-                <a16:creationId xmlns:a16="http://schemas.microsoft.com/office/drawing/2014/main" id="{6539D597-232A-4DF8-DEB0-3D64C812EDCD}"/>
-              </a:ext>
-            </a:extLst>
-          </p:cNvPr>
-          <p:cNvSpPr/>
-          <p:nvPr/>
-        </p:nvSpPr>
-        <p:spPr>
-          <a:xfrm>
-            <a:off x="3820351" y="209863"/>
-            <a:ext cx="689547" cy="277318"/>
-          </a:xfrm>
-          <a:prstGeom prst="roundRect">
-            <a:avLst/>
-          </a:prstGeom>
-        </p:spPr>
-        <p:style>
-          <a:lnRef idx="2">
-            <a:schemeClr val="accent5">
-              <a:shade val="15000"/>
-            </a:schemeClr>
-          </a:lnRef>
-          <a:fillRef idx="1">
-            <a:schemeClr val="accent5"/>
-          </a:fillRef>
-          <a:effectRef idx="0">
-            <a:schemeClr val="accent5"/>
-          </a:effectRef>
-          <a:fontRef idx="minor">
-            <a:schemeClr val="lt1"/>
-          </a:fontRef>
-        </p:style>
-        <p:txBody>
-          <a:bodyPr rtlCol="0" anchor="ctr"/>
-          <a:lstStyle/>
-          <a:p>
-            <a:pPr algn="ctr"/>
-            <a:endParaRPr lang="en-US" sz="1000">
-              <a:latin typeface="Consolas" panose="020B0609020204030204" pitchFamily="49" charset="0"/>
-            </a:endParaRPr>
-          </a:p>
-        </p:txBody>
-      </p:sp>
-      <p:sp>
-        <p:nvSpPr>
-          <p:cNvPr id="13" name="Rectangle: Rounded Corners 12">
-            <a:extLst>
-              <a:ext uri="{FF2B5EF4-FFF2-40B4-BE49-F238E27FC236}">
-                <a16:creationId xmlns:a16="http://schemas.microsoft.com/office/drawing/2014/main" id="{489840EA-4EF7-5BAE-CBF3-F3D0E368E9FA}"/>
-              </a:ext>
-            </a:extLst>
-          </p:cNvPr>
-          <p:cNvSpPr/>
-          <p:nvPr/>
-        </p:nvSpPr>
-        <p:spPr>
-          <a:xfrm>
-            <a:off x="4715478" y="209863"/>
-            <a:ext cx="689547" cy="277318"/>
-          </a:xfrm>
-          <a:prstGeom prst="roundRect">
-            <a:avLst/>
-          </a:prstGeom>
-        </p:spPr>
-        <p:style>
-          <a:lnRef idx="2">
-            <a:schemeClr val="accent6">
-              <a:shade val="15000"/>
-            </a:schemeClr>
-          </a:lnRef>
-          <a:fillRef idx="1">
-            <a:schemeClr val="accent6"/>
-          </a:fillRef>
-          <a:effectRef idx="0">
-            <a:schemeClr val="accent6"/>
-          </a:effectRef>
-          <a:fontRef idx="minor">
-            <a:schemeClr val="lt1"/>
-          </a:fontRef>
-        </p:style>
-        <p:txBody>
-          <a:bodyPr rtlCol="0" anchor="ctr"/>
-          <a:lstStyle/>
-          <a:p>
-            <a:pPr algn="ctr"/>
-            <a:endParaRPr lang="en-US" sz="1000">
-              <a:latin typeface="Consolas" panose="020B0609020204030204" pitchFamily="49" charset="0"/>
-            </a:endParaRPr>
-          </a:p>
-        </p:txBody>
-      </p:sp>
-      <p:sp>
-        <p:nvSpPr>
-          <p:cNvPr id="16" name="Rectangle: Rounded Corners 15">
-            <a:extLst>
-              <a:ext uri="{FF2B5EF4-FFF2-40B4-BE49-F238E27FC236}">
-                <a16:creationId xmlns:a16="http://schemas.microsoft.com/office/drawing/2014/main" id="{0ED46574-321C-E859-E016-627441BBE361}"/>
-              </a:ext>
-            </a:extLst>
-          </p:cNvPr>
-          <p:cNvSpPr/>
-          <p:nvPr/>
-        </p:nvSpPr>
-        <p:spPr>
-          <a:xfrm>
-            <a:off x="5610605" y="209863"/>
-            <a:ext cx="689547" cy="277318"/>
-          </a:xfrm>
-          <a:prstGeom prst="roundRect">
-            <a:avLst/>
-          </a:prstGeom>
-        </p:spPr>
-        <p:style>
-          <a:lnRef idx="2">
-            <a:schemeClr val="accent1"/>
-          </a:lnRef>
-          <a:fillRef idx="1">
-            <a:schemeClr val="lt1"/>
-          </a:fillRef>
-          <a:effectRef idx="0">
-            <a:schemeClr val="accent1"/>
-          </a:effectRef>
-          <a:fontRef idx="minor">
-            <a:schemeClr val="dk1"/>
-          </a:fontRef>
-        </p:style>
-        <p:txBody>
-          <a:bodyPr rtlCol="0" anchor="ctr"/>
-          <a:lstStyle/>
-          <a:p>
-            <a:pPr algn="ctr"/>
-            <a:endParaRPr lang="en-US" sz="1000">
-              <a:latin typeface="Consolas" panose="020B0609020204030204" pitchFamily="49" charset="0"/>
-            </a:endParaRPr>
-          </a:p>
-        </p:txBody>
-      </p:sp>
-      <p:sp>
-        <p:nvSpPr>
-          <p:cNvPr id="17" name="Rectangle: Rounded Corners 16">
-            <a:extLst>
-              <a:ext uri="{FF2B5EF4-FFF2-40B4-BE49-F238E27FC236}">
-                <a16:creationId xmlns:a16="http://schemas.microsoft.com/office/drawing/2014/main" id="{1D585F3F-F776-A353-60D3-4AD9BCEF2D2E}"/>
-              </a:ext>
-            </a:extLst>
-          </p:cNvPr>
-          <p:cNvSpPr/>
-          <p:nvPr/>
-        </p:nvSpPr>
-        <p:spPr>
-          <a:xfrm>
-            <a:off x="6505732" y="209863"/>
-            <a:ext cx="689547" cy="277318"/>
-          </a:xfrm>
-          <a:prstGeom prst="roundRect">
-            <a:avLst/>
-          </a:prstGeom>
-        </p:spPr>
-        <p:style>
-          <a:lnRef idx="2">
-            <a:schemeClr val="accent2"/>
-          </a:lnRef>
-          <a:fillRef idx="1">
-            <a:schemeClr val="lt1"/>
-          </a:fillRef>
-          <a:effectRef idx="0">
-            <a:schemeClr val="accent2"/>
-          </a:effectRef>
-          <a:fontRef idx="minor">
-            <a:schemeClr val="dk1"/>
-          </a:fontRef>
-        </p:style>
-        <p:txBody>
-          <a:bodyPr rtlCol="0" anchor="ctr"/>
-          <a:lstStyle/>
-          <a:p>
-            <a:pPr algn="ctr"/>
-            <a:endParaRPr lang="en-US" sz="1000">
-              <a:latin typeface="Consolas" panose="020B0609020204030204" pitchFamily="49" charset="0"/>
-            </a:endParaRPr>
-          </a:p>
-        </p:txBody>
-      </p:sp>
-      <p:sp>
-        <p:nvSpPr>
-          <p:cNvPr id="18" name="Rectangle: Rounded Corners 17">
-            <a:extLst>
-              <a:ext uri="{FF2B5EF4-FFF2-40B4-BE49-F238E27FC236}">
-                <a16:creationId xmlns:a16="http://schemas.microsoft.com/office/drawing/2014/main" id="{85A2BCEB-550A-3DB0-0F13-FDEC41356A96}"/>
-              </a:ext>
-            </a:extLst>
-          </p:cNvPr>
-          <p:cNvSpPr/>
-          <p:nvPr/>
-        </p:nvSpPr>
-        <p:spPr>
-          <a:xfrm>
-            <a:off x="7400859" y="209863"/>
-            <a:ext cx="689547" cy="277318"/>
-          </a:xfrm>
-          <a:prstGeom prst="roundRect">
-            <a:avLst/>
-          </a:prstGeom>
-        </p:spPr>
-        <p:style>
-          <a:lnRef idx="2">
-            <a:schemeClr val="accent3"/>
-          </a:lnRef>
-          <a:fillRef idx="1">
-            <a:schemeClr val="lt1"/>
-          </a:fillRef>
-          <a:effectRef idx="0">
-            <a:schemeClr val="accent3"/>
-          </a:effectRef>
-          <a:fontRef idx="minor">
-            <a:schemeClr val="dk1"/>
-          </a:fontRef>
-        </p:style>
-        <p:txBody>
-          <a:bodyPr rtlCol="0" anchor="ctr"/>
-          <a:lstStyle/>
-          <a:p>
-            <a:pPr algn="ctr"/>
-            <a:endParaRPr lang="en-US" sz="1000">
-              <a:latin typeface="Consolas" panose="020B0609020204030204" pitchFamily="49" charset="0"/>
-            </a:endParaRPr>
-          </a:p>
-        </p:txBody>
-      </p:sp>
-      <p:sp>
-        <p:nvSpPr>
-          <p:cNvPr id="19" name="Rectangle: Rounded Corners 18">
-            <a:extLst>
-              <a:ext uri="{FF2B5EF4-FFF2-40B4-BE49-F238E27FC236}">
-                <a16:creationId xmlns:a16="http://schemas.microsoft.com/office/drawing/2014/main" id="{9DB5C8B1-6428-733E-2EE7-81E3C2FF4AB4}"/>
-              </a:ext>
-            </a:extLst>
-          </p:cNvPr>
-          <p:cNvSpPr/>
-          <p:nvPr/>
-        </p:nvSpPr>
-        <p:spPr>
-          <a:xfrm>
-            <a:off x="8295986" y="209863"/>
-            <a:ext cx="689547" cy="277318"/>
-          </a:xfrm>
-          <a:prstGeom prst="roundRect">
-            <a:avLst/>
-          </a:prstGeom>
-        </p:spPr>
-        <p:style>
-          <a:lnRef idx="2">
-            <a:schemeClr val="accent4"/>
-          </a:lnRef>
-          <a:fillRef idx="1">
-            <a:schemeClr val="lt1"/>
-          </a:fillRef>
-          <a:effectRef idx="0">
-            <a:schemeClr val="accent4"/>
-          </a:effectRef>
-          <a:fontRef idx="minor">
-            <a:schemeClr val="dk1"/>
-          </a:fontRef>
-        </p:style>
-        <p:txBody>
-          <a:bodyPr rtlCol="0" anchor="ctr"/>
-          <a:lstStyle/>
-          <a:p>
-            <a:pPr algn="ctr"/>
-            <a:endParaRPr lang="en-US" sz="1000">
-              <a:latin typeface="Consolas" panose="020B0609020204030204" pitchFamily="49" charset="0"/>
-            </a:endParaRPr>
-          </a:p>
-        </p:txBody>
-      </p:sp>
-      <p:sp>
-        <p:nvSpPr>
-          <p:cNvPr id="20" name="Rectangle: Rounded Corners 19">
-            <a:extLst>
-              <a:ext uri="{FF2B5EF4-FFF2-40B4-BE49-F238E27FC236}">
-                <a16:creationId xmlns:a16="http://schemas.microsoft.com/office/drawing/2014/main" id="{5B37CBE8-F3F5-6740-03A5-6850DF1AFBE4}"/>
-              </a:ext>
-            </a:extLst>
-          </p:cNvPr>
-          <p:cNvSpPr/>
-          <p:nvPr/>
-        </p:nvSpPr>
-        <p:spPr>
-          <a:xfrm>
-            <a:off x="9191113" y="209863"/>
-            <a:ext cx="689547" cy="277318"/>
-          </a:xfrm>
-          <a:prstGeom prst="roundRect">
-            <a:avLst/>
-          </a:prstGeom>
-        </p:spPr>
-        <p:style>
-          <a:lnRef idx="2">
-            <a:schemeClr val="accent5"/>
-          </a:lnRef>
-          <a:fillRef idx="1">
-            <a:schemeClr val="lt1"/>
-          </a:fillRef>
-          <a:effectRef idx="0">
-            <a:schemeClr val="accent5"/>
-          </a:effectRef>
-          <a:fontRef idx="minor">
-            <a:schemeClr val="dk1"/>
-          </a:fontRef>
-        </p:style>
-        <p:txBody>
-          <a:bodyPr rtlCol="0" anchor="ctr"/>
-          <a:lstStyle/>
-          <a:p>
-            <a:pPr algn="ctr"/>
-            <a:endParaRPr lang="en-US" sz="1000">
-              <a:latin typeface="Consolas" panose="020B0609020204030204" pitchFamily="49" charset="0"/>
-            </a:endParaRPr>
-          </a:p>
-        </p:txBody>
-      </p:sp>
-      <p:sp>
-        <p:nvSpPr>
-          <p:cNvPr id="21" name="Rectangle: Rounded Corners 20">
-            <a:extLst>
-              <a:ext uri="{FF2B5EF4-FFF2-40B4-BE49-F238E27FC236}">
-                <a16:creationId xmlns:a16="http://schemas.microsoft.com/office/drawing/2014/main" id="{68620648-732D-F651-4188-C57937E972E0}"/>
-              </a:ext>
-            </a:extLst>
-          </p:cNvPr>
-          <p:cNvSpPr/>
-          <p:nvPr/>
-        </p:nvSpPr>
-        <p:spPr>
-          <a:xfrm>
-            <a:off x="10086240" y="209863"/>
-            <a:ext cx="689547" cy="277318"/>
-          </a:xfrm>
-          <a:prstGeom prst="roundRect">
-            <a:avLst/>
-          </a:prstGeom>
-        </p:spPr>
-        <p:style>
-          <a:lnRef idx="2">
-            <a:schemeClr val="accent6"/>
-          </a:lnRef>
-          <a:fillRef idx="1">
-            <a:schemeClr val="lt1"/>
-          </a:fillRef>
-          <a:effectRef idx="0">
-            <a:schemeClr val="accent6"/>
-          </a:effectRef>
-          <a:fontRef idx="minor">
-            <a:schemeClr val="dk1"/>
-          </a:fontRef>
-        </p:style>
-        <p:txBody>
-          <a:bodyPr rtlCol="0" anchor="ctr"/>
-          <a:lstStyle/>
-          <a:p>
-            <a:pPr algn="ctr"/>
-            <a:endParaRPr lang="en-US" sz="1000">
-              <a:latin typeface="Consolas" panose="020B0609020204030204" pitchFamily="49" charset="0"/>
-            </a:endParaRPr>
-          </a:p>
-        </p:txBody>
-      </p:sp>
-      <p:sp>
-        <p:nvSpPr>
-          <p:cNvPr id="22" name="TextBox 21">
-            <a:extLst>
-              <a:ext uri="{FF2B5EF4-FFF2-40B4-BE49-F238E27FC236}">
-                <a16:creationId xmlns:a16="http://schemas.microsoft.com/office/drawing/2014/main" id="{C31BC362-2B82-C326-AAF1-FFB27398ADAF}"/>
-              </a:ext>
-            </a:extLst>
-          </p:cNvPr>
-          <p:cNvSpPr txBox="1"/>
-          <p:nvPr/>
-        </p:nvSpPr>
-        <p:spPr>
-          <a:xfrm>
-            <a:off x="10981367" y="225411"/>
-            <a:ext cx="689547" cy="246221"/>
-          </a:xfrm>
-          <a:prstGeom prst="rect">
-            <a:avLst/>
-          </a:prstGeom>
-          <a:noFill/>
-        </p:spPr>
-        <p:txBody>
-          <a:bodyPr wrap="square" rtlCol="0">
-            <a:spAutoFit/>
-          </a:bodyPr>
-          <a:lstStyle/>
-          <a:p>
-            <a:pPr algn="ctr"/>
-            <a:r>
-              <a:rPr lang="en-US" sz="1000">
-                <a:latin typeface="Consolas" panose="020B0609020204030204" pitchFamily="49" charset="0"/>
-              </a:rPr>
-              <a:t>text</a:t>
-            </a:r>
-          </a:p>
-        </p:txBody>
-      </p:sp>
-    </p:spTree>
-    <p:extLst>
-      <p:ext uri="{BB962C8B-B14F-4D97-AF65-F5344CB8AC3E}">
-        <p14:creationId xmlns:p14="http://schemas.microsoft.com/office/powerpoint/2010/main" val="3549331676"/>
-      </p:ext>
-    </p:extLst>
-  </p:cSld>
-  <p:clrMapOvr>
-    <a:masterClrMapping/>
-  </p:clrMapOvr>
-</p:sld>
-</file>
-
-<file path=ppt/slides/slide11.xml><?xml version="1.0" encoding="utf-8"?>
-<p:sld xmlns:a="http://schemas.openxmlformats.org/drawingml/2006/main" xmlns:r="http://schemas.openxmlformats.org/officeDocument/2006/relationships" xmlns:p="http://schemas.openxmlformats.org/presentationml/2006/main">
-  <p:cSld>
-    <p:spTree>
-      <p:nvGrpSpPr>
-        <p:cNvPr id="1" name=""/>
-        <p:cNvGrpSpPr/>
-        <p:nvPr/>
-      </p:nvGrpSpPr>
-      <p:grpSpPr>
-        <a:xfrm>
-          <a:off x="0" y="0"/>
-          <a:ext cx="0" cy="0"/>
-          <a:chOff x="0" y="0"/>
-          <a:chExt cx="0" cy="0"/>
-        </a:xfrm>
-      </p:grpSpPr>
-      <p:sp>
-        <p:nvSpPr>
-          <p:cNvPr id="4" name="Rectangle: Rounded Corners 3">
-            <a:extLst>
-              <a:ext uri="{FF2B5EF4-FFF2-40B4-BE49-F238E27FC236}">
-                <a16:creationId xmlns:a16="http://schemas.microsoft.com/office/drawing/2014/main" id="{0529DAC7-D153-B502-FD22-F84ECEC1B68A}"/>
-              </a:ext>
-            </a:extLst>
-          </p:cNvPr>
-          <p:cNvSpPr/>
-          <p:nvPr/>
-        </p:nvSpPr>
-        <p:spPr>
-          <a:xfrm>
-            <a:off x="239843" y="209863"/>
-            <a:ext cx="689547" cy="277318"/>
-          </a:xfrm>
-          <a:prstGeom prst="roundRect">
-            <a:avLst/>
-          </a:prstGeom>
-        </p:spPr>
-        <p:style>
-          <a:lnRef idx="2">
-            <a:schemeClr val="accent1">
-              <a:shade val="15000"/>
-            </a:schemeClr>
-          </a:lnRef>
-          <a:fillRef idx="1">
-            <a:schemeClr val="accent1"/>
-          </a:fillRef>
-          <a:effectRef idx="0">
-            <a:schemeClr val="accent1"/>
-          </a:effectRef>
-          <a:fontRef idx="minor">
-            <a:schemeClr val="lt1"/>
-          </a:fontRef>
-        </p:style>
-        <p:txBody>
-          <a:bodyPr rtlCol="0" anchor="ctr"/>
-          <a:lstStyle/>
-          <a:p>
-            <a:pPr algn="ctr"/>
-            <a:endParaRPr lang="en-US" sz="1000">
-              <a:latin typeface="Consolas" panose="020B0609020204030204" pitchFamily="49" charset="0"/>
-            </a:endParaRPr>
-          </a:p>
-        </p:txBody>
-      </p:sp>
-      <p:sp>
-        <p:nvSpPr>
-          <p:cNvPr id="5" name="Rectangle: Rounded Corners 4">
-            <a:extLst>
-              <a:ext uri="{FF2B5EF4-FFF2-40B4-BE49-F238E27FC236}">
-                <a16:creationId xmlns:a16="http://schemas.microsoft.com/office/drawing/2014/main" id="{78222DEF-245D-DEE9-110A-41326A009FE2}"/>
-              </a:ext>
-            </a:extLst>
-          </p:cNvPr>
-          <p:cNvSpPr/>
-          <p:nvPr/>
-        </p:nvSpPr>
-        <p:spPr>
-          <a:xfrm>
-            <a:off x="1134970" y="209863"/>
-            <a:ext cx="689547" cy="277318"/>
-          </a:xfrm>
-          <a:prstGeom prst="roundRect">
-            <a:avLst/>
-          </a:prstGeom>
-        </p:spPr>
-        <p:style>
-          <a:lnRef idx="2">
-            <a:schemeClr val="accent2">
-              <a:shade val="15000"/>
-            </a:schemeClr>
-          </a:lnRef>
-          <a:fillRef idx="1">
-            <a:schemeClr val="accent2"/>
-          </a:fillRef>
-          <a:effectRef idx="0">
-            <a:schemeClr val="accent2"/>
-          </a:effectRef>
-          <a:fontRef idx="minor">
-            <a:schemeClr val="lt1"/>
-          </a:fontRef>
-        </p:style>
-        <p:txBody>
-          <a:bodyPr rtlCol="0" anchor="ctr"/>
-          <a:lstStyle/>
-          <a:p>
-            <a:pPr algn="ctr"/>
-            <a:endParaRPr lang="en-US" sz="1000">
-              <a:latin typeface="Consolas" panose="020B0609020204030204" pitchFamily="49" charset="0"/>
-            </a:endParaRPr>
-          </a:p>
-        </p:txBody>
-      </p:sp>
-      <p:sp>
-        <p:nvSpPr>
-          <p:cNvPr id="6" name="Rectangle: Rounded Corners 5">
-            <a:extLst>
-              <a:ext uri="{FF2B5EF4-FFF2-40B4-BE49-F238E27FC236}">
-                <a16:creationId xmlns:a16="http://schemas.microsoft.com/office/drawing/2014/main" id="{20E1BD12-F7E2-C18E-A07D-5F38DF4EB450}"/>
-              </a:ext>
-            </a:extLst>
-          </p:cNvPr>
-          <p:cNvSpPr/>
-          <p:nvPr/>
-        </p:nvSpPr>
-        <p:spPr>
-          <a:xfrm>
-            <a:off x="2030097" y="209863"/>
-            <a:ext cx="689547" cy="277318"/>
-          </a:xfrm>
-          <a:prstGeom prst="roundRect">
-            <a:avLst/>
-          </a:prstGeom>
-        </p:spPr>
-        <p:style>
-          <a:lnRef idx="2">
-            <a:schemeClr val="accent3">
-              <a:shade val="15000"/>
-            </a:schemeClr>
-          </a:lnRef>
-          <a:fillRef idx="1">
-            <a:schemeClr val="accent3"/>
-          </a:fillRef>
-          <a:effectRef idx="0">
-            <a:schemeClr val="accent3"/>
-          </a:effectRef>
-          <a:fontRef idx="minor">
-            <a:schemeClr val="lt1"/>
-          </a:fontRef>
-        </p:style>
-        <p:txBody>
-          <a:bodyPr rtlCol="0" anchor="ctr"/>
-          <a:lstStyle/>
-          <a:p>
-            <a:pPr algn="ctr"/>
-            <a:endParaRPr lang="en-US" sz="1000">
-              <a:latin typeface="Consolas" panose="020B0609020204030204" pitchFamily="49" charset="0"/>
-            </a:endParaRPr>
-          </a:p>
-        </p:txBody>
-      </p:sp>
-      <p:sp>
-        <p:nvSpPr>
-          <p:cNvPr id="7" name="Rectangle: Rounded Corners 6">
-            <a:extLst>
-              <a:ext uri="{FF2B5EF4-FFF2-40B4-BE49-F238E27FC236}">
-                <a16:creationId xmlns:a16="http://schemas.microsoft.com/office/drawing/2014/main" id="{019F89DF-61BC-EA53-3541-39455786AC54}"/>
-              </a:ext>
-            </a:extLst>
-          </p:cNvPr>
-          <p:cNvSpPr/>
-          <p:nvPr/>
-        </p:nvSpPr>
-        <p:spPr>
-          <a:xfrm>
-            <a:off x="2925224" y="209863"/>
-            <a:ext cx="689547" cy="277318"/>
-          </a:xfrm>
-          <a:prstGeom prst="roundRect">
-            <a:avLst/>
-          </a:prstGeom>
-        </p:spPr>
-        <p:style>
-          <a:lnRef idx="2">
-            <a:schemeClr val="accent4">
-              <a:shade val="15000"/>
-            </a:schemeClr>
-          </a:lnRef>
-          <a:fillRef idx="1">
-            <a:schemeClr val="accent4"/>
-          </a:fillRef>
-          <a:effectRef idx="0">
-            <a:schemeClr val="accent4"/>
-          </a:effectRef>
-          <a:fontRef idx="minor">
-            <a:schemeClr val="lt1"/>
-          </a:fontRef>
-        </p:style>
-        <p:txBody>
-          <a:bodyPr rtlCol="0" anchor="ctr"/>
-          <a:lstStyle/>
-          <a:p>
-            <a:pPr algn="ctr"/>
-            <a:endParaRPr lang="en-US" sz="1000">
-              <a:latin typeface="Consolas" panose="020B0609020204030204" pitchFamily="49" charset="0"/>
-            </a:endParaRPr>
-          </a:p>
-        </p:txBody>
-      </p:sp>
-      <p:sp>
-        <p:nvSpPr>
-          <p:cNvPr id="12" name="Rectangle: Rounded Corners 11">
-            <a:extLst>
-              <a:ext uri="{FF2B5EF4-FFF2-40B4-BE49-F238E27FC236}">
-                <a16:creationId xmlns:a16="http://schemas.microsoft.com/office/drawing/2014/main" id="{6539D597-232A-4DF8-DEB0-3D64C812EDCD}"/>
-              </a:ext>
-            </a:extLst>
-          </p:cNvPr>
-          <p:cNvSpPr/>
-          <p:nvPr/>
-        </p:nvSpPr>
-        <p:spPr>
-          <a:xfrm>
-            <a:off x="3820351" y="209863"/>
-            <a:ext cx="689547" cy="277318"/>
-          </a:xfrm>
-          <a:prstGeom prst="roundRect">
-            <a:avLst/>
-          </a:prstGeom>
-        </p:spPr>
-        <p:style>
-          <a:lnRef idx="2">
-            <a:schemeClr val="accent5">
-              <a:shade val="15000"/>
-            </a:schemeClr>
-          </a:lnRef>
-          <a:fillRef idx="1">
-            <a:schemeClr val="accent5"/>
-          </a:fillRef>
-          <a:effectRef idx="0">
-            <a:schemeClr val="accent5"/>
-          </a:effectRef>
-          <a:fontRef idx="minor">
-            <a:schemeClr val="lt1"/>
-          </a:fontRef>
-        </p:style>
-        <p:txBody>
-          <a:bodyPr rtlCol="0" anchor="ctr"/>
-          <a:lstStyle/>
-          <a:p>
-            <a:pPr algn="ctr"/>
-            <a:endParaRPr lang="en-US" sz="1000">
-              <a:latin typeface="Consolas" panose="020B0609020204030204" pitchFamily="49" charset="0"/>
-            </a:endParaRPr>
-          </a:p>
-        </p:txBody>
-      </p:sp>
-      <p:sp>
-        <p:nvSpPr>
-          <p:cNvPr id="13" name="Rectangle: Rounded Corners 12">
-            <a:extLst>
-              <a:ext uri="{FF2B5EF4-FFF2-40B4-BE49-F238E27FC236}">
-                <a16:creationId xmlns:a16="http://schemas.microsoft.com/office/drawing/2014/main" id="{489840EA-4EF7-5BAE-CBF3-F3D0E368E9FA}"/>
-              </a:ext>
-            </a:extLst>
-          </p:cNvPr>
-          <p:cNvSpPr/>
-          <p:nvPr/>
-        </p:nvSpPr>
-        <p:spPr>
-          <a:xfrm>
-            <a:off x="4715478" y="209863"/>
-            <a:ext cx="689547" cy="277318"/>
-          </a:xfrm>
-          <a:prstGeom prst="roundRect">
-            <a:avLst/>
-          </a:prstGeom>
-        </p:spPr>
-        <p:style>
-          <a:lnRef idx="2">
-            <a:schemeClr val="accent6">
-              <a:shade val="15000"/>
-            </a:schemeClr>
-          </a:lnRef>
-          <a:fillRef idx="1">
-            <a:schemeClr val="accent6"/>
-          </a:fillRef>
-          <a:effectRef idx="0">
-            <a:schemeClr val="accent6"/>
-          </a:effectRef>
-          <a:fontRef idx="minor">
-            <a:schemeClr val="lt1"/>
-          </a:fontRef>
-        </p:style>
-        <p:txBody>
-          <a:bodyPr rtlCol="0" anchor="ctr"/>
-          <a:lstStyle/>
-          <a:p>
-            <a:pPr algn="ctr"/>
-            <a:endParaRPr lang="en-US" sz="1000">
-              <a:latin typeface="Consolas" panose="020B0609020204030204" pitchFamily="49" charset="0"/>
-            </a:endParaRPr>
-          </a:p>
-        </p:txBody>
-      </p:sp>
-      <p:sp>
-        <p:nvSpPr>
-          <p:cNvPr id="16" name="Rectangle: Rounded Corners 15">
-            <a:extLst>
-              <a:ext uri="{FF2B5EF4-FFF2-40B4-BE49-F238E27FC236}">
-                <a16:creationId xmlns:a16="http://schemas.microsoft.com/office/drawing/2014/main" id="{0ED46574-321C-E859-E016-627441BBE361}"/>
-              </a:ext>
-            </a:extLst>
-          </p:cNvPr>
-          <p:cNvSpPr/>
-          <p:nvPr/>
-        </p:nvSpPr>
-        <p:spPr>
-          <a:xfrm>
-            <a:off x="5610605" y="209863"/>
-            <a:ext cx="689547" cy="277318"/>
-          </a:xfrm>
-          <a:prstGeom prst="roundRect">
-            <a:avLst/>
-          </a:prstGeom>
-        </p:spPr>
-        <p:style>
-          <a:lnRef idx="2">
-            <a:schemeClr val="accent1"/>
-          </a:lnRef>
-          <a:fillRef idx="1">
-            <a:schemeClr val="lt1"/>
-          </a:fillRef>
-          <a:effectRef idx="0">
-            <a:schemeClr val="accent1"/>
-          </a:effectRef>
-          <a:fontRef idx="minor">
-            <a:schemeClr val="dk1"/>
-          </a:fontRef>
-        </p:style>
-        <p:txBody>
-          <a:bodyPr rtlCol="0" anchor="ctr"/>
-          <a:lstStyle/>
-          <a:p>
-            <a:pPr algn="ctr"/>
-            <a:endParaRPr lang="en-US" sz="1000">
-              <a:latin typeface="Consolas" panose="020B0609020204030204" pitchFamily="49" charset="0"/>
-            </a:endParaRPr>
-          </a:p>
-        </p:txBody>
-      </p:sp>
-      <p:sp>
-        <p:nvSpPr>
-          <p:cNvPr id="17" name="Rectangle: Rounded Corners 16">
-            <a:extLst>
-              <a:ext uri="{FF2B5EF4-FFF2-40B4-BE49-F238E27FC236}">
-                <a16:creationId xmlns:a16="http://schemas.microsoft.com/office/drawing/2014/main" id="{1D585F3F-F776-A353-60D3-4AD9BCEF2D2E}"/>
-              </a:ext>
-            </a:extLst>
-          </p:cNvPr>
-          <p:cNvSpPr/>
-          <p:nvPr/>
-        </p:nvSpPr>
-        <p:spPr>
-          <a:xfrm>
-            <a:off x="6505732" y="209863"/>
-            <a:ext cx="689547" cy="277318"/>
-          </a:xfrm>
-          <a:prstGeom prst="roundRect">
-            <a:avLst/>
-          </a:prstGeom>
-        </p:spPr>
-        <p:style>
-          <a:lnRef idx="2">
-            <a:schemeClr val="accent2"/>
-          </a:lnRef>
-          <a:fillRef idx="1">
-            <a:schemeClr val="lt1"/>
-          </a:fillRef>
-          <a:effectRef idx="0">
-            <a:schemeClr val="accent2"/>
-          </a:effectRef>
-          <a:fontRef idx="minor">
-            <a:schemeClr val="dk1"/>
-          </a:fontRef>
-        </p:style>
-        <p:txBody>
-          <a:bodyPr rtlCol="0" anchor="ctr"/>
-          <a:lstStyle/>
-          <a:p>
-            <a:pPr algn="ctr"/>
-            <a:endParaRPr lang="en-US" sz="1000">
-              <a:latin typeface="Consolas" panose="020B0609020204030204" pitchFamily="49" charset="0"/>
-            </a:endParaRPr>
-          </a:p>
-        </p:txBody>
-      </p:sp>
-      <p:sp>
-        <p:nvSpPr>
-          <p:cNvPr id="18" name="Rectangle: Rounded Corners 17">
-            <a:extLst>
-              <a:ext uri="{FF2B5EF4-FFF2-40B4-BE49-F238E27FC236}">
-                <a16:creationId xmlns:a16="http://schemas.microsoft.com/office/drawing/2014/main" id="{85A2BCEB-550A-3DB0-0F13-FDEC41356A96}"/>
-              </a:ext>
-            </a:extLst>
-          </p:cNvPr>
-          <p:cNvSpPr/>
-          <p:nvPr/>
-        </p:nvSpPr>
-        <p:spPr>
-          <a:xfrm>
-            <a:off x="7400859" y="209863"/>
-            <a:ext cx="689547" cy="277318"/>
-          </a:xfrm>
-          <a:prstGeom prst="roundRect">
-            <a:avLst/>
-          </a:prstGeom>
-        </p:spPr>
-        <p:style>
-          <a:lnRef idx="2">
-            <a:schemeClr val="accent3"/>
-          </a:lnRef>
-          <a:fillRef idx="1">
-            <a:schemeClr val="lt1"/>
-          </a:fillRef>
-          <a:effectRef idx="0">
-            <a:schemeClr val="accent3"/>
-          </a:effectRef>
-          <a:fontRef idx="minor">
-            <a:schemeClr val="dk1"/>
-          </a:fontRef>
-        </p:style>
-        <p:txBody>
-          <a:bodyPr rtlCol="0" anchor="ctr"/>
-          <a:lstStyle/>
-          <a:p>
-            <a:pPr algn="ctr"/>
-            <a:endParaRPr lang="en-US" sz="1000">
-              <a:latin typeface="Consolas" panose="020B0609020204030204" pitchFamily="49" charset="0"/>
-            </a:endParaRPr>
-          </a:p>
-        </p:txBody>
-      </p:sp>
-      <p:sp>
-        <p:nvSpPr>
-          <p:cNvPr id="19" name="Rectangle: Rounded Corners 18">
-            <a:extLst>
-              <a:ext uri="{FF2B5EF4-FFF2-40B4-BE49-F238E27FC236}">
-                <a16:creationId xmlns:a16="http://schemas.microsoft.com/office/drawing/2014/main" id="{9DB5C8B1-6428-733E-2EE7-81E3C2FF4AB4}"/>
-              </a:ext>
-            </a:extLst>
-          </p:cNvPr>
-          <p:cNvSpPr/>
-          <p:nvPr/>
-        </p:nvSpPr>
-        <p:spPr>
-          <a:xfrm>
-            <a:off x="8295986" y="209863"/>
-            <a:ext cx="689547" cy="277318"/>
-          </a:xfrm>
-          <a:prstGeom prst="roundRect">
-            <a:avLst/>
-          </a:prstGeom>
-        </p:spPr>
-        <p:style>
-          <a:lnRef idx="2">
-            <a:schemeClr val="accent4"/>
-          </a:lnRef>
-          <a:fillRef idx="1">
-            <a:schemeClr val="lt1"/>
-          </a:fillRef>
-          <a:effectRef idx="0">
-            <a:schemeClr val="accent4"/>
-          </a:effectRef>
-          <a:fontRef idx="minor">
-            <a:schemeClr val="dk1"/>
-          </a:fontRef>
-        </p:style>
-        <p:txBody>
-          <a:bodyPr rtlCol="0" anchor="ctr"/>
-          <a:lstStyle/>
-          <a:p>
-            <a:pPr algn="ctr"/>
-            <a:endParaRPr lang="en-US" sz="1000">
-              <a:latin typeface="Consolas" panose="020B0609020204030204" pitchFamily="49" charset="0"/>
-            </a:endParaRPr>
-          </a:p>
-        </p:txBody>
-      </p:sp>
-      <p:sp>
-        <p:nvSpPr>
-          <p:cNvPr id="20" name="Rectangle: Rounded Corners 19">
-            <a:extLst>
-              <a:ext uri="{FF2B5EF4-FFF2-40B4-BE49-F238E27FC236}">
-                <a16:creationId xmlns:a16="http://schemas.microsoft.com/office/drawing/2014/main" id="{5B37CBE8-F3F5-6740-03A5-6850DF1AFBE4}"/>
-              </a:ext>
-            </a:extLst>
-          </p:cNvPr>
-          <p:cNvSpPr/>
-          <p:nvPr/>
-        </p:nvSpPr>
-        <p:spPr>
-          <a:xfrm>
-            <a:off x="9191113" y="209863"/>
-            <a:ext cx="689547" cy="277318"/>
-          </a:xfrm>
-          <a:prstGeom prst="roundRect">
-            <a:avLst/>
-          </a:prstGeom>
-        </p:spPr>
-        <p:style>
-          <a:lnRef idx="2">
-            <a:schemeClr val="accent5"/>
-          </a:lnRef>
-          <a:fillRef idx="1">
-            <a:schemeClr val="lt1"/>
-          </a:fillRef>
-          <a:effectRef idx="0">
-            <a:schemeClr val="accent5"/>
-          </a:effectRef>
-          <a:fontRef idx="minor">
-            <a:schemeClr val="dk1"/>
-          </a:fontRef>
-        </p:style>
-        <p:txBody>
-          <a:bodyPr rtlCol="0" anchor="ctr"/>
-          <a:lstStyle/>
-          <a:p>
-            <a:pPr algn="ctr"/>
-            <a:endParaRPr lang="en-US" sz="1000">
-              <a:latin typeface="Consolas" panose="020B0609020204030204" pitchFamily="49" charset="0"/>
-            </a:endParaRPr>
-          </a:p>
-        </p:txBody>
-      </p:sp>
-      <p:sp>
-        <p:nvSpPr>
-          <p:cNvPr id="21" name="Rectangle: Rounded Corners 20">
-            <a:extLst>
-              <a:ext uri="{FF2B5EF4-FFF2-40B4-BE49-F238E27FC236}">
-                <a16:creationId xmlns:a16="http://schemas.microsoft.com/office/drawing/2014/main" id="{68620648-732D-F651-4188-C57937E972E0}"/>
-              </a:ext>
-            </a:extLst>
-          </p:cNvPr>
-          <p:cNvSpPr/>
-          <p:nvPr/>
-        </p:nvSpPr>
-        <p:spPr>
-          <a:xfrm>
-            <a:off x="10086240" y="209863"/>
-            <a:ext cx="689547" cy="277318"/>
-          </a:xfrm>
-          <a:prstGeom prst="roundRect">
-            <a:avLst/>
-          </a:prstGeom>
-        </p:spPr>
-        <p:style>
-          <a:lnRef idx="2">
-            <a:schemeClr val="accent6"/>
-          </a:lnRef>
-          <a:fillRef idx="1">
-            <a:schemeClr val="lt1"/>
-          </a:fillRef>
-          <a:effectRef idx="0">
-            <a:schemeClr val="accent6"/>
-          </a:effectRef>
-          <a:fontRef idx="minor">
-            <a:schemeClr val="dk1"/>
-          </a:fontRef>
-        </p:style>
-        <p:txBody>
-          <a:bodyPr rtlCol="0" anchor="ctr"/>
-          <a:lstStyle/>
-          <a:p>
-            <a:pPr algn="ctr"/>
-            <a:endParaRPr lang="en-US" sz="1000">
-              <a:latin typeface="Consolas" panose="020B0609020204030204" pitchFamily="49" charset="0"/>
-            </a:endParaRPr>
-          </a:p>
-        </p:txBody>
-      </p:sp>
-      <p:sp>
-        <p:nvSpPr>
-          <p:cNvPr id="22" name="TextBox 21">
-            <a:extLst>
-              <a:ext uri="{FF2B5EF4-FFF2-40B4-BE49-F238E27FC236}">
-                <a16:creationId xmlns:a16="http://schemas.microsoft.com/office/drawing/2014/main" id="{C31BC362-2B82-C326-AAF1-FFB27398ADAF}"/>
-              </a:ext>
-            </a:extLst>
-          </p:cNvPr>
-          <p:cNvSpPr txBox="1"/>
-          <p:nvPr/>
-        </p:nvSpPr>
-        <p:spPr>
-          <a:xfrm>
-            <a:off x="10981367" y="225411"/>
-            <a:ext cx="689547" cy="246221"/>
-          </a:xfrm>
-          <a:prstGeom prst="rect">
-            <a:avLst/>
-          </a:prstGeom>
-          <a:noFill/>
-        </p:spPr>
-        <p:txBody>
-          <a:bodyPr wrap="square" rtlCol="0">
-            <a:spAutoFit/>
-          </a:bodyPr>
-          <a:lstStyle/>
-          <a:p>
-            <a:pPr algn="ctr"/>
-            <a:r>
-              <a:rPr lang="en-US" sz="1000">
-                <a:latin typeface="Consolas" panose="020B0609020204030204" pitchFamily="49" charset="0"/>
-              </a:rPr>
-              <a:t>text</a:t>
-            </a:r>
-          </a:p>
-        </p:txBody>
-      </p:sp>
-    </p:spTree>
-    <p:extLst>
-      <p:ext uri="{BB962C8B-B14F-4D97-AF65-F5344CB8AC3E}">
-        <p14:creationId xmlns:p14="http://schemas.microsoft.com/office/powerpoint/2010/main" val="278301401"/>
-      </p:ext>
-    </p:extLst>
-  </p:cSld>
-  <p:clrMapOvr>
-    <a:masterClrMapping/>
-  </p:clrMapOvr>
-</p:sld>
-</file>
-
 <file path=ppt/slides/slide2.xml><?xml version="1.0" encoding="utf-8"?>
 <p:sld xmlns:a="http://schemas.openxmlformats.org/drawingml/2006/main" xmlns:r="http://schemas.openxmlformats.org/officeDocument/2006/relationships" xmlns:p="http://schemas.openxmlformats.org/presentationml/2006/main">
   <p:cSld>
@@ -21563,7 +20293,7 @@
           </a:bodyPr>
           <a:lstStyle/>
           <a:p>
-            <a:pPr algn="ctr"/>
+            <a:pPr algn="ctr" defTabSz="182880"/>
             <a:r>
               <a:rPr lang="en-US" sz="1000">
                 <a:latin typeface="Consolas" panose="020B0609020204030204" pitchFamily="49" charset="0"/>
@@ -21587,8 +20317,8 @@
         </p:nvSpPr>
         <p:spPr>
           <a:xfrm>
-            <a:off x="1417643" y="1282217"/>
-            <a:ext cx="8213537" cy="2862322"/>
+            <a:off x="180955" y="690105"/>
+            <a:ext cx="5680199" cy="2708434"/>
           </a:xfrm>
           <a:prstGeom prst="rect">
             <a:avLst/>
@@ -21810,7 +20540,41 @@
               <a:t>	SYSTEM:COLLECT:WIFI:0:40:2024_03_21_23_59:870</a:t>
             </a:r>
           </a:p>
-          <a:p>
+        </p:txBody>
+      </p:sp>
+      <p:sp>
+        <p:nvSpPr>
+          <p:cNvPr id="3" name="TextBox 2">
+            <a:extLst>
+              <a:ext uri="{FF2B5EF4-FFF2-40B4-BE49-F238E27FC236}">
+                <a16:creationId xmlns:a16="http://schemas.microsoft.com/office/drawing/2014/main" id="{C7D99F55-DA54-18BA-CD61-9E222DA17709}"/>
+              </a:ext>
+            </a:extLst>
+          </p:cNvPr>
+          <p:cNvSpPr txBox="1"/>
+          <p:nvPr/>
+        </p:nvSpPr>
+        <p:spPr>
+          <a:xfrm>
+            <a:off x="6784122" y="1529555"/>
+            <a:ext cx="4698344" cy="1477328"/>
+          </a:xfrm>
+          <a:prstGeom prst="rect">
+            <a:avLst/>
+          </a:prstGeom>
+          <a:noFill/>
+        </p:spPr>
+        <p:txBody>
+          <a:bodyPr wrap="square" rtlCol="0">
+            <a:spAutoFit/>
+          </a:bodyPr>
+          <a:lstStyle/>
+          <a:p>
+            <a:pPr defTabSz="182880">
+              <a:tabLst>
+                <a:tab pos="0" algn="l"/>
+              </a:tabLst>
+            </a:pPr>
             <a:r>
               <a:rPr lang="en-US" sz="1000">
                 <a:solidFill>
@@ -21820,8 +20584,135 @@
                 </a:solidFill>
                 <a:latin typeface="Consolas" panose="020B0609020204030204" pitchFamily="49" charset="0"/>
               </a:rPr>
-              <a:t>	</a:t>
+              <a:t>Location of the saved data:</a:t>
             </a:r>
+            <a:r>
+              <a:rPr lang="en-US" sz="1000">
+                <a:latin typeface="Consolas" panose="020B0609020204030204" pitchFamily="49" charset="0"/>
+              </a:rPr>
+              <a:t> </a:t>
+            </a:r>
+            <a:r>
+              <a:rPr lang="en-US" sz="1000" b="1">
+                <a:latin typeface="Consolas" panose="020B0609020204030204" pitchFamily="49" charset="0"/>
+              </a:rPr>
+              <a:t>./agent/wireless_data/</a:t>
+            </a:r>
+          </a:p>
+          <a:p>
+            <a:pPr defTabSz="182880">
+              <a:tabLst>
+                <a:tab pos="0" algn="l"/>
+              </a:tabLst>
+            </a:pPr>
+            <a:r>
+              <a:rPr lang="en-US" sz="1000">
+                <a:solidFill>
+                  <a:schemeClr val="tx1">
+                    <a:lumMod val="65000"/>
+                  </a:schemeClr>
+                </a:solidFill>
+                <a:latin typeface="Consolas" panose="020B0609020204030204" pitchFamily="49" charset="0"/>
+              </a:rPr>
+              <a:t>Save info:</a:t>
+            </a:r>
+            <a:r>
+              <a:rPr lang="en-US" sz="1000">
+                <a:latin typeface="Consolas" panose="020B0609020204030204" pitchFamily="49" charset="0"/>
+              </a:rPr>
+              <a:t> </a:t>
+            </a:r>
+            <a:r>
+              <a:rPr lang="en-US" sz="1000" b="1">
+                <a:latin typeface="Consolas" panose="020B0609020204030204" pitchFamily="49" charset="0"/>
+              </a:rPr>
+              <a:t>patch_info.json</a:t>
+            </a:r>
+          </a:p>
+          <a:p>
+            <a:pPr defTabSz="182880">
+              <a:tabLst>
+                <a:tab pos="0" algn="l"/>
+              </a:tabLst>
+            </a:pPr>
+            <a:r>
+              <a:rPr lang="en-US" sz="1000">
+                <a:latin typeface="Consolas" panose="020B0609020204030204" pitchFamily="49" charset="0"/>
+              </a:rPr>
+              <a:t>{</a:t>
+            </a:r>
+          </a:p>
+          <a:p>
+            <a:pPr defTabSz="182880">
+              <a:tabLst>
+                <a:tab pos="0" algn="l"/>
+              </a:tabLst>
+            </a:pPr>
+            <a:r>
+              <a:rPr lang="en-US" sz="1000">
+                <a:latin typeface="Consolas" panose="020B0609020204030204" pitchFamily="49" charset="0"/>
+              </a:rPr>
+              <a:t>		“patch_name”: {</a:t>
+            </a:r>
+          </a:p>
+          <a:p>
+            <a:pPr defTabSz="182880">
+              <a:tabLst>
+                <a:tab pos="0" algn="l"/>
+              </a:tabLst>
+            </a:pPr>
+            <a:r>
+              <a:rPr lang="en-US" sz="1000">
+                <a:latin typeface="Consolas" panose="020B0609020204030204" pitchFamily="49" charset="0"/>
+              </a:rPr>
+              <a:t>			“Description”: “The description of the patch data”</a:t>
+            </a:r>
+          </a:p>
+          <a:p>
+            <a:pPr defTabSz="182880">
+              <a:tabLst>
+                <a:tab pos="0" algn="l"/>
+              </a:tabLst>
+            </a:pPr>
+            <a:r>
+              <a:rPr lang="en-US" sz="1000">
+                <a:latin typeface="Consolas" panose="020B0609020204030204" pitchFamily="49" charset="0"/>
+              </a:rPr>
+              <a:t>		}</a:t>
+            </a:r>
+          </a:p>
+          <a:p>
+            <a:pPr defTabSz="182880">
+              <a:tabLst>
+                <a:tab pos="0" algn="l"/>
+              </a:tabLst>
+            </a:pPr>
+            <a:r>
+              <a:rPr lang="en-US" sz="1000">
+                <a:latin typeface="Consolas" panose="020B0609020204030204" pitchFamily="49" charset="0"/>
+              </a:rPr>
+              <a:t>}</a:t>
+            </a:r>
+          </a:p>
+          <a:p>
+            <a:pPr defTabSz="182880">
+              <a:tabLst>
+                <a:tab pos="0" algn="l"/>
+              </a:tabLst>
+            </a:pPr>
+            <a:endParaRPr lang="en-US" sz="1000">
+              <a:latin typeface="Consolas" panose="020B0609020204030204" pitchFamily="49" charset="0"/>
+            </a:endParaRPr>
+          </a:p>
+          <a:p>
+            <a:pPr defTabSz="182880">
+              <a:tabLst>
+                <a:tab pos="0" algn="l"/>
+              </a:tabLst>
+            </a:pPr>
+            <a:endParaRPr lang="en-US" sz="1000">
+              <a:latin typeface="Consolas" panose="020B0609020204030204" pitchFamily="49" charset="0"/>
+            </a:endParaRPr>
           </a:p>
         </p:txBody>
       </p:sp>
@@ -23993,7 +22884,7 @@
           </a:bodyPr>
           <a:lstStyle/>
           <a:p>
-            <a:pPr algn="ctr"/>
+            <a:pPr algn="ctr" defTabSz="182880"/>
             <a:r>
               <a:rPr lang="en-US" sz="1000">
                 <a:latin typeface="Consolas" panose="020B0609020204030204" pitchFamily="49" charset="0"/>
@@ -24006,2535 +22897,7 @@
     </p:spTree>
     <p:extLst>
       <p:ext uri="{BB962C8B-B14F-4D97-AF65-F5344CB8AC3E}">
-        <p14:creationId xmlns:p14="http://schemas.microsoft.com/office/powerpoint/2010/main" val="3398682463"/>
-      </p:ext>
-    </p:extLst>
-  </p:cSld>
-  <p:clrMapOvr>
-    <a:masterClrMapping/>
-  </p:clrMapOvr>
-</p:sld>
-</file>
-
-<file path=ppt/slides/slide6.xml><?xml version="1.0" encoding="utf-8"?>
-<p:sld xmlns:a="http://schemas.openxmlformats.org/drawingml/2006/main" xmlns:r="http://schemas.openxmlformats.org/officeDocument/2006/relationships" xmlns:p="http://schemas.openxmlformats.org/presentationml/2006/main">
-  <p:cSld>
-    <p:spTree>
-      <p:nvGrpSpPr>
-        <p:cNvPr id="1" name=""/>
-        <p:cNvGrpSpPr/>
-        <p:nvPr/>
-      </p:nvGrpSpPr>
-      <p:grpSpPr>
-        <a:xfrm>
-          <a:off x="0" y="0"/>
-          <a:ext cx="0" cy="0"/>
-          <a:chOff x="0" y="0"/>
-          <a:chExt cx="0" cy="0"/>
-        </a:xfrm>
-      </p:grpSpPr>
-      <p:sp>
-        <p:nvSpPr>
-          <p:cNvPr id="4" name="Rectangle: Rounded Corners 3">
-            <a:extLst>
-              <a:ext uri="{FF2B5EF4-FFF2-40B4-BE49-F238E27FC236}">
-                <a16:creationId xmlns:a16="http://schemas.microsoft.com/office/drawing/2014/main" id="{0529DAC7-D153-B502-FD22-F84ECEC1B68A}"/>
-              </a:ext>
-            </a:extLst>
-          </p:cNvPr>
-          <p:cNvSpPr/>
-          <p:nvPr/>
-        </p:nvSpPr>
-        <p:spPr>
-          <a:xfrm>
-            <a:off x="239843" y="209863"/>
-            <a:ext cx="689547" cy="277318"/>
-          </a:xfrm>
-          <a:prstGeom prst="roundRect">
-            <a:avLst/>
-          </a:prstGeom>
-        </p:spPr>
-        <p:style>
-          <a:lnRef idx="2">
-            <a:schemeClr val="accent1">
-              <a:shade val="15000"/>
-            </a:schemeClr>
-          </a:lnRef>
-          <a:fillRef idx="1">
-            <a:schemeClr val="accent1"/>
-          </a:fillRef>
-          <a:effectRef idx="0">
-            <a:schemeClr val="accent1"/>
-          </a:effectRef>
-          <a:fontRef idx="minor">
-            <a:schemeClr val="lt1"/>
-          </a:fontRef>
-        </p:style>
-        <p:txBody>
-          <a:bodyPr rtlCol="0" anchor="ctr"/>
-          <a:lstStyle/>
-          <a:p>
-            <a:pPr algn="ctr"/>
-            <a:endParaRPr lang="en-US" sz="1000">
-              <a:latin typeface="Consolas" panose="020B0609020204030204" pitchFamily="49" charset="0"/>
-            </a:endParaRPr>
-          </a:p>
-        </p:txBody>
-      </p:sp>
-      <p:sp>
-        <p:nvSpPr>
-          <p:cNvPr id="5" name="Rectangle: Rounded Corners 4">
-            <a:extLst>
-              <a:ext uri="{FF2B5EF4-FFF2-40B4-BE49-F238E27FC236}">
-                <a16:creationId xmlns:a16="http://schemas.microsoft.com/office/drawing/2014/main" id="{78222DEF-245D-DEE9-110A-41326A009FE2}"/>
-              </a:ext>
-            </a:extLst>
-          </p:cNvPr>
-          <p:cNvSpPr/>
-          <p:nvPr/>
-        </p:nvSpPr>
-        <p:spPr>
-          <a:xfrm>
-            <a:off x="1134970" y="209863"/>
-            <a:ext cx="689547" cy="277318"/>
-          </a:xfrm>
-          <a:prstGeom prst="roundRect">
-            <a:avLst/>
-          </a:prstGeom>
-        </p:spPr>
-        <p:style>
-          <a:lnRef idx="2">
-            <a:schemeClr val="accent2">
-              <a:shade val="15000"/>
-            </a:schemeClr>
-          </a:lnRef>
-          <a:fillRef idx="1">
-            <a:schemeClr val="accent2"/>
-          </a:fillRef>
-          <a:effectRef idx="0">
-            <a:schemeClr val="accent2"/>
-          </a:effectRef>
-          <a:fontRef idx="minor">
-            <a:schemeClr val="lt1"/>
-          </a:fontRef>
-        </p:style>
-        <p:txBody>
-          <a:bodyPr rtlCol="0" anchor="ctr"/>
-          <a:lstStyle/>
-          <a:p>
-            <a:pPr algn="ctr"/>
-            <a:endParaRPr lang="en-US" sz="1000">
-              <a:latin typeface="Consolas" panose="020B0609020204030204" pitchFamily="49" charset="0"/>
-            </a:endParaRPr>
-          </a:p>
-        </p:txBody>
-      </p:sp>
-      <p:sp>
-        <p:nvSpPr>
-          <p:cNvPr id="6" name="Rectangle: Rounded Corners 5">
-            <a:extLst>
-              <a:ext uri="{FF2B5EF4-FFF2-40B4-BE49-F238E27FC236}">
-                <a16:creationId xmlns:a16="http://schemas.microsoft.com/office/drawing/2014/main" id="{20E1BD12-F7E2-C18E-A07D-5F38DF4EB450}"/>
-              </a:ext>
-            </a:extLst>
-          </p:cNvPr>
-          <p:cNvSpPr/>
-          <p:nvPr/>
-        </p:nvSpPr>
-        <p:spPr>
-          <a:xfrm>
-            <a:off x="2030097" y="209863"/>
-            <a:ext cx="689547" cy="277318"/>
-          </a:xfrm>
-          <a:prstGeom prst="roundRect">
-            <a:avLst/>
-          </a:prstGeom>
-        </p:spPr>
-        <p:style>
-          <a:lnRef idx="2">
-            <a:schemeClr val="accent3">
-              <a:shade val="15000"/>
-            </a:schemeClr>
-          </a:lnRef>
-          <a:fillRef idx="1">
-            <a:schemeClr val="accent3"/>
-          </a:fillRef>
-          <a:effectRef idx="0">
-            <a:schemeClr val="accent3"/>
-          </a:effectRef>
-          <a:fontRef idx="minor">
-            <a:schemeClr val="lt1"/>
-          </a:fontRef>
-        </p:style>
-        <p:txBody>
-          <a:bodyPr rtlCol="0" anchor="ctr"/>
-          <a:lstStyle/>
-          <a:p>
-            <a:pPr algn="ctr"/>
-            <a:endParaRPr lang="en-US" sz="1000">
-              <a:latin typeface="Consolas" panose="020B0609020204030204" pitchFamily="49" charset="0"/>
-            </a:endParaRPr>
-          </a:p>
-        </p:txBody>
-      </p:sp>
-      <p:sp>
-        <p:nvSpPr>
-          <p:cNvPr id="7" name="Rectangle: Rounded Corners 6">
-            <a:extLst>
-              <a:ext uri="{FF2B5EF4-FFF2-40B4-BE49-F238E27FC236}">
-                <a16:creationId xmlns:a16="http://schemas.microsoft.com/office/drawing/2014/main" id="{019F89DF-61BC-EA53-3541-39455786AC54}"/>
-              </a:ext>
-            </a:extLst>
-          </p:cNvPr>
-          <p:cNvSpPr/>
-          <p:nvPr/>
-        </p:nvSpPr>
-        <p:spPr>
-          <a:xfrm>
-            <a:off x="2925224" y="209863"/>
-            <a:ext cx="689547" cy="277318"/>
-          </a:xfrm>
-          <a:prstGeom prst="roundRect">
-            <a:avLst/>
-          </a:prstGeom>
-        </p:spPr>
-        <p:style>
-          <a:lnRef idx="2">
-            <a:schemeClr val="accent4">
-              <a:shade val="15000"/>
-            </a:schemeClr>
-          </a:lnRef>
-          <a:fillRef idx="1">
-            <a:schemeClr val="accent4"/>
-          </a:fillRef>
-          <a:effectRef idx="0">
-            <a:schemeClr val="accent4"/>
-          </a:effectRef>
-          <a:fontRef idx="minor">
-            <a:schemeClr val="lt1"/>
-          </a:fontRef>
-        </p:style>
-        <p:txBody>
-          <a:bodyPr rtlCol="0" anchor="ctr"/>
-          <a:lstStyle/>
-          <a:p>
-            <a:pPr algn="ctr"/>
-            <a:endParaRPr lang="en-US" sz="1000">
-              <a:latin typeface="Consolas" panose="020B0609020204030204" pitchFamily="49" charset="0"/>
-            </a:endParaRPr>
-          </a:p>
-        </p:txBody>
-      </p:sp>
-      <p:sp>
-        <p:nvSpPr>
-          <p:cNvPr id="12" name="Rectangle: Rounded Corners 11">
-            <a:extLst>
-              <a:ext uri="{FF2B5EF4-FFF2-40B4-BE49-F238E27FC236}">
-                <a16:creationId xmlns:a16="http://schemas.microsoft.com/office/drawing/2014/main" id="{6539D597-232A-4DF8-DEB0-3D64C812EDCD}"/>
-              </a:ext>
-            </a:extLst>
-          </p:cNvPr>
-          <p:cNvSpPr/>
-          <p:nvPr/>
-        </p:nvSpPr>
-        <p:spPr>
-          <a:xfrm>
-            <a:off x="3820351" y="209863"/>
-            <a:ext cx="689547" cy="277318"/>
-          </a:xfrm>
-          <a:prstGeom prst="roundRect">
-            <a:avLst/>
-          </a:prstGeom>
-        </p:spPr>
-        <p:style>
-          <a:lnRef idx="2">
-            <a:schemeClr val="accent5">
-              <a:shade val="15000"/>
-            </a:schemeClr>
-          </a:lnRef>
-          <a:fillRef idx="1">
-            <a:schemeClr val="accent5"/>
-          </a:fillRef>
-          <a:effectRef idx="0">
-            <a:schemeClr val="accent5"/>
-          </a:effectRef>
-          <a:fontRef idx="minor">
-            <a:schemeClr val="lt1"/>
-          </a:fontRef>
-        </p:style>
-        <p:txBody>
-          <a:bodyPr rtlCol="0" anchor="ctr"/>
-          <a:lstStyle/>
-          <a:p>
-            <a:pPr algn="ctr"/>
-            <a:endParaRPr lang="en-US" sz="1000">
-              <a:latin typeface="Consolas" panose="020B0609020204030204" pitchFamily="49" charset="0"/>
-            </a:endParaRPr>
-          </a:p>
-        </p:txBody>
-      </p:sp>
-      <p:sp>
-        <p:nvSpPr>
-          <p:cNvPr id="13" name="Rectangle: Rounded Corners 12">
-            <a:extLst>
-              <a:ext uri="{FF2B5EF4-FFF2-40B4-BE49-F238E27FC236}">
-                <a16:creationId xmlns:a16="http://schemas.microsoft.com/office/drawing/2014/main" id="{489840EA-4EF7-5BAE-CBF3-F3D0E368E9FA}"/>
-              </a:ext>
-            </a:extLst>
-          </p:cNvPr>
-          <p:cNvSpPr/>
-          <p:nvPr/>
-        </p:nvSpPr>
-        <p:spPr>
-          <a:xfrm>
-            <a:off x="4715478" y="209863"/>
-            <a:ext cx="689547" cy="277318"/>
-          </a:xfrm>
-          <a:prstGeom prst="roundRect">
-            <a:avLst/>
-          </a:prstGeom>
-        </p:spPr>
-        <p:style>
-          <a:lnRef idx="2">
-            <a:schemeClr val="accent6">
-              <a:shade val="15000"/>
-            </a:schemeClr>
-          </a:lnRef>
-          <a:fillRef idx="1">
-            <a:schemeClr val="accent6"/>
-          </a:fillRef>
-          <a:effectRef idx="0">
-            <a:schemeClr val="accent6"/>
-          </a:effectRef>
-          <a:fontRef idx="minor">
-            <a:schemeClr val="lt1"/>
-          </a:fontRef>
-        </p:style>
-        <p:txBody>
-          <a:bodyPr rtlCol="0" anchor="ctr"/>
-          <a:lstStyle/>
-          <a:p>
-            <a:pPr algn="ctr"/>
-            <a:endParaRPr lang="en-US" sz="1000">
-              <a:latin typeface="Consolas" panose="020B0609020204030204" pitchFamily="49" charset="0"/>
-            </a:endParaRPr>
-          </a:p>
-        </p:txBody>
-      </p:sp>
-      <p:sp>
-        <p:nvSpPr>
-          <p:cNvPr id="16" name="Rectangle: Rounded Corners 15">
-            <a:extLst>
-              <a:ext uri="{FF2B5EF4-FFF2-40B4-BE49-F238E27FC236}">
-                <a16:creationId xmlns:a16="http://schemas.microsoft.com/office/drawing/2014/main" id="{0ED46574-321C-E859-E016-627441BBE361}"/>
-              </a:ext>
-            </a:extLst>
-          </p:cNvPr>
-          <p:cNvSpPr/>
-          <p:nvPr/>
-        </p:nvSpPr>
-        <p:spPr>
-          <a:xfrm>
-            <a:off x="5610605" y="209863"/>
-            <a:ext cx="689547" cy="277318"/>
-          </a:xfrm>
-          <a:prstGeom prst="roundRect">
-            <a:avLst/>
-          </a:prstGeom>
-        </p:spPr>
-        <p:style>
-          <a:lnRef idx="2">
-            <a:schemeClr val="accent1"/>
-          </a:lnRef>
-          <a:fillRef idx="1">
-            <a:schemeClr val="lt1"/>
-          </a:fillRef>
-          <a:effectRef idx="0">
-            <a:schemeClr val="accent1"/>
-          </a:effectRef>
-          <a:fontRef idx="minor">
-            <a:schemeClr val="dk1"/>
-          </a:fontRef>
-        </p:style>
-        <p:txBody>
-          <a:bodyPr rtlCol="0" anchor="ctr"/>
-          <a:lstStyle/>
-          <a:p>
-            <a:pPr algn="ctr"/>
-            <a:endParaRPr lang="en-US" sz="1000">
-              <a:latin typeface="Consolas" panose="020B0609020204030204" pitchFamily="49" charset="0"/>
-            </a:endParaRPr>
-          </a:p>
-        </p:txBody>
-      </p:sp>
-      <p:sp>
-        <p:nvSpPr>
-          <p:cNvPr id="17" name="Rectangle: Rounded Corners 16">
-            <a:extLst>
-              <a:ext uri="{FF2B5EF4-FFF2-40B4-BE49-F238E27FC236}">
-                <a16:creationId xmlns:a16="http://schemas.microsoft.com/office/drawing/2014/main" id="{1D585F3F-F776-A353-60D3-4AD9BCEF2D2E}"/>
-              </a:ext>
-            </a:extLst>
-          </p:cNvPr>
-          <p:cNvSpPr/>
-          <p:nvPr/>
-        </p:nvSpPr>
-        <p:spPr>
-          <a:xfrm>
-            <a:off x="6505732" y="209863"/>
-            <a:ext cx="689547" cy="277318"/>
-          </a:xfrm>
-          <a:prstGeom prst="roundRect">
-            <a:avLst/>
-          </a:prstGeom>
-        </p:spPr>
-        <p:style>
-          <a:lnRef idx="2">
-            <a:schemeClr val="accent2"/>
-          </a:lnRef>
-          <a:fillRef idx="1">
-            <a:schemeClr val="lt1"/>
-          </a:fillRef>
-          <a:effectRef idx="0">
-            <a:schemeClr val="accent2"/>
-          </a:effectRef>
-          <a:fontRef idx="minor">
-            <a:schemeClr val="dk1"/>
-          </a:fontRef>
-        </p:style>
-        <p:txBody>
-          <a:bodyPr rtlCol="0" anchor="ctr"/>
-          <a:lstStyle/>
-          <a:p>
-            <a:pPr algn="ctr"/>
-            <a:endParaRPr lang="en-US" sz="1000">
-              <a:latin typeface="Consolas" panose="020B0609020204030204" pitchFamily="49" charset="0"/>
-            </a:endParaRPr>
-          </a:p>
-        </p:txBody>
-      </p:sp>
-      <p:sp>
-        <p:nvSpPr>
-          <p:cNvPr id="18" name="Rectangle: Rounded Corners 17">
-            <a:extLst>
-              <a:ext uri="{FF2B5EF4-FFF2-40B4-BE49-F238E27FC236}">
-                <a16:creationId xmlns:a16="http://schemas.microsoft.com/office/drawing/2014/main" id="{85A2BCEB-550A-3DB0-0F13-FDEC41356A96}"/>
-              </a:ext>
-            </a:extLst>
-          </p:cNvPr>
-          <p:cNvSpPr/>
-          <p:nvPr/>
-        </p:nvSpPr>
-        <p:spPr>
-          <a:xfrm>
-            <a:off x="7400859" y="209863"/>
-            <a:ext cx="689547" cy="277318"/>
-          </a:xfrm>
-          <a:prstGeom prst="roundRect">
-            <a:avLst/>
-          </a:prstGeom>
-        </p:spPr>
-        <p:style>
-          <a:lnRef idx="2">
-            <a:schemeClr val="accent3"/>
-          </a:lnRef>
-          <a:fillRef idx="1">
-            <a:schemeClr val="lt1"/>
-          </a:fillRef>
-          <a:effectRef idx="0">
-            <a:schemeClr val="accent3"/>
-          </a:effectRef>
-          <a:fontRef idx="minor">
-            <a:schemeClr val="dk1"/>
-          </a:fontRef>
-        </p:style>
-        <p:txBody>
-          <a:bodyPr rtlCol="0" anchor="ctr"/>
-          <a:lstStyle/>
-          <a:p>
-            <a:pPr algn="ctr"/>
-            <a:endParaRPr lang="en-US" sz="1000">
-              <a:latin typeface="Consolas" panose="020B0609020204030204" pitchFamily="49" charset="0"/>
-            </a:endParaRPr>
-          </a:p>
-        </p:txBody>
-      </p:sp>
-      <p:sp>
-        <p:nvSpPr>
-          <p:cNvPr id="19" name="Rectangle: Rounded Corners 18">
-            <a:extLst>
-              <a:ext uri="{FF2B5EF4-FFF2-40B4-BE49-F238E27FC236}">
-                <a16:creationId xmlns:a16="http://schemas.microsoft.com/office/drawing/2014/main" id="{9DB5C8B1-6428-733E-2EE7-81E3C2FF4AB4}"/>
-              </a:ext>
-            </a:extLst>
-          </p:cNvPr>
-          <p:cNvSpPr/>
-          <p:nvPr/>
-        </p:nvSpPr>
-        <p:spPr>
-          <a:xfrm>
-            <a:off x="8295986" y="209863"/>
-            <a:ext cx="689547" cy="277318"/>
-          </a:xfrm>
-          <a:prstGeom prst="roundRect">
-            <a:avLst/>
-          </a:prstGeom>
-        </p:spPr>
-        <p:style>
-          <a:lnRef idx="2">
-            <a:schemeClr val="accent4"/>
-          </a:lnRef>
-          <a:fillRef idx="1">
-            <a:schemeClr val="lt1"/>
-          </a:fillRef>
-          <a:effectRef idx="0">
-            <a:schemeClr val="accent4"/>
-          </a:effectRef>
-          <a:fontRef idx="minor">
-            <a:schemeClr val="dk1"/>
-          </a:fontRef>
-        </p:style>
-        <p:txBody>
-          <a:bodyPr rtlCol="0" anchor="ctr"/>
-          <a:lstStyle/>
-          <a:p>
-            <a:pPr algn="ctr"/>
-            <a:endParaRPr lang="en-US" sz="1000">
-              <a:latin typeface="Consolas" panose="020B0609020204030204" pitchFamily="49" charset="0"/>
-            </a:endParaRPr>
-          </a:p>
-        </p:txBody>
-      </p:sp>
-      <p:sp>
-        <p:nvSpPr>
-          <p:cNvPr id="20" name="Rectangle: Rounded Corners 19">
-            <a:extLst>
-              <a:ext uri="{FF2B5EF4-FFF2-40B4-BE49-F238E27FC236}">
-                <a16:creationId xmlns:a16="http://schemas.microsoft.com/office/drawing/2014/main" id="{5B37CBE8-F3F5-6740-03A5-6850DF1AFBE4}"/>
-              </a:ext>
-            </a:extLst>
-          </p:cNvPr>
-          <p:cNvSpPr/>
-          <p:nvPr/>
-        </p:nvSpPr>
-        <p:spPr>
-          <a:xfrm>
-            <a:off x="9191113" y="209863"/>
-            <a:ext cx="689547" cy="277318"/>
-          </a:xfrm>
-          <a:prstGeom prst="roundRect">
-            <a:avLst/>
-          </a:prstGeom>
-        </p:spPr>
-        <p:style>
-          <a:lnRef idx="2">
-            <a:schemeClr val="accent5"/>
-          </a:lnRef>
-          <a:fillRef idx="1">
-            <a:schemeClr val="lt1"/>
-          </a:fillRef>
-          <a:effectRef idx="0">
-            <a:schemeClr val="accent5"/>
-          </a:effectRef>
-          <a:fontRef idx="minor">
-            <a:schemeClr val="dk1"/>
-          </a:fontRef>
-        </p:style>
-        <p:txBody>
-          <a:bodyPr rtlCol="0" anchor="ctr"/>
-          <a:lstStyle/>
-          <a:p>
-            <a:pPr algn="ctr"/>
-            <a:endParaRPr lang="en-US" sz="1000">
-              <a:latin typeface="Consolas" panose="020B0609020204030204" pitchFamily="49" charset="0"/>
-            </a:endParaRPr>
-          </a:p>
-        </p:txBody>
-      </p:sp>
-      <p:sp>
-        <p:nvSpPr>
-          <p:cNvPr id="21" name="Rectangle: Rounded Corners 20">
-            <a:extLst>
-              <a:ext uri="{FF2B5EF4-FFF2-40B4-BE49-F238E27FC236}">
-                <a16:creationId xmlns:a16="http://schemas.microsoft.com/office/drawing/2014/main" id="{68620648-732D-F651-4188-C57937E972E0}"/>
-              </a:ext>
-            </a:extLst>
-          </p:cNvPr>
-          <p:cNvSpPr/>
-          <p:nvPr/>
-        </p:nvSpPr>
-        <p:spPr>
-          <a:xfrm>
-            <a:off x="10086240" y="209863"/>
-            <a:ext cx="689547" cy="277318"/>
-          </a:xfrm>
-          <a:prstGeom prst="roundRect">
-            <a:avLst/>
-          </a:prstGeom>
-        </p:spPr>
-        <p:style>
-          <a:lnRef idx="2">
-            <a:schemeClr val="accent6"/>
-          </a:lnRef>
-          <a:fillRef idx="1">
-            <a:schemeClr val="lt1"/>
-          </a:fillRef>
-          <a:effectRef idx="0">
-            <a:schemeClr val="accent6"/>
-          </a:effectRef>
-          <a:fontRef idx="minor">
-            <a:schemeClr val="dk1"/>
-          </a:fontRef>
-        </p:style>
-        <p:txBody>
-          <a:bodyPr rtlCol="0" anchor="ctr"/>
-          <a:lstStyle/>
-          <a:p>
-            <a:pPr algn="ctr"/>
-            <a:endParaRPr lang="en-US" sz="1000">
-              <a:latin typeface="Consolas" panose="020B0609020204030204" pitchFamily="49" charset="0"/>
-            </a:endParaRPr>
-          </a:p>
-        </p:txBody>
-      </p:sp>
-      <p:sp>
-        <p:nvSpPr>
-          <p:cNvPr id="22" name="TextBox 21">
-            <a:extLst>
-              <a:ext uri="{FF2B5EF4-FFF2-40B4-BE49-F238E27FC236}">
-                <a16:creationId xmlns:a16="http://schemas.microsoft.com/office/drawing/2014/main" id="{C31BC362-2B82-C326-AAF1-FFB27398ADAF}"/>
-              </a:ext>
-            </a:extLst>
-          </p:cNvPr>
-          <p:cNvSpPr txBox="1"/>
-          <p:nvPr/>
-        </p:nvSpPr>
-        <p:spPr>
-          <a:xfrm>
-            <a:off x="10981367" y="225411"/>
-            <a:ext cx="689547" cy="246221"/>
-          </a:xfrm>
-          <a:prstGeom prst="rect">
-            <a:avLst/>
-          </a:prstGeom>
-          <a:noFill/>
-        </p:spPr>
-        <p:txBody>
-          <a:bodyPr wrap="square" rtlCol="0">
-            <a:spAutoFit/>
-          </a:bodyPr>
-          <a:lstStyle/>
-          <a:p>
-            <a:pPr algn="ctr"/>
-            <a:r>
-              <a:rPr lang="en-US" sz="1000">
-                <a:latin typeface="Consolas" panose="020B0609020204030204" pitchFamily="49" charset="0"/>
-              </a:rPr>
-              <a:t>text</a:t>
-            </a:r>
-          </a:p>
-        </p:txBody>
-      </p:sp>
-    </p:spTree>
-    <p:extLst>
-      <p:ext uri="{BB962C8B-B14F-4D97-AF65-F5344CB8AC3E}">
-        <p14:creationId xmlns:p14="http://schemas.microsoft.com/office/powerpoint/2010/main" val="35887987"/>
-      </p:ext>
-    </p:extLst>
-  </p:cSld>
-  <p:clrMapOvr>
-    <a:masterClrMapping/>
-  </p:clrMapOvr>
-</p:sld>
-</file>
-
-<file path=ppt/slides/slide7.xml><?xml version="1.0" encoding="utf-8"?>
-<p:sld xmlns:a="http://schemas.openxmlformats.org/drawingml/2006/main" xmlns:r="http://schemas.openxmlformats.org/officeDocument/2006/relationships" xmlns:p="http://schemas.openxmlformats.org/presentationml/2006/main">
-  <p:cSld>
-    <p:spTree>
-      <p:nvGrpSpPr>
-        <p:cNvPr id="1" name=""/>
-        <p:cNvGrpSpPr/>
-        <p:nvPr/>
-      </p:nvGrpSpPr>
-      <p:grpSpPr>
-        <a:xfrm>
-          <a:off x="0" y="0"/>
-          <a:ext cx="0" cy="0"/>
-          <a:chOff x="0" y="0"/>
-          <a:chExt cx="0" cy="0"/>
-        </a:xfrm>
-      </p:grpSpPr>
-      <p:sp>
-        <p:nvSpPr>
-          <p:cNvPr id="4" name="Rectangle: Rounded Corners 3">
-            <a:extLst>
-              <a:ext uri="{FF2B5EF4-FFF2-40B4-BE49-F238E27FC236}">
-                <a16:creationId xmlns:a16="http://schemas.microsoft.com/office/drawing/2014/main" id="{0529DAC7-D153-B502-FD22-F84ECEC1B68A}"/>
-              </a:ext>
-            </a:extLst>
-          </p:cNvPr>
-          <p:cNvSpPr/>
-          <p:nvPr/>
-        </p:nvSpPr>
-        <p:spPr>
-          <a:xfrm>
-            <a:off x="239843" y="209863"/>
-            <a:ext cx="689547" cy="277318"/>
-          </a:xfrm>
-          <a:prstGeom prst="roundRect">
-            <a:avLst/>
-          </a:prstGeom>
-        </p:spPr>
-        <p:style>
-          <a:lnRef idx="2">
-            <a:schemeClr val="accent1">
-              <a:shade val="15000"/>
-            </a:schemeClr>
-          </a:lnRef>
-          <a:fillRef idx="1">
-            <a:schemeClr val="accent1"/>
-          </a:fillRef>
-          <a:effectRef idx="0">
-            <a:schemeClr val="accent1"/>
-          </a:effectRef>
-          <a:fontRef idx="minor">
-            <a:schemeClr val="lt1"/>
-          </a:fontRef>
-        </p:style>
-        <p:txBody>
-          <a:bodyPr rtlCol="0" anchor="ctr"/>
-          <a:lstStyle/>
-          <a:p>
-            <a:pPr algn="ctr"/>
-            <a:endParaRPr lang="en-US" sz="1000">
-              <a:latin typeface="Consolas" panose="020B0609020204030204" pitchFamily="49" charset="0"/>
-            </a:endParaRPr>
-          </a:p>
-        </p:txBody>
-      </p:sp>
-      <p:sp>
-        <p:nvSpPr>
-          <p:cNvPr id="5" name="Rectangle: Rounded Corners 4">
-            <a:extLst>
-              <a:ext uri="{FF2B5EF4-FFF2-40B4-BE49-F238E27FC236}">
-                <a16:creationId xmlns:a16="http://schemas.microsoft.com/office/drawing/2014/main" id="{78222DEF-245D-DEE9-110A-41326A009FE2}"/>
-              </a:ext>
-            </a:extLst>
-          </p:cNvPr>
-          <p:cNvSpPr/>
-          <p:nvPr/>
-        </p:nvSpPr>
-        <p:spPr>
-          <a:xfrm>
-            <a:off x="1134970" y="209863"/>
-            <a:ext cx="689547" cy="277318"/>
-          </a:xfrm>
-          <a:prstGeom prst="roundRect">
-            <a:avLst/>
-          </a:prstGeom>
-        </p:spPr>
-        <p:style>
-          <a:lnRef idx="2">
-            <a:schemeClr val="accent2">
-              <a:shade val="15000"/>
-            </a:schemeClr>
-          </a:lnRef>
-          <a:fillRef idx="1">
-            <a:schemeClr val="accent2"/>
-          </a:fillRef>
-          <a:effectRef idx="0">
-            <a:schemeClr val="accent2"/>
-          </a:effectRef>
-          <a:fontRef idx="minor">
-            <a:schemeClr val="lt1"/>
-          </a:fontRef>
-        </p:style>
-        <p:txBody>
-          <a:bodyPr rtlCol="0" anchor="ctr"/>
-          <a:lstStyle/>
-          <a:p>
-            <a:pPr algn="ctr"/>
-            <a:endParaRPr lang="en-US" sz="1000">
-              <a:latin typeface="Consolas" panose="020B0609020204030204" pitchFamily="49" charset="0"/>
-            </a:endParaRPr>
-          </a:p>
-        </p:txBody>
-      </p:sp>
-      <p:sp>
-        <p:nvSpPr>
-          <p:cNvPr id="6" name="Rectangle: Rounded Corners 5">
-            <a:extLst>
-              <a:ext uri="{FF2B5EF4-FFF2-40B4-BE49-F238E27FC236}">
-                <a16:creationId xmlns:a16="http://schemas.microsoft.com/office/drawing/2014/main" id="{20E1BD12-F7E2-C18E-A07D-5F38DF4EB450}"/>
-              </a:ext>
-            </a:extLst>
-          </p:cNvPr>
-          <p:cNvSpPr/>
-          <p:nvPr/>
-        </p:nvSpPr>
-        <p:spPr>
-          <a:xfrm>
-            <a:off x="2030097" y="209863"/>
-            <a:ext cx="689547" cy="277318"/>
-          </a:xfrm>
-          <a:prstGeom prst="roundRect">
-            <a:avLst/>
-          </a:prstGeom>
-        </p:spPr>
-        <p:style>
-          <a:lnRef idx="2">
-            <a:schemeClr val="accent3">
-              <a:shade val="15000"/>
-            </a:schemeClr>
-          </a:lnRef>
-          <a:fillRef idx="1">
-            <a:schemeClr val="accent3"/>
-          </a:fillRef>
-          <a:effectRef idx="0">
-            <a:schemeClr val="accent3"/>
-          </a:effectRef>
-          <a:fontRef idx="minor">
-            <a:schemeClr val="lt1"/>
-          </a:fontRef>
-        </p:style>
-        <p:txBody>
-          <a:bodyPr rtlCol="0" anchor="ctr"/>
-          <a:lstStyle/>
-          <a:p>
-            <a:pPr algn="ctr"/>
-            <a:endParaRPr lang="en-US" sz="1000">
-              <a:latin typeface="Consolas" panose="020B0609020204030204" pitchFamily="49" charset="0"/>
-            </a:endParaRPr>
-          </a:p>
-        </p:txBody>
-      </p:sp>
-      <p:sp>
-        <p:nvSpPr>
-          <p:cNvPr id="7" name="Rectangle: Rounded Corners 6">
-            <a:extLst>
-              <a:ext uri="{FF2B5EF4-FFF2-40B4-BE49-F238E27FC236}">
-                <a16:creationId xmlns:a16="http://schemas.microsoft.com/office/drawing/2014/main" id="{019F89DF-61BC-EA53-3541-39455786AC54}"/>
-              </a:ext>
-            </a:extLst>
-          </p:cNvPr>
-          <p:cNvSpPr/>
-          <p:nvPr/>
-        </p:nvSpPr>
-        <p:spPr>
-          <a:xfrm>
-            <a:off x="2925224" y="209863"/>
-            <a:ext cx="689547" cy="277318"/>
-          </a:xfrm>
-          <a:prstGeom prst="roundRect">
-            <a:avLst/>
-          </a:prstGeom>
-        </p:spPr>
-        <p:style>
-          <a:lnRef idx="2">
-            <a:schemeClr val="accent4">
-              <a:shade val="15000"/>
-            </a:schemeClr>
-          </a:lnRef>
-          <a:fillRef idx="1">
-            <a:schemeClr val="accent4"/>
-          </a:fillRef>
-          <a:effectRef idx="0">
-            <a:schemeClr val="accent4"/>
-          </a:effectRef>
-          <a:fontRef idx="minor">
-            <a:schemeClr val="lt1"/>
-          </a:fontRef>
-        </p:style>
-        <p:txBody>
-          <a:bodyPr rtlCol="0" anchor="ctr"/>
-          <a:lstStyle/>
-          <a:p>
-            <a:pPr algn="ctr"/>
-            <a:endParaRPr lang="en-US" sz="1000">
-              <a:latin typeface="Consolas" panose="020B0609020204030204" pitchFamily="49" charset="0"/>
-            </a:endParaRPr>
-          </a:p>
-        </p:txBody>
-      </p:sp>
-      <p:sp>
-        <p:nvSpPr>
-          <p:cNvPr id="12" name="Rectangle: Rounded Corners 11">
-            <a:extLst>
-              <a:ext uri="{FF2B5EF4-FFF2-40B4-BE49-F238E27FC236}">
-                <a16:creationId xmlns:a16="http://schemas.microsoft.com/office/drawing/2014/main" id="{6539D597-232A-4DF8-DEB0-3D64C812EDCD}"/>
-              </a:ext>
-            </a:extLst>
-          </p:cNvPr>
-          <p:cNvSpPr/>
-          <p:nvPr/>
-        </p:nvSpPr>
-        <p:spPr>
-          <a:xfrm>
-            <a:off x="3820351" y="209863"/>
-            <a:ext cx="689547" cy="277318"/>
-          </a:xfrm>
-          <a:prstGeom prst="roundRect">
-            <a:avLst/>
-          </a:prstGeom>
-        </p:spPr>
-        <p:style>
-          <a:lnRef idx="2">
-            <a:schemeClr val="accent5">
-              <a:shade val="15000"/>
-            </a:schemeClr>
-          </a:lnRef>
-          <a:fillRef idx="1">
-            <a:schemeClr val="accent5"/>
-          </a:fillRef>
-          <a:effectRef idx="0">
-            <a:schemeClr val="accent5"/>
-          </a:effectRef>
-          <a:fontRef idx="minor">
-            <a:schemeClr val="lt1"/>
-          </a:fontRef>
-        </p:style>
-        <p:txBody>
-          <a:bodyPr rtlCol="0" anchor="ctr"/>
-          <a:lstStyle/>
-          <a:p>
-            <a:pPr algn="ctr"/>
-            <a:endParaRPr lang="en-US" sz="1000">
-              <a:latin typeface="Consolas" panose="020B0609020204030204" pitchFamily="49" charset="0"/>
-            </a:endParaRPr>
-          </a:p>
-        </p:txBody>
-      </p:sp>
-      <p:sp>
-        <p:nvSpPr>
-          <p:cNvPr id="13" name="Rectangle: Rounded Corners 12">
-            <a:extLst>
-              <a:ext uri="{FF2B5EF4-FFF2-40B4-BE49-F238E27FC236}">
-                <a16:creationId xmlns:a16="http://schemas.microsoft.com/office/drawing/2014/main" id="{489840EA-4EF7-5BAE-CBF3-F3D0E368E9FA}"/>
-              </a:ext>
-            </a:extLst>
-          </p:cNvPr>
-          <p:cNvSpPr/>
-          <p:nvPr/>
-        </p:nvSpPr>
-        <p:spPr>
-          <a:xfrm>
-            <a:off x="4715478" y="209863"/>
-            <a:ext cx="689547" cy="277318"/>
-          </a:xfrm>
-          <a:prstGeom prst="roundRect">
-            <a:avLst/>
-          </a:prstGeom>
-        </p:spPr>
-        <p:style>
-          <a:lnRef idx="2">
-            <a:schemeClr val="accent6">
-              <a:shade val="15000"/>
-            </a:schemeClr>
-          </a:lnRef>
-          <a:fillRef idx="1">
-            <a:schemeClr val="accent6"/>
-          </a:fillRef>
-          <a:effectRef idx="0">
-            <a:schemeClr val="accent6"/>
-          </a:effectRef>
-          <a:fontRef idx="minor">
-            <a:schemeClr val="lt1"/>
-          </a:fontRef>
-        </p:style>
-        <p:txBody>
-          <a:bodyPr rtlCol="0" anchor="ctr"/>
-          <a:lstStyle/>
-          <a:p>
-            <a:pPr algn="ctr"/>
-            <a:endParaRPr lang="en-US" sz="1000">
-              <a:latin typeface="Consolas" panose="020B0609020204030204" pitchFamily="49" charset="0"/>
-            </a:endParaRPr>
-          </a:p>
-        </p:txBody>
-      </p:sp>
-      <p:sp>
-        <p:nvSpPr>
-          <p:cNvPr id="16" name="Rectangle: Rounded Corners 15">
-            <a:extLst>
-              <a:ext uri="{FF2B5EF4-FFF2-40B4-BE49-F238E27FC236}">
-                <a16:creationId xmlns:a16="http://schemas.microsoft.com/office/drawing/2014/main" id="{0ED46574-321C-E859-E016-627441BBE361}"/>
-              </a:ext>
-            </a:extLst>
-          </p:cNvPr>
-          <p:cNvSpPr/>
-          <p:nvPr/>
-        </p:nvSpPr>
-        <p:spPr>
-          <a:xfrm>
-            <a:off x="5610605" y="209863"/>
-            <a:ext cx="689547" cy="277318"/>
-          </a:xfrm>
-          <a:prstGeom prst="roundRect">
-            <a:avLst/>
-          </a:prstGeom>
-        </p:spPr>
-        <p:style>
-          <a:lnRef idx="2">
-            <a:schemeClr val="accent1"/>
-          </a:lnRef>
-          <a:fillRef idx="1">
-            <a:schemeClr val="lt1"/>
-          </a:fillRef>
-          <a:effectRef idx="0">
-            <a:schemeClr val="accent1"/>
-          </a:effectRef>
-          <a:fontRef idx="minor">
-            <a:schemeClr val="dk1"/>
-          </a:fontRef>
-        </p:style>
-        <p:txBody>
-          <a:bodyPr rtlCol="0" anchor="ctr"/>
-          <a:lstStyle/>
-          <a:p>
-            <a:pPr algn="ctr"/>
-            <a:endParaRPr lang="en-US" sz="1000">
-              <a:latin typeface="Consolas" panose="020B0609020204030204" pitchFamily="49" charset="0"/>
-            </a:endParaRPr>
-          </a:p>
-        </p:txBody>
-      </p:sp>
-      <p:sp>
-        <p:nvSpPr>
-          <p:cNvPr id="17" name="Rectangle: Rounded Corners 16">
-            <a:extLst>
-              <a:ext uri="{FF2B5EF4-FFF2-40B4-BE49-F238E27FC236}">
-                <a16:creationId xmlns:a16="http://schemas.microsoft.com/office/drawing/2014/main" id="{1D585F3F-F776-A353-60D3-4AD9BCEF2D2E}"/>
-              </a:ext>
-            </a:extLst>
-          </p:cNvPr>
-          <p:cNvSpPr/>
-          <p:nvPr/>
-        </p:nvSpPr>
-        <p:spPr>
-          <a:xfrm>
-            <a:off x="6505732" y="209863"/>
-            <a:ext cx="689547" cy="277318"/>
-          </a:xfrm>
-          <a:prstGeom prst="roundRect">
-            <a:avLst/>
-          </a:prstGeom>
-        </p:spPr>
-        <p:style>
-          <a:lnRef idx="2">
-            <a:schemeClr val="accent2"/>
-          </a:lnRef>
-          <a:fillRef idx="1">
-            <a:schemeClr val="lt1"/>
-          </a:fillRef>
-          <a:effectRef idx="0">
-            <a:schemeClr val="accent2"/>
-          </a:effectRef>
-          <a:fontRef idx="minor">
-            <a:schemeClr val="dk1"/>
-          </a:fontRef>
-        </p:style>
-        <p:txBody>
-          <a:bodyPr rtlCol="0" anchor="ctr"/>
-          <a:lstStyle/>
-          <a:p>
-            <a:pPr algn="ctr"/>
-            <a:endParaRPr lang="en-US" sz="1000">
-              <a:latin typeface="Consolas" panose="020B0609020204030204" pitchFamily="49" charset="0"/>
-            </a:endParaRPr>
-          </a:p>
-        </p:txBody>
-      </p:sp>
-      <p:sp>
-        <p:nvSpPr>
-          <p:cNvPr id="18" name="Rectangle: Rounded Corners 17">
-            <a:extLst>
-              <a:ext uri="{FF2B5EF4-FFF2-40B4-BE49-F238E27FC236}">
-                <a16:creationId xmlns:a16="http://schemas.microsoft.com/office/drawing/2014/main" id="{85A2BCEB-550A-3DB0-0F13-FDEC41356A96}"/>
-              </a:ext>
-            </a:extLst>
-          </p:cNvPr>
-          <p:cNvSpPr/>
-          <p:nvPr/>
-        </p:nvSpPr>
-        <p:spPr>
-          <a:xfrm>
-            <a:off x="7400859" y="209863"/>
-            <a:ext cx="689547" cy="277318"/>
-          </a:xfrm>
-          <a:prstGeom prst="roundRect">
-            <a:avLst/>
-          </a:prstGeom>
-        </p:spPr>
-        <p:style>
-          <a:lnRef idx="2">
-            <a:schemeClr val="accent3"/>
-          </a:lnRef>
-          <a:fillRef idx="1">
-            <a:schemeClr val="lt1"/>
-          </a:fillRef>
-          <a:effectRef idx="0">
-            <a:schemeClr val="accent3"/>
-          </a:effectRef>
-          <a:fontRef idx="minor">
-            <a:schemeClr val="dk1"/>
-          </a:fontRef>
-        </p:style>
-        <p:txBody>
-          <a:bodyPr rtlCol="0" anchor="ctr"/>
-          <a:lstStyle/>
-          <a:p>
-            <a:pPr algn="ctr"/>
-            <a:endParaRPr lang="en-US" sz="1000">
-              <a:latin typeface="Consolas" panose="020B0609020204030204" pitchFamily="49" charset="0"/>
-            </a:endParaRPr>
-          </a:p>
-        </p:txBody>
-      </p:sp>
-      <p:sp>
-        <p:nvSpPr>
-          <p:cNvPr id="19" name="Rectangle: Rounded Corners 18">
-            <a:extLst>
-              <a:ext uri="{FF2B5EF4-FFF2-40B4-BE49-F238E27FC236}">
-                <a16:creationId xmlns:a16="http://schemas.microsoft.com/office/drawing/2014/main" id="{9DB5C8B1-6428-733E-2EE7-81E3C2FF4AB4}"/>
-              </a:ext>
-            </a:extLst>
-          </p:cNvPr>
-          <p:cNvSpPr/>
-          <p:nvPr/>
-        </p:nvSpPr>
-        <p:spPr>
-          <a:xfrm>
-            <a:off x="8295986" y="209863"/>
-            <a:ext cx="689547" cy="277318"/>
-          </a:xfrm>
-          <a:prstGeom prst="roundRect">
-            <a:avLst/>
-          </a:prstGeom>
-        </p:spPr>
-        <p:style>
-          <a:lnRef idx="2">
-            <a:schemeClr val="accent4"/>
-          </a:lnRef>
-          <a:fillRef idx="1">
-            <a:schemeClr val="lt1"/>
-          </a:fillRef>
-          <a:effectRef idx="0">
-            <a:schemeClr val="accent4"/>
-          </a:effectRef>
-          <a:fontRef idx="minor">
-            <a:schemeClr val="dk1"/>
-          </a:fontRef>
-        </p:style>
-        <p:txBody>
-          <a:bodyPr rtlCol="0" anchor="ctr"/>
-          <a:lstStyle/>
-          <a:p>
-            <a:pPr algn="ctr"/>
-            <a:endParaRPr lang="en-US" sz="1000">
-              <a:latin typeface="Consolas" panose="020B0609020204030204" pitchFamily="49" charset="0"/>
-            </a:endParaRPr>
-          </a:p>
-        </p:txBody>
-      </p:sp>
-      <p:sp>
-        <p:nvSpPr>
-          <p:cNvPr id="20" name="Rectangle: Rounded Corners 19">
-            <a:extLst>
-              <a:ext uri="{FF2B5EF4-FFF2-40B4-BE49-F238E27FC236}">
-                <a16:creationId xmlns:a16="http://schemas.microsoft.com/office/drawing/2014/main" id="{5B37CBE8-F3F5-6740-03A5-6850DF1AFBE4}"/>
-              </a:ext>
-            </a:extLst>
-          </p:cNvPr>
-          <p:cNvSpPr/>
-          <p:nvPr/>
-        </p:nvSpPr>
-        <p:spPr>
-          <a:xfrm>
-            <a:off x="9191113" y="209863"/>
-            <a:ext cx="689547" cy="277318"/>
-          </a:xfrm>
-          <a:prstGeom prst="roundRect">
-            <a:avLst/>
-          </a:prstGeom>
-        </p:spPr>
-        <p:style>
-          <a:lnRef idx="2">
-            <a:schemeClr val="accent5"/>
-          </a:lnRef>
-          <a:fillRef idx="1">
-            <a:schemeClr val="lt1"/>
-          </a:fillRef>
-          <a:effectRef idx="0">
-            <a:schemeClr val="accent5"/>
-          </a:effectRef>
-          <a:fontRef idx="minor">
-            <a:schemeClr val="dk1"/>
-          </a:fontRef>
-        </p:style>
-        <p:txBody>
-          <a:bodyPr rtlCol="0" anchor="ctr"/>
-          <a:lstStyle/>
-          <a:p>
-            <a:pPr algn="ctr"/>
-            <a:endParaRPr lang="en-US" sz="1000">
-              <a:latin typeface="Consolas" panose="020B0609020204030204" pitchFamily="49" charset="0"/>
-            </a:endParaRPr>
-          </a:p>
-        </p:txBody>
-      </p:sp>
-      <p:sp>
-        <p:nvSpPr>
-          <p:cNvPr id="21" name="Rectangle: Rounded Corners 20">
-            <a:extLst>
-              <a:ext uri="{FF2B5EF4-FFF2-40B4-BE49-F238E27FC236}">
-                <a16:creationId xmlns:a16="http://schemas.microsoft.com/office/drawing/2014/main" id="{68620648-732D-F651-4188-C57937E972E0}"/>
-              </a:ext>
-            </a:extLst>
-          </p:cNvPr>
-          <p:cNvSpPr/>
-          <p:nvPr/>
-        </p:nvSpPr>
-        <p:spPr>
-          <a:xfrm>
-            <a:off x="10086240" y="209863"/>
-            <a:ext cx="689547" cy="277318"/>
-          </a:xfrm>
-          <a:prstGeom prst="roundRect">
-            <a:avLst/>
-          </a:prstGeom>
-        </p:spPr>
-        <p:style>
-          <a:lnRef idx="2">
-            <a:schemeClr val="accent6"/>
-          </a:lnRef>
-          <a:fillRef idx="1">
-            <a:schemeClr val="lt1"/>
-          </a:fillRef>
-          <a:effectRef idx="0">
-            <a:schemeClr val="accent6"/>
-          </a:effectRef>
-          <a:fontRef idx="minor">
-            <a:schemeClr val="dk1"/>
-          </a:fontRef>
-        </p:style>
-        <p:txBody>
-          <a:bodyPr rtlCol="0" anchor="ctr"/>
-          <a:lstStyle/>
-          <a:p>
-            <a:pPr algn="ctr"/>
-            <a:endParaRPr lang="en-US" sz="1000">
-              <a:latin typeface="Consolas" panose="020B0609020204030204" pitchFamily="49" charset="0"/>
-            </a:endParaRPr>
-          </a:p>
-        </p:txBody>
-      </p:sp>
-      <p:sp>
-        <p:nvSpPr>
-          <p:cNvPr id="22" name="TextBox 21">
-            <a:extLst>
-              <a:ext uri="{FF2B5EF4-FFF2-40B4-BE49-F238E27FC236}">
-                <a16:creationId xmlns:a16="http://schemas.microsoft.com/office/drawing/2014/main" id="{C31BC362-2B82-C326-AAF1-FFB27398ADAF}"/>
-              </a:ext>
-            </a:extLst>
-          </p:cNvPr>
-          <p:cNvSpPr txBox="1"/>
-          <p:nvPr/>
-        </p:nvSpPr>
-        <p:spPr>
-          <a:xfrm>
-            <a:off x="10981367" y="225411"/>
-            <a:ext cx="689547" cy="246221"/>
-          </a:xfrm>
-          <a:prstGeom prst="rect">
-            <a:avLst/>
-          </a:prstGeom>
-          <a:noFill/>
-        </p:spPr>
-        <p:txBody>
-          <a:bodyPr wrap="square" rtlCol="0">
-            <a:spAutoFit/>
-          </a:bodyPr>
-          <a:lstStyle/>
-          <a:p>
-            <a:pPr algn="ctr"/>
-            <a:r>
-              <a:rPr lang="en-US" sz="1000">
-                <a:latin typeface="Consolas" panose="020B0609020204030204" pitchFamily="49" charset="0"/>
-              </a:rPr>
-              <a:t>text</a:t>
-            </a:r>
-          </a:p>
-        </p:txBody>
-      </p:sp>
-    </p:spTree>
-    <p:extLst>
-      <p:ext uri="{BB962C8B-B14F-4D97-AF65-F5344CB8AC3E}">
-        <p14:creationId xmlns:p14="http://schemas.microsoft.com/office/powerpoint/2010/main" val="1107474080"/>
-      </p:ext>
-    </p:extLst>
-  </p:cSld>
-  <p:clrMapOvr>
-    <a:masterClrMapping/>
-  </p:clrMapOvr>
-</p:sld>
-</file>
-
-<file path=ppt/slides/slide8.xml><?xml version="1.0" encoding="utf-8"?>
-<p:sld xmlns:a="http://schemas.openxmlformats.org/drawingml/2006/main" xmlns:r="http://schemas.openxmlformats.org/officeDocument/2006/relationships" xmlns:p="http://schemas.openxmlformats.org/presentationml/2006/main">
-  <p:cSld>
-    <p:spTree>
-      <p:nvGrpSpPr>
-        <p:cNvPr id="1" name=""/>
-        <p:cNvGrpSpPr/>
-        <p:nvPr/>
-      </p:nvGrpSpPr>
-      <p:grpSpPr>
-        <a:xfrm>
-          <a:off x="0" y="0"/>
-          <a:ext cx="0" cy="0"/>
-          <a:chOff x="0" y="0"/>
-          <a:chExt cx="0" cy="0"/>
-        </a:xfrm>
-      </p:grpSpPr>
-      <p:sp>
-        <p:nvSpPr>
-          <p:cNvPr id="4" name="Rectangle: Rounded Corners 3">
-            <a:extLst>
-              <a:ext uri="{FF2B5EF4-FFF2-40B4-BE49-F238E27FC236}">
-                <a16:creationId xmlns:a16="http://schemas.microsoft.com/office/drawing/2014/main" id="{0529DAC7-D153-B502-FD22-F84ECEC1B68A}"/>
-              </a:ext>
-            </a:extLst>
-          </p:cNvPr>
-          <p:cNvSpPr/>
-          <p:nvPr/>
-        </p:nvSpPr>
-        <p:spPr>
-          <a:xfrm>
-            <a:off x="239843" y="209863"/>
-            <a:ext cx="689547" cy="277318"/>
-          </a:xfrm>
-          <a:prstGeom prst="roundRect">
-            <a:avLst/>
-          </a:prstGeom>
-        </p:spPr>
-        <p:style>
-          <a:lnRef idx="2">
-            <a:schemeClr val="accent1">
-              <a:shade val="15000"/>
-            </a:schemeClr>
-          </a:lnRef>
-          <a:fillRef idx="1">
-            <a:schemeClr val="accent1"/>
-          </a:fillRef>
-          <a:effectRef idx="0">
-            <a:schemeClr val="accent1"/>
-          </a:effectRef>
-          <a:fontRef idx="minor">
-            <a:schemeClr val="lt1"/>
-          </a:fontRef>
-        </p:style>
-        <p:txBody>
-          <a:bodyPr rtlCol="0" anchor="ctr"/>
-          <a:lstStyle/>
-          <a:p>
-            <a:pPr algn="ctr"/>
-            <a:endParaRPr lang="en-US" sz="1000">
-              <a:latin typeface="Consolas" panose="020B0609020204030204" pitchFamily="49" charset="0"/>
-            </a:endParaRPr>
-          </a:p>
-        </p:txBody>
-      </p:sp>
-      <p:sp>
-        <p:nvSpPr>
-          <p:cNvPr id="5" name="Rectangle: Rounded Corners 4">
-            <a:extLst>
-              <a:ext uri="{FF2B5EF4-FFF2-40B4-BE49-F238E27FC236}">
-                <a16:creationId xmlns:a16="http://schemas.microsoft.com/office/drawing/2014/main" id="{78222DEF-245D-DEE9-110A-41326A009FE2}"/>
-              </a:ext>
-            </a:extLst>
-          </p:cNvPr>
-          <p:cNvSpPr/>
-          <p:nvPr/>
-        </p:nvSpPr>
-        <p:spPr>
-          <a:xfrm>
-            <a:off x="1134970" y="209863"/>
-            <a:ext cx="689547" cy="277318"/>
-          </a:xfrm>
-          <a:prstGeom prst="roundRect">
-            <a:avLst/>
-          </a:prstGeom>
-        </p:spPr>
-        <p:style>
-          <a:lnRef idx="2">
-            <a:schemeClr val="accent2">
-              <a:shade val="15000"/>
-            </a:schemeClr>
-          </a:lnRef>
-          <a:fillRef idx="1">
-            <a:schemeClr val="accent2"/>
-          </a:fillRef>
-          <a:effectRef idx="0">
-            <a:schemeClr val="accent2"/>
-          </a:effectRef>
-          <a:fontRef idx="minor">
-            <a:schemeClr val="lt1"/>
-          </a:fontRef>
-        </p:style>
-        <p:txBody>
-          <a:bodyPr rtlCol="0" anchor="ctr"/>
-          <a:lstStyle/>
-          <a:p>
-            <a:pPr algn="ctr"/>
-            <a:endParaRPr lang="en-US" sz="1000">
-              <a:latin typeface="Consolas" panose="020B0609020204030204" pitchFamily="49" charset="0"/>
-            </a:endParaRPr>
-          </a:p>
-        </p:txBody>
-      </p:sp>
-      <p:sp>
-        <p:nvSpPr>
-          <p:cNvPr id="6" name="Rectangle: Rounded Corners 5">
-            <a:extLst>
-              <a:ext uri="{FF2B5EF4-FFF2-40B4-BE49-F238E27FC236}">
-                <a16:creationId xmlns:a16="http://schemas.microsoft.com/office/drawing/2014/main" id="{20E1BD12-F7E2-C18E-A07D-5F38DF4EB450}"/>
-              </a:ext>
-            </a:extLst>
-          </p:cNvPr>
-          <p:cNvSpPr/>
-          <p:nvPr/>
-        </p:nvSpPr>
-        <p:spPr>
-          <a:xfrm>
-            <a:off x="2030097" y="209863"/>
-            <a:ext cx="689547" cy="277318"/>
-          </a:xfrm>
-          <a:prstGeom prst="roundRect">
-            <a:avLst/>
-          </a:prstGeom>
-        </p:spPr>
-        <p:style>
-          <a:lnRef idx="2">
-            <a:schemeClr val="accent3">
-              <a:shade val="15000"/>
-            </a:schemeClr>
-          </a:lnRef>
-          <a:fillRef idx="1">
-            <a:schemeClr val="accent3"/>
-          </a:fillRef>
-          <a:effectRef idx="0">
-            <a:schemeClr val="accent3"/>
-          </a:effectRef>
-          <a:fontRef idx="minor">
-            <a:schemeClr val="lt1"/>
-          </a:fontRef>
-        </p:style>
-        <p:txBody>
-          <a:bodyPr rtlCol="0" anchor="ctr"/>
-          <a:lstStyle/>
-          <a:p>
-            <a:pPr algn="ctr"/>
-            <a:endParaRPr lang="en-US" sz="1000">
-              <a:latin typeface="Consolas" panose="020B0609020204030204" pitchFamily="49" charset="0"/>
-            </a:endParaRPr>
-          </a:p>
-        </p:txBody>
-      </p:sp>
-      <p:sp>
-        <p:nvSpPr>
-          <p:cNvPr id="7" name="Rectangle: Rounded Corners 6">
-            <a:extLst>
-              <a:ext uri="{FF2B5EF4-FFF2-40B4-BE49-F238E27FC236}">
-                <a16:creationId xmlns:a16="http://schemas.microsoft.com/office/drawing/2014/main" id="{019F89DF-61BC-EA53-3541-39455786AC54}"/>
-              </a:ext>
-            </a:extLst>
-          </p:cNvPr>
-          <p:cNvSpPr/>
-          <p:nvPr/>
-        </p:nvSpPr>
-        <p:spPr>
-          <a:xfrm>
-            <a:off x="2925224" y="209863"/>
-            <a:ext cx="689547" cy="277318"/>
-          </a:xfrm>
-          <a:prstGeom prst="roundRect">
-            <a:avLst/>
-          </a:prstGeom>
-        </p:spPr>
-        <p:style>
-          <a:lnRef idx="2">
-            <a:schemeClr val="accent4">
-              <a:shade val="15000"/>
-            </a:schemeClr>
-          </a:lnRef>
-          <a:fillRef idx="1">
-            <a:schemeClr val="accent4"/>
-          </a:fillRef>
-          <a:effectRef idx="0">
-            <a:schemeClr val="accent4"/>
-          </a:effectRef>
-          <a:fontRef idx="minor">
-            <a:schemeClr val="lt1"/>
-          </a:fontRef>
-        </p:style>
-        <p:txBody>
-          <a:bodyPr rtlCol="0" anchor="ctr"/>
-          <a:lstStyle/>
-          <a:p>
-            <a:pPr algn="ctr"/>
-            <a:endParaRPr lang="en-US" sz="1000">
-              <a:latin typeface="Consolas" panose="020B0609020204030204" pitchFamily="49" charset="0"/>
-            </a:endParaRPr>
-          </a:p>
-        </p:txBody>
-      </p:sp>
-      <p:sp>
-        <p:nvSpPr>
-          <p:cNvPr id="12" name="Rectangle: Rounded Corners 11">
-            <a:extLst>
-              <a:ext uri="{FF2B5EF4-FFF2-40B4-BE49-F238E27FC236}">
-                <a16:creationId xmlns:a16="http://schemas.microsoft.com/office/drawing/2014/main" id="{6539D597-232A-4DF8-DEB0-3D64C812EDCD}"/>
-              </a:ext>
-            </a:extLst>
-          </p:cNvPr>
-          <p:cNvSpPr/>
-          <p:nvPr/>
-        </p:nvSpPr>
-        <p:spPr>
-          <a:xfrm>
-            <a:off x="3820351" y="209863"/>
-            <a:ext cx="689547" cy="277318"/>
-          </a:xfrm>
-          <a:prstGeom prst="roundRect">
-            <a:avLst/>
-          </a:prstGeom>
-        </p:spPr>
-        <p:style>
-          <a:lnRef idx="2">
-            <a:schemeClr val="accent5">
-              <a:shade val="15000"/>
-            </a:schemeClr>
-          </a:lnRef>
-          <a:fillRef idx="1">
-            <a:schemeClr val="accent5"/>
-          </a:fillRef>
-          <a:effectRef idx="0">
-            <a:schemeClr val="accent5"/>
-          </a:effectRef>
-          <a:fontRef idx="minor">
-            <a:schemeClr val="lt1"/>
-          </a:fontRef>
-        </p:style>
-        <p:txBody>
-          <a:bodyPr rtlCol="0" anchor="ctr"/>
-          <a:lstStyle/>
-          <a:p>
-            <a:pPr algn="ctr"/>
-            <a:endParaRPr lang="en-US" sz="1000">
-              <a:latin typeface="Consolas" panose="020B0609020204030204" pitchFamily="49" charset="0"/>
-            </a:endParaRPr>
-          </a:p>
-        </p:txBody>
-      </p:sp>
-      <p:sp>
-        <p:nvSpPr>
-          <p:cNvPr id="13" name="Rectangle: Rounded Corners 12">
-            <a:extLst>
-              <a:ext uri="{FF2B5EF4-FFF2-40B4-BE49-F238E27FC236}">
-                <a16:creationId xmlns:a16="http://schemas.microsoft.com/office/drawing/2014/main" id="{489840EA-4EF7-5BAE-CBF3-F3D0E368E9FA}"/>
-              </a:ext>
-            </a:extLst>
-          </p:cNvPr>
-          <p:cNvSpPr/>
-          <p:nvPr/>
-        </p:nvSpPr>
-        <p:spPr>
-          <a:xfrm>
-            <a:off x="4715478" y="209863"/>
-            <a:ext cx="689547" cy="277318"/>
-          </a:xfrm>
-          <a:prstGeom prst="roundRect">
-            <a:avLst/>
-          </a:prstGeom>
-        </p:spPr>
-        <p:style>
-          <a:lnRef idx="2">
-            <a:schemeClr val="accent6">
-              <a:shade val="15000"/>
-            </a:schemeClr>
-          </a:lnRef>
-          <a:fillRef idx="1">
-            <a:schemeClr val="accent6"/>
-          </a:fillRef>
-          <a:effectRef idx="0">
-            <a:schemeClr val="accent6"/>
-          </a:effectRef>
-          <a:fontRef idx="minor">
-            <a:schemeClr val="lt1"/>
-          </a:fontRef>
-        </p:style>
-        <p:txBody>
-          <a:bodyPr rtlCol="0" anchor="ctr"/>
-          <a:lstStyle/>
-          <a:p>
-            <a:pPr algn="ctr"/>
-            <a:endParaRPr lang="en-US" sz="1000">
-              <a:latin typeface="Consolas" panose="020B0609020204030204" pitchFamily="49" charset="0"/>
-            </a:endParaRPr>
-          </a:p>
-        </p:txBody>
-      </p:sp>
-      <p:sp>
-        <p:nvSpPr>
-          <p:cNvPr id="16" name="Rectangle: Rounded Corners 15">
-            <a:extLst>
-              <a:ext uri="{FF2B5EF4-FFF2-40B4-BE49-F238E27FC236}">
-                <a16:creationId xmlns:a16="http://schemas.microsoft.com/office/drawing/2014/main" id="{0ED46574-321C-E859-E016-627441BBE361}"/>
-              </a:ext>
-            </a:extLst>
-          </p:cNvPr>
-          <p:cNvSpPr/>
-          <p:nvPr/>
-        </p:nvSpPr>
-        <p:spPr>
-          <a:xfrm>
-            <a:off x="5610605" y="209863"/>
-            <a:ext cx="689547" cy="277318"/>
-          </a:xfrm>
-          <a:prstGeom prst="roundRect">
-            <a:avLst/>
-          </a:prstGeom>
-        </p:spPr>
-        <p:style>
-          <a:lnRef idx="2">
-            <a:schemeClr val="accent1"/>
-          </a:lnRef>
-          <a:fillRef idx="1">
-            <a:schemeClr val="lt1"/>
-          </a:fillRef>
-          <a:effectRef idx="0">
-            <a:schemeClr val="accent1"/>
-          </a:effectRef>
-          <a:fontRef idx="minor">
-            <a:schemeClr val="dk1"/>
-          </a:fontRef>
-        </p:style>
-        <p:txBody>
-          <a:bodyPr rtlCol="0" anchor="ctr"/>
-          <a:lstStyle/>
-          <a:p>
-            <a:pPr algn="ctr"/>
-            <a:endParaRPr lang="en-US" sz="1000">
-              <a:latin typeface="Consolas" panose="020B0609020204030204" pitchFamily="49" charset="0"/>
-            </a:endParaRPr>
-          </a:p>
-        </p:txBody>
-      </p:sp>
-      <p:sp>
-        <p:nvSpPr>
-          <p:cNvPr id="17" name="Rectangle: Rounded Corners 16">
-            <a:extLst>
-              <a:ext uri="{FF2B5EF4-FFF2-40B4-BE49-F238E27FC236}">
-                <a16:creationId xmlns:a16="http://schemas.microsoft.com/office/drawing/2014/main" id="{1D585F3F-F776-A353-60D3-4AD9BCEF2D2E}"/>
-              </a:ext>
-            </a:extLst>
-          </p:cNvPr>
-          <p:cNvSpPr/>
-          <p:nvPr/>
-        </p:nvSpPr>
-        <p:spPr>
-          <a:xfrm>
-            <a:off x="6505732" y="209863"/>
-            <a:ext cx="689547" cy="277318"/>
-          </a:xfrm>
-          <a:prstGeom prst="roundRect">
-            <a:avLst/>
-          </a:prstGeom>
-        </p:spPr>
-        <p:style>
-          <a:lnRef idx="2">
-            <a:schemeClr val="accent2"/>
-          </a:lnRef>
-          <a:fillRef idx="1">
-            <a:schemeClr val="lt1"/>
-          </a:fillRef>
-          <a:effectRef idx="0">
-            <a:schemeClr val="accent2"/>
-          </a:effectRef>
-          <a:fontRef idx="minor">
-            <a:schemeClr val="dk1"/>
-          </a:fontRef>
-        </p:style>
-        <p:txBody>
-          <a:bodyPr rtlCol="0" anchor="ctr"/>
-          <a:lstStyle/>
-          <a:p>
-            <a:pPr algn="ctr"/>
-            <a:endParaRPr lang="en-US" sz="1000">
-              <a:latin typeface="Consolas" panose="020B0609020204030204" pitchFamily="49" charset="0"/>
-            </a:endParaRPr>
-          </a:p>
-        </p:txBody>
-      </p:sp>
-      <p:sp>
-        <p:nvSpPr>
-          <p:cNvPr id="18" name="Rectangle: Rounded Corners 17">
-            <a:extLst>
-              <a:ext uri="{FF2B5EF4-FFF2-40B4-BE49-F238E27FC236}">
-                <a16:creationId xmlns:a16="http://schemas.microsoft.com/office/drawing/2014/main" id="{85A2BCEB-550A-3DB0-0F13-FDEC41356A96}"/>
-              </a:ext>
-            </a:extLst>
-          </p:cNvPr>
-          <p:cNvSpPr/>
-          <p:nvPr/>
-        </p:nvSpPr>
-        <p:spPr>
-          <a:xfrm>
-            <a:off x="7400859" y="209863"/>
-            <a:ext cx="689547" cy="277318"/>
-          </a:xfrm>
-          <a:prstGeom prst="roundRect">
-            <a:avLst/>
-          </a:prstGeom>
-        </p:spPr>
-        <p:style>
-          <a:lnRef idx="2">
-            <a:schemeClr val="accent3"/>
-          </a:lnRef>
-          <a:fillRef idx="1">
-            <a:schemeClr val="lt1"/>
-          </a:fillRef>
-          <a:effectRef idx="0">
-            <a:schemeClr val="accent3"/>
-          </a:effectRef>
-          <a:fontRef idx="minor">
-            <a:schemeClr val="dk1"/>
-          </a:fontRef>
-        </p:style>
-        <p:txBody>
-          <a:bodyPr rtlCol="0" anchor="ctr"/>
-          <a:lstStyle/>
-          <a:p>
-            <a:pPr algn="ctr"/>
-            <a:endParaRPr lang="en-US" sz="1000">
-              <a:latin typeface="Consolas" panose="020B0609020204030204" pitchFamily="49" charset="0"/>
-            </a:endParaRPr>
-          </a:p>
-        </p:txBody>
-      </p:sp>
-      <p:sp>
-        <p:nvSpPr>
-          <p:cNvPr id="19" name="Rectangle: Rounded Corners 18">
-            <a:extLst>
-              <a:ext uri="{FF2B5EF4-FFF2-40B4-BE49-F238E27FC236}">
-                <a16:creationId xmlns:a16="http://schemas.microsoft.com/office/drawing/2014/main" id="{9DB5C8B1-6428-733E-2EE7-81E3C2FF4AB4}"/>
-              </a:ext>
-            </a:extLst>
-          </p:cNvPr>
-          <p:cNvSpPr/>
-          <p:nvPr/>
-        </p:nvSpPr>
-        <p:spPr>
-          <a:xfrm>
-            <a:off x="8295986" y="209863"/>
-            <a:ext cx="689547" cy="277318"/>
-          </a:xfrm>
-          <a:prstGeom prst="roundRect">
-            <a:avLst/>
-          </a:prstGeom>
-        </p:spPr>
-        <p:style>
-          <a:lnRef idx="2">
-            <a:schemeClr val="accent4"/>
-          </a:lnRef>
-          <a:fillRef idx="1">
-            <a:schemeClr val="lt1"/>
-          </a:fillRef>
-          <a:effectRef idx="0">
-            <a:schemeClr val="accent4"/>
-          </a:effectRef>
-          <a:fontRef idx="minor">
-            <a:schemeClr val="dk1"/>
-          </a:fontRef>
-        </p:style>
-        <p:txBody>
-          <a:bodyPr rtlCol="0" anchor="ctr"/>
-          <a:lstStyle/>
-          <a:p>
-            <a:pPr algn="ctr"/>
-            <a:endParaRPr lang="en-US" sz="1000">
-              <a:latin typeface="Consolas" panose="020B0609020204030204" pitchFamily="49" charset="0"/>
-            </a:endParaRPr>
-          </a:p>
-        </p:txBody>
-      </p:sp>
-      <p:sp>
-        <p:nvSpPr>
-          <p:cNvPr id="20" name="Rectangle: Rounded Corners 19">
-            <a:extLst>
-              <a:ext uri="{FF2B5EF4-FFF2-40B4-BE49-F238E27FC236}">
-                <a16:creationId xmlns:a16="http://schemas.microsoft.com/office/drawing/2014/main" id="{5B37CBE8-F3F5-6740-03A5-6850DF1AFBE4}"/>
-              </a:ext>
-            </a:extLst>
-          </p:cNvPr>
-          <p:cNvSpPr/>
-          <p:nvPr/>
-        </p:nvSpPr>
-        <p:spPr>
-          <a:xfrm>
-            <a:off x="9191113" y="209863"/>
-            <a:ext cx="689547" cy="277318"/>
-          </a:xfrm>
-          <a:prstGeom prst="roundRect">
-            <a:avLst/>
-          </a:prstGeom>
-        </p:spPr>
-        <p:style>
-          <a:lnRef idx="2">
-            <a:schemeClr val="accent5"/>
-          </a:lnRef>
-          <a:fillRef idx="1">
-            <a:schemeClr val="lt1"/>
-          </a:fillRef>
-          <a:effectRef idx="0">
-            <a:schemeClr val="accent5"/>
-          </a:effectRef>
-          <a:fontRef idx="minor">
-            <a:schemeClr val="dk1"/>
-          </a:fontRef>
-        </p:style>
-        <p:txBody>
-          <a:bodyPr rtlCol="0" anchor="ctr"/>
-          <a:lstStyle/>
-          <a:p>
-            <a:pPr algn="ctr"/>
-            <a:endParaRPr lang="en-US" sz="1000">
-              <a:latin typeface="Consolas" panose="020B0609020204030204" pitchFamily="49" charset="0"/>
-            </a:endParaRPr>
-          </a:p>
-        </p:txBody>
-      </p:sp>
-      <p:sp>
-        <p:nvSpPr>
-          <p:cNvPr id="21" name="Rectangle: Rounded Corners 20">
-            <a:extLst>
-              <a:ext uri="{FF2B5EF4-FFF2-40B4-BE49-F238E27FC236}">
-                <a16:creationId xmlns:a16="http://schemas.microsoft.com/office/drawing/2014/main" id="{68620648-732D-F651-4188-C57937E972E0}"/>
-              </a:ext>
-            </a:extLst>
-          </p:cNvPr>
-          <p:cNvSpPr/>
-          <p:nvPr/>
-        </p:nvSpPr>
-        <p:spPr>
-          <a:xfrm>
-            <a:off x="10086240" y="209863"/>
-            <a:ext cx="689547" cy="277318"/>
-          </a:xfrm>
-          <a:prstGeom prst="roundRect">
-            <a:avLst/>
-          </a:prstGeom>
-        </p:spPr>
-        <p:style>
-          <a:lnRef idx="2">
-            <a:schemeClr val="accent6"/>
-          </a:lnRef>
-          <a:fillRef idx="1">
-            <a:schemeClr val="lt1"/>
-          </a:fillRef>
-          <a:effectRef idx="0">
-            <a:schemeClr val="accent6"/>
-          </a:effectRef>
-          <a:fontRef idx="minor">
-            <a:schemeClr val="dk1"/>
-          </a:fontRef>
-        </p:style>
-        <p:txBody>
-          <a:bodyPr rtlCol="0" anchor="ctr"/>
-          <a:lstStyle/>
-          <a:p>
-            <a:pPr algn="ctr"/>
-            <a:endParaRPr lang="en-US" sz="1000">
-              <a:latin typeface="Consolas" panose="020B0609020204030204" pitchFamily="49" charset="0"/>
-            </a:endParaRPr>
-          </a:p>
-        </p:txBody>
-      </p:sp>
-      <p:sp>
-        <p:nvSpPr>
-          <p:cNvPr id="22" name="TextBox 21">
-            <a:extLst>
-              <a:ext uri="{FF2B5EF4-FFF2-40B4-BE49-F238E27FC236}">
-                <a16:creationId xmlns:a16="http://schemas.microsoft.com/office/drawing/2014/main" id="{C31BC362-2B82-C326-AAF1-FFB27398ADAF}"/>
-              </a:ext>
-            </a:extLst>
-          </p:cNvPr>
-          <p:cNvSpPr txBox="1"/>
-          <p:nvPr/>
-        </p:nvSpPr>
-        <p:spPr>
-          <a:xfrm>
-            <a:off x="10981367" y="225411"/>
-            <a:ext cx="689547" cy="246221"/>
-          </a:xfrm>
-          <a:prstGeom prst="rect">
-            <a:avLst/>
-          </a:prstGeom>
-          <a:noFill/>
-        </p:spPr>
-        <p:txBody>
-          <a:bodyPr wrap="square" rtlCol="0">
-            <a:spAutoFit/>
-          </a:bodyPr>
-          <a:lstStyle/>
-          <a:p>
-            <a:pPr algn="ctr"/>
-            <a:r>
-              <a:rPr lang="en-US" sz="1000">
-                <a:latin typeface="Consolas" panose="020B0609020204030204" pitchFamily="49" charset="0"/>
-              </a:rPr>
-              <a:t>text</a:t>
-            </a:r>
-          </a:p>
-        </p:txBody>
-      </p:sp>
-    </p:spTree>
-    <p:extLst>
-      <p:ext uri="{BB962C8B-B14F-4D97-AF65-F5344CB8AC3E}">
-        <p14:creationId xmlns:p14="http://schemas.microsoft.com/office/powerpoint/2010/main" val="1749673545"/>
-      </p:ext>
-    </p:extLst>
-  </p:cSld>
-  <p:clrMapOvr>
-    <a:masterClrMapping/>
-  </p:clrMapOvr>
-</p:sld>
-</file>
-
-<file path=ppt/slides/slide9.xml><?xml version="1.0" encoding="utf-8"?>
-<p:sld xmlns:a="http://schemas.openxmlformats.org/drawingml/2006/main" xmlns:r="http://schemas.openxmlformats.org/officeDocument/2006/relationships" xmlns:p="http://schemas.openxmlformats.org/presentationml/2006/main">
-  <p:cSld>
-    <p:spTree>
-      <p:nvGrpSpPr>
-        <p:cNvPr id="1" name=""/>
-        <p:cNvGrpSpPr/>
-        <p:nvPr/>
-      </p:nvGrpSpPr>
-      <p:grpSpPr>
-        <a:xfrm>
-          <a:off x="0" y="0"/>
-          <a:ext cx="0" cy="0"/>
-          <a:chOff x="0" y="0"/>
-          <a:chExt cx="0" cy="0"/>
-        </a:xfrm>
-      </p:grpSpPr>
-      <p:sp>
-        <p:nvSpPr>
-          <p:cNvPr id="4" name="Rectangle: Rounded Corners 3">
-            <a:extLst>
-              <a:ext uri="{FF2B5EF4-FFF2-40B4-BE49-F238E27FC236}">
-                <a16:creationId xmlns:a16="http://schemas.microsoft.com/office/drawing/2014/main" id="{0529DAC7-D153-B502-FD22-F84ECEC1B68A}"/>
-              </a:ext>
-            </a:extLst>
-          </p:cNvPr>
-          <p:cNvSpPr/>
-          <p:nvPr/>
-        </p:nvSpPr>
-        <p:spPr>
-          <a:xfrm>
-            <a:off x="239843" y="209863"/>
-            <a:ext cx="689547" cy="277318"/>
-          </a:xfrm>
-          <a:prstGeom prst="roundRect">
-            <a:avLst/>
-          </a:prstGeom>
-        </p:spPr>
-        <p:style>
-          <a:lnRef idx="2">
-            <a:schemeClr val="accent1">
-              <a:shade val="15000"/>
-            </a:schemeClr>
-          </a:lnRef>
-          <a:fillRef idx="1">
-            <a:schemeClr val="accent1"/>
-          </a:fillRef>
-          <a:effectRef idx="0">
-            <a:schemeClr val="accent1"/>
-          </a:effectRef>
-          <a:fontRef idx="minor">
-            <a:schemeClr val="lt1"/>
-          </a:fontRef>
-        </p:style>
-        <p:txBody>
-          <a:bodyPr rtlCol="0" anchor="ctr"/>
-          <a:lstStyle/>
-          <a:p>
-            <a:pPr algn="ctr"/>
-            <a:endParaRPr lang="en-US" sz="1000">
-              <a:latin typeface="Consolas" panose="020B0609020204030204" pitchFamily="49" charset="0"/>
-            </a:endParaRPr>
-          </a:p>
-        </p:txBody>
-      </p:sp>
-      <p:sp>
-        <p:nvSpPr>
-          <p:cNvPr id="5" name="Rectangle: Rounded Corners 4">
-            <a:extLst>
-              <a:ext uri="{FF2B5EF4-FFF2-40B4-BE49-F238E27FC236}">
-                <a16:creationId xmlns:a16="http://schemas.microsoft.com/office/drawing/2014/main" id="{78222DEF-245D-DEE9-110A-41326A009FE2}"/>
-              </a:ext>
-            </a:extLst>
-          </p:cNvPr>
-          <p:cNvSpPr/>
-          <p:nvPr/>
-        </p:nvSpPr>
-        <p:spPr>
-          <a:xfrm>
-            <a:off x="1134970" y="209863"/>
-            <a:ext cx="689547" cy="277318"/>
-          </a:xfrm>
-          <a:prstGeom prst="roundRect">
-            <a:avLst/>
-          </a:prstGeom>
-        </p:spPr>
-        <p:style>
-          <a:lnRef idx="2">
-            <a:schemeClr val="accent2">
-              <a:shade val="15000"/>
-            </a:schemeClr>
-          </a:lnRef>
-          <a:fillRef idx="1">
-            <a:schemeClr val="accent2"/>
-          </a:fillRef>
-          <a:effectRef idx="0">
-            <a:schemeClr val="accent2"/>
-          </a:effectRef>
-          <a:fontRef idx="minor">
-            <a:schemeClr val="lt1"/>
-          </a:fontRef>
-        </p:style>
-        <p:txBody>
-          <a:bodyPr rtlCol="0" anchor="ctr"/>
-          <a:lstStyle/>
-          <a:p>
-            <a:pPr algn="ctr"/>
-            <a:endParaRPr lang="en-US" sz="1000">
-              <a:latin typeface="Consolas" panose="020B0609020204030204" pitchFamily="49" charset="0"/>
-            </a:endParaRPr>
-          </a:p>
-        </p:txBody>
-      </p:sp>
-      <p:sp>
-        <p:nvSpPr>
-          <p:cNvPr id="6" name="Rectangle: Rounded Corners 5">
-            <a:extLst>
-              <a:ext uri="{FF2B5EF4-FFF2-40B4-BE49-F238E27FC236}">
-                <a16:creationId xmlns:a16="http://schemas.microsoft.com/office/drawing/2014/main" id="{20E1BD12-F7E2-C18E-A07D-5F38DF4EB450}"/>
-              </a:ext>
-            </a:extLst>
-          </p:cNvPr>
-          <p:cNvSpPr/>
-          <p:nvPr/>
-        </p:nvSpPr>
-        <p:spPr>
-          <a:xfrm>
-            <a:off x="2030097" y="209863"/>
-            <a:ext cx="689547" cy="277318"/>
-          </a:xfrm>
-          <a:prstGeom prst="roundRect">
-            <a:avLst/>
-          </a:prstGeom>
-        </p:spPr>
-        <p:style>
-          <a:lnRef idx="2">
-            <a:schemeClr val="accent3">
-              <a:shade val="15000"/>
-            </a:schemeClr>
-          </a:lnRef>
-          <a:fillRef idx="1">
-            <a:schemeClr val="accent3"/>
-          </a:fillRef>
-          <a:effectRef idx="0">
-            <a:schemeClr val="accent3"/>
-          </a:effectRef>
-          <a:fontRef idx="minor">
-            <a:schemeClr val="lt1"/>
-          </a:fontRef>
-        </p:style>
-        <p:txBody>
-          <a:bodyPr rtlCol="0" anchor="ctr"/>
-          <a:lstStyle/>
-          <a:p>
-            <a:pPr algn="ctr"/>
-            <a:endParaRPr lang="en-US" sz="1000">
-              <a:latin typeface="Consolas" panose="020B0609020204030204" pitchFamily="49" charset="0"/>
-            </a:endParaRPr>
-          </a:p>
-        </p:txBody>
-      </p:sp>
-      <p:sp>
-        <p:nvSpPr>
-          <p:cNvPr id="7" name="Rectangle: Rounded Corners 6">
-            <a:extLst>
-              <a:ext uri="{FF2B5EF4-FFF2-40B4-BE49-F238E27FC236}">
-                <a16:creationId xmlns:a16="http://schemas.microsoft.com/office/drawing/2014/main" id="{019F89DF-61BC-EA53-3541-39455786AC54}"/>
-              </a:ext>
-            </a:extLst>
-          </p:cNvPr>
-          <p:cNvSpPr/>
-          <p:nvPr/>
-        </p:nvSpPr>
-        <p:spPr>
-          <a:xfrm>
-            <a:off x="2925224" y="209863"/>
-            <a:ext cx="689547" cy="277318"/>
-          </a:xfrm>
-          <a:prstGeom prst="roundRect">
-            <a:avLst/>
-          </a:prstGeom>
-        </p:spPr>
-        <p:style>
-          <a:lnRef idx="2">
-            <a:schemeClr val="accent4">
-              <a:shade val="15000"/>
-            </a:schemeClr>
-          </a:lnRef>
-          <a:fillRef idx="1">
-            <a:schemeClr val="accent4"/>
-          </a:fillRef>
-          <a:effectRef idx="0">
-            <a:schemeClr val="accent4"/>
-          </a:effectRef>
-          <a:fontRef idx="minor">
-            <a:schemeClr val="lt1"/>
-          </a:fontRef>
-        </p:style>
-        <p:txBody>
-          <a:bodyPr rtlCol="0" anchor="ctr"/>
-          <a:lstStyle/>
-          <a:p>
-            <a:pPr algn="ctr"/>
-            <a:endParaRPr lang="en-US" sz="1000">
-              <a:latin typeface="Consolas" panose="020B0609020204030204" pitchFamily="49" charset="0"/>
-            </a:endParaRPr>
-          </a:p>
-        </p:txBody>
-      </p:sp>
-      <p:sp>
-        <p:nvSpPr>
-          <p:cNvPr id="12" name="Rectangle: Rounded Corners 11">
-            <a:extLst>
-              <a:ext uri="{FF2B5EF4-FFF2-40B4-BE49-F238E27FC236}">
-                <a16:creationId xmlns:a16="http://schemas.microsoft.com/office/drawing/2014/main" id="{6539D597-232A-4DF8-DEB0-3D64C812EDCD}"/>
-              </a:ext>
-            </a:extLst>
-          </p:cNvPr>
-          <p:cNvSpPr/>
-          <p:nvPr/>
-        </p:nvSpPr>
-        <p:spPr>
-          <a:xfrm>
-            <a:off x="3820351" y="209863"/>
-            <a:ext cx="689547" cy="277318"/>
-          </a:xfrm>
-          <a:prstGeom prst="roundRect">
-            <a:avLst/>
-          </a:prstGeom>
-        </p:spPr>
-        <p:style>
-          <a:lnRef idx="2">
-            <a:schemeClr val="accent5">
-              <a:shade val="15000"/>
-            </a:schemeClr>
-          </a:lnRef>
-          <a:fillRef idx="1">
-            <a:schemeClr val="accent5"/>
-          </a:fillRef>
-          <a:effectRef idx="0">
-            <a:schemeClr val="accent5"/>
-          </a:effectRef>
-          <a:fontRef idx="minor">
-            <a:schemeClr val="lt1"/>
-          </a:fontRef>
-        </p:style>
-        <p:txBody>
-          <a:bodyPr rtlCol="0" anchor="ctr"/>
-          <a:lstStyle/>
-          <a:p>
-            <a:pPr algn="ctr"/>
-            <a:endParaRPr lang="en-US" sz="1000">
-              <a:latin typeface="Consolas" panose="020B0609020204030204" pitchFamily="49" charset="0"/>
-            </a:endParaRPr>
-          </a:p>
-        </p:txBody>
-      </p:sp>
-      <p:sp>
-        <p:nvSpPr>
-          <p:cNvPr id="13" name="Rectangle: Rounded Corners 12">
-            <a:extLst>
-              <a:ext uri="{FF2B5EF4-FFF2-40B4-BE49-F238E27FC236}">
-                <a16:creationId xmlns:a16="http://schemas.microsoft.com/office/drawing/2014/main" id="{489840EA-4EF7-5BAE-CBF3-F3D0E368E9FA}"/>
-              </a:ext>
-            </a:extLst>
-          </p:cNvPr>
-          <p:cNvSpPr/>
-          <p:nvPr/>
-        </p:nvSpPr>
-        <p:spPr>
-          <a:xfrm>
-            <a:off x="4715478" y="209863"/>
-            <a:ext cx="689547" cy="277318"/>
-          </a:xfrm>
-          <a:prstGeom prst="roundRect">
-            <a:avLst/>
-          </a:prstGeom>
-        </p:spPr>
-        <p:style>
-          <a:lnRef idx="2">
-            <a:schemeClr val="accent6">
-              <a:shade val="15000"/>
-            </a:schemeClr>
-          </a:lnRef>
-          <a:fillRef idx="1">
-            <a:schemeClr val="accent6"/>
-          </a:fillRef>
-          <a:effectRef idx="0">
-            <a:schemeClr val="accent6"/>
-          </a:effectRef>
-          <a:fontRef idx="minor">
-            <a:schemeClr val="lt1"/>
-          </a:fontRef>
-        </p:style>
-        <p:txBody>
-          <a:bodyPr rtlCol="0" anchor="ctr"/>
-          <a:lstStyle/>
-          <a:p>
-            <a:pPr algn="ctr"/>
-            <a:endParaRPr lang="en-US" sz="1000">
-              <a:latin typeface="Consolas" panose="020B0609020204030204" pitchFamily="49" charset="0"/>
-            </a:endParaRPr>
-          </a:p>
-        </p:txBody>
-      </p:sp>
-      <p:sp>
-        <p:nvSpPr>
-          <p:cNvPr id="16" name="Rectangle: Rounded Corners 15">
-            <a:extLst>
-              <a:ext uri="{FF2B5EF4-FFF2-40B4-BE49-F238E27FC236}">
-                <a16:creationId xmlns:a16="http://schemas.microsoft.com/office/drawing/2014/main" id="{0ED46574-321C-E859-E016-627441BBE361}"/>
-              </a:ext>
-            </a:extLst>
-          </p:cNvPr>
-          <p:cNvSpPr/>
-          <p:nvPr/>
-        </p:nvSpPr>
-        <p:spPr>
-          <a:xfrm>
-            <a:off x="5610605" y="209863"/>
-            <a:ext cx="689547" cy="277318"/>
-          </a:xfrm>
-          <a:prstGeom prst="roundRect">
-            <a:avLst/>
-          </a:prstGeom>
-        </p:spPr>
-        <p:style>
-          <a:lnRef idx="2">
-            <a:schemeClr val="accent1"/>
-          </a:lnRef>
-          <a:fillRef idx="1">
-            <a:schemeClr val="lt1"/>
-          </a:fillRef>
-          <a:effectRef idx="0">
-            <a:schemeClr val="accent1"/>
-          </a:effectRef>
-          <a:fontRef idx="minor">
-            <a:schemeClr val="dk1"/>
-          </a:fontRef>
-        </p:style>
-        <p:txBody>
-          <a:bodyPr rtlCol="0" anchor="ctr"/>
-          <a:lstStyle/>
-          <a:p>
-            <a:pPr algn="ctr"/>
-            <a:endParaRPr lang="en-US" sz="1000">
-              <a:latin typeface="Consolas" panose="020B0609020204030204" pitchFamily="49" charset="0"/>
-            </a:endParaRPr>
-          </a:p>
-        </p:txBody>
-      </p:sp>
-      <p:sp>
-        <p:nvSpPr>
-          <p:cNvPr id="17" name="Rectangle: Rounded Corners 16">
-            <a:extLst>
-              <a:ext uri="{FF2B5EF4-FFF2-40B4-BE49-F238E27FC236}">
-                <a16:creationId xmlns:a16="http://schemas.microsoft.com/office/drawing/2014/main" id="{1D585F3F-F776-A353-60D3-4AD9BCEF2D2E}"/>
-              </a:ext>
-            </a:extLst>
-          </p:cNvPr>
-          <p:cNvSpPr/>
-          <p:nvPr/>
-        </p:nvSpPr>
-        <p:spPr>
-          <a:xfrm>
-            <a:off x="6505732" y="209863"/>
-            <a:ext cx="689547" cy="277318"/>
-          </a:xfrm>
-          <a:prstGeom prst="roundRect">
-            <a:avLst/>
-          </a:prstGeom>
-        </p:spPr>
-        <p:style>
-          <a:lnRef idx="2">
-            <a:schemeClr val="accent2"/>
-          </a:lnRef>
-          <a:fillRef idx="1">
-            <a:schemeClr val="lt1"/>
-          </a:fillRef>
-          <a:effectRef idx="0">
-            <a:schemeClr val="accent2"/>
-          </a:effectRef>
-          <a:fontRef idx="minor">
-            <a:schemeClr val="dk1"/>
-          </a:fontRef>
-        </p:style>
-        <p:txBody>
-          <a:bodyPr rtlCol="0" anchor="ctr"/>
-          <a:lstStyle/>
-          <a:p>
-            <a:pPr algn="ctr"/>
-            <a:endParaRPr lang="en-US" sz="1000">
-              <a:latin typeface="Consolas" panose="020B0609020204030204" pitchFamily="49" charset="0"/>
-            </a:endParaRPr>
-          </a:p>
-        </p:txBody>
-      </p:sp>
-      <p:sp>
-        <p:nvSpPr>
-          <p:cNvPr id="18" name="Rectangle: Rounded Corners 17">
-            <a:extLst>
-              <a:ext uri="{FF2B5EF4-FFF2-40B4-BE49-F238E27FC236}">
-                <a16:creationId xmlns:a16="http://schemas.microsoft.com/office/drawing/2014/main" id="{85A2BCEB-550A-3DB0-0F13-FDEC41356A96}"/>
-              </a:ext>
-            </a:extLst>
-          </p:cNvPr>
-          <p:cNvSpPr/>
-          <p:nvPr/>
-        </p:nvSpPr>
-        <p:spPr>
-          <a:xfrm>
-            <a:off x="7400859" y="209863"/>
-            <a:ext cx="689547" cy="277318"/>
-          </a:xfrm>
-          <a:prstGeom prst="roundRect">
-            <a:avLst/>
-          </a:prstGeom>
-        </p:spPr>
-        <p:style>
-          <a:lnRef idx="2">
-            <a:schemeClr val="accent3"/>
-          </a:lnRef>
-          <a:fillRef idx="1">
-            <a:schemeClr val="lt1"/>
-          </a:fillRef>
-          <a:effectRef idx="0">
-            <a:schemeClr val="accent3"/>
-          </a:effectRef>
-          <a:fontRef idx="minor">
-            <a:schemeClr val="dk1"/>
-          </a:fontRef>
-        </p:style>
-        <p:txBody>
-          <a:bodyPr rtlCol="0" anchor="ctr"/>
-          <a:lstStyle/>
-          <a:p>
-            <a:pPr algn="ctr"/>
-            <a:endParaRPr lang="en-US" sz="1000">
-              <a:latin typeface="Consolas" panose="020B0609020204030204" pitchFamily="49" charset="0"/>
-            </a:endParaRPr>
-          </a:p>
-        </p:txBody>
-      </p:sp>
-      <p:sp>
-        <p:nvSpPr>
-          <p:cNvPr id="19" name="Rectangle: Rounded Corners 18">
-            <a:extLst>
-              <a:ext uri="{FF2B5EF4-FFF2-40B4-BE49-F238E27FC236}">
-                <a16:creationId xmlns:a16="http://schemas.microsoft.com/office/drawing/2014/main" id="{9DB5C8B1-6428-733E-2EE7-81E3C2FF4AB4}"/>
-              </a:ext>
-            </a:extLst>
-          </p:cNvPr>
-          <p:cNvSpPr/>
-          <p:nvPr/>
-        </p:nvSpPr>
-        <p:spPr>
-          <a:xfrm>
-            <a:off x="8295986" y="209863"/>
-            <a:ext cx="689547" cy="277318"/>
-          </a:xfrm>
-          <a:prstGeom prst="roundRect">
-            <a:avLst/>
-          </a:prstGeom>
-        </p:spPr>
-        <p:style>
-          <a:lnRef idx="2">
-            <a:schemeClr val="accent4"/>
-          </a:lnRef>
-          <a:fillRef idx="1">
-            <a:schemeClr val="lt1"/>
-          </a:fillRef>
-          <a:effectRef idx="0">
-            <a:schemeClr val="accent4"/>
-          </a:effectRef>
-          <a:fontRef idx="minor">
-            <a:schemeClr val="dk1"/>
-          </a:fontRef>
-        </p:style>
-        <p:txBody>
-          <a:bodyPr rtlCol="0" anchor="ctr"/>
-          <a:lstStyle/>
-          <a:p>
-            <a:pPr algn="ctr"/>
-            <a:endParaRPr lang="en-US" sz="1000">
-              <a:latin typeface="Consolas" panose="020B0609020204030204" pitchFamily="49" charset="0"/>
-            </a:endParaRPr>
-          </a:p>
-        </p:txBody>
-      </p:sp>
-      <p:sp>
-        <p:nvSpPr>
-          <p:cNvPr id="20" name="Rectangle: Rounded Corners 19">
-            <a:extLst>
-              <a:ext uri="{FF2B5EF4-FFF2-40B4-BE49-F238E27FC236}">
-                <a16:creationId xmlns:a16="http://schemas.microsoft.com/office/drawing/2014/main" id="{5B37CBE8-F3F5-6740-03A5-6850DF1AFBE4}"/>
-              </a:ext>
-            </a:extLst>
-          </p:cNvPr>
-          <p:cNvSpPr/>
-          <p:nvPr/>
-        </p:nvSpPr>
-        <p:spPr>
-          <a:xfrm>
-            <a:off x="9191113" y="209863"/>
-            <a:ext cx="689547" cy="277318"/>
-          </a:xfrm>
-          <a:prstGeom prst="roundRect">
-            <a:avLst/>
-          </a:prstGeom>
-        </p:spPr>
-        <p:style>
-          <a:lnRef idx="2">
-            <a:schemeClr val="accent5"/>
-          </a:lnRef>
-          <a:fillRef idx="1">
-            <a:schemeClr val="lt1"/>
-          </a:fillRef>
-          <a:effectRef idx="0">
-            <a:schemeClr val="accent5"/>
-          </a:effectRef>
-          <a:fontRef idx="minor">
-            <a:schemeClr val="dk1"/>
-          </a:fontRef>
-        </p:style>
-        <p:txBody>
-          <a:bodyPr rtlCol="0" anchor="ctr"/>
-          <a:lstStyle/>
-          <a:p>
-            <a:pPr algn="ctr"/>
-            <a:endParaRPr lang="en-US" sz="1000">
-              <a:latin typeface="Consolas" panose="020B0609020204030204" pitchFamily="49" charset="0"/>
-            </a:endParaRPr>
-          </a:p>
-        </p:txBody>
-      </p:sp>
-      <p:sp>
-        <p:nvSpPr>
-          <p:cNvPr id="21" name="Rectangle: Rounded Corners 20">
-            <a:extLst>
-              <a:ext uri="{FF2B5EF4-FFF2-40B4-BE49-F238E27FC236}">
-                <a16:creationId xmlns:a16="http://schemas.microsoft.com/office/drawing/2014/main" id="{68620648-732D-F651-4188-C57937E972E0}"/>
-              </a:ext>
-            </a:extLst>
-          </p:cNvPr>
-          <p:cNvSpPr/>
-          <p:nvPr/>
-        </p:nvSpPr>
-        <p:spPr>
-          <a:xfrm>
-            <a:off x="10086240" y="209863"/>
-            <a:ext cx="689547" cy="277318"/>
-          </a:xfrm>
-          <a:prstGeom prst="roundRect">
-            <a:avLst/>
-          </a:prstGeom>
-        </p:spPr>
-        <p:style>
-          <a:lnRef idx="2">
-            <a:schemeClr val="accent6"/>
-          </a:lnRef>
-          <a:fillRef idx="1">
-            <a:schemeClr val="lt1"/>
-          </a:fillRef>
-          <a:effectRef idx="0">
-            <a:schemeClr val="accent6"/>
-          </a:effectRef>
-          <a:fontRef idx="minor">
-            <a:schemeClr val="dk1"/>
-          </a:fontRef>
-        </p:style>
-        <p:txBody>
-          <a:bodyPr rtlCol="0" anchor="ctr"/>
-          <a:lstStyle/>
-          <a:p>
-            <a:pPr algn="ctr"/>
-            <a:endParaRPr lang="en-US" sz="1000">
-              <a:latin typeface="Consolas" panose="020B0609020204030204" pitchFamily="49" charset="0"/>
-            </a:endParaRPr>
-          </a:p>
-        </p:txBody>
-      </p:sp>
-      <p:sp>
-        <p:nvSpPr>
-          <p:cNvPr id="22" name="TextBox 21">
-            <a:extLst>
-              <a:ext uri="{FF2B5EF4-FFF2-40B4-BE49-F238E27FC236}">
-                <a16:creationId xmlns:a16="http://schemas.microsoft.com/office/drawing/2014/main" id="{C31BC362-2B82-C326-AAF1-FFB27398ADAF}"/>
-              </a:ext>
-            </a:extLst>
-          </p:cNvPr>
-          <p:cNvSpPr txBox="1"/>
-          <p:nvPr/>
-        </p:nvSpPr>
-        <p:spPr>
-          <a:xfrm>
-            <a:off x="10981367" y="225411"/>
-            <a:ext cx="689547" cy="246221"/>
-          </a:xfrm>
-          <a:prstGeom prst="rect">
-            <a:avLst/>
-          </a:prstGeom>
-          <a:noFill/>
-        </p:spPr>
-        <p:txBody>
-          <a:bodyPr wrap="square" rtlCol="0">
-            <a:spAutoFit/>
-          </a:bodyPr>
-          <a:lstStyle/>
-          <a:p>
-            <a:pPr algn="ctr"/>
-            <a:r>
-              <a:rPr lang="en-US" sz="1000">
-                <a:latin typeface="Consolas" panose="020B0609020204030204" pitchFamily="49" charset="0"/>
-              </a:rPr>
-              <a:t>text</a:t>
-            </a:r>
-          </a:p>
-        </p:txBody>
-      </p:sp>
-    </p:spTree>
-    <p:extLst>
-      <p:ext uri="{BB962C8B-B14F-4D97-AF65-F5344CB8AC3E}">
-        <p14:creationId xmlns:p14="http://schemas.microsoft.com/office/powerpoint/2010/main" val="3376963503"/>
+        <p14:creationId xmlns:p14="http://schemas.microsoft.com/office/powerpoint/2010/main" val="2472303799"/>
       </p:ext>
     </p:extLst>
   </p:cSld>

--- a/NOTES.pptx
+++ b/NOTES.pptx
@@ -20556,7 +20556,7 @@
         </p:nvSpPr>
         <p:spPr>
           <a:xfrm>
-            <a:off x="6784122" y="1529555"/>
+            <a:off x="6724162" y="929948"/>
             <a:ext cx="4698344" cy="1477328"/>
           </a:xfrm>
           <a:prstGeom prst="rect">

--- a/NOTES.pptx
+++ b/NOTES.pptx
@@ -301,7 +301,7 @@
           <a:p>
             <a:fld id="{DB96A1BF-7A60-4A28-908B-BEE221AF7F3D}" type="datetimeFigureOut">
               <a:rPr lang="en-US" smtClean="0"/>
-              <a:t>3/21/2024</a:t>
+              <a:t>3/26/2024</a:t>
             </a:fld>
             <a:endParaRPr lang="en-US"/>
           </a:p>
@@ -599,7 +599,7 @@
           <a:p>
             <a:fld id="{DB96A1BF-7A60-4A28-908B-BEE221AF7F3D}" type="datetimeFigureOut">
               <a:rPr lang="en-US" smtClean="0"/>
-              <a:t>3/21/2024</a:t>
+              <a:t>3/26/2024</a:t>
             </a:fld>
             <a:endParaRPr lang="en-US"/>
           </a:p>
@@ -791,7 +791,7 @@
           <a:p>
             <a:fld id="{DB96A1BF-7A60-4A28-908B-BEE221AF7F3D}" type="datetimeFigureOut">
               <a:rPr lang="en-US" smtClean="0"/>
-              <a:t>3/21/2024</a:t>
+              <a:t>3/26/2024</a:t>
             </a:fld>
             <a:endParaRPr lang="en-US"/>
           </a:p>
@@ -1052,7 +1052,7 @@
           <a:p>
             <a:fld id="{DB96A1BF-7A60-4A28-908B-BEE221AF7F3D}" type="datetimeFigureOut">
               <a:rPr lang="en-US" smtClean="0"/>
-              <a:t>3/21/2024</a:t>
+              <a:t>3/26/2024</a:t>
             </a:fld>
             <a:endParaRPr lang="en-US"/>
           </a:p>
@@ -1476,7 +1476,7 @@
           <a:p>
             <a:fld id="{DB96A1BF-7A60-4A28-908B-BEE221AF7F3D}" type="datetimeFigureOut">
               <a:rPr lang="en-US" smtClean="0"/>
-              <a:t>3/21/2024</a:t>
+              <a:t>3/26/2024</a:t>
             </a:fld>
             <a:endParaRPr lang="en-US"/>
           </a:p>
@@ -2013,7 +2013,7 @@
           <a:p>
             <a:fld id="{DB96A1BF-7A60-4A28-908B-BEE221AF7F3D}" type="datetimeFigureOut">
               <a:rPr lang="en-US" smtClean="0"/>
-              <a:t>3/21/2024</a:t>
+              <a:t>3/26/2024</a:t>
             </a:fld>
             <a:endParaRPr lang="en-US"/>
           </a:p>
@@ -2877,7 +2877,7 @@
           <a:p>
             <a:fld id="{DB96A1BF-7A60-4A28-908B-BEE221AF7F3D}" type="datetimeFigureOut">
               <a:rPr lang="en-US" smtClean="0"/>
-              <a:t>3/21/2024</a:t>
+              <a:t>3/26/2024</a:t>
             </a:fld>
             <a:endParaRPr lang="en-US"/>
           </a:p>
@@ -3047,7 +3047,7 @@
           <a:p>
             <a:fld id="{DB96A1BF-7A60-4A28-908B-BEE221AF7F3D}" type="datetimeFigureOut">
               <a:rPr lang="en-US" smtClean="0"/>
-              <a:t>3/21/2024</a:t>
+              <a:t>3/26/2024</a:t>
             </a:fld>
             <a:endParaRPr lang="en-US"/>
           </a:p>
@@ -3231,7 +3231,7 @@
           <a:p>
             <a:fld id="{DB96A1BF-7A60-4A28-908B-BEE221AF7F3D}" type="datetimeFigureOut">
               <a:rPr lang="en-US" smtClean="0"/>
-              <a:t>3/21/2024</a:t>
+              <a:t>3/26/2024</a:t>
             </a:fld>
             <a:endParaRPr lang="en-US"/>
           </a:p>
@@ -3401,7 +3401,7 @@
           <a:p>
             <a:fld id="{DB96A1BF-7A60-4A28-908B-BEE221AF7F3D}" type="datetimeFigureOut">
               <a:rPr lang="en-US" smtClean="0"/>
-              <a:t>3/21/2024</a:t>
+              <a:t>3/26/2024</a:t>
             </a:fld>
             <a:endParaRPr lang="en-US"/>
           </a:p>
@@ -3645,7 +3645,7 @@
           <a:p>
             <a:fld id="{DB96A1BF-7A60-4A28-908B-BEE221AF7F3D}" type="datetimeFigureOut">
               <a:rPr lang="en-US" smtClean="0"/>
-              <a:t>3/21/2024</a:t>
+              <a:t>3/26/2024</a:t>
             </a:fld>
             <a:endParaRPr lang="en-US"/>
           </a:p>
@@ -3881,7 +3881,7 @@
           <a:p>
             <a:fld id="{DB96A1BF-7A60-4A28-908B-BEE221AF7F3D}" type="datetimeFigureOut">
               <a:rPr lang="en-US" smtClean="0"/>
-              <a:t>3/21/2024</a:t>
+              <a:t>3/26/2024</a:t>
             </a:fld>
             <a:endParaRPr lang="en-US"/>
           </a:p>
@@ -4347,7 +4347,7 @@
           <a:p>
             <a:fld id="{DB96A1BF-7A60-4A28-908B-BEE221AF7F3D}" type="datetimeFigureOut">
               <a:rPr lang="en-US" smtClean="0"/>
-              <a:t>3/21/2024</a:t>
+              <a:t>3/26/2024</a:t>
             </a:fld>
             <a:endParaRPr lang="en-US"/>
           </a:p>
@@ -4465,7 +4465,7 @@
           <a:p>
             <a:fld id="{DB96A1BF-7A60-4A28-908B-BEE221AF7F3D}" type="datetimeFigureOut">
               <a:rPr lang="en-US" smtClean="0"/>
-              <a:t>3/21/2024</a:t>
+              <a:t>3/26/2024</a:t>
             </a:fld>
             <a:endParaRPr lang="en-US"/>
           </a:p>
@@ -4560,7 +4560,7 @@
           <a:p>
             <a:fld id="{DB96A1BF-7A60-4A28-908B-BEE221AF7F3D}" type="datetimeFigureOut">
               <a:rPr lang="en-US" smtClean="0"/>
-              <a:t>3/21/2024</a:t>
+              <a:t>3/26/2024</a:t>
             </a:fld>
             <a:endParaRPr lang="en-US"/>
           </a:p>
@@ -4815,7 +4815,7 @@
           <a:p>
             <a:fld id="{DB96A1BF-7A60-4A28-908B-BEE221AF7F3D}" type="datetimeFigureOut">
               <a:rPr lang="en-US" smtClean="0"/>
-              <a:t>3/21/2024</a:t>
+              <a:t>3/26/2024</a:t>
             </a:fld>
             <a:endParaRPr lang="en-US"/>
           </a:p>
@@ -5115,7 +5115,7 @@
           <a:p>
             <a:fld id="{DB96A1BF-7A60-4A28-908B-BEE221AF7F3D}" type="datetimeFigureOut">
               <a:rPr lang="en-US" smtClean="0"/>
-              <a:t>3/21/2024</a:t>
+              <a:t>3/26/2024</a:t>
             </a:fld>
             <a:endParaRPr lang="en-US"/>
           </a:p>
@@ -5349,7 +5349,7 @@
           <a:p>
             <a:fld id="{DB96A1BF-7A60-4A28-908B-BEE221AF7F3D}" type="datetimeFigureOut">
               <a:rPr lang="en-US" smtClean="0"/>
-              <a:t>3/21/2024</a:t>
+              <a:t>3/26/2024</a:t>
             </a:fld>
             <a:endParaRPr lang="en-US"/>
           </a:p>
@@ -20716,6 +20716,134 @@
           </a:p>
         </p:txBody>
       </p:sp>
+      <p:sp>
+        <p:nvSpPr>
+          <p:cNvPr id="8" name="TextBox 7">
+            <a:extLst>
+              <a:ext uri="{FF2B5EF4-FFF2-40B4-BE49-F238E27FC236}">
+                <a16:creationId xmlns:a16="http://schemas.microsoft.com/office/drawing/2014/main" id="{2A7C6CDC-8392-06C8-13EF-3A84669F4496}"/>
+              </a:ext>
+            </a:extLst>
+          </p:cNvPr>
+          <p:cNvSpPr txBox="1"/>
+          <p:nvPr/>
+        </p:nvSpPr>
+        <p:spPr>
+          <a:xfrm>
+            <a:off x="3040327" y="3875515"/>
+            <a:ext cx="2607216" cy="1938992"/>
+          </a:xfrm>
+          <a:prstGeom prst="rect">
+            <a:avLst/>
+          </a:prstGeom>
+          <a:noFill/>
+        </p:spPr>
+        <p:txBody>
+          <a:bodyPr wrap="square" rtlCol="0">
+            <a:spAutoFit/>
+          </a:bodyPr>
+          <a:lstStyle/>
+          <a:p>
+            <a:pPr defTabSz="182880"/>
+            <a:r>
+              <a:rPr lang="en-US" sz="1000">
+                <a:latin typeface="Consolas" panose="020B0609020204030204" pitchFamily="49" charset="0"/>
+              </a:rPr>
+              <a:t>custom_freq: (0, 0, 1, 3)</a:t>
+            </a:r>
+          </a:p>
+          <a:p>
+            <a:pPr defTabSz="182880"/>
+            <a:r>
+              <a:rPr lang="en-US" sz="1000">
+                <a:latin typeface="Consolas" panose="020B0609020204030204" pitchFamily="49" charset="0"/>
+              </a:rPr>
+              <a:t>samp_rate: (0, 3, 1, 1)</a:t>
+            </a:r>
+          </a:p>
+          <a:p>
+            <a:pPr defTabSz="182880"/>
+            <a:endParaRPr lang="en-US" sz="1000">
+              <a:latin typeface="Consolas" panose="020B0609020204030204" pitchFamily="49" charset="0"/>
+            </a:endParaRPr>
+          </a:p>
+          <a:p>
+            <a:pPr defTabSz="182880"/>
+            <a:r>
+              <a:rPr lang="en-US" sz="1000">
+                <a:latin typeface="Consolas" panose="020B0609020204030204" pitchFamily="49" charset="0"/>
+              </a:rPr>
+              <a:t>mod: (2, 0, 1, 1)</a:t>
+            </a:r>
+          </a:p>
+          <a:p>
+            <a:pPr defTabSz="182880"/>
+            <a:r>
+              <a:rPr lang="en-US" sz="1000">
+                <a:latin typeface="Consolas" panose="020B0609020204030204" pitchFamily="49" charset="0"/>
+              </a:rPr>
+              <a:t>threshold: (2, 1, 1, 2)</a:t>
+            </a:r>
+          </a:p>
+          <a:p>
+            <a:pPr defTabSz="182880"/>
+            <a:r>
+              <a:rPr lang="en-US" sz="1000">
+                <a:latin typeface="Consolas" panose="020B0609020204030204" pitchFamily="49" charset="0"/>
+              </a:rPr>
+              <a:t>lo_offset: ()</a:t>
+            </a:r>
+          </a:p>
+          <a:p>
+            <a:pPr defTabSz="182880"/>
+            <a:endParaRPr lang="en-US" sz="1000">
+              <a:latin typeface="Consolas" panose="020B0609020204030204" pitchFamily="49" charset="0"/>
+            </a:endParaRPr>
+          </a:p>
+          <a:p>
+            <a:pPr defTabSz="182880"/>
+            <a:r>
+              <a:rPr lang="en-US" sz="1000">
+                <a:latin typeface="Consolas" panose="020B0609020204030204" pitchFamily="49" charset="0"/>
+              </a:rPr>
+              <a:t>pdu_length: (3, 0, 1, 3)</a:t>
+            </a:r>
+          </a:p>
+          <a:p>
+            <a:pPr defTabSz="182880"/>
+            <a:r>
+              <a:rPr lang="en-US" sz="1000">
+                <a:latin typeface="Consolas" panose="020B0609020204030204" pitchFamily="49" charset="0"/>
+              </a:rPr>
+              <a:t>Debug: (3, 3, 1, 1)</a:t>
+            </a:r>
+          </a:p>
+          <a:p>
+            <a:pPr defTabSz="182880"/>
+            <a:endParaRPr lang="en-US" sz="1000">
+              <a:latin typeface="Consolas" panose="020B0609020204030204" pitchFamily="49" charset="0"/>
+            </a:endParaRPr>
+          </a:p>
+          <a:p>
+            <a:pPr defTabSz="182880"/>
+            <a:r>
+              <a:rPr lang="en-US" sz="1000">
+                <a:latin typeface="Consolas" panose="020B0609020204030204" pitchFamily="49" charset="0"/>
+              </a:rPr>
+              <a:t>chan_est: ()</a:t>
+            </a:r>
+          </a:p>
+          <a:p>
+            <a:pPr defTabSz="182880"/>
+            <a:r>
+              <a:rPr lang="en-US" sz="1000">
+                <a:latin typeface="Consolas" panose="020B0609020204030204" pitchFamily="49" charset="0"/>
+              </a:rPr>
+              <a:t>gain: ()</a:t>
+            </a:r>
+          </a:p>
+        </p:txBody>
+      </p:sp>
     </p:spTree>
     <p:extLst>
       <p:ext uri="{BB962C8B-B14F-4D97-AF65-F5344CB8AC3E}">

--- a/NOTES.pptx
+++ b/NOTES.pptx
@@ -10,6 +10,8 @@
     <p:sldId id="258" r:id="rId4"/>
     <p:sldId id="259" r:id="rId5"/>
     <p:sldId id="260" r:id="rId6"/>
+    <p:sldId id="261" r:id="rId7"/>
+    <p:sldId id="262" r:id="rId8"/>
   </p:sldIdLst>
   <p:sldSz cx="12192000" cy="6858000"/>
   <p:notesSz cx="6858000" cy="9144000"/>
@@ -301,7 +303,7 @@
           <a:p>
             <a:fld id="{DB96A1BF-7A60-4A28-908B-BEE221AF7F3D}" type="datetimeFigureOut">
               <a:rPr lang="en-US" smtClean="0"/>
-              <a:t>3/26/2024</a:t>
+              <a:t>4/9/2024</a:t>
             </a:fld>
             <a:endParaRPr lang="en-US"/>
           </a:p>
@@ -599,7 +601,7 @@
           <a:p>
             <a:fld id="{DB96A1BF-7A60-4A28-908B-BEE221AF7F3D}" type="datetimeFigureOut">
               <a:rPr lang="en-US" smtClean="0"/>
-              <a:t>3/26/2024</a:t>
+              <a:t>4/9/2024</a:t>
             </a:fld>
             <a:endParaRPr lang="en-US"/>
           </a:p>
@@ -791,7 +793,7 @@
           <a:p>
             <a:fld id="{DB96A1BF-7A60-4A28-908B-BEE221AF7F3D}" type="datetimeFigureOut">
               <a:rPr lang="en-US" smtClean="0"/>
-              <a:t>3/26/2024</a:t>
+              <a:t>4/9/2024</a:t>
             </a:fld>
             <a:endParaRPr lang="en-US"/>
           </a:p>
@@ -1052,7 +1054,7 @@
           <a:p>
             <a:fld id="{DB96A1BF-7A60-4A28-908B-BEE221AF7F3D}" type="datetimeFigureOut">
               <a:rPr lang="en-US" smtClean="0"/>
-              <a:t>3/26/2024</a:t>
+              <a:t>4/9/2024</a:t>
             </a:fld>
             <a:endParaRPr lang="en-US"/>
           </a:p>
@@ -1476,7 +1478,7 @@
           <a:p>
             <a:fld id="{DB96A1BF-7A60-4A28-908B-BEE221AF7F3D}" type="datetimeFigureOut">
               <a:rPr lang="en-US" smtClean="0"/>
-              <a:t>3/26/2024</a:t>
+              <a:t>4/9/2024</a:t>
             </a:fld>
             <a:endParaRPr lang="en-US"/>
           </a:p>
@@ -2013,7 +2015,7 @@
           <a:p>
             <a:fld id="{DB96A1BF-7A60-4A28-908B-BEE221AF7F3D}" type="datetimeFigureOut">
               <a:rPr lang="en-US" smtClean="0"/>
-              <a:t>3/26/2024</a:t>
+              <a:t>4/9/2024</a:t>
             </a:fld>
             <a:endParaRPr lang="en-US"/>
           </a:p>
@@ -2877,7 +2879,7 @@
           <a:p>
             <a:fld id="{DB96A1BF-7A60-4A28-908B-BEE221AF7F3D}" type="datetimeFigureOut">
               <a:rPr lang="en-US" smtClean="0"/>
-              <a:t>3/26/2024</a:t>
+              <a:t>4/9/2024</a:t>
             </a:fld>
             <a:endParaRPr lang="en-US"/>
           </a:p>
@@ -3047,7 +3049,7 @@
           <a:p>
             <a:fld id="{DB96A1BF-7A60-4A28-908B-BEE221AF7F3D}" type="datetimeFigureOut">
               <a:rPr lang="en-US" smtClean="0"/>
-              <a:t>3/26/2024</a:t>
+              <a:t>4/9/2024</a:t>
             </a:fld>
             <a:endParaRPr lang="en-US"/>
           </a:p>
@@ -3231,7 +3233,7 @@
           <a:p>
             <a:fld id="{DB96A1BF-7A60-4A28-908B-BEE221AF7F3D}" type="datetimeFigureOut">
               <a:rPr lang="en-US" smtClean="0"/>
-              <a:t>3/26/2024</a:t>
+              <a:t>4/9/2024</a:t>
             </a:fld>
             <a:endParaRPr lang="en-US"/>
           </a:p>
@@ -3401,7 +3403,7 @@
           <a:p>
             <a:fld id="{DB96A1BF-7A60-4A28-908B-BEE221AF7F3D}" type="datetimeFigureOut">
               <a:rPr lang="en-US" smtClean="0"/>
-              <a:t>3/26/2024</a:t>
+              <a:t>4/9/2024</a:t>
             </a:fld>
             <a:endParaRPr lang="en-US"/>
           </a:p>
@@ -3645,7 +3647,7 @@
           <a:p>
             <a:fld id="{DB96A1BF-7A60-4A28-908B-BEE221AF7F3D}" type="datetimeFigureOut">
               <a:rPr lang="en-US" smtClean="0"/>
-              <a:t>3/26/2024</a:t>
+              <a:t>4/9/2024</a:t>
             </a:fld>
             <a:endParaRPr lang="en-US"/>
           </a:p>
@@ -3881,7 +3883,7 @@
           <a:p>
             <a:fld id="{DB96A1BF-7A60-4A28-908B-BEE221AF7F3D}" type="datetimeFigureOut">
               <a:rPr lang="en-US" smtClean="0"/>
-              <a:t>3/26/2024</a:t>
+              <a:t>4/9/2024</a:t>
             </a:fld>
             <a:endParaRPr lang="en-US"/>
           </a:p>
@@ -4347,7 +4349,7 @@
           <a:p>
             <a:fld id="{DB96A1BF-7A60-4A28-908B-BEE221AF7F3D}" type="datetimeFigureOut">
               <a:rPr lang="en-US" smtClean="0"/>
-              <a:t>3/26/2024</a:t>
+              <a:t>4/9/2024</a:t>
             </a:fld>
             <a:endParaRPr lang="en-US"/>
           </a:p>
@@ -4465,7 +4467,7 @@
           <a:p>
             <a:fld id="{DB96A1BF-7A60-4A28-908B-BEE221AF7F3D}" type="datetimeFigureOut">
               <a:rPr lang="en-US" smtClean="0"/>
-              <a:t>3/26/2024</a:t>
+              <a:t>4/9/2024</a:t>
             </a:fld>
             <a:endParaRPr lang="en-US"/>
           </a:p>
@@ -4560,7 +4562,7 @@
           <a:p>
             <a:fld id="{DB96A1BF-7A60-4A28-908B-BEE221AF7F3D}" type="datetimeFigureOut">
               <a:rPr lang="en-US" smtClean="0"/>
-              <a:t>3/26/2024</a:t>
+              <a:t>4/9/2024</a:t>
             </a:fld>
             <a:endParaRPr lang="en-US"/>
           </a:p>
@@ -4815,7 +4817,7 @@
           <a:p>
             <a:fld id="{DB96A1BF-7A60-4A28-908B-BEE221AF7F3D}" type="datetimeFigureOut">
               <a:rPr lang="en-US" smtClean="0"/>
-              <a:t>3/26/2024</a:t>
+              <a:t>4/9/2024</a:t>
             </a:fld>
             <a:endParaRPr lang="en-US"/>
           </a:p>
@@ -5115,7 +5117,7 @@
           <a:p>
             <a:fld id="{DB96A1BF-7A60-4A28-908B-BEE221AF7F3D}" type="datetimeFigureOut">
               <a:rPr lang="en-US" smtClean="0"/>
-              <a:t>3/26/2024</a:t>
+              <a:t>4/9/2024</a:t>
             </a:fld>
             <a:endParaRPr lang="en-US"/>
           </a:p>
@@ -5349,7 +5351,7 @@
           <a:p>
             <a:fld id="{DB96A1BF-7A60-4A28-908B-BEE221AF7F3D}" type="datetimeFigureOut">
               <a:rPr lang="en-US" smtClean="0"/>
-              <a:t>3/26/2024</a:t>
+              <a:t>4/9/2024</a:t>
             </a:fld>
             <a:endParaRPr lang="en-US"/>
           </a:p>
@@ -23022,10 +23024,1968 @@
           </a:p>
         </p:txBody>
       </p:sp>
+      <p:pic>
+        <p:nvPicPr>
+          <p:cNvPr id="10" name="圖片 9">
+            <a:extLst>
+              <a:ext uri="{FF2B5EF4-FFF2-40B4-BE49-F238E27FC236}">
+                <a16:creationId xmlns:a16="http://schemas.microsoft.com/office/drawing/2014/main" id="{79CD5EF0-59FD-ED07-FEA2-51ADE1FAD308}"/>
+              </a:ext>
+            </a:extLst>
+          </p:cNvPr>
+          <p:cNvPicPr>
+            <a:picLocks noChangeAspect="1"/>
+          </p:cNvPicPr>
+          <p:nvPr/>
+        </p:nvPicPr>
+        <p:blipFill>
+          <a:blip r:embed="rId2"/>
+          <a:stretch>
+            <a:fillRect/>
+          </a:stretch>
+        </p:blipFill>
+        <p:spPr>
+          <a:xfrm>
+            <a:off x="1568431" y="1517636"/>
+            <a:ext cx="3486637" cy="1400370"/>
+          </a:xfrm>
+          <a:prstGeom prst="rect">
+            <a:avLst/>
+          </a:prstGeom>
+        </p:spPr>
+      </p:pic>
+      <p:sp>
+        <p:nvSpPr>
+          <p:cNvPr id="11" name="TextBox 21">
+            <a:extLst>
+              <a:ext uri="{FF2B5EF4-FFF2-40B4-BE49-F238E27FC236}">
+                <a16:creationId xmlns:a16="http://schemas.microsoft.com/office/drawing/2014/main" id="{57758859-6CFD-FBD2-38D0-2D8CD0CB7000}"/>
+              </a:ext>
+            </a:extLst>
+          </p:cNvPr>
+          <p:cNvSpPr txBox="1"/>
+          <p:nvPr/>
+        </p:nvSpPr>
+        <p:spPr>
+          <a:xfrm>
+            <a:off x="175675" y="923635"/>
+            <a:ext cx="1140062" cy="246221"/>
+          </a:xfrm>
+          <a:prstGeom prst="rect">
+            <a:avLst/>
+          </a:prstGeom>
+          <a:noFill/>
+        </p:spPr>
+        <p:txBody>
+          <a:bodyPr wrap="square" rtlCol="0">
+            <a:spAutoFit/>
+          </a:bodyPr>
+          <a:lstStyle/>
+          <a:p>
+            <a:pPr algn="ctr" defTabSz="182880"/>
+            <a:r>
+              <a:rPr lang="en-US" altLang="zh-TW" sz="1000">
+                <a:latin typeface="Consolas" panose="020B0609020204030204" pitchFamily="49" charset="0"/>
+              </a:rPr>
+              <a:t>AM DSB</a:t>
+            </a:r>
+            <a:r>
+              <a:rPr lang="zh-TW" altLang="en-US" sz="1000">
+                <a:latin typeface="Consolas" panose="020B0609020204030204" pitchFamily="49" charset="0"/>
+              </a:rPr>
+              <a:t> </a:t>
+            </a:r>
+            <a:r>
+              <a:rPr lang="en-US" altLang="zh-TW" sz="1000">
+                <a:latin typeface="Consolas" panose="020B0609020204030204" pitchFamily="49" charset="0"/>
+              </a:rPr>
+              <a:t>Signal</a:t>
+            </a:r>
+            <a:endParaRPr lang="en-US" sz="1000">
+              <a:latin typeface="Consolas" panose="020B0609020204030204" pitchFamily="49" charset="0"/>
+            </a:endParaRPr>
+          </a:p>
+        </p:txBody>
+      </p:sp>
+      <p:sp>
+        <p:nvSpPr>
+          <p:cNvPr id="14" name="TextBox 21">
+            <a:extLst>
+              <a:ext uri="{FF2B5EF4-FFF2-40B4-BE49-F238E27FC236}">
+                <a16:creationId xmlns:a16="http://schemas.microsoft.com/office/drawing/2014/main" id="{85733291-E9CF-D721-1C62-0D3B27CADA09}"/>
+              </a:ext>
+            </a:extLst>
+          </p:cNvPr>
+          <p:cNvSpPr txBox="1"/>
+          <p:nvPr/>
+        </p:nvSpPr>
+        <p:spPr>
+          <a:xfrm>
+            <a:off x="175675" y="1971600"/>
+            <a:ext cx="1140062" cy="246221"/>
+          </a:xfrm>
+          <a:prstGeom prst="rect">
+            <a:avLst/>
+          </a:prstGeom>
+          <a:noFill/>
+        </p:spPr>
+        <p:txBody>
+          <a:bodyPr wrap="square" rtlCol="0">
+            <a:spAutoFit/>
+          </a:bodyPr>
+          <a:lstStyle/>
+          <a:p>
+            <a:pPr algn="ctr" defTabSz="182880"/>
+            <a:r>
+              <a:rPr lang="en-US" altLang="zh-TW" sz="1000">
+                <a:latin typeface="Consolas" panose="020B0609020204030204" pitchFamily="49" charset="0"/>
+              </a:rPr>
+              <a:t>FM</a:t>
+            </a:r>
+            <a:r>
+              <a:rPr lang="zh-TW" altLang="en-US" sz="1000">
+                <a:latin typeface="Consolas" panose="020B0609020204030204" pitchFamily="49" charset="0"/>
+              </a:rPr>
+              <a:t> </a:t>
+            </a:r>
+            <a:r>
+              <a:rPr lang="en-US" altLang="zh-TW" sz="1000">
+                <a:latin typeface="Consolas" panose="020B0609020204030204" pitchFamily="49" charset="0"/>
+              </a:rPr>
+              <a:t>Signal</a:t>
+            </a:r>
+            <a:endParaRPr lang="en-US" sz="1000">
+              <a:latin typeface="Consolas" panose="020B0609020204030204" pitchFamily="49" charset="0"/>
+            </a:endParaRPr>
+          </a:p>
+        </p:txBody>
+      </p:sp>
+      <p:pic>
+        <p:nvPicPr>
+          <p:cNvPr id="23" name="圖片 22">
+            <a:extLst>
+              <a:ext uri="{FF2B5EF4-FFF2-40B4-BE49-F238E27FC236}">
+                <a16:creationId xmlns:a16="http://schemas.microsoft.com/office/drawing/2014/main" id="{E76549D2-C3EE-E22B-4343-ADAE5E32B4A5}"/>
+              </a:ext>
+            </a:extLst>
+          </p:cNvPr>
+          <p:cNvPicPr>
+            <a:picLocks noChangeAspect="1"/>
+          </p:cNvPicPr>
+          <p:nvPr/>
+        </p:nvPicPr>
+        <p:blipFill>
+          <a:blip r:embed="rId3"/>
+          <a:stretch>
+            <a:fillRect/>
+          </a:stretch>
+        </p:blipFill>
+        <p:spPr>
+          <a:xfrm>
+            <a:off x="1568431" y="3260268"/>
+            <a:ext cx="5039428" cy="562053"/>
+          </a:xfrm>
+          <a:prstGeom prst="rect">
+            <a:avLst/>
+          </a:prstGeom>
+        </p:spPr>
+      </p:pic>
+      <p:sp>
+        <p:nvSpPr>
+          <p:cNvPr id="24" name="TextBox 21">
+            <a:extLst>
+              <a:ext uri="{FF2B5EF4-FFF2-40B4-BE49-F238E27FC236}">
+                <a16:creationId xmlns:a16="http://schemas.microsoft.com/office/drawing/2014/main" id="{51EE5DF8-B3D5-C98F-DB89-0715FBE13F8C}"/>
+              </a:ext>
+            </a:extLst>
+          </p:cNvPr>
+          <p:cNvSpPr txBox="1"/>
+          <p:nvPr/>
+        </p:nvSpPr>
+        <p:spPr>
+          <a:xfrm>
+            <a:off x="175675" y="3418183"/>
+            <a:ext cx="1140062" cy="246221"/>
+          </a:xfrm>
+          <a:prstGeom prst="rect">
+            <a:avLst/>
+          </a:prstGeom>
+          <a:noFill/>
+        </p:spPr>
+        <p:txBody>
+          <a:bodyPr wrap="square" rtlCol="0">
+            <a:spAutoFit/>
+          </a:bodyPr>
+          <a:lstStyle/>
+          <a:p>
+            <a:pPr algn="ctr" defTabSz="182880"/>
+            <a:r>
+              <a:rPr lang="en-US" altLang="zh-TW" sz="1000">
+                <a:latin typeface="Consolas" panose="020B0609020204030204" pitchFamily="49" charset="0"/>
+              </a:rPr>
+              <a:t>PAM</a:t>
+            </a:r>
+            <a:r>
+              <a:rPr lang="zh-TW" altLang="en-US" sz="1000">
+                <a:latin typeface="Consolas" panose="020B0609020204030204" pitchFamily="49" charset="0"/>
+              </a:rPr>
+              <a:t> </a:t>
+            </a:r>
+            <a:r>
+              <a:rPr lang="en-US" altLang="zh-TW" sz="1000">
+                <a:latin typeface="Consolas" panose="020B0609020204030204" pitchFamily="49" charset="0"/>
+              </a:rPr>
+              <a:t>Signal</a:t>
+            </a:r>
+            <a:endParaRPr lang="en-US" sz="1000">
+              <a:latin typeface="Consolas" panose="020B0609020204030204" pitchFamily="49" charset="0"/>
+            </a:endParaRPr>
+          </a:p>
+        </p:txBody>
+      </p:sp>
+      <p:pic>
+        <p:nvPicPr>
+          <p:cNvPr id="26" name="圖片 25">
+            <a:extLst>
+              <a:ext uri="{FF2B5EF4-FFF2-40B4-BE49-F238E27FC236}">
+                <a16:creationId xmlns:a16="http://schemas.microsoft.com/office/drawing/2014/main" id="{80C5BC66-B6B7-F335-CBA0-68A93E9E0F26}"/>
+              </a:ext>
+            </a:extLst>
+          </p:cNvPr>
+          <p:cNvPicPr>
+            <a:picLocks noChangeAspect="1"/>
+          </p:cNvPicPr>
+          <p:nvPr/>
+        </p:nvPicPr>
+        <p:blipFill>
+          <a:blip r:embed="rId4"/>
+          <a:stretch>
+            <a:fillRect/>
+          </a:stretch>
+        </p:blipFill>
+        <p:spPr>
+          <a:xfrm>
+            <a:off x="1568431" y="4248610"/>
+            <a:ext cx="3000794" cy="590632"/>
+          </a:xfrm>
+          <a:prstGeom prst="rect">
+            <a:avLst/>
+          </a:prstGeom>
+        </p:spPr>
+      </p:pic>
+      <p:sp>
+        <p:nvSpPr>
+          <p:cNvPr id="27" name="TextBox 21">
+            <a:extLst>
+              <a:ext uri="{FF2B5EF4-FFF2-40B4-BE49-F238E27FC236}">
+                <a16:creationId xmlns:a16="http://schemas.microsoft.com/office/drawing/2014/main" id="{19E382D7-AFC5-BBFA-B131-9609F8ABB0BD}"/>
+              </a:ext>
+            </a:extLst>
+          </p:cNvPr>
+          <p:cNvSpPr txBox="1"/>
+          <p:nvPr/>
+        </p:nvSpPr>
+        <p:spPr>
+          <a:xfrm>
+            <a:off x="175675" y="4364667"/>
+            <a:ext cx="1140062" cy="246221"/>
+          </a:xfrm>
+          <a:prstGeom prst="rect">
+            <a:avLst/>
+          </a:prstGeom>
+          <a:noFill/>
+        </p:spPr>
+        <p:txBody>
+          <a:bodyPr wrap="square" rtlCol="0">
+            <a:spAutoFit/>
+          </a:bodyPr>
+          <a:lstStyle/>
+          <a:p>
+            <a:pPr algn="ctr" defTabSz="182880"/>
+            <a:r>
+              <a:rPr lang="en-US" altLang="zh-TW" sz="1000">
+                <a:latin typeface="Consolas" panose="020B0609020204030204" pitchFamily="49" charset="0"/>
+              </a:rPr>
+              <a:t>CPFSK</a:t>
+            </a:r>
+            <a:r>
+              <a:rPr lang="zh-TW" altLang="en-US" sz="1000">
+                <a:latin typeface="Consolas" panose="020B0609020204030204" pitchFamily="49" charset="0"/>
+              </a:rPr>
+              <a:t> </a:t>
+            </a:r>
+            <a:r>
+              <a:rPr lang="en-US" altLang="zh-TW" sz="1000">
+                <a:latin typeface="Consolas" panose="020B0609020204030204" pitchFamily="49" charset="0"/>
+              </a:rPr>
+              <a:t>Signal</a:t>
+            </a:r>
+            <a:endParaRPr lang="en-US" sz="1000">
+              <a:latin typeface="Consolas" panose="020B0609020204030204" pitchFamily="49" charset="0"/>
+            </a:endParaRPr>
+          </a:p>
+        </p:txBody>
+      </p:sp>
+      <p:pic>
+        <p:nvPicPr>
+          <p:cNvPr id="29" name="圖片 28">
+            <a:extLst>
+              <a:ext uri="{FF2B5EF4-FFF2-40B4-BE49-F238E27FC236}">
+                <a16:creationId xmlns:a16="http://schemas.microsoft.com/office/drawing/2014/main" id="{8E0A48C2-8295-141C-F7E1-BD285F86965A}"/>
+              </a:ext>
+            </a:extLst>
+          </p:cNvPr>
+          <p:cNvPicPr>
+            <a:picLocks noChangeAspect="1"/>
+          </p:cNvPicPr>
+          <p:nvPr/>
+        </p:nvPicPr>
+        <p:blipFill>
+          <a:blip r:embed="rId5"/>
+          <a:stretch>
+            <a:fillRect/>
+          </a:stretch>
+        </p:blipFill>
+        <p:spPr>
+          <a:xfrm>
+            <a:off x="1568431" y="5265531"/>
+            <a:ext cx="2695951" cy="428685"/>
+          </a:xfrm>
+          <a:prstGeom prst="rect">
+            <a:avLst/>
+          </a:prstGeom>
+        </p:spPr>
+      </p:pic>
+      <p:pic>
+        <p:nvPicPr>
+          <p:cNvPr id="31" name="圖片 30">
+            <a:extLst>
+              <a:ext uri="{FF2B5EF4-FFF2-40B4-BE49-F238E27FC236}">
+                <a16:creationId xmlns:a16="http://schemas.microsoft.com/office/drawing/2014/main" id="{61F650F6-F04B-9E5F-71B8-D5505E37B321}"/>
+              </a:ext>
+            </a:extLst>
+          </p:cNvPr>
+          <p:cNvPicPr>
+            <a:picLocks noChangeAspect="1"/>
+          </p:cNvPicPr>
+          <p:nvPr/>
+        </p:nvPicPr>
+        <p:blipFill>
+          <a:blip r:embed="rId6"/>
+          <a:stretch>
+            <a:fillRect/>
+          </a:stretch>
+        </p:blipFill>
+        <p:spPr>
+          <a:xfrm>
+            <a:off x="1568431" y="5691093"/>
+            <a:ext cx="3448531" cy="800212"/>
+          </a:xfrm>
+          <a:prstGeom prst="rect">
+            <a:avLst/>
+          </a:prstGeom>
+        </p:spPr>
+      </p:pic>
+      <p:sp>
+        <p:nvSpPr>
+          <p:cNvPr id="32" name="TextBox 21">
+            <a:extLst>
+              <a:ext uri="{FF2B5EF4-FFF2-40B4-BE49-F238E27FC236}">
+                <a16:creationId xmlns:a16="http://schemas.microsoft.com/office/drawing/2014/main" id="{B901022B-09C3-CFCB-3980-78C026EA0B74}"/>
+              </a:ext>
+            </a:extLst>
+          </p:cNvPr>
+          <p:cNvSpPr txBox="1"/>
+          <p:nvPr/>
+        </p:nvSpPr>
+        <p:spPr>
+          <a:xfrm>
+            <a:off x="175675" y="5688144"/>
+            <a:ext cx="1140062" cy="246221"/>
+          </a:xfrm>
+          <a:prstGeom prst="rect">
+            <a:avLst/>
+          </a:prstGeom>
+          <a:noFill/>
+        </p:spPr>
+        <p:txBody>
+          <a:bodyPr wrap="square" rtlCol="0">
+            <a:spAutoFit/>
+          </a:bodyPr>
+          <a:lstStyle/>
+          <a:p>
+            <a:pPr algn="ctr" defTabSz="182880"/>
+            <a:r>
+              <a:rPr lang="en-US" altLang="zh-TW" sz="1000">
+                <a:latin typeface="Consolas" panose="020B0609020204030204" pitchFamily="49" charset="0"/>
+              </a:rPr>
+              <a:t>GFSK</a:t>
+            </a:r>
+            <a:r>
+              <a:rPr lang="zh-TW" altLang="en-US" sz="1000">
+                <a:latin typeface="Consolas" panose="020B0609020204030204" pitchFamily="49" charset="0"/>
+              </a:rPr>
+              <a:t> </a:t>
+            </a:r>
+            <a:r>
+              <a:rPr lang="en-US" altLang="zh-TW" sz="1000">
+                <a:latin typeface="Consolas" panose="020B0609020204030204" pitchFamily="49" charset="0"/>
+              </a:rPr>
+              <a:t>Signal</a:t>
+            </a:r>
+            <a:endParaRPr lang="en-US" sz="1000">
+              <a:latin typeface="Consolas" panose="020B0609020204030204" pitchFamily="49" charset="0"/>
+            </a:endParaRPr>
+          </a:p>
+        </p:txBody>
+      </p:sp>
+      <p:pic>
+        <p:nvPicPr>
+          <p:cNvPr id="41" name="圖片 40">
+            <a:extLst>
+              <a:ext uri="{FF2B5EF4-FFF2-40B4-BE49-F238E27FC236}">
+                <a16:creationId xmlns:a16="http://schemas.microsoft.com/office/drawing/2014/main" id="{976FBBCF-44EC-F3CA-8D99-3F0935C3CC44}"/>
+              </a:ext>
+            </a:extLst>
+          </p:cNvPr>
+          <p:cNvPicPr>
+            <a:picLocks noChangeAspect="1"/>
+          </p:cNvPicPr>
+          <p:nvPr/>
+        </p:nvPicPr>
+        <p:blipFill>
+          <a:blip r:embed="rId7"/>
+          <a:stretch>
+            <a:fillRect/>
+          </a:stretch>
+        </p:blipFill>
+        <p:spPr>
+          <a:xfrm>
+            <a:off x="6953708" y="5811254"/>
+            <a:ext cx="4220164" cy="657317"/>
+          </a:xfrm>
+          <a:prstGeom prst="rect">
+            <a:avLst/>
+          </a:prstGeom>
+        </p:spPr>
+      </p:pic>
+      <p:sp>
+        <p:nvSpPr>
+          <p:cNvPr id="42" name="TextBox 21">
+            <a:extLst>
+              <a:ext uri="{FF2B5EF4-FFF2-40B4-BE49-F238E27FC236}">
+                <a16:creationId xmlns:a16="http://schemas.microsoft.com/office/drawing/2014/main" id="{42C5B3EA-77A0-674B-7680-0668960DD0F1}"/>
+              </a:ext>
+            </a:extLst>
+          </p:cNvPr>
+          <p:cNvSpPr txBox="1"/>
+          <p:nvPr/>
+        </p:nvSpPr>
+        <p:spPr>
+          <a:xfrm>
+            <a:off x="5813646" y="6016801"/>
+            <a:ext cx="1140062" cy="246221"/>
+          </a:xfrm>
+          <a:prstGeom prst="rect">
+            <a:avLst/>
+          </a:prstGeom>
+          <a:noFill/>
+        </p:spPr>
+        <p:txBody>
+          <a:bodyPr wrap="square" rtlCol="0">
+            <a:spAutoFit/>
+          </a:bodyPr>
+          <a:lstStyle/>
+          <a:p>
+            <a:pPr algn="ctr" defTabSz="182880"/>
+            <a:r>
+              <a:rPr lang="en-US" altLang="zh-TW" sz="1000">
+                <a:latin typeface="Consolas" panose="020B0609020204030204" pitchFamily="49" charset="0"/>
+              </a:rPr>
+              <a:t>QPSK</a:t>
+            </a:r>
+            <a:r>
+              <a:rPr lang="zh-TW" altLang="en-US" sz="1000">
+                <a:latin typeface="Consolas" panose="020B0609020204030204" pitchFamily="49" charset="0"/>
+              </a:rPr>
+              <a:t> </a:t>
+            </a:r>
+            <a:r>
+              <a:rPr lang="en-US" altLang="zh-TW" sz="1000">
+                <a:latin typeface="Consolas" panose="020B0609020204030204" pitchFamily="49" charset="0"/>
+              </a:rPr>
+              <a:t>Signal</a:t>
+            </a:r>
+            <a:endParaRPr lang="en-US" sz="1000">
+              <a:latin typeface="Consolas" panose="020B0609020204030204" pitchFamily="49" charset="0"/>
+            </a:endParaRPr>
+          </a:p>
+        </p:txBody>
+      </p:sp>
+      <p:pic>
+        <p:nvPicPr>
+          <p:cNvPr id="44" name="圖片 43">
+            <a:extLst>
+              <a:ext uri="{FF2B5EF4-FFF2-40B4-BE49-F238E27FC236}">
+                <a16:creationId xmlns:a16="http://schemas.microsoft.com/office/drawing/2014/main" id="{C5C7C1C5-C0F4-D2AE-D712-C51699567165}"/>
+              </a:ext>
+            </a:extLst>
+          </p:cNvPr>
+          <p:cNvPicPr>
+            <a:picLocks noChangeAspect="1"/>
+          </p:cNvPicPr>
+          <p:nvPr/>
+        </p:nvPicPr>
+        <p:blipFill>
+          <a:blip r:embed="rId8"/>
+          <a:stretch>
+            <a:fillRect/>
+          </a:stretch>
+        </p:blipFill>
+        <p:spPr>
+          <a:xfrm>
+            <a:off x="6984304" y="4913763"/>
+            <a:ext cx="3858163" cy="666843"/>
+          </a:xfrm>
+          <a:prstGeom prst="rect">
+            <a:avLst/>
+          </a:prstGeom>
+        </p:spPr>
+      </p:pic>
+      <p:sp>
+        <p:nvSpPr>
+          <p:cNvPr id="45" name="TextBox 21">
+            <a:extLst>
+              <a:ext uri="{FF2B5EF4-FFF2-40B4-BE49-F238E27FC236}">
+                <a16:creationId xmlns:a16="http://schemas.microsoft.com/office/drawing/2014/main" id="{854ED1CC-64C1-DE53-F4F4-A88CA2C0F207}"/>
+              </a:ext>
+            </a:extLst>
+          </p:cNvPr>
+          <p:cNvSpPr txBox="1"/>
+          <p:nvPr/>
+        </p:nvSpPr>
+        <p:spPr>
+          <a:xfrm>
+            <a:off x="5813646" y="5233652"/>
+            <a:ext cx="1140062" cy="246221"/>
+          </a:xfrm>
+          <a:prstGeom prst="rect">
+            <a:avLst/>
+          </a:prstGeom>
+          <a:noFill/>
+        </p:spPr>
+        <p:txBody>
+          <a:bodyPr wrap="square" rtlCol="0">
+            <a:spAutoFit/>
+          </a:bodyPr>
+          <a:lstStyle/>
+          <a:p>
+            <a:pPr algn="ctr" defTabSz="182880"/>
+            <a:r>
+              <a:rPr lang="en-US" altLang="zh-TW" sz="1000">
+                <a:latin typeface="Consolas" panose="020B0609020204030204" pitchFamily="49" charset="0"/>
+              </a:rPr>
+              <a:t>BPSK</a:t>
+            </a:r>
+            <a:r>
+              <a:rPr lang="zh-TW" altLang="en-US" sz="1000">
+                <a:latin typeface="Consolas" panose="020B0609020204030204" pitchFamily="49" charset="0"/>
+              </a:rPr>
+              <a:t> </a:t>
+            </a:r>
+            <a:r>
+              <a:rPr lang="en-US" altLang="zh-TW" sz="1000">
+                <a:latin typeface="Consolas" panose="020B0609020204030204" pitchFamily="49" charset="0"/>
+              </a:rPr>
+              <a:t>Signal</a:t>
+            </a:r>
+            <a:endParaRPr lang="en-US" sz="1000">
+              <a:latin typeface="Consolas" panose="020B0609020204030204" pitchFamily="49" charset="0"/>
+            </a:endParaRPr>
+          </a:p>
+        </p:txBody>
+      </p:sp>
+      <p:pic>
+        <p:nvPicPr>
+          <p:cNvPr id="47" name="圖片 46">
+            <a:extLst>
+              <a:ext uri="{FF2B5EF4-FFF2-40B4-BE49-F238E27FC236}">
+                <a16:creationId xmlns:a16="http://schemas.microsoft.com/office/drawing/2014/main" id="{A48BEC7F-B337-7C70-4821-8C29859B74AC}"/>
+              </a:ext>
+            </a:extLst>
+          </p:cNvPr>
+          <p:cNvPicPr>
+            <a:picLocks noChangeAspect="1"/>
+          </p:cNvPicPr>
+          <p:nvPr/>
+        </p:nvPicPr>
+        <p:blipFill>
+          <a:blip r:embed="rId9"/>
+          <a:stretch>
+            <a:fillRect/>
+          </a:stretch>
+        </p:blipFill>
+        <p:spPr>
+          <a:xfrm>
+            <a:off x="1568431" y="884787"/>
+            <a:ext cx="2276793" cy="362001"/>
+          </a:xfrm>
+          <a:prstGeom prst="rect">
+            <a:avLst/>
+          </a:prstGeom>
+        </p:spPr>
+      </p:pic>
+      <p:pic>
+        <p:nvPicPr>
+          <p:cNvPr id="49" name="圖片 48">
+            <a:extLst>
+              <a:ext uri="{FF2B5EF4-FFF2-40B4-BE49-F238E27FC236}">
+                <a16:creationId xmlns:a16="http://schemas.microsoft.com/office/drawing/2014/main" id="{922085D3-1CF3-AC25-5C21-C8CCEF29D673}"/>
+              </a:ext>
+            </a:extLst>
+          </p:cNvPr>
+          <p:cNvPicPr>
+            <a:picLocks noChangeAspect="1"/>
+          </p:cNvPicPr>
+          <p:nvPr/>
+        </p:nvPicPr>
+        <p:blipFill>
+          <a:blip r:embed="rId10"/>
+          <a:stretch>
+            <a:fillRect/>
+          </a:stretch>
+        </p:blipFill>
+        <p:spPr>
+          <a:xfrm>
+            <a:off x="6702765" y="818562"/>
+            <a:ext cx="4191585" cy="809738"/>
+          </a:xfrm>
+          <a:prstGeom prst="rect">
+            <a:avLst/>
+          </a:prstGeom>
+        </p:spPr>
+      </p:pic>
+      <p:sp>
+        <p:nvSpPr>
+          <p:cNvPr id="50" name="TextBox 21">
+            <a:extLst>
+              <a:ext uri="{FF2B5EF4-FFF2-40B4-BE49-F238E27FC236}">
+                <a16:creationId xmlns:a16="http://schemas.microsoft.com/office/drawing/2014/main" id="{8C58EB43-23F8-4C24-71AF-9AFA69402F27}"/>
+              </a:ext>
+            </a:extLst>
+          </p:cNvPr>
+          <p:cNvSpPr txBox="1"/>
+          <p:nvPr/>
+        </p:nvSpPr>
+        <p:spPr>
+          <a:xfrm>
+            <a:off x="5016962" y="923635"/>
+            <a:ext cx="1590897" cy="246221"/>
+          </a:xfrm>
+          <a:prstGeom prst="rect">
+            <a:avLst/>
+          </a:prstGeom>
+          <a:noFill/>
+        </p:spPr>
+        <p:txBody>
+          <a:bodyPr wrap="square" rtlCol="0">
+            <a:spAutoFit/>
+          </a:bodyPr>
+          <a:lstStyle/>
+          <a:p>
+            <a:pPr algn="ctr" defTabSz="182880"/>
+            <a:r>
+              <a:rPr lang="en-US" altLang="zh-TW" sz="1000">
+                <a:latin typeface="Consolas" panose="020B0609020204030204" pitchFamily="49" charset="0"/>
+              </a:rPr>
+              <a:t>AM (l) SSB</a:t>
+            </a:r>
+            <a:r>
+              <a:rPr lang="zh-TW" altLang="en-US" sz="1000">
+                <a:latin typeface="Consolas" panose="020B0609020204030204" pitchFamily="49" charset="0"/>
+              </a:rPr>
+              <a:t> </a:t>
+            </a:r>
+            <a:r>
+              <a:rPr lang="en-US" altLang="zh-TW" sz="1000">
+                <a:latin typeface="Consolas" panose="020B0609020204030204" pitchFamily="49" charset="0"/>
+              </a:rPr>
+              <a:t>Signal</a:t>
+            </a:r>
+            <a:endParaRPr lang="en-US" sz="1000">
+              <a:latin typeface="Consolas" panose="020B0609020204030204" pitchFamily="49" charset="0"/>
+            </a:endParaRPr>
+          </a:p>
+        </p:txBody>
+      </p:sp>
     </p:spTree>
     <p:extLst>
       <p:ext uri="{BB962C8B-B14F-4D97-AF65-F5344CB8AC3E}">
         <p14:creationId xmlns:p14="http://schemas.microsoft.com/office/powerpoint/2010/main" val="2472303799"/>
+      </p:ext>
+    </p:extLst>
+  </p:cSld>
+  <p:clrMapOvr>
+    <a:masterClrMapping/>
+  </p:clrMapOvr>
+</p:sld>
+</file>
+
+<file path=ppt/slides/slide6.xml><?xml version="1.0" encoding="utf-8"?>
+<p:sld xmlns:a="http://schemas.openxmlformats.org/drawingml/2006/main" xmlns:r="http://schemas.openxmlformats.org/officeDocument/2006/relationships" xmlns:p="http://schemas.openxmlformats.org/presentationml/2006/main">
+  <p:cSld>
+    <p:spTree>
+      <p:nvGrpSpPr>
+        <p:cNvPr id="1" name=""/>
+        <p:cNvGrpSpPr/>
+        <p:nvPr/>
+      </p:nvGrpSpPr>
+      <p:grpSpPr>
+        <a:xfrm>
+          <a:off x="0" y="0"/>
+          <a:ext cx="0" cy="0"/>
+          <a:chOff x="0" y="0"/>
+          <a:chExt cx="0" cy="0"/>
+        </a:xfrm>
+      </p:grpSpPr>
+      <p:sp>
+        <p:nvSpPr>
+          <p:cNvPr id="4" name="Rectangle: Rounded Corners 3">
+            <a:extLst>
+              <a:ext uri="{FF2B5EF4-FFF2-40B4-BE49-F238E27FC236}">
+                <a16:creationId xmlns:a16="http://schemas.microsoft.com/office/drawing/2014/main" id="{0529DAC7-D153-B502-FD22-F84ECEC1B68A}"/>
+              </a:ext>
+            </a:extLst>
+          </p:cNvPr>
+          <p:cNvSpPr/>
+          <p:nvPr/>
+        </p:nvSpPr>
+        <p:spPr>
+          <a:xfrm>
+            <a:off x="239843" y="209863"/>
+            <a:ext cx="689547" cy="277318"/>
+          </a:xfrm>
+          <a:prstGeom prst="roundRect">
+            <a:avLst/>
+          </a:prstGeom>
+        </p:spPr>
+        <p:style>
+          <a:lnRef idx="2">
+            <a:schemeClr val="accent1">
+              <a:shade val="15000"/>
+            </a:schemeClr>
+          </a:lnRef>
+          <a:fillRef idx="1">
+            <a:schemeClr val="accent1"/>
+          </a:fillRef>
+          <a:effectRef idx="0">
+            <a:schemeClr val="accent1"/>
+          </a:effectRef>
+          <a:fontRef idx="minor">
+            <a:schemeClr val="lt1"/>
+          </a:fontRef>
+        </p:style>
+        <p:txBody>
+          <a:bodyPr rtlCol="0" anchor="ctr"/>
+          <a:lstStyle/>
+          <a:p>
+            <a:pPr algn="ctr"/>
+            <a:endParaRPr lang="en-US" sz="1000">
+              <a:latin typeface="Consolas" panose="020B0609020204030204" pitchFamily="49" charset="0"/>
+            </a:endParaRPr>
+          </a:p>
+        </p:txBody>
+      </p:sp>
+      <p:sp>
+        <p:nvSpPr>
+          <p:cNvPr id="5" name="Rectangle: Rounded Corners 4">
+            <a:extLst>
+              <a:ext uri="{FF2B5EF4-FFF2-40B4-BE49-F238E27FC236}">
+                <a16:creationId xmlns:a16="http://schemas.microsoft.com/office/drawing/2014/main" id="{78222DEF-245D-DEE9-110A-41326A009FE2}"/>
+              </a:ext>
+            </a:extLst>
+          </p:cNvPr>
+          <p:cNvSpPr/>
+          <p:nvPr/>
+        </p:nvSpPr>
+        <p:spPr>
+          <a:xfrm>
+            <a:off x="1134970" y="209863"/>
+            <a:ext cx="689547" cy="277318"/>
+          </a:xfrm>
+          <a:prstGeom prst="roundRect">
+            <a:avLst/>
+          </a:prstGeom>
+        </p:spPr>
+        <p:style>
+          <a:lnRef idx="2">
+            <a:schemeClr val="accent2">
+              <a:shade val="15000"/>
+            </a:schemeClr>
+          </a:lnRef>
+          <a:fillRef idx="1">
+            <a:schemeClr val="accent2"/>
+          </a:fillRef>
+          <a:effectRef idx="0">
+            <a:schemeClr val="accent2"/>
+          </a:effectRef>
+          <a:fontRef idx="minor">
+            <a:schemeClr val="lt1"/>
+          </a:fontRef>
+        </p:style>
+        <p:txBody>
+          <a:bodyPr rtlCol="0" anchor="ctr"/>
+          <a:lstStyle/>
+          <a:p>
+            <a:pPr algn="ctr"/>
+            <a:endParaRPr lang="en-US" sz="1000">
+              <a:latin typeface="Consolas" panose="020B0609020204030204" pitchFamily="49" charset="0"/>
+            </a:endParaRPr>
+          </a:p>
+        </p:txBody>
+      </p:sp>
+      <p:sp>
+        <p:nvSpPr>
+          <p:cNvPr id="6" name="Rectangle: Rounded Corners 5">
+            <a:extLst>
+              <a:ext uri="{FF2B5EF4-FFF2-40B4-BE49-F238E27FC236}">
+                <a16:creationId xmlns:a16="http://schemas.microsoft.com/office/drawing/2014/main" id="{20E1BD12-F7E2-C18E-A07D-5F38DF4EB450}"/>
+              </a:ext>
+            </a:extLst>
+          </p:cNvPr>
+          <p:cNvSpPr/>
+          <p:nvPr/>
+        </p:nvSpPr>
+        <p:spPr>
+          <a:xfrm>
+            <a:off x="2030097" y="209863"/>
+            <a:ext cx="689547" cy="277318"/>
+          </a:xfrm>
+          <a:prstGeom prst="roundRect">
+            <a:avLst/>
+          </a:prstGeom>
+        </p:spPr>
+        <p:style>
+          <a:lnRef idx="2">
+            <a:schemeClr val="accent3">
+              <a:shade val="15000"/>
+            </a:schemeClr>
+          </a:lnRef>
+          <a:fillRef idx="1">
+            <a:schemeClr val="accent3"/>
+          </a:fillRef>
+          <a:effectRef idx="0">
+            <a:schemeClr val="accent3"/>
+          </a:effectRef>
+          <a:fontRef idx="minor">
+            <a:schemeClr val="lt1"/>
+          </a:fontRef>
+        </p:style>
+        <p:txBody>
+          <a:bodyPr rtlCol="0" anchor="ctr"/>
+          <a:lstStyle/>
+          <a:p>
+            <a:pPr algn="ctr"/>
+            <a:endParaRPr lang="en-US" sz="1000">
+              <a:latin typeface="Consolas" panose="020B0609020204030204" pitchFamily="49" charset="0"/>
+            </a:endParaRPr>
+          </a:p>
+        </p:txBody>
+      </p:sp>
+      <p:sp>
+        <p:nvSpPr>
+          <p:cNvPr id="7" name="Rectangle: Rounded Corners 6">
+            <a:extLst>
+              <a:ext uri="{FF2B5EF4-FFF2-40B4-BE49-F238E27FC236}">
+                <a16:creationId xmlns:a16="http://schemas.microsoft.com/office/drawing/2014/main" id="{019F89DF-61BC-EA53-3541-39455786AC54}"/>
+              </a:ext>
+            </a:extLst>
+          </p:cNvPr>
+          <p:cNvSpPr/>
+          <p:nvPr/>
+        </p:nvSpPr>
+        <p:spPr>
+          <a:xfrm>
+            <a:off x="2925224" y="209863"/>
+            <a:ext cx="689547" cy="277318"/>
+          </a:xfrm>
+          <a:prstGeom prst="roundRect">
+            <a:avLst/>
+          </a:prstGeom>
+        </p:spPr>
+        <p:style>
+          <a:lnRef idx="2">
+            <a:schemeClr val="accent4">
+              <a:shade val="15000"/>
+            </a:schemeClr>
+          </a:lnRef>
+          <a:fillRef idx="1">
+            <a:schemeClr val="accent4"/>
+          </a:fillRef>
+          <a:effectRef idx="0">
+            <a:schemeClr val="accent4"/>
+          </a:effectRef>
+          <a:fontRef idx="minor">
+            <a:schemeClr val="lt1"/>
+          </a:fontRef>
+        </p:style>
+        <p:txBody>
+          <a:bodyPr rtlCol="0" anchor="ctr"/>
+          <a:lstStyle/>
+          <a:p>
+            <a:pPr algn="ctr"/>
+            <a:endParaRPr lang="en-US" sz="1000">
+              <a:latin typeface="Consolas" panose="020B0609020204030204" pitchFamily="49" charset="0"/>
+            </a:endParaRPr>
+          </a:p>
+        </p:txBody>
+      </p:sp>
+      <p:sp>
+        <p:nvSpPr>
+          <p:cNvPr id="12" name="Rectangle: Rounded Corners 11">
+            <a:extLst>
+              <a:ext uri="{FF2B5EF4-FFF2-40B4-BE49-F238E27FC236}">
+                <a16:creationId xmlns:a16="http://schemas.microsoft.com/office/drawing/2014/main" id="{6539D597-232A-4DF8-DEB0-3D64C812EDCD}"/>
+              </a:ext>
+            </a:extLst>
+          </p:cNvPr>
+          <p:cNvSpPr/>
+          <p:nvPr/>
+        </p:nvSpPr>
+        <p:spPr>
+          <a:xfrm>
+            <a:off x="3820351" y="209863"/>
+            <a:ext cx="689547" cy="277318"/>
+          </a:xfrm>
+          <a:prstGeom prst="roundRect">
+            <a:avLst/>
+          </a:prstGeom>
+        </p:spPr>
+        <p:style>
+          <a:lnRef idx="2">
+            <a:schemeClr val="accent5">
+              <a:shade val="15000"/>
+            </a:schemeClr>
+          </a:lnRef>
+          <a:fillRef idx="1">
+            <a:schemeClr val="accent5"/>
+          </a:fillRef>
+          <a:effectRef idx="0">
+            <a:schemeClr val="accent5"/>
+          </a:effectRef>
+          <a:fontRef idx="minor">
+            <a:schemeClr val="lt1"/>
+          </a:fontRef>
+        </p:style>
+        <p:txBody>
+          <a:bodyPr rtlCol="0" anchor="ctr"/>
+          <a:lstStyle/>
+          <a:p>
+            <a:pPr algn="ctr"/>
+            <a:endParaRPr lang="en-US" sz="1000">
+              <a:latin typeface="Consolas" panose="020B0609020204030204" pitchFamily="49" charset="0"/>
+            </a:endParaRPr>
+          </a:p>
+        </p:txBody>
+      </p:sp>
+      <p:sp>
+        <p:nvSpPr>
+          <p:cNvPr id="13" name="Rectangle: Rounded Corners 12">
+            <a:extLst>
+              <a:ext uri="{FF2B5EF4-FFF2-40B4-BE49-F238E27FC236}">
+                <a16:creationId xmlns:a16="http://schemas.microsoft.com/office/drawing/2014/main" id="{489840EA-4EF7-5BAE-CBF3-F3D0E368E9FA}"/>
+              </a:ext>
+            </a:extLst>
+          </p:cNvPr>
+          <p:cNvSpPr/>
+          <p:nvPr/>
+        </p:nvSpPr>
+        <p:spPr>
+          <a:xfrm>
+            <a:off x="4715478" y="209863"/>
+            <a:ext cx="689547" cy="277318"/>
+          </a:xfrm>
+          <a:prstGeom prst="roundRect">
+            <a:avLst/>
+          </a:prstGeom>
+        </p:spPr>
+        <p:style>
+          <a:lnRef idx="2">
+            <a:schemeClr val="accent6">
+              <a:shade val="15000"/>
+            </a:schemeClr>
+          </a:lnRef>
+          <a:fillRef idx="1">
+            <a:schemeClr val="accent6"/>
+          </a:fillRef>
+          <a:effectRef idx="0">
+            <a:schemeClr val="accent6"/>
+          </a:effectRef>
+          <a:fontRef idx="minor">
+            <a:schemeClr val="lt1"/>
+          </a:fontRef>
+        </p:style>
+        <p:txBody>
+          <a:bodyPr rtlCol="0" anchor="ctr"/>
+          <a:lstStyle/>
+          <a:p>
+            <a:pPr algn="ctr"/>
+            <a:endParaRPr lang="en-US" sz="1000">
+              <a:latin typeface="Consolas" panose="020B0609020204030204" pitchFamily="49" charset="0"/>
+            </a:endParaRPr>
+          </a:p>
+        </p:txBody>
+      </p:sp>
+      <p:sp>
+        <p:nvSpPr>
+          <p:cNvPr id="16" name="Rectangle: Rounded Corners 15">
+            <a:extLst>
+              <a:ext uri="{FF2B5EF4-FFF2-40B4-BE49-F238E27FC236}">
+                <a16:creationId xmlns:a16="http://schemas.microsoft.com/office/drawing/2014/main" id="{0ED46574-321C-E859-E016-627441BBE361}"/>
+              </a:ext>
+            </a:extLst>
+          </p:cNvPr>
+          <p:cNvSpPr/>
+          <p:nvPr/>
+        </p:nvSpPr>
+        <p:spPr>
+          <a:xfrm>
+            <a:off x="5610605" y="209863"/>
+            <a:ext cx="689547" cy="277318"/>
+          </a:xfrm>
+          <a:prstGeom prst="roundRect">
+            <a:avLst/>
+          </a:prstGeom>
+        </p:spPr>
+        <p:style>
+          <a:lnRef idx="2">
+            <a:schemeClr val="accent1"/>
+          </a:lnRef>
+          <a:fillRef idx="1">
+            <a:schemeClr val="lt1"/>
+          </a:fillRef>
+          <a:effectRef idx="0">
+            <a:schemeClr val="accent1"/>
+          </a:effectRef>
+          <a:fontRef idx="minor">
+            <a:schemeClr val="dk1"/>
+          </a:fontRef>
+        </p:style>
+        <p:txBody>
+          <a:bodyPr rtlCol="0" anchor="ctr"/>
+          <a:lstStyle/>
+          <a:p>
+            <a:pPr algn="ctr"/>
+            <a:endParaRPr lang="en-US" sz="1000">
+              <a:latin typeface="Consolas" panose="020B0609020204030204" pitchFamily="49" charset="0"/>
+            </a:endParaRPr>
+          </a:p>
+        </p:txBody>
+      </p:sp>
+      <p:sp>
+        <p:nvSpPr>
+          <p:cNvPr id="17" name="Rectangle: Rounded Corners 16">
+            <a:extLst>
+              <a:ext uri="{FF2B5EF4-FFF2-40B4-BE49-F238E27FC236}">
+                <a16:creationId xmlns:a16="http://schemas.microsoft.com/office/drawing/2014/main" id="{1D585F3F-F776-A353-60D3-4AD9BCEF2D2E}"/>
+              </a:ext>
+            </a:extLst>
+          </p:cNvPr>
+          <p:cNvSpPr/>
+          <p:nvPr/>
+        </p:nvSpPr>
+        <p:spPr>
+          <a:xfrm>
+            <a:off x="6505732" y="209863"/>
+            <a:ext cx="689547" cy="277318"/>
+          </a:xfrm>
+          <a:prstGeom prst="roundRect">
+            <a:avLst/>
+          </a:prstGeom>
+        </p:spPr>
+        <p:style>
+          <a:lnRef idx="2">
+            <a:schemeClr val="accent2"/>
+          </a:lnRef>
+          <a:fillRef idx="1">
+            <a:schemeClr val="lt1"/>
+          </a:fillRef>
+          <a:effectRef idx="0">
+            <a:schemeClr val="accent2"/>
+          </a:effectRef>
+          <a:fontRef idx="minor">
+            <a:schemeClr val="dk1"/>
+          </a:fontRef>
+        </p:style>
+        <p:txBody>
+          <a:bodyPr rtlCol="0" anchor="ctr"/>
+          <a:lstStyle/>
+          <a:p>
+            <a:pPr algn="ctr"/>
+            <a:endParaRPr lang="en-US" sz="1000">
+              <a:latin typeface="Consolas" panose="020B0609020204030204" pitchFamily="49" charset="0"/>
+            </a:endParaRPr>
+          </a:p>
+        </p:txBody>
+      </p:sp>
+      <p:sp>
+        <p:nvSpPr>
+          <p:cNvPr id="18" name="Rectangle: Rounded Corners 17">
+            <a:extLst>
+              <a:ext uri="{FF2B5EF4-FFF2-40B4-BE49-F238E27FC236}">
+                <a16:creationId xmlns:a16="http://schemas.microsoft.com/office/drawing/2014/main" id="{85A2BCEB-550A-3DB0-0F13-FDEC41356A96}"/>
+              </a:ext>
+            </a:extLst>
+          </p:cNvPr>
+          <p:cNvSpPr/>
+          <p:nvPr/>
+        </p:nvSpPr>
+        <p:spPr>
+          <a:xfrm>
+            <a:off x="7400859" y="209863"/>
+            <a:ext cx="689547" cy="277318"/>
+          </a:xfrm>
+          <a:prstGeom prst="roundRect">
+            <a:avLst/>
+          </a:prstGeom>
+        </p:spPr>
+        <p:style>
+          <a:lnRef idx="2">
+            <a:schemeClr val="accent3"/>
+          </a:lnRef>
+          <a:fillRef idx="1">
+            <a:schemeClr val="lt1"/>
+          </a:fillRef>
+          <a:effectRef idx="0">
+            <a:schemeClr val="accent3"/>
+          </a:effectRef>
+          <a:fontRef idx="minor">
+            <a:schemeClr val="dk1"/>
+          </a:fontRef>
+        </p:style>
+        <p:txBody>
+          <a:bodyPr rtlCol="0" anchor="ctr"/>
+          <a:lstStyle/>
+          <a:p>
+            <a:pPr algn="ctr"/>
+            <a:endParaRPr lang="en-US" sz="1000">
+              <a:latin typeface="Consolas" panose="020B0609020204030204" pitchFamily="49" charset="0"/>
+            </a:endParaRPr>
+          </a:p>
+        </p:txBody>
+      </p:sp>
+      <p:sp>
+        <p:nvSpPr>
+          <p:cNvPr id="19" name="Rectangle: Rounded Corners 18">
+            <a:extLst>
+              <a:ext uri="{FF2B5EF4-FFF2-40B4-BE49-F238E27FC236}">
+                <a16:creationId xmlns:a16="http://schemas.microsoft.com/office/drawing/2014/main" id="{9DB5C8B1-6428-733E-2EE7-81E3C2FF4AB4}"/>
+              </a:ext>
+            </a:extLst>
+          </p:cNvPr>
+          <p:cNvSpPr/>
+          <p:nvPr/>
+        </p:nvSpPr>
+        <p:spPr>
+          <a:xfrm>
+            <a:off x="8295986" y="209863"/>
+            <a:ext cx="689547" cy="277318"/>
+          </a:xfrm>
+          <a:prstGeom prst="roundRect">
+            <a:avLst/>
+          </a:prstGeom>
+        </p:spPr>
+        <p:style>
+          <a:lnRef idx="2">
+            <a:schemeClr val="accent4"/>
+          </a:lnRef>
+          <a:fillRef idx="1">
+            <a:schemeClr val="lt1"/>
+          </a:fillRef>
+          <a:effectRef idx="0">
+            <a:schemeClr val="accent4"/>
+          </a:effectRef>
+          <a:fontRef idx="minor">
+            <a:schemeClr val="dk1"/>
+          </a:fontRef>
+        </p:style>
+        <p:txBody>
+          <a:bodyPr rtlCol="0" anchor="ctr"/>
+          <a:lstStyle/>
+          <a:p>
+            <a:pPr algn="ctr"/>
+            <a:endParaRPr lang="en-US" sz="1000">
+              <a:latin typeface="Consolas" panose="020B0609020204030204" pitchFamily="49" charset="0"/>
+            </a:endParaRPr>
+          </a:p>
+        </p:txBody>
+      </p:sp>
+      <p:sp>
+        <p:nvSpPr>
+          <p:cNvPr id="20" name="Rectangle: Rounded Corners 19">
+            <a:extLst>
+              <a:ext uri="{FF2B5EF4-FFF2-40B4-BE49-F238E27FC236}">
+                <a16:creationId xmlns:a16="http://schemas.microsoft.com/office/drawing/2014/main" id="{5B37CBE8-F3F5-6740-03A5-6850DF1AFBE4}"/>
+              </a:ext>
+            </a:extLst>
+          </p:cNvPr>
+          <p:cNvSpPr/>
+          <p:nvPr/>
+        </p:nvSpPr>
+        <p:spPr>
+          <a:xfrm>
+            <a:off x="9191113" y="209863"/>
+            <a:ext cx="689547" cy="277318"/>
+          </a:xfrm>
+          <a:prstGeom prst="roundRect">
+            <a:avLst/>
+          </a:prstGeom>
+        </p:spPr>
+        <p:style>
+          <a:lnRef idx="2">
+            <a:schemeClr val="accent5"/>
+          </a:lnRef>
+          <a:fillRef idx="1">
+            <a:schemeClr val="lt1"/>
+          </a:fillRef>
+          <a:effectRef idx="0">
+            <a:schemeClr val="accent5"/>
+          </a:effectRef>
+          <a:fontRef idx="minor">
+            <a:schemeClr val="dk1"/>
+          </a:fontRef>
+        </p:style>
+        <p:txBody>
+          <a:bodyPr rtlCol="0" anchor="ctr"/>
+          <a:lstStyle/>
+          <a:p>
+            <a:pPr algn="ctr"/>
+            <a:endParaRPr lang="en-US" sz="1000">
+              <a:latin typeface="Consolas" panose="020B0609020204030204" pitchFamily="49" charset="0"/>
+            </a:endParaRPr>
+          </a:p>
+        </p:txBody>
+      </p:sp>
+      <p:sp>
+        <p:nvSpPr>
+          <p:cNvPr id="21" name="Rectangle: Rounded Corners 20">
+            <a:extLst>
+              <a:ext uri="{FF2B5EF4-FFF2-40B4-BE49-F238E27FC236}">
+                <a16:creationId xmlns:a16="http://schemas.microsoft.com/office/drawing/2014/main" id="{68620648-732D-F651-4188-C57937E972E0}"/>
+              </a:ext>
+            </a:extLst>
+          </p:cNvPr>
+          <p:cNvSpPr/>
+          <p:nvPr/>
+        </p:nvSpPr>
+        <p:spPr>
+          <a:xfrm>
+            <a:off x="10086240" y="209863"/>
+            <a:ext cx="689547" cy="277318"/>
+          </a:xfrm>
+          <a:prstGeom prst="roundRect">
+            <a:avLst/>
+          </a:prstGeom>
+        </p:spPr>
+        <p:style>
+          <a:lnRef idx="2">
+            <a:schemeClr val="accent6"/>
+          </a:lnRef>
+          <a:fillRef idx="1">
+            <a:schemeClr val="lt1"/>
+          </a:fillRef>
+          <a:effectRef idx="0">
+            <a:schemeClr val="accent6"/>
+          </a:effectRef>
+          <a:fontRef idx="minor">
+            <a:schemeClr val="dk1"/>
+          </a:fontRef>
+        </p:style>
+        <p:txBody>
+          <a:bodyPr rtlCol="0" anchor="ctr"/>
+          <a:lstStyle/>
+          <a:p>
+            <a:pPr algn="ctr"/>
+            <a:endParaRPr lang="en-US" sz="1000">
+              <a:latin typeface="Consolas" panose="020B0609020204030204" pitchFamily="49" charset="0"/>
+            </a:endParaRPr>
+          </a:p>
+        </p:txBody>
+      </p:sp>
+      <p:sp>
+        <p:nvSpPr>
+          <p:cNvPr id="22" name="TextBox 21">
+            <a:extLst>
+              <a:ext uri="{FF2B5EF4-FFF2-40B4-BE49-F238E27FC236}">
+                <a16:creationId xmlns:a16="http://schemas.microsoft.com/office/drawing/2014/main" id="{C31BC362-2B82-C326-AAF1-FFB27398ADAF}"/>
+              </a:ext>
+            </a:extLst>
+          </p:cNvPr>
+          <p:cNvSpPr txBox="1"/>
+          <p:nvPr/>
+        </p:nvSpPr>
+        <p:spPr>
+          <a:xfrm>
+            <a:off x="10981367" y="225411"/>
+            <a:ext cx="689547" cy="246221"/>
+          </a:xfrm>
+          <a:prstGeom prst="rect">
+            <a:avLst/>
+          </a:prstGeom>
+          <a:noFill/>
+        </p:spPr>
+        <p:txBody>
+          <a:bodyPr wrap="square" rtlCol="0">
+            <a:spAutoFit/>
+          </a:bodyPr>
+          <a:lstStyle/>
+          <a:p>
+            <a:pPr algn="ctr" defTabSz="182880"/>
+            <a:r>
+              <a:rPr lang="en-US" sz="1000">
+                <a:latin typeface="Consolas" panose="020B0609020204030204" pitchFamily="49" charset="0"/>
+              </a:rPr>
+              <a:t>text</a:t>
+            </a:r>
+          </a:p>
+        </p:txBody>
+      </p:sp>
+    </p:spTree>
+    <p:extLst>
+      <p:ext uri="{BB962C8B-B14F-4D97-AF65-F5344CB8AC3E}">
+        <p14:creationId xmlns:p14="http://schemas.microsoft.com/office/powerpoint/2010/main" val="307168259"/>
+      </p:ext>
+    </p:extLst>
+  </p:cSld>
+  <p:clrMapOvr>
+    <a:masterClrMapping/>
+  </p:clrMapOvr>
+</p:sld>
+</file>
+
+<file path=ppt/slides/slide7.xml><?xml version="1.0" encoding="utf-8"?>
+<p:sld xmlns:a="http://schemas.openxmlformats.org/drawingml/2006/main" xmlns:r="http://schemas.openxmlformats.org/officeDocument/2006/relationships" xmlns:p="http://schemas.openxmlformats.org/presentationml/2006/main">
+  <p:cSld>
+    <p:spTree>
+      <p:nvGrpSpPr>
+        <p:cNvPr id="1" name=""/>
+        <p:cNvGrpSpPr/>
+        <p:nvPr/>
+      </p:nvGrpSpPr>
+      <p:grpSpPr>
+        <a:xfrm>
+          <a:off x="0" y="0"/>
+          <a:ext cx="0" cy="0"/>
+          <a:chOff x="0" y="0"/>
+          <a:chExt cx="0" cy="0"/>
+        </a:xfrm>
+      </p:grpSpPr>
+      <p:sp>
+        <p:nvSpPr>
+          <p:cNvPr id="4" name="Rectangle: Rounded Corners 3">
+            <a:extLst>
+              <a:ext uri="{FF2B5EF4-FFF2-40B4-BE49-F238E27FC236}">
+                <a16:creationId xmlns:a16="http://schemas.microsoft.com/office/drawing/2014/main" id="{0529DAC7-D153-B502-FD22-F84ECEC1B68A}"/>
+              </a:ext>
+            </a:extLst>
+          </p:cNvPr>
+          <p:cNvSpPr/>
+          <p:nvPr/>
+        </p:nvSpPr>
+        <p:spPr>
+          <a:xfrm>
+            <a:off x="239843" y="209863"/>
+            <a:ext cx="689547" cy="277318"/>
+          </a:xfrm>
+          <a:prstGeom prst="roundRect">
+            <a:avLst/>
+          </a:prstGeom>
+        </p:spPr>
+        <p:style>
+          <a:lnRef idx="2">
+            <a:schemeClr val="accent1">
+              <a:shade val="15000"/>
+            </a:schemeClr>
+          </a:lnRef>
+          <a:fillRef idx="1">
+            <a:schemeClr val="accent1"/>
+          </a:fillRef>
+          <a:effectRef idx="0">
+            <a:schemeClr val="accent1"/>
+          </a:effectRef>
+          <a:fontRef idx="minor">
+            <a:schemeClr val="lt1"/>
+          </a:fontRef>
+        </p:style>
+        <p:txBody>
+          <a:bodyPr rtlCol="0" anchor="ctr"/>
+          <a:lstStyle/>
+          <a:p>
+            <a:pPr algn="ctr"/>
+            <a:endParaRPr lang="en-US" sz="1000">
+              <a:latin typeface="Consolas" panose="020B0609020204030204" pitchFamily="49" charset="0"/>
+            </a:endParaRPr>
+          </a:p>
+        </p:txBody>
+      </p:sp>
+      <p:sp>
+        <p:nvSpPr>
+          <p:cNvPr id="5" name="Rectangle: Rounded Corners 4">
+            <a:extLst>
+              <a:ext uri="{FF2B5EF4-FFF2-40B4-BE49-F238E27FC236}">
+                <a16:creationId xmlns:a16="http://schemas.microsoft.com/office/drawing/2014/main" id="{78222DEF-245D-DEE9-110A-41326A009FE2}"/>
+              </a:ext>
+            </a:extLst>
+          </p:cNvPr>
+          <p:cNvSpPr/>
+          <p:nvPr/>
+        </p:nvSpPr>
+        <p:spPr>
+          <a:xfrm>
+            <a:off x="1134970" y="209863"/>
+            <a:ext cx="689547" cy="277318"/>
+          </a:xfrm>
+          <a:prstGeom prst="roundRect">
+            <a:avLst/>
+          </a:prstGeom>
+        </p:spPr>
+        <p:style>
+          <a:lnRef idx="2">
+            <a:schemeClr val="accent2">
+              <a:shade val="15000"/>
+            </a:schemeClr>
+          </a:lnRef>
+          <a:fillRef idx="1">
+            <a:schemeClr val="accent2"/>
+          </a:fillRef>
+          <a:effectRef idx="0">
+            <a:schemeClr val="accent2"/>
+          </a:effectRef>
+          <a:fontRef idx="minor">
+            <a:schemeClr val="lt1"/>
+          </a:fontRef>
+        </p:style>
+        <p:txBody>
+          <a:bodyPr rtlCol="0" anchor="ctr"/>
+          <a:lstStyle/>
+          <a:p>
+            <a:pPr algn="ctr"/>
+            <a:endParaRPr lang="en-US" sz="1000">
+              <a:latin typeface="Consolas" panose="020B0609020204030204" pitchFamily="49" charset="0"/>
+            </a:endParaRPr>
+          </a:p>
+        </p:txBody>
+      </p:sp>
+      <p:sp>
+        <p:nvSpPr>
+          <p:cNvPr id="6" name="Rectangle: Rounded Corners 5">
+            <a:extLst>
+              <a:ext uri="{FF2B5EF4-FFF2-40B4-BE49-F238E27FC236}">
+                <a16:creationId xmlns:a16="http://schemas.microsoft.com/office/drawing/2014/main" id="{20E1BD12-F7E2-C18E-A07D-5F38DF4EB450}"/>
+              </a:ext>
+            </a:extLst>
+          </p:cNvPr>
+          <p:cNvSpPr/>
+          <p:nvPr/>
+        </p:nvSpPr>
+        <p:spPr>
+          <a:xfrm>
+            <a:off x="2030097" y="209863"/>
+            <a:ext cx="689547" cy="277318"/>
+          </a:xfrm>
+          <a:prstGeom prst="roundRect">
+            <a:avLst/>
+          </a:prstGeom>
+        </p:spPr>
+        <p:style>
+          <a:lnRef idx="2">
+            <a:schemeClr val="accent3">
+              <a:shade val="15000"/>
+            </a:schemeClr>
+          </a:lnRef>
+          <a:fillRef idx="1">
+            <a:schemeClr val="accent3"/>
+          </a:fillRef>
+          <a:effectRef idx="0">
+            <a:schemeClr val="accent3"/>
+          </a:effectRef>
+          <a:fontRef idx="minor">
+            <a:schemeClr val="lt1"/>
+          </a:fontRef>
+        </p:style>
+        <p:txBody>
+          <a:bodyPr rtlCol="0" anchor="ctr"/>
+          <a:lstStyle/>
+          <a:p>
+            <a:pPr algn="ctr"/>
+            <a:endParaRPr lang="en-US" sz="1000">
+              <a:latin typeface="Consolas" panose="020B0609020204030204" pitchFamily="49" charset="0"/>
+            </a:endParaRPr>
+          </a:p>
+        </p:txBody>
+      </p:sp>
+      <p:sp>
+        <p:nvSpPr>
+          <p:cNvPr id="7" name="Rectangle: Rounded Corners 6">
+            <a:extLst>
+              <a:ext uri="{FF2B5EF4-FFF2-40B4-BE49-F238E27FC236}">
+                <a16:creationId xmlns:a16="http://schemas.microsoft.com/office/drawing/2014/main" id="{019F89DF-61BC-EA53-3541-39455786AC54}"/>
+              </a:ext>
+            </a:extLst>
+          </p:cNvPr>
+          <p:cNvSpPr/>
+          <p:nvPr/>
+        </p:nvSpPr>
+        <p:spPr>
+          <a:xfrm>
+            <a:off x="2925224" y="209863"/>
+            <a:ext cx="689547" cy="277318"/>
+          </a:xfrm>
+          <a:prstGeom prst="roundRect">
+            <a:avLst/>
+          </a:prstGeom>
+        </p:spPr>
+        <p:style>
+          <a:lnRef idx="2">
+            <a:schemeClr val="accent4">
+              <a:shade val="15000"/>
+            </a:schemeClr>
+          </a:lnRef>
+          <a:fillRef idx="1">
+            <a:schemeClr val="accent4"/>
+          </a:fillRef>
+          <a:effectRef idx="0">
+            <a:schemeClr val="accent4"/>
+          </a:effectRef>
+          <a:fontRef idx="minor">
+            <a:schemeClr val="lt1"/>
+          </a:fontRef>
+        </p:style>
+        <p:txBody>
+          <a:bodyPr rtlCol="0" anchor="ctr"/>
+          <a:lstStyle/>
+          <a:p>
+            <a:pPr algn="ctr"/>
+            <a:endParaRPr lang="en-US" sz="1000">
+              <a:latin typeface="Consolas" panose="020B0609020204030204" pitchFamily="49" charset="0"/>
+            </a:endParaRPr>
+          </a:p>
+        </p:txBody>
+      </p:sp>
+      <p:sp>
+        <p:nvSpPr>
+          <p:cNvPr id="12" name="Rectangle: Rounded Corners 11">
+            <a:extLst>
+              <a:ext uri="{FF2B5EF4-FFF2-40B4-BE49-F238E27FC236}">
+                <a16:creationId xmlns:a16="http://schemas.microsoft.com/office/drawing/2014/main" id="{6539D597-232A-4DF8-DEB0-3D64C812EDCD}"/>
+              </a:ext>
+            </a:extLst>
+          </p:cNvPr>
+          <p:cNvSpPr/>
+          <p:nvPr/>
+        </p:nvSpPr>
+        <p:spPr>
+          <a:xfrm>
+            <a:off x="3820351" y="209863"/>
+            <a:ext cx="689547" cy="277318"/>
+          </a:xfrm>
+          <a:prstGeom prst="roundRect">
+            <a:avLst/>
+          </a:prstGeom>
+        </p:spPr>
+        <p:style>
+          <a:lnRef idx="2">
+            <a:schemeClr val="accent5">
+              <a:shade val="15000"/>
+            </a:schemeClr>
+          </a:lnRef>
+          <a:fillRef idx="1">
+            <a:schemeClr val="accent5"/>
+          </a:fillRef>
+          <a:effectRef idx="0">
+            <a:schemeClr val="accent5"/>
+          </a:effectRef>
+          <a:fontRef idx="minor">
+            <a:schemeClr val="lt1"/>
+          </a:fontRef>
+        </p:style>
+        <p:txBody>
+          <a:bodyPr rtlCol="0" anchor="ctr"/>
+          <a:lstStyle/>
+          <a:p>
+            <a:pPr algn="ctr"/>
+            <a:endParaRPr lang="en-US" sz="1000">
+              <a:latin typeface="Consolas" panose="020B0609020204030204" pitchFamily="49" charset="0"/>
+            </a:endParaRPr>
+          </a:p>
+        </p:txBody>
+      </p:sp>
+      <p:sp>
+        <p:nvSpPr>
+          <p:cNvPr id="13" name="Rectangle: Rounded Corners 12">
+            <a:extLst>
+              <a:ext uri="{FF2B5EF4-FFF2-40B4-BE49-F238E27FC236}">
+                <a16:creationId xmlns:a16="http://schemas.microsoft.com/office/drawing/2014/main" id="{489840EA-4EF7-5BAE-CBF3-F3D0E368E9FA}"/>
+              </a:ext>
+            </a:extLst>
+          </p:cNvPr>
+          <p:cNvSpPr/>
+          <p:nvPr/>
+        </p:nvSpPr>
+        <p:spPr>
+          <a:xfrm>
+            <a:off x="4715478" y="209863"/>
+            <a:ext cx="689547" cy="277318"/>
+          </a:xfrm>
+          <a:prstGeom prst="roundRect">
+            <a:avLst/>
+          </a:prstGeom>
+        </p:spPr>
+        <p:style>
+          <a:lnRef idx="2">
+            <a:schemeClr val="accent6">
+              <a:shade val="15000"/>
+            </a:schemeClr>
+          </a:lnRef>
+          <a:fillRef idx="1">
+            <a:schemeClr val="accent6"/>
+          </a:fillRef>
+          <a:effectRef idx="0">
+            <a:schemeClr val="accent6"/>
+          </a:effectRef>
+          <a:fontRef idx="minor">
+            <a:schemeClr val="lt1"/>
+          </a:fontRef>
+        </p:style>
+        <p:txBody>
+          <a:bodyPr rtlCol="0" anchor="ctr"/>
+          <a:lstStyle/>
+          <a:p>
+            <a:pPr algn="ctr"/>
+            <a:endParaRPr lang="en-US" sz="1000">
+              <a:latin typeface="Consolas" panose="020B0609020204030204" pitchFamily="49" charset="0"/>
+            </a:endParaRPr>
+          </a:p>
+        </p:txBody>
+      </p:sp>
+      <p:sp>
+        <p:nvSpPr>
+          <p:cNvPr id="16" name="Rectangle: Rounded Corners 15">
+            <a:extLst>
+              <a:ext uri="{FF2B5EF4-FFF2-40B4-BE49-F238E27FC236}">
+                <a16:creationId xmlns:a16="http://schemas.microsoft.com/office/drawing/2014/main" id="{0ED46574-321C-E859-E016-627441BBE361}"/>
+              </a:ext>
+            </a:extLst>
+          </p:cNvPr>
+          <p:cNvSpPr/>
+          <p:nvPr/>
+        </p:nvSpPr>
+        <p:spPr>
+          <a:xfrm>
+            <a:off x="5610605" y="209863"/>
+            <a:ext cx="689547" cy="277318"/>
+          </a:xfrm>
+          <a:prstGeom prst="roundRect">
+            <a:avLst/>
+          </a:prstGeom>
+        </p:spPr>
+        <p:style>
+          <a:lnRef idx="2">
+            <a:schemeClr val="accent1"/>
+          </a:lnRef>
+          <a:fillRef idx="1">
+            <a:schemeClr val="lt1"/>
+          </a:fillRef>
+          <a:effectRef idx="0">
+            <a:schemeClr val="accent1"/>
+          </a:effectRef>
+          <a:fontRef idx="minor">
+            <a:schemeClr val="dk1"/>
+          </a:fontRef>
+        </p:style>
+        <p:txBody>
+          <a:bodyPr rtlCol="0" anchor="ctr"/>
+          <a:lstStyle/>
+          <a:p>
+            <a:pPr algn="ctr"/>
+            <a:endParaRPr lang="en-US" sz="1000">
+              <a:latin typeface="Consolas" panose="020B0609020204030204" pitchFamily="49" charset="0"/>
+            </a:endParaRPr>
+          </a:p>
+        </p:txBody>
+      </p:sp>
+      <p:sp>
+        <p:nvSpPr>
+          <p:cNvPr id="17" name="Rectangle: Rounded Corners 16">
+            <a:extLst>
+              <a:ext uri="{FF2B5EF4-FFF2-40B4-BE49-F238E27FC236}">
+                <a16:creationId xmlns:a16="http://schemas.microsoft.com/office/drawing/2014/main" id="{1D585F3F-F776-A353-60D3-4AD9BCEF2D2E}"/>
+              </a:ext>
+            </a:extLst>
+          </p:cNvPr>
+          <p:cNvSpPr/>
+          <p:nvPr/>
+        </p:nvSpPr>
+        <p:spPr>
+          <a:xfrm>
+            <a:off x="6505732" y="209863"/>
+            <a:ext cx="689547" cy="277318"/>
+          </a:xfrm>
+          <a:prstGeom prst="roundRect">
+            <a:avLst/>
+          </a:prstGeom>
+        </p:spPr>
+        <p:style>
+          <a:lnRef idx="2">
+            <a:schemeClr val="accent2"/>
+          </a:lnRef>
+          <a:fillRef idx="1">
+            <a:schemeClr val="lt1"/>
+          </a:fillRef>
+          <a:effectRef idx="0">
+            <a:schemeClr val="accent2"/>
+          </a:effectRef>
+          <a:fontRef idx="minor">
+            <a:schemeClr val="dk1"/>
+          </a:fontRef>
+        </p:style>
+        <p:txBody>
+          <a:bodyPr rtlCol="0" anchor="ctr"/>
+          <a:lstStyle/>
+          <a:p>
+            <a:pPr algn="ctr"/>
+            <a:endParaRPr lang="en-US" sz="1000">
+              <a:latin typeface="Consolas" panose="020B0609020204030204" pitchFamily="49" charset="0"/>
+            </a:endParaRPr>
+          </a:p>
+        </p:txBody>
+      </p:sp>
+      <p:sp>
+        <p:nvSpPr>
+          <p:cNvPr id="18" name="Rectangle: Rounded Corners 17">
+            <a:extLst>
+              <a:ext uri="{FF2B5EF4-FFF2-40B4-BE49-F238E27FC236}">
+                <a16:creationId xmlns:a16="http://schemas.microsoft.com/office/drawing/2014/main" id="{85A2BCEB-550A-3DB0-0F13-FDEC41356A96}"/>
+              </a:ext>
+            </a:extLst>
+          </p:cNvPr>
+          <p:cNvSpPr/>
+          <p:nvPr/>
+        </p:nvSpPr>
+        <p:spPr>
+          <a:xfrm>
+            <a:off x="7400859" y="209863"/>
+            <a:ext cx="689547" cy="277318"/>
+          </a:xfrm>
+          <a:prstGeom prst="roundRect">
+            <a:avLst/>
+          </a:prstGeom>
+        </p:spPr>
+        <p:style>
+          <a:lnRef idx="2">
+            <a:schemeClr val="accent3"/>
+          </a:lnRef>
+          <a:fillRef idx="1">
+            <a:schemeClr val="lt1"/>
+          </a:fillRef>
+          <a:effectRef idx="0">
+            <a:schemeClr val="accent3"/>
+          </a:effectRef>
+          <a:fontRef idx="minor">
+            <a:schemeClr val="dk1"/>
+          </a:fontRef>
+        </p:style>
+        <p:txBody>
+          <a:bodyPr rtlCol="0" anchor="ctr"/>
+          <a:lstStyle/>
+          <a:p>
+            <a:pPr algn="ctr"/>
+            <a:endParaRPr lang="en-US" sz="1000">
+              <a:latin typeface="Consolas" panose="020B0609020204030204" pitchFamily="49" charset="0"/>
+            </a:endParaRPr>
+          </a:p>
+        </p:txBody>
+      </p:sp>
+      <p:sp>
+        <p:nvSpPr>
+          <p:cNvPr id="19" name="Rectangle: Rounded Corners 18">
+            <a:extLst>
+              <a:ext uri="{FF2B5EF4-FFF2-40B4-BE49-F238E27FC236}">
+                <a16:creationId xmlns:a16="http://schemas.microsoft.com/office/drawing/2014/main" id="{9DB5C8B1-6428-733E-2EE7-81E3C2FF4AB4}"/>
+              </a:ext>
+            </a:extLst>
+          </p:cNvPr>
+          <p:cNvSpPr/>
+          <p:nvPr/>
+        </p:nvSpPr>
+        <p:spPr>
+          <a:xfrm>
+            <a:off x="8295986" y="209863"/>
+            <a:ext cx="689547" cy="277318"/>
+          </a:xfrm>
+          <a:prstGeom prst="roundRect">
+            <a:avLst/>
+          </a:prstGeom>
+        </p:spPr>
+        <p:style>
+          <a:lnRef idx="2">
+            <a:schemeClr val="accent4"/>
+          </a:lnRef>
+          <a:fillRef idx="1">
+            <a:schemeClr val="lt1"/>
+          </a:fillRef>
+          <a:effectRef idx="0">
+            <a:schemeClr val="accent4"/>
+          </a:effectRef>
+          <a:fontRef idx="minor">
+            <a:schemeClr val="dk1"/>
+          </a:fontRef>
+        </p:style>
+        <p:txBody>
+          <a:bodyPr rtlCol="0" anchor="ctr"/>
+          <a:lstStyle/>
+          <a:p>
+            <a:pPr algn="ctr"/>
+            <a:endParaRPr lang="en-US" sz="1000">
+              <a:latin typeface="Consolas" panose="020B0609020204030204" pitchFamily="49" charset="0"/>
+            </a:endParaRPr>
+          </a:p>
+        </p:txBody>
+      </p:sp>
+      <p:sp>
+        <p:nvSpPr>
+          <p:cNvPr id="20" name="Rectangle: Rounded Corners 19">
+            <a:extLst>
+              <a:ext uri="{FF2B5EF4-FFF2-40B4-BE49-F238E27FC236}">
+                <a16:creationId xmlns:a16="http://schemas.microsoft.com/office/drawing/2014/main" id="{5B37CBE8-F3F5-6740-03A5-6850DF1AFBE4}"/>
+              </a:ext>
+            </a:extLst>
+          </p:cNvPr>
+          <p:cNvSpPr/>
+          <p:nvPr/>
+        </p:nvSpPr>
+        <p:spPr>
+          <a:xfrm>
+            <a:off x="9191113" y="209863"/>
+            <a:ext cx="689547" cy="277318"/>
+          </a:xfrm>
+          <a:prstGeom prst="roundRect">
+            <a:avLst/>
+          </a:prstGeom>
+        </p:spPr>
+        <p:style>
+          <a:lnRef idx="2">
+            <a:schemeClr val="accent5"/>
+          </a:lnRef>
+          <a:fillRef idx="1">
+            <a:schemeClr val="lt1"/>
+          </a:fillRef>
+          <a:effectRef idx="0">
+            <a:schemeClr val="accent5"/>
+          </a:effectRef>
+          <a:fontRef idx="minor">
+            <a:schemeClr val="dk1"/>
+          </a:fontRef>
+        </p:style>
+        <p:txBody>
+          <a:bodyPr rtlCol="0" anchor="ctr"/>
+          <a:lstStyle/>
+          <a:p>
+            <a:pPr algn="ctr"/>
+            <a:endParaRPr lang="en-US" sz="1000">
+              <a:latin typeface="Consolas" panose="020B0609020204030204" pitchFamily="49" charset="0"/>
+            </a:endParaRPr>
+          </a:p>
+        </p:txBody>
+      </p:sp>
+      <p:sp>
+        <p:nvSpPr>
+          <p:cNvPr id="21" name="Rectangle: Rounded Corners 20">
+            <a:extLst>
+              <a:ext uri="{FF2B5EF4-FFF2-40B4-BE49-F238E27FC236}">
+                <a16:creationId xmlns:a16="http://schemas.microsoft.com/office/drawing/2014/main" id="{68620648-732D-F651-4188-C57937E972E0}"/>
+              </a:ext>
+            </a:extLst>
+          </p:cNvPr>
+          <p:cNvSpPr/>
+          <p:nvPr/>
+        </p:nvSpPr>
+        <p:spPr>
+          <a:xfrm>
+            <a:off x="10086240" y="209863"/>
+            <a:ext cx="689547" cy="277318"/>
+          </a:xfrm>
+          <a:prstGeom prst="roundRect">
+            <a:avLst/>
+          </a:prstGeom>
+        </p:spPr>
+        <p:style>
+          <a:lnRef idx="2">
+            <a:schemeClr val="accent6"/>
+          </a:lnRef>
+          <a:fillRef idx="1">
+            <a:schemeClr val="lt1"/>
+          </a:fillRef>
+          <a:effectRef idx="0">
+            <a:schemeClr val="accent6"/>
+          </a:effectRef>
+          <a:fontRef idx="minor">
+            <a:schemeClr val="dk1"/>
+          </a:fontRef>
+        </p:style>
+        <p:txBody>
+          <a:bodyPr rtlCol="0" anchor="ctr"/>
+          <a:lstStyle/>
+          <a:p>
+            <a:pPr algn="ctr"/>
+            <a:endParaRPr lang="en-US" sz="1000">
+              <a:latin typeface="Consolas" panose="020B0609020204030204" pitchFamily="49" charset="0"/>
+            </a:endParaRPr>
+          </a:p>
+        </p:txBody>
+      </p:sp>
+      <p:sp>
+        <p:nvSpPr>
+          <p:cNvPr id="22" name="TextBox 21">
+            <a:extLst>
+              <a:ext uri="{FF2B5EF4-FFF2-40B4-BE49-F238E27FC236}">
+                <a16:creationId xmlns:a16="http://schemas.microsoft.com/office/drawing/2014/main" id="{C31BC362-2B82-C326-AAF1-FFB27398ADAF}"/>
+              </a:ext>
+            </a:extLst>
+          </p:cNvPr>
+          <p:cNvSpPr txBox="1"/>
+          <p:nvPr/>
+        </p:nvSpPr>
+        <p:spPr>
+          <a:xfrm>
+            <a:off x="10981367" y="225411"/>
+            <a:ext cx="689547" cy="246221"/>
+          </a:xfrm>
+          <a:prstGeom prst="rect">
+            <a:avLst/>
+          </a:prstGeom>
+          <a:noFill/>
+        </p:spPr>
+        <p:txBody>
+          <a:bodyPr wrap="square" rtlCol="0">
+            <a:spAutoFit/>
+          </a:bodyPr>
+          <a:lstStyle/>
+          <a:p>
+            <a:pPr algn="ctr" defTabSz="182880"/>
+            <a:r>
+              <a:rPr lang="en-US" sz="1000">
+                <a:latin typeface="Consolas" panose="020B0609020204030204" pitchFamily="49" charset="0"/>
+              </a:rPr>
+              <a:t>text</a:t>
+            </a:r>
+          </a:p>
+        </p:txBody>
+      </p:sp>
+    </p:spTree>
+    <p:extLst>
+      <p:ext uri="{BB962C8B-B14F-4D97-AF65-F5344CB8AC3E}">
+        <p14:creationId xmlns:p14="http://schemas.microsoft.com/office/powerpoint/2010/main" val="2808202389"/>
       </p:ext>
     </p:extLst>
   </p:cSld>

--- a/NOTES.pptx
+++ b/NOTES.pptx
@@ -12,6 +12,10 @@
     <p:sldId id="260" r:id="rId6"/>
     <p:sldId id="261" r:id="rId7"/>
     <p:sldId id="262" r:id="rId8"/>
+    <p:sldId id="263" r:id="rId9"/>
+    <p:sldId id="265" r:id="rId10"/>
+    <p:sldId id="264" r:id="rId11"/>
+    <p:sldId id="266" r:id="rId12"/>
   </p:sldIdLst>
   <p:sldSz cx="12192000" cy="6858000"/>
   <p:notesSz cx="6858000" cy="9144000"/>
@@ -303,7 +307,7 @@
           <a:p>
             <a:fld id="{DB96A1BF-7A60-4A28-908B-BEE221AF7F3D}" type="datetimeFigureOut">
               <a:rPr lang="en-US" smtClean="0"/>
-              <a:t>4/9/2024</a:t>
+              <a:t>6/1/2024</a:t>
             </a:fld>
             <a:endParaRPr lang="en-US"/>
           </a:p>
@@ -601,7 +605,7 @@
           <a:p>
             <a:fld id="{DB96A1BF-7A60-4A28-908B-BEE221AF7F3D}" type="datetimeFigureOut">
               <a:rPr lang="en-US" smtClean="0"/>
-              <a:t>4/9/2024</a:t>
+              <a:t>6/1/2024</a:t>
             </a:fld>
             <a:endParaRPr lang="en-US"/>
           </a:p>
@@ -793,7 +797,7 @@
           <a:p>
             <a:fld id="{DB96A1BF-7A60-4A28-908B-BEE221AF7F3D}" type="datetimeFigureOut">
               <a:rPr lang="en-US" smtClean="0"/>
-              <a:t>4/9/2024</a:t>
+              <a:t>6/1/2024</a:t>
             </a:fld>
             <a:endParaRPr lang="en-US"/>
           </a:p>
@@ -1054,7 +1058,7 @@
           <a:p>
             <a:fld id="{DB96A1BF-7A60-4A28-908B-BEE221AF7F3D}" type="datetimeFigureOut">
               <a:rPr lang="en-US" smtClean="0"/>
-              <a:t>4/9/2024</a:t>
+              <a:t>6/1/2024</a:t>
             </a:fld>
             <a:endParaRPr lang="en-US"/>
           </a:p>
@@ -1478,7 +1482,7 @@
           <a:p>
             <a:fld id="{DB96A1BF-7A60-4A28-908B-BEE221AF7F3D}" type="datetimeFigureOut">
               <a:rPr lang="en-US" smtClean="0"/>
-              <a:t>4/9/2024</a:t>
+              <a:t>6/1/2024</a:t>
             </a:fld>
             <a:endParaRPr lang="en-US"/>
           </a:p>
@@ -2015,7 +2019,7 @@
           <a:p>
             <a:fld id="{DB96A1BF-7A60-4A28-908B-BEE221AF7F3D}" type="datetimeFigureOut">
               <a:rPr lang="en-US" smtClean="0"/>
-              <a:t>4/9/2024</a:t>
+              <a:t>6/1/2024</a:t>
             </a:fld>
             <a:endParaRPr lang="en-US"/>
           </a:p>
@@ -2879,7 +2883,7 @@
           <a:p>
             <a:fld id="{DB96A1BF-7A60-4A28-908B-BEE221AF7F3D}" type="datetimeFigureOut">
               <a:rPr lang="en-US" smtClean="0"/>
-              <a:t>4/9/2024</a:t>
+              <a:t>6/1/2024</a:t>
             </a:fld>
             <a:endParaRPr lang="en-US"/>
           </a:p>
@@ -3049,7 +3053,7 @@
           <a:p>
             <a:fld id="{DB96A1BF-7A60-4A28-908B-BEE221AF7F3D}" type="datetimeFigureOut">
               <a:rPr lang="en-US" smtClean="0"/>
-              <a:t>4/9/2024</a:t>
+              <a:t>6/1/2024</a:t>
             </a:fld>
             <a:endParaRPr lang="en-US"/>
           </a:p>
@@ -3233,7 +3237,7 @@
           <a:p>
             <a:fld id="{DB96A1BF-7A60-4A28-908B-BEE221AF7F3D}" type="datetimeFigureOut">
               <a:rPr lang="en-US" smtClean="0"/>
-              <a:t>4/9/2024</a:t>
+              <a:t>6/1/2024</a:t>
             </a:fld>
             <a:endParaRPr lang="en-US"/>
           </a:p>
@@ -3403,7 +3407,7 @@
           <a:p>
             <a:fld id="{DB96A1BF-7A60-4A28-908B-BEE221AF7F3D}" type="datetimeFigureOut">
               <a:rPr lang="en-US" smtClean="0"/>
-              <a:t>4/9/2024</a:t>
+              <a:t>6/1/2024</a:t>
             </a:fld>
             <a:endParaRPr lang="en-US"/>
           </a:p>
@@ -3647,7 +3651,7 @@
           <a:p>
             <a:fld id="{DB96A1BF-7A60-4A28-908B-BEE221AF7F3D}" type="datetimeFigureOut">
               <a:rPr lang="en-US" smtClean="0"/>
-              <a:t>4/9/2024</a:t>
+              <a:t>6/1/2024</a:t>
             </a:fld>
             <a:endParaRPr lang="en-US"/>
           </a:p>
@@ -3883,7 +3887,7 @@
           <a:p>
             <a:fld id="{DB96A1BF-7A60-4A28-908B-BEE221AF7F3D}" type="datetimeFigureOut">
               <a:rPr lang="en-US" smtClean="0"/>
-              <a:t>4/9/2024</a:t>
+              <a:t>6/1/2024</a:t>
             </a:fld>
             <a:endParaRPr lang="en-US"/>
           </a:p>
@@ -4349,7 +4353,7 @@
           <a:p>
             <a:fld id="{DB96A1BF-7A60-4A28-908B-BEE221AF7F3D}" type="datetimeFigureOut">
               <a:rPr lang="en-US" smtClean="0"/>
-              <a:t>4/9/2024</a:t>
+              <a:t>6/1/2024</a:t>
             </a:fld>
             <a:endParaRPr lang="en-US"/>
           </a:p>
@@ -4467,7 +4471,7 @@
           <a:p>
             <a:fld id="{DB96A1BF-7A60-4A28-908B-BEE221AF7F3D}" type="datetimeFigureOut">
               <a:rPr lang="en-US" smtClean="0"/>
-              <a:t>4/9/2024</a:t>
+              <a:t>6/1/2024</a:t>
             </a:fld>
             <a:endParaRPr lang="en-US"/>
           </a:p>
@@ -4562,7 +4566,7 @@
           <a:p>
             <a:fld id="{DB96A1BF-7A60-4A28-908B-BEE221AF7F3D}" type="datetimeFigureOut">
               <a:rPr lang="en-US" smtClean="0"/>
-              <a:t>4/9/2024</a:t>
+              <a:t>6/1/2024</a:t>
             </a:fld>
             <a:endParaRPr lang="en-US"/>
           </a:p>
@@ -4817,7 +4821,7 @@
           <a:p>
             <a:fld id="{DB96A1BF-7A60-4A28-908B-BEE221AF7F3D}" type="datetimeFigureOut">
               <a:rPr lang="en-US" smtClean="0"/>
-              <a:t>4/9/2024</a:t>
+              <a:t>6/1/2024</a:t>
             </a:fld>
             <a:endParaRPr lang="en-US"/>
           </a:p>
@@ -5117,7 +5121,7 @@
           <a:p>
             <a:fld id="{DB96A1BF-7A60-4A28-908B-BEE221AF7F3D}" type="datetimeFigureOut">
               <a:rPr lang="en-US" smtClean="0"/>
-              <a:t>4/9/2024</a:t>
+              <a:t>6/1/2024</a:t>
             </a:fld>
             <a:endParaRPr lang="en-US"/>
           </a:p>
@@ -5351,7 +5355,7 @@
           <a:p>
             <a:fld id="{DB96A1BF-7A60-4A28-908B-BEE221AF7F3D}" type="datetimeFigureOut">
               <a:rPr lang="en-US" smtClean="0"/>
-              <a:t>4/9/2024</a:t>
+              <a:t>6/1/2024</a:t>
             </a:fld>
             <a:endParaRPr lang="en-US"/>
           </a:p>
@@ -12847,6 +12851,1261 @@
 </p:sld>
 </file>
 
+<file path=ppt/slides/slide10.xml><?xml version="1.0" encoding="utf-8"?>
+<p:sld xmlns:a="http://schemas.openxmlformats.org/drawingml/2006/main" xmlns:r="http://schemas.openxmlformats.org/officeDocument/2006/relationships" xmlns:p="http://schemas.openxmlformats.org/presentationml/2006/main">
+  <p:cSld>
+    <p:spTree>
+      <p:nvGrpSpPr>
+        <p:cNvPr id="1" name=""/>
+        <p:cNvGrpSpPr/>
+        <p:nvPr/>
+      </p:nvGrpSpPr>
+      <p:grpSpPr>
+        <a:xfrm>
+          <a:off x="0" y="0"/>
+          <a:ext cx="0" cy="0"/>
+          <a:chOff x="0" y="0"/>
+          <a:chExt cx="0" cy="0"/>
+        </a:xfrm>
+      </p:grpSpPr>
+      <p:sp>
+        <p:nvSpPr>
+          <p:cNvPr id="4" name="矩形 3">
+            <a:extLst>
+              <a:ext uri="{FF2B5EF4-FFF2-40B4-BE49-F238E27FC236}">
+                <a16:creationId xmlns:a16="http://schemas.microsoft.com/office/drawing/2014/main" id="{46280CBA-0C50-DD3D-2C31-BB466455E233}"/>
+              </a:ext>
+            </a:extLst>
+          </p:cNvPr>
+          <p:cNvSpPr/>
+          <p:nvPr/>
+        </p:nvSpPr>
+        <p:spPr>
+          <a:xfrm>
+            <a:off x="2656178" y="1439777"/>
+            <a:ext cx="3247314" cy="1227221"/>
+          </a:xfrm>
+          <a:prstGeom prst="rect">
+            <a:avLst/>
+          </a:prstGeom>
+          <a:solidFill>
+            <a:schemeClr val="tx1">
+              <a:lumMod val="75000"/>
+            </a:schemeClr>
+          </a:solidFill>
+          <a:ln>
+            <a:noFill/>
+          </a:ln>
+        </p:spPr>
+        <p:style>
+          <a:lnRef idx="2">
+            <a:schemeClr val="accent1">
+              <a:shade val="15000"/>
+            </a:schemeClr>
+          </a:lnRef>
+          <a:fillRef idx="1">
+            <a:schemeClr val="accent1"/>
+          </a:fillRef>
+          <a:effectRef idx="0">
+            <a:schemeClr val="accent1"/>
+          </a:effectRef>
+          <a:fontRef idx="minor">
+            <a:schemeClr val="lt1"/>
+          </a:fontRef>
+        </p:style>
+        <p:txBody>
+          <a:bodyPr rtlCol="0" anchor="ctr"/>
+          <a:lstStyle/>
+          <a:p>
+            <a:pPr algn="ctr"/>
+            <a:r>
+              <a:rPr lang="en-US" altLang="zh-TW" b="1">
+                <a:solidFill>
+                  <a:schemeClr val="bg1"/>
+                </a:solidFill>
+              </a:rPr>
+              <a:t>1.</a:t>
+            </a:r>
+            <a:r>
+              <a:rPr lang="zh-TW" altLang="en-US" b="1">
+                <a:solidFill>
+                  <a:schemeClr val="bg1"/>
+                </a:solidFill>
+              </a:rPr>
+              <a:t> </a:t>
+            </a:r>
+            <a:r>
+              <a:rPr lang="en-US" altLang="zh-TW" b="1">
+                <a:solidFill>
+                  <a:schemeClr val="bg1"/>
+                </a:solidFill>
+              </a:rPr>
+              <a:t>Transformer</a:t>
+            </a:r>
+            <a:endParaRPr lang="zh-TW" altLang="en-US" b="1">
+              <a:solidFill>
+                <a:schemeClr val="bg1"/>
+              </a:solidFill>
+            </a:endParaRPr>
+          </a:p>
+        </p:txBody>
+      </p:sp>
+      <p:sp>
+        <p:nvSpPr>
+          <p:cNvPr id="2" name="矩形 1">
+            <a:extLst>
+              <a:ext uri="{FF2B5EF4-FFF2-40B4-BE49-F238E27FC236}">
+                <a16:creationId xmlns:a16="http://schemas.microsoft.com/office/drawing/2014/main" id="{7801E19A-2447-7737-3806-53476E3B57E8}"/>
+              </a:ext>
+            </a:extLst>
+          </p:cNvPr>
+          <p:cNvSpPr/>
+          <p:nvPr/>
+        </p:nvSpPr>
+        <p:spPr>
+          <a:xfrm>
+            <a:off x="2656178" y="2827419"/>
+            <a:ext cx="3247314" cy="774029"/>
+          </a:xfrm>
+          <a:prstGeom prst="rect">
+            <a:avLst/>
+          </a:prstGeom>
+          <a:solidFill>
+            <a:schemeClr val="tx1">
+              <a:lumMod val="75000"/>
+            </a:schemeClr>
+          </a:solidFill>
+          <a:ln>
+            <a:noFill/>
+          </a:ln>
+        </p:spPr>
+        <p:style>
+          <a:lnRef idx="2">
+            <a:schemeClr val="accent1">
+              <a:shade val="15000"/>
+            </a:schemeClr>
+          </a:lnRef>
+          <a:fillRef idx="1">
+            <a:schemeClr val="accent1"/>
+          </a:fillRef>
+          <a:effectRef idx="0">
+            <a:schemeClr val="accent1"/>
+          </a:effectRef>
+          <a:fontRef idx="minor">
+            <a:schemeClr val="lt1"/>
+          </a:fontRef>
+        </p:style>
+        <p:txBody>
+          <a:bodyPr rtlCol="0" anchor="ctr"/>
+          <a:lstStyle/>
+          <a:p>
+            <a:pPr algn="ctr"/>
+            <a:r>
+              <a:rPr lang="en-US" altLang="zh-TW" b="1">
+                <a:solidFill>
+                  <a:schemeClr val="bg1"/>
+                </a:solidFill>
+              </a:rPr>
+              <a:t>AT</a:t>
+            </a:r>
+            <a:endParaRPr lang="zh-TW" altLang="en-US" b="1">
+              <a:solidFill>
+                <a:schemeClr val="bg1"/>
+              </a:solidFill>
+            </a:endParaRPr>
+          </a:p>
+        </p:txBody>
+      </p:sp>
+      <p:sp>
+        <p:nvSpPr>
+          <p:cNvPr id="3" name="矩形 2">
+            <a:extLst>
+              <a:ext uri="{FF2B5EF4-FFF2-40B4-BE49-F238E27FC236}">
+                <a16:creationId xmlns:a16="http://schemas.microsoft.com/office/drawing/2014/main" id="{AC4BB39D-7B40-60C4-12F9-70B548953981}"/>
+              </a:ext>
+            </a:extLst>
+          </p:cNvPr>
+          <p:cNvSpPr/>
+          <p:nvPr/>
+        </p:nvSpPr>
+        <p:spPr>
+          <a:xfrm>
+            <a:off x="2656178" y="3685677"/>
+            <a:ext cx="3247314" cy="385006"/>
+          </a:xfrm>
+          <a:prstGeom prst="rect">
+            <a:avLst/>
+          </a:prstGeom>
+          <a:solidFill>
+            <a:schemeClr val="tx1">
+              <a:lumMod val="75000"/>
+            </a:schemeClr>
+          </a:solidFill>
+          <a:ln>
+            <a:noFill/>
+          </a:ln>
+        </p:spPr>
+        <p:style>
+          <a:lnRef idx="2">
+            <a:schemeClr val="accent1">
+              <a:shade val="15000"/>
+            </a:schemeClr>
+          </a:lnRef>
+          <a:fillRef idx="1">
+            <a:schemeClr val="accent1"/>
+          </a:fillRef>
+          <a:effectRef idx="0">
+            <a:schemeClr val="accent1"/>
+          </a:effectRef>
+          <a:fontRef idx="minor">
+            <a:schemeClr val="lt1"/>
+          </a:fontRef>
+        </p:style>
+        <p:txBody>
+          <a:bodyPr rtlCol="0" anchor="ctr"/>
+          <a:lstStyle/>
+          <a:p>
+            <a:pPr algn="ctr"/>
+            <a:r>
+              <a:rPr lang="en-US" altLang="zh-TW" b="1">
+                <a:solidFill>
+                  <a:schemeClr val="bg1"/>
+                </a:solidFill>
+              </a:rPr>
+              <a:t>pert</a:t>
+            </a:r>
+            <a:endParaRPr lang="zh-TW" altLang="en-US" b="1">
+              <a:solidFill>
+                <a:schemeClr val="bg1"/>
+              </a:solidFill>
+            </a:endParaRPr>
+          </a:p>
+        </p:txBody>
+      </p:sp>
+      <p:sp>
+        <p:nvSpPr>
+          <p:cNvPr id="8" name="矩形 7">
+            <a:extLst>
+              <a:ext uri="{FF2B5EF4-FFF2-40B4-BE49-F238E27FC236}">
+                <a16:creationId xmlns:a16="http://schemas.microsoft.com/office/drawing/2014/main" id="{24255693-A7DD-B68B-11F0-206ED215A624}"/>
+              </a:ext>
+            </a:extLst>
+          </p:cNvPr>
+          <p:cNvSpPr/>
+          <p:nvPr/>
+        </p:nvSpPr>
+        <p:spPr>
+          <a:xfrm>
+            <a:off x="6033040" y="946483"/>
+            <a:ext cx="3247314" cy="385006"/>
+          </a:xfrm>
+          <a:prstGeom prst="rect">
+            <a:avLst/>
+          </a:prstGeom>
+          <a:solidFill>
+            <a:schemeClr val="tx1">
+              <a:lumMod val="75000"/>
+            </a:schemeClr>
+          </a:solidFill>
+          <a:ln>
+            <a:noFill/>
+          </a:ln>
+        </p:spPr>
+        <p:style>
+          <a:lnRef idx="2">
+            <a:schemeClr val="accent1">
+              <a:shade val="15000"/>
+            </a:schemeClr>
+          </a:lnRef>
+          <a:fillRef idx="1">
+            <a:schemeClr val="accent1"/>
+          </a:fillRef>
+          <a:effectRef idx="0">
+            <a:schemeClr val="accent1"/>
+          </a:effectRef>
+          <a:fontRef idx="minor">
+            <a:schemeClr val="lt1"/>
+          </a:fontRef>
+        </p:style>
+        <p:txBody>
+          <a:bodyPr rtlCol="0" anchor="ctr"/>
+          <a:lstStyle/>
+          <a:p>
+            <a:pPr algn="ctr"/>
+            <a:r>
+              <a:rPr lang="en-US" altLang="zh-TW" b="1">
+                <a:solidFill>
+                  <a:schemeClr val="bg1"/>
+                </a:solidFill>
+              </a:rPr>
+              <a:t>wireless 1 + pert</a:t>
+            </a:r>
+            <a:endParaRPr lang="zh-TW" altLang="en-US" b="1">
+              <a:solidFill>
+                <a:schemeClr val="bg1"/>
+              </a:solidFill>
+            </a:endParaRPr>
+          </a:p>
+        </p:txBody>
+      </p:sp>
+      <p:sp>
+        <p:nvSpPr>
+          <p:cNvPr id="10" name="矩形 9">
+            <a:extLst>
+              <a:ext uri="{FF2B5EF4-FFF2-40B4-BE49-F238E27FC236}">
+                <a16:creationId xmlns:a16="http://schemas.microsoft.com/office/drawing/2014/main" id="{7CEAAD00-C758-BE68-CFA7-D15EAED66F2E}"/>
+              </a:ext>
+            </a:extLst>
+          </p:cNvPr>
+          <p:cNvSpPr/>
+          <p:nvPr/>
+        </p:nvSpPr>
+        <p:spPr>
+          <a:xfrm>
+            <a:off x="2656178" y="946483"/>
+            <a:ext cx="3247314" cy="385006"/>
+          </a:xfrm>
+          <a:prstGeom prst="rect">
+            <a:avLst/>
+          </a:prstGeom>
+          <a:solidFill>
+            <a:schemeClr val="tx1">
+              <a:lumMod val="75000"/>
+            </a:schemeClr>
+          </a:solidFill>
+          <a:ln>
+            <a:noFill/>
+          </a:ln>
+        </p:spPr>
+        <p:style>
+          <a:lnRef idx="2">
+            <a:schemeClr val="accent1">
+              <a:shade val="15000"/>
+            </a:schemeClr>
+          </a:lnRef>
+          <a:fillRef idx="1">
+            <a:schemeClr val="accent1"/>
+          </a:fillRef>
+          <a:effectRef idx="0">
+            <a:schemeClr val="accent1"/>
+          </a:effectRef>
+          <a:fontRef idx="minor">
+            <a:schemeClr val="lt1"/>
+          </a:fontRef>
+        </p:style>
+        <p:txBody>
+          <a:bodyPr rtlCol="0" anchor="ctr"/>
+          <a:lstStyle/>
+          <a:p>
+            <a:pPr algn="ctr"/>
+            <a:r>
+              <a:rPr lang="en-US" altLang="zh-TW" b="1">
+                <a:solidFill>
+                  <a:schemeClr val="bg1"/>
+                </a:solidFill>
+              </a:rPr>
+              <a:t>wireless  + noise</a:t>
+            </a:r>
+            <a:endParaRPr lang="zh-TW" altLang="en-US" b="1">
+              <a:solidFill>
+                <a:schemeClr val="bg1"/>
+              </a:solidFill>
+            </a:endParaRPr>
+          </a:p>
+        </p:txBody>
+      </p:sp>
+      <p:sp>
+        <p:nvSpPr>
+          <p:cNvPr id="18" name="矩形 17">
+            <a:extLst>
+              <a:ext uri="{FF2B5EF4-FFF2-40B4-BE49-F238E27FC236}">
+                <a16:creationId xmlns:a16="http://schemas.microsoft.com/office/drawing/2014/main" id="{D2585CF3-6AC9-5ECF-5E9E-B130471FCE77}"/>
+              </a:ext>
+            </a:extLst>
+          </p:cNvPr>
+          <p:cNvSpPr/>
+          <p:nvPr/>
+        </p:nvSpPr>
+        <p:spPr>
+          <a:xfrm>
+            <a:off x="2656178" y="4271216"/>
+            <a:ext cx="6624176" cy="385006"/>
+          </a:xfrm>
+          <a:prstGeom prst="rect">
+            <a:avLst/>
+          </a:prstGeom>
+          <a:solidFill>
+            <a:schemeClr val="tx1">
+              <a:lumMod val="75000"/>
+            </a:schemeClr>
+          </a:solidFill>
+          <a:ln>
+            <a:noFill/>
+          </a:ln>
+        </p:spPr>
+        <p:style>
+          <a:lnRef idx="2">
+            <a:schemeClr val="accent1">
+              <a:shade val="15000"/>
+            </a:schemeClr>
+          </a:lnRef>
+          <a:fillRef idx="1">
+            <a:schemeClr val="accent1"/>
+          </a:fillRef>
+          <a:effectRef idx="0">
+            <a:schemeClr val="accent1"/>
+          </a:effectRef>
+          <a:fontRef idx="minor">
+            <a:schemeClr val="lt1"/>
+          </a:fontRef>
+        </p:style>
+        <p:txBody>
+          <a:bodyPr rtlCol="0" anchor="ctr"/>
+          <a:lstStyle/>
+          <a:p>
+            <a:pPr algn="ctr"/>
+            <a:r>
+              <a:rPr lang="en-US" altLang="zh-TW" b="1">
+                <a:solidFill>
+                  <a:schemeClr val="bg1"/>
+                </a:solidFill>
+              </a:rPr>
+              <a:t>eval ret 1</a:t>
+            </a:r>
+            <a:endParaRPr lang="zh-TW" altLang="en-US" b="1">
+              <a:solidFill>
+                <a:schemeClr val="bg1"/>
+              </a:solidFill>
+            </a:endParaRPr>
+          </a:p>
+        </p:txBody>
+      </p:sp>
+      <p:sp>
+        <p:nvSpPr>
+          <p:cNvPr id="22" name="矩形 21">
+            <a:extLst>
+              <a:ext uri="{FF2B5EF4-FFF2-40B4-BE49-F238E27FC236}">
+                <a16:creationId xmlns:a16="http://schemas.microsoft.com/office/drawing/2014/main" id="{F33A995E-3BCC-AD46-AD38-8EFE577BEFBE}"/>
+              </a:ext>
+            </a:extLst>
+          </p:cNvPr>
+          <p:cNvSpPr/>
+          <p:nvPr/>
+        </p:nvSpPr>
+        <p:spPr>
+          <a:xfrm>
+            <a:off x="6033040" y="1439777"/>
+            <a:ext cx="3247314" cy="385006"/>
+          </a:xfrm>
+          <a:prstGeom prst="rect">
+            <a:avLst/>
+          </a:prstGeom>
+          <a:solidFill>
+            <a:schemeClr val="tx1">
+              <a:lumMod val="75000"/>
+            </a:schemeClr>
+          </a:solidFill>
+          <a:ln>
+            <a:noFill/>
+          </a:ln>
+        </p:spPr>
+        <p:style>
+          <a:lnRef idx="2">
+            <a:schemeClr val="accent1">
+              <a:shade val="15000"/>
+            </a:schemeClr>
+          </a:lnRef>
+          <a:fillRef idx="1">
+            <a:schemeClr val="accent1"/>
+          </a:fillRef>
+          <a:effectRef idx="0">
+            <a:schemeClr val="accent1"/>
+          </a:effectRef>
+          <a:fontRef idx="minor">
+            <a:schemeClr val="lt1"/>
+          </a:fontRef>
+        </p:style>
+        <p:txBody>
+          <a:bodyPr rtlCol="0" anchor="ctr"/>
+          <a:lstStyle/>
+          <a:p>
+            <a:pPr algn="ctr"/>
+            <a:r>
+              <a:rPr lang="en-US" altLang="zh-TW" b="1">
+                <a:solidFill>
+                  <a:schemeClr val="bg1"/>
+                </a:solidFill>
+              </a:rPr>
+              <a:t>pert + noise</a:t>
+            </a:r>
+            <a:endParaRPr lang="zh-TW" altLang="en-US" b="1">
+              <a:solidFill>
+                <a:schemeClr val="bg1"/>
+              </a:solidFill>
+            </a:endParaRPr>
+          </a:p>
+        </p:txBody>
+      </p:sp>
+    </p:spTree>
+    <p:extLst>
+      <p:ext uri="{BB962C8B-B14F-4D97-AF65-F5344CB8AC3E}">
+        <p14:creationId xmlns:p14="http://schemas.microsoft.com/office/powerpoint/2010/main" val="2498555073"/>
+      </p:ext>
+    </p:extLst>
+  </p:cSld>
+  <p:clrMapOvr>
+    <a:masterClrMapping/>
+  </p:clrMapOvr>
+</p:sld>
+</file>
+
+<file path=ppt/slides/slide11.xml><?xml version="1.0" encoding="utf-8"?>
+<p:sld xmlns:a="http://schemas.openxmlformats.org/drawingml/2006/main" xmlns:r="http://schemas.openxmlformats.org/officeDocument/2006/relationships" xmlns:p="http://schemas.openxmlformats.org/presentationml/2006/main">
+  <p:cSld>
+    <p:spTree>
+      <p:nvGrpSpPr>
+        <p:cNvPr id="1" name=""/>
+        <p:cNvGrpSpPr/>
+        <p:nvPr/>
+      </p:nvGrpSpPr>
+      <p:grpSpPr>
+        <a:xfrm>
+          <a:off x="0" y="0"/>
+          <a:ext cx="0" cy="0"/>
+          <a:chOff x="0" y="0"/>
+          <a:chExt cx="0" cy="0"/>
+        </a:xfrm>
+      </p:grpSpPr>
+      <p:graphicFrame>
+        <p:nvGraphicFramePr>
+          <p:cNvPr id="4" name="表格 3">
+            <a:extLst>
+              <a:ext uri="{FF2B5EF4-FFF2-40B4-BE49-F238E27FC236}">
+                <a16:creationId xmlns:a16="http://schemas.microsoft.com/office/drawing/2014/main" id="{0996FBBD-6315-EC98-F534-8B10A99C8CC7}"/>
+              </a:ext>
+            </a:extLst>
+          </p:cNvPr>
+          <p:cNvGraphicFramePr>
+            <a:graphicFrameLocks noGrp="1"/>
+          </p:cNvGraphicFramePr>
+          <p:nvPr>
+            <p:extLst>
+              <p:ext uri="{D42A27DB-BD31-4B8C-83A1-F6EECF244321}">
+                <p14:modId xmlns:p14="http://schemas.microsoft.com/office/powerpoint/2010/main" val="2559431009"/>
+              </p:ext>
+            </p:extLst>
+          </p:nvPr>
+        </p:nvGraphicFramePr>
+        <p:xfrm>
+          <a:off x="1143000" y="3013830"/>
+          <a:ext cx="9172123" cy="1483360"/>
+        </p:xfrm>
+        <a:graphic>
+          <a:graphicData uri="http://schemas.openxmlformats.org/drawingml/2006/table">
+            <a:tbl>
+              <a:tblPr firstRow="1" bandRow="1">
+                <a:tableStyleId>{5940675A-B579-460E-94D1-54222C63F5DA}</a:tableStyleId>
+              </a:tblPr>
+              <a:tblGrid>
+                <a:gridCol w="1705763">
+                  <a:extLst>
+                    <a:ext uri="{9D8B030D-6E8A-4147-A177-3AD203B41FA5}">
+                      <a16:colId xmlns:a16="http://schemas.microsoft.com/office/drawing/2014/main" val="3698001596"/>
+                    </a:ext>
+                  </a:extLst>
+                </a:gridCol>
+                <a:gridCol w="746636">
+                  <a:extLst>
+                    <a:ext uri="{9D8B030D-6E8A-4147-A177-3AD203B41FA5}">
+                      <a16:colId xmlns:a16="http://schemas.microsoft.com/office/drawing/2014/main" val="1719070146"/>
+                    </a:ext>
+                  </a:extLst>
+                </a:gridCol>
+                <a:gridCol w="746636">
+                  <a:extLst>
+                    <a:ext uri="{9D8B030D-6E8A-4147-A177-3AD203B41FA5}">
+                      <a16:colId xmlns:a16="http://schemas.microsoft.com/office/drawing/2014/main" val="2059925131"/>
+                    </a:ext>
+                  </a:extLst>
+                </a:gridCol>
+                <a:gridCol w="746636">
+                  <a:extLst>
+                    <a:ext uri="{9D8B030D-6E8A-4147-A177-3AD203B41FA5}">
+                      <a16:colId xmlns:a16="http://schemas.microsoft.com/office/drawing/2014/main" val="1118673764"/>
+                    </a:ext>
+                  </a:extLst>
+                </a:gridCol>
+                <a:gridCol w="746636">
+                  <a:extLst>
+                    <a:ext uri="{9D8B030D-6E8A-4147-A177-3AD203B41FA5}">
+                      <a16:colId xmlns:a16="http://schemas.microsoft.com/office/drawing/2014/main" val="3193809063"/>
+                    </a:ext>
+                  </a:extLst>
+                </a:gridCol>
+                <a:gridCol w="746636">
+                  <a:extLst>
+                    <a:ext uri="{9D8B030D-6E8A-4147-A177-3AD203B41FA5}">
+                      <a16:colId xmlns:a16="http://schemas.microsoft.com/office/drawing/2014/main" val="3088807039"/>
+                    </a:ext>
+                  </a:extLst>
+                </a:gridCol>
+                <a:gridCol w="746636">
+                  <a:extLst>
+                    <a:ext uri="{9D8B030D-6E8A-4147-A177-3AD203B41FA5}">
+                      <a16:colId xmlns:a16="http://schemas.microsoft.com/office/drawing/2014/main" val="3852513091"/>
+                    </a:ext>
+                  </a:extLst>
+                </a:gridCol>
+                <a:gridCol w="746636">
+                  <a:extLst>
+                    <a:ext uri="{9D8B030D-6E8A-4147-A177-3AD203B41FA5}">
+                      <a16:colId xmlns:a16="http://schemas.microsoft.com/office/drawing/2014/main" val="2814464219"/>
+                    </a:ext>
+                  </a:extLst>
+                </a:gridCol>
+                <a:gridCol w="746636">
+                  <a:extLst>
+                    <a:ext uri="{9D8B030D-6E8A-4147-A177-3AD203B41FA5}">
+                      <a16:colId xmlns:a16="http://schemas.microsoft.com/office/drawing/2014/main" val="3583825034"/>
+                    </a:ext>
+                  </a:extLst>
+                </a:gridCol>
+                <a:gridCol w="746636">
+                  <a:extLst>
+                    <a:ext uri="{9D8B030D-6E8A-4147-A177-3AD203B41FA5}">
+                      <a16:colId xmlns:a16="http://schemas.microsoft.com/office/drawing/2014/main" val="2441859411"/>
+                    </a:ext>
+                  </a:extLst>
+                </a:gridCol>
+                <a:gridCol w="746636">
+                  <a:extLst>
+                    <a:ext uri="{9D8B030D-6E8A-4147-A177-3AD203B41FA5}">
+                      <a16:colId xmlns:a16="http://schemas.microsoft.com/office/drawing/2014/main" val="257937191"/>
+                    </a:ext>
+                  </a:extLst>
+                </a:gridCol>
+              </a:tblGrid>
+              <a:tr h="370840">
+                <a:tc>
+                  <a:txBody>
+                    <a:bodyPr/>
+                    <a:lstStyle/>
+                    <a:p>
+                      <a:pPr algn="ctr"/>
+                      <a:endParaRPr lang="zh-TW" altLang="en-US"/>
+                    </a:p>
+                  </a:txBody>
+                  <a:tcPr anchor="ctr"/>
+                </a:tc>
+                <a:tc>
+                  <a:txBody>
+                    <a:bodyPr/>
+                    <a:lstStyle/>
+                    <a:p>
+                      <a:pPr algn="ctr"/>
+                      <a:endParaRPr lang="zh-TW" altLang="en-US" sz="1400"/>
+                    </a:p>
+                  </a:txBody>
+                  <a:tcPr anchor="ctr"/>
+                </a:tc>
+                <a:tc>
+                  <a:txBody>
+                    <a:bodyPr/>
+                    <a:lstStyle/>
+                    <a:p>
+                      <a:pPr algn="ctr"/>
+                      <a:endParaRPr lang="zh-TW" altLang="en-US" sz="1400"/>
+                    </a:p>
+                  </a:txBody>
+                  <a:tcPr anchor="ctr"/>
+                </a:tc>
+                <a:tc>
+                  <a:txBody>
+                    <a:bodyPr/>
+                    <a:lstStyle/>
+                    <a:p>
+                      <a:pPr algn="ctr"/>
+                      <a:r>
+                        <a:rPr lang="en-US" altLang="zh-TW" sz="1400"/>
+                        <a:t>0.05</a:t>
+                      </a:r>
+                      <a:endParaRPr lang="zh-TW" altLang="en-US" sz="1400"/>
+                    </a:p>
+                  </a:txBody>
+                  <a:tcPr anchor="ctr"/>
+                </a:tc>
+                <a:tc>
+                  <a:txBody>
+                    <a:bodyPr/>
+                    <a:lstStyle/>
+                    <a:p>
+                      <a:pPr algn="ctr"/>
+                      <a:r>
+                        <a:rPr lang="en-US" altLang="zh-TW" sz="1400"/>
+                        <a:t>0.1</a:t>
+                      </a:r>
+                      <a:endParaRPr lang="zh-TW" altLang="en-US" sz="1400"/>
+                    </a:p>
+                  </a:txBody>
+                  <a:tcPr anchor="ctr"/>
+                </a:tc>
+                <a:tc>
+                  <a:txBody>
+                    <a:bodyPr/>
+                    <a:lstStyle/>
+                    <a:p>
+                      <a:pPr algn="ctr"/>
+                      <a:endParaRPr lang="zh-TW" altLang="en-US" sz="1400"/>
+                    </a:p>
+                  </a:txBody>
+                  <a:tcPr anchor="ctr"/>
+                </a:tc>
+                <a:tc>
+                  <a:txBody>
+                    <a:bodyPr/>
+                    <a:lstStyle/>
+                    <a:p>
+                      <a:pPr algn="ctr"/>
+                      <a:endParaRPr lang="zh-TW" altLang="en-US" sz="1400"/>
+                    </a:p>
+                  </a:txBody>
+                  <a:tcPr anchor="ctr"/>
+                </a:tc>
+                <a:tc>
+                  <a:txBody>
+                    <a:bodyPr/>
+                    <a:lstStyle/>
+                    <a:p>
+                      <a:pPr algn="ctr"/>
+                      <a:r>
+                        <a:rPr lang="en-US" altLang="zh-TW" sz="1400"/>
+                        <a:t>0.5</a:t>
+                      </a:r>
+                      <a:endParaRPr lang="zh-TW" altLang="en-US" sz="1400"/>
+                    </a:p>
+                  </a:txBody>
+                  <a:tcPr anchor="ctr"/>
+                </a:tc>
+                <a:tc>
+                  <a:txBody>
+                    <a:bodyPr/>
+                    <a:lstStyle/>
+                    <a:p>
+                      <a:pPr algn="ctr"/>
+                      <a:endParaRPr lang="zh-TW" altLang="en-US" sz="1400"/>
+                    </a:p>
+                  </a:txBody>
+                  <a:tcPr anchor="ctr"/>
+                </a:tc>
+                <a:tc>
+                  <a:txBody>
+                    <a:bodyPr/>
+                    <a:lstStyle/>
+                    <a:p>
+                      <a:pPr algn="ctr"/>
+                      <a:r>
+                        <a:rPr lang="en-US" altLang="zh-TW" sz="1400"/>
+                        <a:t>1.0</a:t>
+                      </a:r>
+                      <a:endParaRPr lang="zh-TW" altLang="en-US" sz="1400"/>
+                    </a:p>
+                  </a:txBody>
+                  <a:tcPr anchor="ctr"/>
+                </a:tc>
+                <a:tc>
+                  <a:txBody>
+                    <a:bodyPr/>
+                    <a:lstStyle/>
+                    <a:p>
+                      <a:pPr algn="ctr"/>
+                      <a:r>
+                        <a:rPr lang="en-US" altLang="zh-TW" sz="1400"/>
+                        <a:t>t</a:t>
+                      </a:r>
+                      <a:endParaRPr lang="zh-TW" altLang="en-US" sz="1400"/>
+                    </a:p>
+                  </a:txBody>
+                  <a:tcPr anchor="ctr"/>
+                </a:tc>
+                <a:extLst>
+                  <a:ext uri="{0D108BD9-81ED-4DB2-BD59-A6C34878D82A}">
+                    <a16:rowId xmlns:a16="http://schemas.microsoft.com/office/drawing/2014/main" val="3533894911"/>
+                  </a:ext>
+                </a:extLst>
+              </a:tr>
+              <a:tr h="370840">
+                <a:tc>
+                  <a:txBody>
+                    <a:bodyPr/>
+                    <a:lstStyle/>
+                    <a:p>
+                      <a:pPr algn="ctr"/>
+                      <a:r>
+                        <a:rPr lang="en-US" altLang="zh-TW"/>
+                        <a:t>Outdoor</a:t>
+                      </a:r>
+                      <a:endParaRPr lang="zh-TW" altLang="en-US"/>
+                    </a:p>
+                  </a:txBody>
+                  <a:tcPr anchor="ctr"/>
+                </a:tc>
+                <a:tc>
+                  <a:txBody>
+                    <a:bodyPr/>
+                    <a:lstStyle/>
+                    <a:p>
+                      <a:pPr algn="ctr"/>
+                      <a:endParaRPr lang="zh-TW" altLang="en-US" sz="1400"/>
+                    </a:p>
+                  </a:txBody>
+                  <a:tcPr anchor="ctr"/>
+                </a:tc>
+                <a:tc>
+                  <a:txBody>
+                    <a:bodyPr/>
+                    <a:lstStyle/>
+                    <a:p>
+                      <a:pPr algn="ctr"/>
+                      <a:endParaRPr lang="zh-TW" altLang="en-US" sz="1400"/>
+                    </a:p>
+                  </a:txBody>
+                  <a:tcPr anchor="ctr"/>
+                </a:tc>
+                <a:tc>
+                  <a:txBody>
+                    <a:bodyPr/>
+                    <a:lstStyle/>
+                    <a:p>
+                      <a:pPr algn="ctr"/>
+                      <a:r>
+                        <a:rPr lang="en-US" altLang="zh-TW" sz="1400"/>
+                        <a:t>45.45</a:t>
+                      </a:r>
+                      <a:endParaRPr lang="zh-TW" altLang="en-US" sz="1400"/>
+                    </a:p>
+                  </a:txBody>
+                  <a:tcPr anchor="ctr"/>
+                </a:tc>
+                <a:tc>
+                  <a:txBody>
+                    <a:bodyPr/>
+                    <a:lstStyle/>
+                    <a:p>
+                      <a:pPr algn="ctr"/>
+                      <a:r>
+                        <a:rPr lang="en-US" altLang="zh-TW" sz="1400"/>
+                        <a:t>45.44</a:t>
+                      </a:r>
+                      <a:endParaRPr lang="zh-TW" altLang="en-US" sz="1400"/>
+                    </a:p>
+                  </a:txBody>
+                  <a:tcPr anchor="ctr"/>
+                </a:tc>
+                <a:tc>
+                  <a:txBody>
+                    <a:bodyPr/>
+                    <a:lstStyle/>
+                    <a:p>
+                      <a:pPr algn="ctr"/>
+                      <a:endParaRPr lang="zh-TW" altLang="en-US" sz="1400"/>
+                    </a:p>
+                  </a:txBody>
+                  <a:tcPr anchor="ctr"/>
+                </a:tc>
+                <a:tc>
+                  <a:txBody>
+                    <a:bodyPr/>
+                    <a:lstStyle/>
+                    <a:p>
+                      <a:pPr algn="ctr"/>
+                      <a:endParaRPr lang="zh-TW" altLang="en-US" sz="1400"/>
+                    </a:p>
+                  </a:txBody>
+                  <a:tcPr anchor="ctr"/>
+                </a:tc>
+                <a:tc>
+                  <a:txBody>
+                    <a:bodyPr/>
+                    <a:lstStyle/>
+                    <a:p>
+                      <a:pPr algn="ctr"/>
+                      <a:r>
+                        <a:rPr lang="en-US" altLang="zh-TW" sz="1400"/>
+                        <a:t>45.349</a:t>
+                      </a:r>
+                      <a:endParaRPr lang="zh-TW" altLang="en-US" sz="1400"/>
+                    </a:p>
+                  </a:txBody>
+                  <a:tcPr anchor="ctr"/>
+                </a:tc>
+                <a:tc>
+                  <a:txBody>
+                    <a:bodyPr/>
+                    <a:lstStyle/>
+                    <a:p>
+                      <a:pPr algn="ctr"/>
+                      <a:endParaRPr lang="zh-TW" altLang="en-US" sz="1400"/>
+                    </a:p>
+                  </a:txBody>
+                  <a:tcPr anchor="ctr"/>
+                </a:tc>
+                <a:tc>
+                  <a:txBody>
+                    <a:bodyPr/>
+                    <a:lstStyle/>
+                    <a:p>
+                      <a:pPr algn="ctr"/>
+                      <a:r>
+                        <a:rPr lang="en-US" altLang="zh-TW" sz="1400"/>
+                        <a:t>44.69</a:t>
+                      </a:r>
+                      <a:endParaRPr lang="zh-TW" altLang="en-US" sz="1400"/>
+                    </a:p>
+                  </a:txBody>
+                  <a:tcPr anchor="ctr"/>
+                </a:tc>
+                <a:tc>
+                  <a:txBody>
+                    <a:bodyPr/>
+                    <a:lstStyle/>
+                    <a:p>
+                      <a:pPr algn="ctr"/>
+                      <a:r>
+                        <a:rPr lang="en-US" altLang="zh-TW" sz="1400"/>
+                        <a:t>20.97</a:t>
+                      </a:r>
+                      <a:endParaRPr lang="zh-TW" altLang="en-US" sz="1400"/>
+                    </a:p>
+                  </a:txBody>
+                  <a:tcPr anchor="ctr"/>
+                </a:tc>
+                <a:extLst>
+                  <a:ext uri="{0D108BD9-81ED-4DB2-BD59-A6C34878D82A}">
+                    <a16:rowId xmlns:a16="http://schemas.microsoft.com/office/drawing/2014/main" val="734049794"/>
+                  </a:ext>
+                </a:extLst>
+              </a:tr>
+              <a:tr h="370840">
+                <a:tc>
+                  <a:txBody>
+                    <a:bodyPr/>
+                    <a:lstStyle/>
+                    <a:p>
+                      <a:pPr algn="ctr"/>
+                      <a:r>
+                        <a:rPr lang="en-US" altLang="zh-TW"/>
+                        <a:t>Hallway</a:t>
+                      </a:r>
+                      <a:endParaRPr lang="zh-TW" altLang="en-US"/>
+                    </a:p>
+                  </a:txBody>
+                  <a:tcPr anchor="ctr"/>
+                </a:tc>
+                <a:tc>
+                  <a:txBody>
+                    <a:bodyPr/>
+                    <a:lstStyle/>
+                    <a:p>
+                      <a:pPr algn="ctr"/>
+                      <a:endParaRPr lang="zh-TW" altLang="en-US" sz="1400"/>
+                    </a:p>
+                  </a:txBody>
+                  <a:tcPr anchor="ctr"/>
+                </a:tc>
+                <a:tc>
+                  <a:txBody>
+                    <a:bodyPr/>
+                    <a:lstStyle/>
+                    <a:p>
+                      <a:pPr algn="ctr"/>
+                      <a:endParaRPr lang="zh-TW" altLang="en-US" sz="1400"/>
+                    </a:p>
+                  </a:txBody>
+                  <a:tcPr anchor="ctr"/>
+                </a:tc>
+                <a:tc>
+                  <a:txBody>
+                    <a:bodyPr/>
+                    <a:lstStyle/>
+                    <a:p>
+                      <a:pPr algn="ctr"/>
+                      <a:r>
+                        <a:rPr lang="en-US" altLang="zh-TW" sz="1400"/>
+                        <a:t>67.36</a:t>
+                      </a:r>
+                      <a:endParaRPr lang="zh-TW" altLang="en-US" sz="1400"/>
+                    </a:p>
+                  </a:txBody>
+                  <a:tcPr anchor="ctr"/>
+                </a:tc>
+                <a:tc>
+                  <a:txBody>
+                    <a:bodyPr/>
+                    <a:lstStyle/>
+                    <a:p>
+                      <a:pPr algn="ctr"/>
+                      <a:r>
+                        <a:rPr lang="en-US" altLang="zh-TW" sz="1400"/>
+                        <a:t>67.36</a:t>
+                      </a:r>
+                      <a:endParaRPr lang="zh-TW" altLang="en-US" sz="1400"/>
+                    </a:p>
+                  </a:txBody>
+                  <a:tcPr anchor="ctr"/>
+                </a:tc>
+                <a:tc>
+                  <a:txBody>
+                    <a:bodyPr/>
+                    <a:lstStyle/>
+                    <a:p>
+                      <a:pPr algn="ctr"/>
+                      <a:endParaRPr lang="zh-TW" altLang="en-US" sz="1400"/>
+                    </a:p>
+                  </a:txBody>
+                  <a:tcPr anchor="ctr"/>
+                </a:tc>
+                <a:tc>
+                  <a:txBody>
+                    <a:bodyPr/>
+                    <a:lstStyle/>
+                    <a:p>
+                      <a:pPr algn="ctr"/>
+                      <a:endParaRPr lang="zh-TW" altLang="en-US" sz="1400"/>
+                    </a:p>
+                  </a:txBody>
+                  <a:tcPr anchor="ctr"/>
+                </a:tc>
+                <a:tc>
+                  <a:txBody>
+                    <a:bodyPr/>
+                    <a:lstStyle/>
+                    <a:p>
+                      <a:pPr algn="ctr"/>
+                      <a:r>
+                        <a:rPr lang="en-US" altLang="zh-TW" sz="1400"/>
+                        <a:t>67.36</a:t>
+                      </a:r>
+                      <a:endParaRPr lang="zh-TW" altLang="en-US" sz="1400"/>
+                    </a:p>
+                  </a:txBody>
+                  <a:tcPr anchor="ctr"/>
+                </a:tc>
+                <a:tc>
+                  <a:txBody>
+                    <a:bodyPr/>
+                    <a:lstStyle/>
+                    <a:p>
+                      <a:pPr algn="ctr"/>
+                      <a:endParaRPr lang="zh-TW" altLang="en-US" sz="1400"/>
+                    </a:p>
+                  </a:txBody>
+                  <a:tcPr anchor="ctr"/>
+                </a:tc>
+                <a:tc>
+                  <a:txBody>
+                    <a:bodyPr/>
+                    <a:lstStyle/>
+                    <a:p>
+                      <a:pPr algn="ctr"/>
+                      <a:r>
+                        <a:rPr lang="en-US" altLang="zh-TW" sz="1400"/>
+                        <a:t>67.28</a:t>
+                      </a:r>
+                      <a:endParaRPr lang="zh-TW" altLang="en-US" sz="1400"/>
+                    </a:p>
+                  </a:txBody>
+                  <a:tcPr anchor="ctr"/>
+                </a:tc>
+                <a:tc>
+                  <a:txBody>
+                    <a:bodyPr/>
+                    <a:lstStyle/>
+                    <a:p>
+                      <a:pPr algn="ctr"/>
+                      <a:r>
+                        <a:rPr lang="en-US" altLang="zh-TW" sz="1400"/>
+                        <a:t>49.37</a:t>
+                      </a:r>
+                      <a:endParaRPr lang="zh-TW" altLang="en-US" sz="1400"/>
+                    </a:p>
+                  </a:txBody>
+                  <a:tcPr anchor="ctr"/>
+                </a:tc>
+                <a:extLst>
+                  <a:ext uri="{0D108BD9-81ED-4DB2-BD59-A6C34878D82A}">
+                    <a16:rowId xmlns:a16="http://schemas.microsoft.com/office/drawing/2014/main" val="1449638021"/>
+                  </a:ext>
+                </a:extLst>
+              </a:tr>
+              <a:tr h="370840">
+                <a:tc>
+                  <a:txBody>
+                    <a:bodyPr/>
+                    <a:lstStyle/>
+                    <a:p>
+                      <a:pPr algn="ctr"/>
+                      <a:r>
+                        <a:rPr lang="en-US" altLang="zh-TW"/>
+                        <a:t>Room to H</a:t>
+                      </a:r>
+                      <a:endParaRPr lang="zh-TW" altLang="en-US"/>
+                    </a:p>
+                  </a:txBody>
+                  <a:tcPr anchor="ctr"/>
+                </a:tc>
+                <a:tc>
+                  <a:txBody>
+                    <a:bodyPr/>
+                    <a:lstStyle/>
+                    <a:p>
+                      <a:pPr algn="ctr"/>
+                      <a:endParaRPr lang="zh-TW" altLang="en-US" sz="1400"/>
+                    </a:p>
+                  </a:txBody>
+                  <a:tcPr anchor="ctr"/>
+                </a:tc>
+                <a:tc>
+                  <a:txBody>
+                    <a:bodyPr/>
+                    <a:lstStyle/>
+                    <a:p>
+                      <a:pPr algn="ctr"/>
+                      <a:endParaRPr lang="zh-TW" altLang="en-US" sz="1400"/>
+                    </a:p>
+                  </a:txBody>
+                  <a:tcPr anchor="ctr"/>
+                </a:tc>
+                <a:tc>
+                  <a:txBody>
+                    <a:bodyPr/>
+                    <a:lstStyle/>
+                    <a:p>
+                      <a:pPr algn="ctr"/>
+                      <a:r>
+                        <a:rPr lang="en-US" altLang="zh-TW" sz="1400"/>
+                        <a:t>57.49</a:t>
+                      </a:r>
+                      <a:endParaRPr lang="zh-TW" altLang="en-US" sz="1400"/>
+                    </a:p>
+                  </a:txBody>
+                  <a:tcPr anchor="ctr"/>
+                </a:tc>
+                <a:tc>
+                  <a:txBody>
+                    <a:bodyPr/>
+                    <a:lstStyle/>
+                    <a:p>
+                      <a:pPr algn="ctr"/>
+                      <a:r>
+                        <a:rPr lang="en-US" altLang="zh-TW" sz="1400"/>
+                        <a:t>56.651</a:t>
+                      </a:r>
+                      <a:endParaRPr lang="zh-TW" altLang="en-US" sz="1400"/>
+                    </a:p>
+                  </a:txBody>
+                  <a:tcPr anchor="ctr"/>
+                </a:tc>
+                <a:tc>
+                  <a:txBody>
+                    <a:bodyPr/>
+                    <a:lstStyle/>
+                    <a:p>
+                      <a:pPr algn="ctr"/>
+                      <a:endParaRPr lang="zh-TW" altLang="en-US" sz="1400"/>
+                    </a:p>
+                  </a:txBody>
+                  <a:tcPr anchor="ctr"/>
+                </a:tc>
+                <a:tc>
+                  <a:txBody>
+                    <a:bodyPr/>
+                    <a:lstStyle/>
+                    <a:p>
+                      <a:pPr algn="ctr"/>
+                      <a:endParaRPr lang="zh-TW" altLang="en-US" sz="1400"/>
+                    </a:p>
+                  </a:txBody>
+                  <a:tcPr anchor="ctr"/>
+                </a:tc>
+                <a:tc>
+                  <a:txBody>
+                    <a:bodyPr/>
+                    <a:lstStyle/>
+                    <a:p>
+                      <a:pPr algn="ctr"/>
+                      <a:r>
+                        <a:rPr lang="en-US" altLang="zh-TW" sz="1400"/>
+                        <a:t>51.41</a:t>
+                      </a:r>
+                      <a:endParaRPr lang="zh-TW" altLang="en-US" sz="1400"/>
+                    </a:p>
+                  </a:txBody>
+                  <a:tcPr anchor="ctr"/>
+                </a:tc>
+                <a:tc>
+                  <a:txBody>
+                    <a:bodyPr/>
+                    <a:lstStyle/>
+                    <a:p>
+                      <a:pPr algn="ctr"/>
+                      <a:endParaRPr lang="zh-TW" altLang="en-US" sz="1400"/>
+                    </a:p>
+                  </a:txBody>
+                  <a:tcPr anchor="ctr"/>
+                </a:tc>
+                <a:tc>
+                  <a:txBody>
+                    <a:bodyPr/>
+                    <a:lstStyle/>
+                    <a:p>
+                      <a:pPr algn="ctr"/>
+                      <a:r>
+                        <a:rPr lang="en-US" altLang="zh-TW" sz="1400"/>
+                        <a:t>50.59</a:t>
+                      </a:r>
+                      <a:endParaRPr lang="zh-TW" altLang="en-US" sz="1400"/>
+                    </a:p>
+                  </a:txBody>
+                  <a:tcPr anchor="ctr"/>
+                </a:tc>
+                <a:tc>
+                  <a:txBody>
+                    <a:bodyPr/>
+                    <a:lstStyle/>
+                    <a:p>
+                      <a:pPr algn="ctr"/>
+                      <a:r>
+                        <a:rPr lang="en-US" altLang="zh-TW" sz="1400"/>
+                        <a:t>50.59</a:t>
+                      </a:r>
+                      <a:endParaRPr lang="zh-TW" altLang="en-US" sz="1400"/>
+                    </a:p>
+                  </a:txBody>
+                  <a:tcPr anchor="ctr"/>
+                </a:tc>
+                <a:extLst>
+                  <a:ext uri="{0D108BD9-81ED-4DB2-BD59-A6C34878D82A}">
+                    <a16:rowId xmlns:a16="http://schemas.microsoft.com/office/drawing/2014/main" val="965997554"/>
+                  </a:ext>
+                </a:extLst>
+              </a:tr>
+            </a:tbl>
+          </a:graphicData>
+        </a:graphic>
+      </p:graphicFrame>
+    </p:spTree>
+    <p:extLst>
+      <p:ext uri="{BB962C8B-B14F-4D97-AF65-F5344CB8AC3E}">
+        <p14:creationId xmlns:p14="http://schemas.microsoft.com/office/powerpoint/2010/main" val="1813894146"/>
+      </p:ext>
+    </p:extLst>
+  </p:cSld>
+  <p:clrMapOvr>
+    <a:masterClrMapping/>
+  </p:clrMapOvr>
+</p:sld>
+</file>
+
 <file path=ppt/slides/slide2.xml><?xml version="1.0" encoding="utf-8"?>
 <p:sld xmlns:a="http://schemas.openxmlformats.org/drawingml/2006/main" xmlns:r="http://schemas.openxmlformats.org/officeDocument/2006/relationships" xmlns:p="http://schemas.openxmlformats.org/presentationml/2006/main">
   <p:cSld>
@@ -23750,10 +25009,10 @@
       </p:grpSpPr>
       <p:sp>
         <p:nvSpPr>
-          <p:cNvPr id="4" name="Rectangle: Rounded Corners 3">
+          <p:cNvPr id="37" name="矩形 36">
             <a:extLst>
               <a:ext uri="{FF2B5EF4-FFF2-40B4-BE49-F238E27FC236}">
-                <a16:creationId xmlns:a16="http://schemas.microsoft.com/office/drawing/2014/main" id="{0529DAC7-D153-B502-FD22-F84ECEC1B68A}"/>
+                <a16:creationId xmlns:a16="http://schemas.microsoft.com/office/drawing/2014/main" id="{6803656E-9F8A-5D70-7C8D-06E750A0B59F}"/>
               </a:ext>
             </a:extLst>
           </p:cNvPr>
@@ -23762,12 +25021,21 @@
         </p:nvSpPr>
         <p:spPr>
           <a:xfrm>
-            <a:off x="239843" y="209863"/>
-            <a:ext cx="689547" cy="277318"/>
-          </a:xfrm>
-          <a:prstGeom prst="roundRect">
+            <a:off x="1896338" y="1557885"/>
+            <a:ext cx="166101" cy="3030157"/>
+          </a:xfrm>
+          <a:prstGeom prst="rect">
             <a:avLst/>
           </a:prstGeom>
+          <a:solidFill>
+            <a:schemeClr val="bg1">
+              <a:lumMod val="65000"/>
+              <a:lumOff val="35000"/>
+            </a:schemeClr>
+          </a:solidFill>
+          <a:ln>
+            <a:noFill/>
+          </a:ln>
         </p:spPr>
         <p:style>
           <a:lnRef idx="2">
@@ -23790,6 +25058,327 @@
           <a:lstStyle/>
           <a:p>
             <a:pPr algn="ctr"/>
+            <a:endParaRPr lang="zh-TW" altLang="en-US"/>
+          </a:p>
+        </p:txBody>
+      </p:sp>
+      <p:sp>
+        <p:nvSpPr>
+          <p:cNvPr id="38" name="矩形 37">
+            <a:extLst>
+              <a:ext uri="{FF2B5EF4-FFF2-40B4-BE49-F238E27FC236}">
+                <a16:creationId xmlns:a16="http://schemas.microsoft.com/office/drawing/2014/main" id="{392DF365-048E-77BB-DD3E-FFEE57B36C0E}"/>
+              </a:ext>
+            </a:extLst>
+          </p:cNvPr>
+          <p:cNvSpPr/>
+          <p:nvPr/>
+        </p:nvSpPr>
+        <p:spPr>
+          <a:xfrm>
+            <a:off x="2516930" y="2343519"/>
+            <a:ext cx="166101" cy="2244523"/>
+          </a:xfrm>
+          <a:prstGeom prst="rect">
+            <a:avLst/>
+          </a:prstGeom>
+          <a:solidFill>
+            <a:schemeClr val="bg1">
+              <a:lumMod val="65000"/>
+              <a:lumOff val="35000"/>
+            </a:schemeClr>
+          </a:solidFill>
+          <a:ln>
+            <a:noFill/>
+          </a:ln>
+        </p:spPr>
+        <p:style>
+          <a:lnRef idx="2">
+            <a:schemeClr val="accent1">
+              <a:shade val="15000"/>
+            </a:schemeClr>
+          </a:lnRef>
+          <a:fillRef idx="1">
+            <a:schemeClr val="accent1"/>
+          </a:fillRef>
+          <a:effectRef idx="0">
+            <a:schemeClr val="accent1"/>
+          </a:effectRef>
+          <a:fontRef idx="minor">
+            <a:schemeClr val="lt1"/>
+          </a:fontRef>
+        </p:style>
+        <p:txBody>
+          <a:bodyPr rtlCol="0" anchor="ctr"/>
+          <a:lstStyle/>
+          <a:p>
+            <a:pPr algn="ctr"/>
+            <a:endParaRPr lang="zh-TW" altLang="en-US"/>
+          </a:p>
+        </p:txBody>
+      </p:sp>
+      <p:sp>
+        <p:nvSpPr>
+          <p:cNvPr id="39" name="矩形 38">
+            <a:extLst>
+              <a:ext uri="{FF2B5EF4-FFF2-40B4-BE49-F238E27FC236}">
+                <a16:creationId xmlns:a16="http://schemas.microsoft.com/office/drawing/2014/main" id="{B7CCE384-33D1-6F89-CF3A-D0D6F285BCCB}"/>
+              </a:ext>
+            </a:extLst>
+          </p:cNvPr>
+          <p:cNvSpPr/>
+          <p:nvPr/>
+        </p:nvSpPr>
+        <p:spPr>
+          <a:xfrm>
+            <a:off x="2891394" y="3384024"/>
+            <a:ext cx="166101" cy="1204018"/>
+          </a:xfrm>
+          <a:prstGeom prst="rect">
+            <a:avLst/>
+          </a:prstGeom>
+          <a:solidFill>
+            <a:schemeClr val="bg1">
+              <a:lumMod val="65000"/>
+              <a:lumOff val="35000"/>
+            </a:schemeClr>
+          </a:solidFill>
+          <a:ln>
+            <a:noFill/>
+          </a:ln>
+        </p:spPr>
+        <p:style>
+          <a:lnRef idx="2">
+            <a:schemeClr val="accent1">
+              <a:shade val="15000"/>
+            </a:schemeClr>
+          </a:lnRef>
+          <a:fillRef idx="1">
+            <a:schemeClr val="accent1"/>
+          </a:fillRef>
+          <a:effectRef idx="0">
+            <a:schemeClr val="accent1"/>
+          </a:effectRef>
+          <a:fontRef idx="minor">
+            <a:schemeClr val="lt1"/>
+          </a:fontRef>
+        </p:style>
+        <p:txBody>
+          <a:bodyPr rtlCol="0" anchor="ctr"/>
+          <a:lstStyle/>
+          <a:p>
+            <a:pPr algn="ctr"/>
+            <a:endParaRPr lang="zh-TW" altLang="en-US"/>
+          </a:p>
+        </p:txBody>
+      </p:sp>
+      <p:sp>
+        <p:nvSpPr>
+          <p:cNvPr id="40" name="矩形 39">
+            <a:extLst>
+              <a:ext uri="{FF2B5EF4-FFF2-40B4-BE49-F238E27FC236}">
+                <a16:creationId xmlns:a16="http://schemas.microsoft.com/office/drawing/2014/main" id="{2D951286-7AFA-1815-005D-1F84C902B9E5}"/>
+              </a:ext>
+            </a:extLst>
+          </p:cNvPr>
+          <p:cNvSpPr/>
+          <p:nvPr/>
+        </p:nvSpPr>
+        <p:spPr>
+          <a:xfrm>
+            <a:off x="1650210" y="1819103"/>
+            <a:ext cx="166101" cy="2768939"/>
+          </a:xfrm>
+          <a:prstGeom prst="rect">
+            <a:avLst/>
+          </a:prstGeom>
+          <a:solidFill>
+            <a:schemeClr val="bg1">
+              <a:lumMod val="65000"/>
+              <a:lumOff val="35000"/>
+            </a:schemeClr>
+          </a:solidFill>
+          <a:ln>
+            <a:noFill/>
+          </a:ln>
+        </p:spPr>
+        <p:style>
+          <a:lnRef idx="2">
+            <a:schemeClr val="accent1">
+              <a:shade val="15000"/>
+            </a:schemeClr>
+          </a:lnRef>
+          <a:fillRef idx="1">
+            <a:schemeClr val="accent1"/>
+          </a:fillRef>
+          <a:effectRef idx="0">
+            <a:schemeClr val="accent1"/>
+          </a:effectRef>
+          <a:fontRef idx="minor">
+            <a:schemeClr val="lt1"/>
+          </a:fontRef>
+        </p:style>
+        <p:txBody>
+          <a:bodyPr rtlCol="0" anchor="ctr"/>
+          <a:lstStyle/>
+          <a:p>
+            <a:pPr algn="ctr"/>
+            <a:endParaRPr lang="zh-TW" altLang="en-US"/>
+          </a:p>
+        </p:txBody>
+      </p:sp>
+      <p:sp>
+        <p:nvSpPr>
+          <p:cNvPr id="41" name="矩形 40">
+            <a:extLst>
+              <a:ext uri="{FF2B5EF4-FFF2-40B4-BE49-F238E27FC236}">
+                <a16:creationId xmlns:a16="http://schemas.microsoft.com/office/drawing/2014/main" id="{553ED62F-EDA8-49E5-8A70-18E0820D1C00}"/>
+              </a:ext>
+            </a:extLst>
+          </p:cNvPr>
+          <p:cNvSpPr/>
+          <p:nvPr/>
+        </p:nvSpPr>
+        <p:spPr>
+          <a:xfrm>
+            <a:off x="2270802" y="2601565"/>
+            <a:ext cx="166101" cy="1986477"/>
+          </a:xfrm>
+          <a:prstGeom prst="rect">
+            <a:avLst/>
+          </a:prstGeom>
+          <a:solidFill>
+            <a:schemeClr val="bg1">
+              <a:lumMod val="65000"/>
+              <a:lumOff val="35000"/>
+            </a:schemeClr>
+          </a:solidFill>
+          <a:ln>
+            <a:noFill/>
+          </a:ln>
+        </p:spPr>
+        <p:style>
+          <a:lnRef idx="2">
+            <a:schemeClr val="accent1">
+              <a:shade val="15000"/>
+            </a:schemeClr>
+          </a:lnRef>
+          <a:fillRef idx="1">
+            <a:schemeClr val="accent1"/>
+          </a:fillRef>
+          <a:effectRef idx="0">
+            <a:schemeClr val="accent1"/>
+          </a:effectRef>
+          <a:fontRef idx="minor">
+            <a:schemeClr val="lt1"/>
+          </a:fontRef>
+        </p:style>
+        <p:txBody>
+          <a:bodyPr rtlCol="0" anchor="ctr"/>
+          <a:lstStyle/>
+          <a:p>
+            <a:pPr algn="ctr"/>
+            <a:endParaRPr lang="zh-TW" altLang="en-US"/>
+          </a:p>
+        </p:txBody>
+      </p:sp>
+      <p:sp>
+        <p:nvSpPr>
+          <p:cNvPr id="42" name="矩形 41">
+            <a:extLst>
+              <a:ext uri="{FF2B5EF4-FFF2-40B4-BE49-F238E27FC236}">
+                <a16:creationId xmlns:a16="http://schemas.microsoft.com/office/drawing/2014/main" id="{027E23E7-E84D-E40E-FBF0-C5A939302C31}"/>
+              </a:ext>
+            </a:extLst>
+          </p:cNvPr>
+          <p:cNvSpPr/>
+          <p:nvPr/>
+        </p:nvSpPr>
+        <p:spPr>
+          <a:xfrm>
+            <a:off x="3137523" y="3109332"/>
+            <a:ext cx="166101" cy="1478710"/>
+          </a:xfrm>
+          <a:prstGeom prst="rect">
+            <a:avLst/>
+          </a:prstGeom>
+          <a:solidFill>
+            <a:schemeClr val="bg1">
+              <a:lumMod val="65000"/>
+              <a:lumOff val="35000"/>
+            </a:schemeClr>
+          </a:solidFill>
+          <a:ln>
+            <a:noFill/>
+          </a:ln>
+        </p:spPr>
+        <p:style>
+          <a:lnRef idx="2">
+            <a:schemeClr val="accent1">
+              <a:shade val="15000"/>
+            </a:schemeClr>
+          </a:lnRef>
+          <a:fillRef idx="1">
+            <a:schemeClr val="accent1"/>
+          </a:fillRef>
+          <a:effectRef idx="0">
+            <a:schemeClr val="accent1"/>
+          </a:effectRef>
+          <a:fontRef idx="minor">
+            <a:schemeClr val="lt1"/>
+          </a:fontRef>
+        </p:style>
+        <p:txBody>
+          <a:bodyPr rtlCol="0" anchor="ctr"/>
+          <a:lstStyle/>
+          <a:p>
+            <a:pPr algn="ctr"/>
+            <a:endParaRPr lang="zh-TW" altLang="en-US"/>
+          </a:p>
+        </p:txBody>
+      </p:sp>
+      <p:sp>
+        <p:nvSpPr>
+          <p:cNvPr id="4" name="Rectangle: Rounded Corners 3">
+            <a:extLst>
+              <a:ext uri="{FF2B5EF4-FFF2-40B4-BE49-F238E27FC236}">
+                <a16:creationId xmlns:a16="http://schemas.microsoft.com/office/drawing/2014/main" id="{0529DAC7-D153-B502-FD22-F84ECEC1B68A}"/>
+              </a:ext>
+            </a:extLst>
+          </p:cNvPr>
+          <p:cNvSpPr/>
+          <p:nvPr/>
+        </p:nvSpPr>
+        <p:spPr>
+          <a:xfrm>
+            <a:off x="239843" y="209863"/>
+            <a:ext cx="689547" cy="277318"/>
+          </a:xfrm>
+          <a:prstGeom prst="roundRect">
+            <a:avLst/>
+          </a:prstGeom>
+        </p:spPr>
+        <p:style>
+          <a:lnRef idx="2">
+            <a:schemeClr val="accent1">
+              <a:shade val="15000"/>
+            </a:schemeClr>
+          </a:lnRef>
+          <a:fillRef idx="1">
+            <a:schemeClr val="accent1"/>
+          </a:fillRef>
+          <a:effectRef idx="0">
+            <a:schemeClr val="accent1"/>
+          </a:effectRef>
+          <a:fontRef idx="minor">
+            <a:schemeClr val="lt1"/>
+          </a:fontRef>
+        </p:style>
+        <p:txBody>
+          <a:bodyPr rtlCol="0" anchor="ctr"/>
+          <a:lstStyle/>
+          <a:p>
+            <a:pPr algn="ctr"/>
             <a:endParaRPr lang="en-US" sz="1000">
               <a:latin typeface="Consolas" panose="020B0609020204030204" pitchFamily="49" charset="0"/>
             </a:endParaRPr>
@@ -24188,8 +25777,8 @@
         </p:nvSpPr>
         <p:spPr>
           <a:xfrm>
-            <a:off x="8295986" y="209863"/>
-            <a:ext cx="689547" cy="277318"/>
+            <a:off x="4487302" y="2175892"/>
+            <a:ext cx="5968414" cy="2275785"/>
           </a:xfrm>
           <a:prstGeom prst="roundRect">
             <a:avLst/>
@@ -24347,6 +25936,1267 @@
               </a:rPr>
               <a:t>text</a:t>
             </a:r>
+          </a:p>
+        </p:txBody>
+      </p:sp>
+      <p:sp>
+        <p:nvSpPr>
+          <p:cNvPr id="3" name="矩形 2">
+            <a:extLst>
+              <a:ext uri="{FF2B5EF4-FFF2-40B4-BE49-F238E27FC236}">
+                <a16:creationId xmlns:a16="http://schemas.microsoft.com/office/drawing/2014/main" id="{999F973B-D1FC-0D3E-23B3-A23D9CF40F0F}"/>
+              </a:ext>
+            </a:extLst>
+          </p:cNvPr>
+          <p:cNvSpPr/>
+          <p:nvPr/>
+        </p:nvSpPr>
+        <p:spPr>
+          <a:xfrm>
+            <a:off x="1982412" y="1668181"/>
+            <a:ext cx="160055" cy="2919861"/>
+          </a:xfrm>
+          <a:prstGeom prst="rect">
+            <a:avLst/>
+          </a:prstGeom>
+          <a:solidFill>
+            <a:schemeClr val="tx1">
+              <a:lumMod val="75000"/>
+            </a:schemeClr>
+          </a:solidFill>
+          <a:ln>
+            <a:noFill/>
+          </a:ln>
+        </p:spPr>
+        <p:style>
+          <a:lnRef idx="2">
+            <a:schemeClr val="accent1">
+              <a:shade val="15000"/>
+            </a:schemeClr>
+          </a:lnRef>
+          <a:fillRef idx="1">
+            <a:schemeClr val="accent1"/>
+          </a:fillRef>
+          <a:effectRef idx="0">
+            <a:schemeClr val="accent1"/>
+          </a:effectRef>
+          <a:fontRef idx="minor">
+            <a:schemeClr val="lt1"/>
+          </a:fontRef>
+        </p:style>
+        <p:txBody>
+          <a:bodyPr rtlCol="0" anchor="ctr"/>
+          <a:lstStyle/>
+          <a:p>
+            <a:pPr algn="ctr"/>
+            <a:endParaRPr lang="zh-TW" altLang="en-US"/>
+          </a:p>
+        </p:txBody>
+      </p:sp>
+      <p:sp>
+        <p:nvSpPr>
+          <p:cNvPr id="10" name="TextBox 21">
+            <a:extLst>
+              <a:ext uri="{FF2B5EF4-FFF2-40B4-BE49-F238E27FC236}">
+                <a16:creationId xmlns:a16="http://schemas.microsoft.com/office/drawing/2014/main" id="{5AF99158-6C92-584F-749A-8821B8668745}"/>
+              </a:ext>
+            </a:extLst>
+          </p:cNvPr>
+          <p:cNvSpPr txBox="1"/>
+          <p:nvPr/>
+        </p:nvSpPr>
+        <p:spPr>
+          <a:xfrm>
+            <a:off x="2087155" y="4786269"/>
+            <a:ext cx="689547" cy="246221"/>
+          </a:xfrm>
+          <a:prstGeom prst="rect">
+            <a:avLst/>
+          </a:prstGeom>
+          <a:noFill/>
+        </p:spPr>
+        <p:txBody>
+          <a:bodyPr wrap="square" rtlCol="0">
+            <a:spAutoFit/>
+          </a:bodyPr>
+          <a:lstStyle/>
+          <a:p>
+            <a:pPr algn="ctr" defTabSz="182880"/>
+            <a:r>
+              <a:rPr lang="en-US" sz="1000">
+                <a:latin typeface="Consolas" panose="020B0609020204030204" pitchFamily="49" charset="0"/>
+              </a:rPr>
+              <a:t>-10 dB</a:t>
+            </a:r>
+          </a:p>
+        </p:txBody>
+      </p:sp>
+      <p:sp>
+        <p:nvSpPr>
+          <p:cNvPr id="11" name="TextBox 21">
+            <a:extLst>
+              <a:ext uri="{FF2B5EF4-FFF2-40B4-BE49-F238E27FC236}">
+                <a16:creationId xmlns:a16="http://schemas.microsoft.com/office/drawing/2014/main" id="{94AB4CB3-8817-E3E2-3F2C-600D8C7092B7}"/>
+              </a:ext>
+            </a:extLst>
+          </p:cNvPr>
+          <p:cNvSpPr txBox="1"/>
+          <p:nvPr/>
+        </p:nvSpPr>
+        <p:spPr>
+          <a:xfrm>
+            <a:off x="3812417" y="4786269"/>
+            <a:ext cx="689547" cy="246221"/>
+          </a:xfrm>
+          <a:prstGeom prst="rect">
+            <a:avLst/>
+          </a:prstGeom>
+          <a:noFill/>
+        </p:spPr>
+        <p:txBody>
+          <a:bodyPr wrap="square" rtlCol="0">
+            <a:spAutoFit/>
+          </a:bodyPr>
+          <a:lstStyle/>
+          <a:p>
+            <a:pPr algn="ctr" defTabSz="182880"/>
+            <a:r>
+              <a:rPr lang="en-US" altLang="zh-TW" sz="1000">
+                <a:latin typeface="Consolas" panose="020B0609020204030204" pitchFamily="49" charset="0"/>
+              </a:rPr>
+              <a:t>-5</a:t>
+            </a:r>
+            <a:r>
+              <a:rPr lang="en-US" sz="1000">
+                <a:latin typeface="Consolas" panose="020B0609020204030204" pitchFamily="49" charset="0"/>
+              </a:rPr>
+              <a:t> dB</a:t>
+            </a:r>
+          </a:p>
+        </p:txBody>
+      </p:sp>
+      <p:sp>
+        <p:nvSpPr>
+          <p:cNvPr id="14" name="TextBox 21">
+            <a:extLst>
+              <a:ext uri="{FF2B5EF4-FFF2-40B4-BE49-F238E27FC236}">
+                <a16:creationId xmlns:a16="http://schemas.microsoft.com/office/drawing/2014/main" id="{1394D751-A8E9-7391-1BC8-32C15E5D1605}"/>
+              </a:ext>
+            </a:extLst>
+          </p:cNvPr>
+          <p:cNvSpPr txBox="1"/>
+          <p:nvPr/>
+        </p:nvSpPr>
+        <p:spPr>
+          <a:xfrm>
+            <a:off x="5537679" y="4786269"/>
+            <a:ext cx="689547" cy="246221"/>
+          </a:xfrm>
+          <a:prstGeom prst="rect">
+            <a:avLst/>
+          </a:prstGeom>
+          <a:noFill/>
+        </p:spPr>
+        <p:txBody>
+          <a:bodyPr wrap="square" rtlCol="0">
+            <a:spAutoFit/>
+          </a:bodyPr>
+          <a:lstStyle/>
+          <a:p>
+            <a:pPr algn="ctr" defTabSz="182880"/>
+            <a:r>
+              <a:rPr lang="en-US" sz="1000">
+                <a:latin typeface="Consolas" panose="020B0609020204030204" pitchFamily="49" charset="0"/>
+              </a:rPr>
+              <a:t>0 dB</a:t>
+            </a:r>
+          </a:p>
+        </p:txBody>
+      </p:sp>
+      <p:sp>
+        <p:nvSpPr>
+          <p:cNvPr id="15" name="TextBox 21">
+            <a:extLst>
+              <a:ext uri="{FF2B5EF4-FFF2-40B4-BE49-F238E27FC236}">
+                <a16:creationId xmlns:a16="http://schemas.microsoft.com/office/drawing/2014/main" id="{564CBC53-EF7E-1C46-8DD4-31FBA49350EF}"/>
+              </a:ext>
+            </a:extLst>
+          </p:cNvPr>
+          <p:cNvSpPr txBox="1"/>
+          <p:nvPr/>
+        </p:nvSpPr>
+        <p:spPr>
+          <a:xfrm>
+            <a:off x="7262942" y="4786269"/>
+            <a:ext cx="689547" cy="246221"/>
+          </a:xfrm>
+          <a:prstGeom prst="rect">
+            <a:avLst/>
+          </a:prstGeom>
+          <a:noFill/>
+        </p:spPr>
+        <p:txBody>
+          <a:bodyPr wrap="square" rtlCol="0">
+            <a:spAutoFit/>
+          </a:bodyPr>
+          <a:lstStyle/>
+          <a:p>
+            <a:pPr algn="ctr" defTabSz="182880"/>
+            <a:r>
+              <a:rPr lang="en-US" altLang="zh-TW" sz="1000">
+                <a:latin typeface="Consolas" panose="020B0609020204030204" pitchFamily="49" charset="0"/>
+              </a:rPr>
+              <a:t>5</a:t>
+            </a:r>
+            <a:r>
+              <a:rPr lang="en-US" sz="1000">
+                <a:latin typeface="Consolas" panose="020B0609020204030204" pitchFamily="49" charset="0"/>
+              </a:rPr>
+              <a:t> dB</a:t>
+            </a:r>
+          </a:p>
+        </p:txBody>
+      </p:sp>
+      <p:sp>
+        <p:nvSpPr>
+          <p:cNvPr id="24" name="矩形 23">
+            <a:extLst>
+              <a:ext uri="{FF2B5EF4-FFF2-40B4-BE49-F238E27FC236}">
+                <a16:creationId xmlns:a16="http://schemas.microsoft.com/office/drawing/2014/main" id="{CAD96A29-9D45-4D49-47EA-6345FA74F6F4}"/>
+              </a:ext>
+            </a:extLst>
+          </p:cNvPr>
+          <p:cNvSpPr/>
+          <p:nvPr/>
+        </p:nvSpPr>
+        <p:spPr>
+          <a:xfrm>
+            <a:off x="2603004" y="2425219"/>
+            <a:ext cx="160055" cy="2162823"/>
+          </a:xfrm>
+          <a:prstGeom prst="rect">
+            <a:avLst/>
+          </a:prstGeom>
+          <a:solidFill>
+            <a:schemeClr val="tx1">
+              <a:lumMod val="75000"/>
+            </a:schemeClr>
+          </a:solidFill>
+          <a:ln>
+            <a:noFill/>
+          </a:ln>
+        </p:spPr>
+        <p:style>
+          <a:lnRef idx="2">
+            <a:schemeClr val="accent1">
+              <a:shade val="15000"/>
+            </a:schemeClr>
+          </a:lnRef>
+          <a:fillRef idx="1">
+            <a:schemeClr val="accent1"/>
+          </a:fillRef>
+          <a:effectRef idx="0">
+            <a:schemeClr val="accent1"/>
+          </a:effectRef>
+          <a:fontRef idx="minor">
+            <a:schemeClr val="lt1"/>
+          </a:fontRef>
+        </p:style>
+        <p:txBody>
+          <a:bodyPr rtlCol="0" anchor="ctr"/>
+          <a:lstStyle/>
+          <a:p>
+            <a:pPr algn="ctr"/>
+            <a:endParaRPr lang="zh-TW" altLang="en-US"/>
+          </a:p>
+        </p:txBody>
+      </p:sp>
+      <p:sp>
+        <p:nvSpPr>
+          <p:cNvPr id="25" name="矩形 24">
+            <a:extLst>
+              <a:ext uri="{FF2B5EF4-FFF2-40B4-BE49-F238E27FC236}">
+                <a16:creationId xmlns:a16="http://schemas.microsoft.com/office/drawing/2014/main" id="{B875C149-0C62-FB22-D29B-F146F4557C40}"/>
+              </a:ext>
+            </a:extLst>
+          </p:cNvPr>
+          <p:cNvSpPr/>
+          <p:nvPr/>
+        </p:nvSpPr>
+        <p:spPr>
+          <a:xfrm>
+            <a:off x="2977468" y="3427850"/>
+            <a:ext cx="160055" cy="1160192"/>
+          </a:xfrm>
+          <a:prstGeom prst="rect">
+            <a:avLst/>
+          </a:prstGeom>
+          <a:solidFill>
+            <a:schemeClr val="tx1">
+              <a:lumMod val="75000"/>
+            </a:schemeClr>
+          </a:solidFill>
+          <a:ln>
+            <a:noFill/>
+          </a:ln>
+        </p:spPr>
+        <p:style>
+          <a:lnRef idx="2">
+            <a:schemeClr val="accent1">
+              <a:shade val="15000"/>
+            </a:schemeClr>
+          </a:lnRef>
+          <a:fillRef idx="1">
+            <a:schemeClr val="accent1"/>
+          </a:fillRef>
+          <a:effectRef idx="0">
+            <a:schemeClr val="accent1"/>
+          </a:effectRef>
+          <a:fontRef idx="minor">
+            <a:schemeClr val="lt1"/>
+          </a:fontRef>
+        </p:style>
+        <p:txBody>
+          <a:bodyPr rtlCol="0" anchor="ctr"/>
+          <a:lstStyle/>
+          <a:p>
+            <a:pPr algn="ctr"/>
+            <a:endParaRPr lang="zh-TW" altLang="en-US"/>
+          </a:p>
+        </p:txBody>
+      </p:sp>
+      <p:sp>
+        <p:nvSpPr>
+          <p:cNvPr id="26" name="矩形 25">
+            <a:extLst>
+              <a:ext uri="{FF2B5EF4-FFF2-40B4-BE49-F238E27FC236}">
+                <a16:creationId xmlns:a16="http://schemas.microsoft.com/office/drawing/2014/main" id="{E71DD7B2-2292-3CDA-315B-773D29F4A77B}"/>
+              </a:ext>
+            </a:extLst>
+          </p:cNvPr>
+          <p:cNvSpPr/>
+          <p:nvPr/>
+        </p:nvSpPr>
+        <p:spPr>
+          <a:xfrm>
+            <a:off x="1736284" y="1919891"/>
+            <a:ext cx="160055" cy="2668151"/>
+          </a:xfrm>
+          <a:prstGeom prst="rect">
+            <a:avLst/>
+          </a:prstGeom>
+          <a:solidFill>
+            <a:schemeClr val="tx1">
+              <a:lumMod val="75000"/>
+            </a:schemeClr>
+          </a:solidFill>
+          <a:ln>
+            <a:noFill/>
+          </a:ln>
+        </p:spPr>
+        <p:style>
+          <a:lnRef idx="2">
+            <a:schemeClr val="accent1">
+              <a:shade val="15000"/>
+            </a:schemeClr>
+          </a:lnRef>
+          <a:fillRef idx="1">
+            <a:schemeClr val="accent1"/>
+          </a:fillRef>
+          <a:effectRef idx="0">
+            <a:schemeClr val="accent1"/>
+          </a:effectRef>
+          <a:fontRef idx="minor">
+            <a:schemeClr val="lt1"/>
+          </a:fontRef>
+        </p:style>
+        <p:txBody>
+          <a:bodyPr rtlCol="0" anchor="ctr"/>
+          <a:lstStyle/>
+          <a:p>
+            <a:pPr algn="ctr"/>
+            <a:endParaRPr lang="zh-TW" altLang="en-US"/>
+          </a:p>
+        </p:txBody>
+      </p:sp>
+      <p:sp>
+        <p:nvSpPr>
+          <p:cNvPr id="27" name="矩形 26">
+            <a:extLst>
+              <a:ext uri="{FF2B5EF4-FFF2-40B4-BE49-F238E27FC236}">
+                <a16:creationId xmlns:a16="http://schemas.microsoft.com/office/drawing/2014/main" id="{A53C6413-B9F7-5D9B-E021-44E8BB2A5666}"/>
+              </a:ext>
+            </a:extLst>
+          </p:cNvPr>
+          <p:cNvSpPr/>
+          <p:nvPr/>
+        </p:nvSpPr>
+        <p:spPr>
+          <a:xfrm>
+            <a:off x="2356876" y="2673872"/>
+            <a:ext cx="160055" cy="1914170"/>
+          </a:xfrm>
+          <a:prstGeom prst="rect">
+            <a:avLst/>
+          </a:prstGeom>
+          <a:solidFill>
+            <a:schemeClr val="tx1">
+              <a:lumMod val="75000"/>
+            </a:schemeClr>
+          </a:solidFill>
+          <a:ln>
+            <a:noFill/>
+          </a:ln>
+        </p:spPr>
+        <p:style>
+          <a:lnRef idx="2">
+            <a:schemeClr val="accent1">
+              <a:shade val="15000"/>
+            </a:schemeClr>
+          </a:lnRef>
+          <a:fillRef idx="1">
+            <a:schemeClr val="accent1"/>
+          </a:fillRef>
+          <a:effectRef idx="0">
+            <a:schemeClr val="accent1"/>
+          </a:effectRef>
+          <a:fontRef idx="minor">
+            <a:schemeClr val="lt1"/>
+          </a:fontRef>
+        </p:style>
+        <p:txBody>
+          <a:bodyPr rtlCol="0" anchor="ctr"/>
+          <a:lstStyle/>
+          <a:p>
+            <a:pPr algn="ctr"/>
+            <a:endParaRPr lang="zh-TW" altLang="en-US"/>
+          </a:p>
+        </p:txBody>
+      </p:sp>
+      <p:sp>
+        <p:nvSpPr>
+          <p:cNvPr id="28" name="矩形 27">
+            <a:extLst>
+              <a:ext uri="{FF2B5EF4-FFF2-40B4-BE49-F238E27FC236}">
+                <a16:creationId xmlns:a16="http://schemas.microsoft.com/office/drawing/2014/main" id="{DCF0EB52-9913-4D27-5AFF-6A29CE93A019}"/>
+              </a:ext>
+            </a:extLst>
+          </p:cNvPr>
+          <p:cNvSpPr/>
+          <p:nvPr/>
+        </p:nvSpPr>
+        <p:spPr>
+          <a:xfrm>
+            <a:off x="3223597" y="3163156"/>
+            <a:ext cx="160055" cy="1424886"/>
+          </a:xfrm>
+          <a:prstGeom prst="rect">
+            <a:avLst/>
+          </a:prstGeom>
+          <a:solidFill>
+            <a:schemeClr val="tx1">
+              <a:lumMod val="75000"/>
+            </a:schemeClr>
+          </a:solidFill>
+          <a:ln>
+            <a:noFill/>
+          </a:ln>
+        </p:spPr>
+        <p:style>
+          <a:lnRef idx="2">
+            <a:schemeClr val="accent1">
+              <a:shade val="15000"/>
+            </a:schemeClr>
+          </a:lnRef>
+          <a:fillRef idx="1">
+            <a:schemeClr val="accent1"/>
+          </a:fillRef>
+          <a:effectRef idx="0">
+            <a:schemeClr val="accent1"/>
+          </a:effectRef>
+          <a:fontRef idx="minor">
+            <a:schemeClr val="lt1"/>
+          </a:fontRef>
+        </p:style>
+        <p:txBody>
+          <a:bodyPr rtlCol="0" anchor="ctr"/>
+          <a:lstStyle/>
+          <a:p>
+            <a:pPr algn="ctr"/>
+            <a:endParaRPr lang="zh-TW" altLang="en-US"/>
+          </a:p>
+        </p:txBody>
+      </p:sp>
+      <p:sp>
+        <p:nvSpPr>
+          <p:cNvPr id="32" name="TextBox 21">
+            <a:extLst>
+              <a:ext uri="{FF2B5EF4-FFF2-40B4-BE49-F238E27FC236}">
+                <a16:creationId xmlns:a16="http://schemas.microsoft.com/office/drawing/2014/main" id="{7B41B62E-0DBF-EA86-D4BC-59C5FD53924D}"/>
+              </a:ext>
+            </a:extLst>
+          </p:cNvPr>
+          <p:cNvSpPr txBox="1"/>
+          <p:nvPr/>
+        </p:nvSpPr>
+        <p:spPr>
+          <a:xfrm>
+            <a:off x="1637638" y="1026987"/>
+            <a:ext cx="689547" cy="246221"/>
+          </a:xfrm>
+          <a:prstGeom prst="rect">
+            <a:avLst/>
+          </a:prstGeom>
+          <a:noFill/>
+        </p:spPr>
+        <p:txBody>
+          <a:bodyPr wrap="square" rtlCol="0">
+            <a:spAutoFit/>
+          </a:bodyPr>
+          <a:lstStyle/>
+          <a:p>
+            <a:pPr algn="ctr" defTabSz="182880"/>
+            <a:r>
+              <a:rPr lang="en-US" sz="1000">
+                <a:latin typeface="Consolas" panose="020B0609020204030204" pitchFamily="49" charset="0"/>
+              </a:rPr>
+              <a:t>Scene 1</a:t>
+            </a:r>
+          </a:p>
+        </p:txBody>
+      </p:sp>
+      <p:sp>
+        <p:nvSpPr>
+          <p:cNvPr id="33" name="TextBox 21">
+            <a:extLst>
+              <a:ext uri="{FF2B5EF4-FFF2-40B4-BE49-F238E27FC236}">
+                <a16:creationId xmlns:a16="http://schemas.microsoft.com/office/drawing/2014/main" id="{18E28745-BD6B-D253-B238-E174D419D280}"/>
+              </a:ext>
+            </a:extLst>
+          </p:cNvPr>
+          <p:cNvSpPr txBox="1"/>
+          <p:nvPr/>
+        </p:nvSpPr>
+        <p:spPr>
+          <a:xfrm>
+            <a:off x="2258230" y="1726103"/>
+            <a:ext cx="689547" cy="246221"/>
+          </a:xfrm>
+          <a:prstGeom prst="rect">
+            <a:avLst/>
+          </a:prstGeom>
+          <a:noFill/>
+        </p:spPr>
+        <p:txBody>
+          <a:bodyPr wrap="square" rtlCol="0">
+            <a:spAutoFit/>
+          </a:bodyPr>
+          <a:lstStyle/>
+          <a:p>
+            <a:pPr algn="ctr" defTabSz="182880"/>
+            <a:r>
+              <a:rPr lang="en-US" altLang="zh-TW" sz="1000">
+                <a:latin typeface="Consolas" panose="020B0609020204030204" pitchFamily="49" charset="0"/>
+              </a:rPr>
+              <a:t>Scene 2</a:t>
+            </a:r>
+          </a:p>
+        </p:txBody>
+      </p:sp>
+      <p:sp>
+        <p:nvSpPr>
+          <p:cNvPr id="34" name="TextBox 21">
+            <a:extLst>
+              <a:ext uri="{FF2B5EF4-FFF2-40B4-BE49-F238E27FC236}">
+                <a16:creationId xmlns:a16="http://schemas.microsoft.com/office/drawing/2014/main" id="{431CA6B1-EF67-9DDE-116B-A8200A386EF2}"/>
+              </a:ext>
+            </a:extLst>
+          </p:cNvPr>
+          <p:cNvSpPr txBox="1"/>
+          <p:nvPr/>
+        </p:nvSpPr>
+        <p:spPr>
+          <a:xfrm>
+            <a:off x="2849132" y="2291390"/>
+            <a:ext cx="689547" cy="246221"/>
+          </a:xfrm>
+          <a:prstGeom prst="rect">
+            <a:avLst/>
+          </a:prstGeom>
+          <a:noFill/>
+        </p:spPr>
+        <p:txBody>
+          <a:bodyPr wrap="square" rtlCol="0">
+            <a:spAutoFit/>
+          </a:bodyPr>
+          <a:lstStyle/>
+          <a:p>
+            <a:pPr algn="ctr" defTabSz="182880"/>
+            <a:r>
+              <a:rPr lang="en-US" altLang="zh-TW" sz="1000">
+                <a:latin typeface="Consolas" panose="020B0609020204030204" pitchFamily="49" charset="0"/>
+              </a:rPr>
+              <a:t>Scene 3</a:t>
+            </a:r>
+          </a:p>
+        </p:txBody>
+      </p:sp>
+      <p:cxnSp>
+        <p:nvCxnSpPr>
+          <p:cNvPr id="9" name="直線單箭頭接點 8">
+            <a:extLst>
+              <a:ext uri="{FF2B5EF4-FFF2-40B4-BE49-F238E27FC236}">
+                <a16:creationId xmlns:a16="http://schemas.microsoft.com/office/drawing/2014/main" id="{99EA144D-305D-B2EC-57DF-F74F0AAF56F9}"/>
+              </a:ext>
+            </a:extLst>
+          </p:cNvPr>
+          <p:cNvCxnSpPr/>
+          <p:nvPr/>
+        </p:nvCxnSpPr>
+        <p:spPr>
+          <a:xfrm>
+            <a:off x="1479743" y="4588042"/>
+            <a:ext cx="7850563" cy="0"/>
+          </a:xfrm>
+          <a:prstGeom prst="straightConnector1">
+            <a:avLst/>
+          </a:prstGeom>
+          <a:ln w="76200">
+            <a:solidFill>
+              <a:schemeClr val="tx1"/>
+            </a:solidFill>
+            <a:tailEnd type="triangle"/>
+          </a:ln>
+        </p:spPr>
+        <p:style>
+          <a:lnRef idx="1">
+            <a:schemeClr val="accent1"/>
+          </a:lnRef>
+          <a:fillRef idx="0">
+            <a:schemeClr val="accent1"/>
+          </a:fillRef>
+          <a:effectRef idx="0">
+            <a:schemeClr val="accent1"/>
+          </a:effectRef>
+          <a:fontRef idx="minor">
+            <a:schemeClr val="tx1"/>
+          </a:fontRef>
+        </p:style>
+      </p:cxnSp>
+      <p:sp>
+        <p:nvSpPr>
+          <p:cNvPr id="43" name="矩形 42">
+            <a:extLst>
+              <a:ext uri="{FF2B5EF4-FFF2-40B4-BE49-F238E27FC236}">
+                <a16:creationId xmlns:a16="http://schemas.microsoft.com/office/drawing/2014/main" id="{89A62AF9-6AB4-CDF2-7484-8A530FB8EFFE}"/>
+              </a:ext>
+            </a:extLst>
+          </p:cNvPr>
+          <p:cNvSpPr/>
+          <p:nvPr/>
+        </p:nvSpPr>
+        <p:spPr>
+          <a:xfrm>
+            <a:off x="341061" y="2457405"/>
+            <a:ext cx="166101" cy="537408"/>
+          </a:xfrm>
+          <a:prstGeom prst="rect">
+            <a:avLst/>
+          </a:prstGeom>
+          <a:solidFill>
+            <a:schemeClr val="bg1">
+              <a:lumMod val="65000"/>
+              <a:lumOff val="35000"/>
+            </a:schemeClr>
+          </a:solidFill>
+          <a:ln>
+            <a:noFill/>
+          </a:ln>
+        </p:spPr>
+        <p:style>
+          <a:lnRef idx="2">
+            <a:schemeClr val="accent1">
+              <a:shade val="15000"/>
+            </a:schemeClr>
+          </a:lnRef>
+          <a:fillRef idx="1">
+            <a:schemeClr val="accent1"/>
+          </a:fillRef>
+          <a:effectRef idx="0">
+            <a:schemeClr val="accent1"/>
+          </a:effectRef>
+          <a:fontRef idx="minor">
+            <a:schemeClr val="lt1"/>
+          </a:fontRef>
+        </p:style>
+        <p:txBody>
+          <a:bodyPr rtlCol="0" anchor="ctr"/>
+          <a:lstStyle/>
+          <a:p>
+            <a:pPr algn="ctr"/>
+            <a:endParaRPr lang="zh-TW" altLang="en-US"/>
+          </a:p>
+        </p:txBody>
+      </p:sp>
+      <p:sp>
+        <p:nvSpPr>
+          <p:cNvPr id="44" name="矩形 43">
+            <a:extLst>
+              <a:ext uri="{FF2B5EF4-FFF2-40B4-BE49-F238E27FC236}">
+                <a16:creationId xmlns:a16="http://schemas.microsoft.com/office/drawing/2014/main" id="{63E63DC0-56F4-09C6-D02A-C97D1FED6D53}"/>
+              </a:ext>
+            </a:extLst>
+          </p:cNvPr>
+          <p:cNvSpPr/>
+          <p:nvPr/>
+        </p:nvSpPr>
+        <p:spPr>
+          <a:xfrm>
+            <a:off x="771398" y="2457405"/>
+            <a:ext cx="166101" cy="537408"/>
+          </a:xfrm>
+          <a:prstGeom prst="rect">
+            <a:avLst/>
+          </a:prstGeom>
+          <a:solidFill>
+            <a:schemeClr val="tx1">
+              <a:lumMod val="75000"/>
+            </a:schemeClr>
+          </a:solidFill>
+          <a:ln>
+            <a:noFill/>
+          </a:ln>
+        </p:spPr>
+        <p:style>
+          <a:lnRef idx="2">
+            <a:schemeClr val="accent1">
+              <a:shade val="15000"/>
+            </a:schemeClr>
+          </a:lnRef>
+          <a:fillRef idx="1">
+            <a:schemeClr val="accent1"/>
+          </a:fillRef>
+          <a:effectRef idx="0">
+            <a:schemeClr val="accent1"/>
+          </a:effectRef>
+          <a:fontRef idx="minor">
+            <a:schemeClr val="lt1"/>
+          </a:fontRef>
+        </p:style>
+        <p:txBody>
+          <a:bodyPr rtlCol="0" anchor="ctr"/>
+          <a:lstStyle/>
+          <a:p>
+            <a:pPr algn="ctr"/>
+            <a:endParaRPr lang="zh-TW" altLang="en-US"/>
+          </a:p>
+        </p:txBody>
+      </p:sp>
+      <p:sp>
+        <p:nvSpPr>
+          <p:cNvPr id="45" name="TextBox 21">
+            <a:extLst>
+              <a:ext uri="{FF2B5EF4-FFF2-40B4-BE49-F238E27FC236}">
+                <a16:creationId xmlns:a16="http://schemas.microsoft.com/office/drawing/2014/main" id="{E1E0BA46-BF4B-DA26-6246-1D29066A2C3E}"/>
+              </a:ext>
+            </a:extLst>
+          </p:cNvPr>
+          <p:cNvSpPr txBox="1"/>
+          <p:nvPr/>
+        </p:nvSpPr>
+        <p:spPr>
+          <a:xfrm>
+            <a:off x="73292" y="2080410"/>
+            <a:ext cx="689547" cy="246221"/>
+          </a:xfrm>
+          <a:prstGeom prst="rect">
+            <a:avLst/>
+          </a:prstGeom>
+          <a:noFill/>
+        </p:spPr>
+        <p:txBody>
+          <a:bodyPr wrap="square" rtlCol="0">
+            <a:spAutoFit/>
+          </a:bodyPr>
+          <a:lstStyle/>
+          <a:p>
+            <a:pPr algn="ctr" defTabSz="182880"/>
+            <a:r>
+              <a:rPr lang="en-US" altLang="zh-TW" sz="1000">
+                <a:latin typeface="Consolas" panose="020B0609020204030204" pitchFamily="49" charset="0"/>
+              </a:rPr>
+              <a:t>w/ f</a:t>
+            </a:r>
+          </a:p>
+        </p:txBody>
+      </p:sp>
+      <p:sp>
+        <p:nvSpPr>
+          <p:cNvPr id="46" name="TextBox 21">
+            <a:extLst>
+              <a:ext uri="{FF2B5EF4-FFF2-40B4-BE49-F238E27FC236}">
+                <a16:creationId xmlns:a16="http://schemas.microsoft.com/office/drawing/2014/main" id="{976FF492-6956-81DB-43DF-71BE74C5A501}"/>
+              </a:ext>
+            </a:extLst>
+          </p:cNvPr>
+          <p:cNvSpPr txBox="1"/>
+          <p:nvPr/>
+        </p:nvSpPr>
+        <p:spPr>
+          <a:xfrm>
+            <a:off x="518358" y="2080410"/>
+            <a:ext cx="689547" cy="246221"/>
+          </a:xfrm>
+          <a:prstGeom prst="rect">
+            <a:avLst/>
+          </a:prstGeom>
+          <a:noFill/>
+        </p:spPr>
+        <p:txBody>
+          <a:bodyPr wrap="square" rtlCol="0">
+            <a:spAutoFit/>
+          </a:bodyPr>
+          <a:lstStyle/>
+          <a:p>
+            <a:pPr algn="ctr" defTabSz="182880"/>
+            <a:r>
+              <a:rPr lang="en-US" altLang="zh-TW" sz="1000">
+                <a:latin typeface="Consolas" panose="020B0609020204030204" pitchFamily="49" charset="0"/>
+              </a:rPr>
+              <a:t>w/o f</a:t>
+            </a:r>
+          </a:p>
+        </p:txBody>
+      </p:sp>
+      <p:sp>
+        <p:nvSpPr>
+          <p:cNvPr id="47" name="矩形 46">
+            <a:extLst>
+              <a:ext uri="{FF2B5EF4-FFF2-40B4-BE49-F238E27FC236}">
+                <a16:creationId xmlns:a16="http://schemas.microsoft.com/office/drawing/2014/main" id="{BD110983-B94E-CD32-37D1-11CC77570C40}"/>
+              </a:ext>
+            </a:extLst>
+          </p:cNvPr>
+          <p:cNvSpPr/>
+          <p:nvPr/>
+        </p:nvSpPr>
+        <p:spPr>
+          <a:xfrm>
+            <a:off x="7393060" y="3057955"/>
+            <a:ext cx="258465" cy="1234758"/>
+          </a:xfrm>
+          <a:prstGeom prst="rect">
+            <a:avLst/>
+          </a:prstGeom>
+          <a:solidFill>
+            <a:srgbClr val="8D1017"/>
+          </a:solidFill>
+          <a:ln w="38100">
+            <a:solidFill>
+              <a:schemeClr val="bg1"/>
+            </a:solidFill>
+          </a:ln>
+        </p:spPr>
+        <p:style>
+          <a:lnRef idx="2">
+            <a:schemeClr val="accent1">
+              <a:shade val="15000"/>
+            </a:schemeClr>
+          </a:lnRef>
+          <a:fillRef idx="1">
+            <a:schemeClr val="accent1"/>
+          </a:fillRef>
+          <a:effectRef idx="0">
+            <a:schemeClr val="accent1"/>
+          </a:effectRef>
+          <a:fontRef idx="minor">
+            <a:schemeClr val="lt1"/>
+          </a:fontRef>
+        </p:style>
+        <p:txBody>
+          <a:bodyPr rtlCol="0" anchor="ctr"/>
+          <a:lstStyle/>
+          <a:p>
+            <a:pPr algn="ctr"/>
+            <a:endParaRPr lang="zh-TW" altLang="en-US"/>
+          </a:p>
+        </p:txBody>
+      </p:sp>
+      <p:sp>
+        <p:nvSpPr>
+          <p:cNvPr id="48" name="矩形 47">
+            <a:extLst>
+              <a:ext uri="{FF2B5EF4-FFF2-40B4-BE49-F238E27FC236}">
+                <a16:creationId xmlns:a16="http://schemas.microsoft.com/office/drawing/2014/main" id="{BE530087-4315-79A1-B337-11D1C404E9AC}"/>
+              </a:ext>
+            </a:extLst>
+          </p:cNvPr>
+          <p:cNvSpPr/>
+          <p:nvPr/>
+        </p:nvSpPr>
+        <p:spPr>
+          <a:xfrm>
+            <a:off x="6363530" y="3164398"/>
+            <a:ext cx="258465" cy="1128315"/>
+          </a:xfrm>
+          <a:prstGeom prst="rect">
+            <a:avLst/>
+          </a:prstGeom>
+          <a:solidFill>
+            <a:srgbClr val="1E5800"/>
+          </a:solidFill>
+          <a:ln w="38100">
+            <a:solidFill>
+              <a:schemeClr val="bg1"/>
+            </a:solidFill>
+          </a:ln>
+        </p:spPr>
+        <p:style>
+          <a:lnRef idx="2">
+            <a:schemeClr val="accent1">
+              <a:shade val="15000"/>
+            </a:schemeClr>
+          </a:lnRef>
+          <a:fillRef idx="1">
+            <a:schemeClr val="accent1"/>
+          </a:fillRef>
+          <a:effectRef idx="0">
+            <a:schemeClr val="accent1"/>
+          </a:effectRef>
+          <a:fontRef idx="minor">
+            <a:schemeClr val="lt1"/>
+          </a:fontRef>
+        </p:style>
+        <p:txBody>
+          <a:bodyPr rtlCol="0" anchor="ctr"/>
+          <a:lstStyle/>
+          <a:p>
+            <a:pPr algn="ctr"/>
+            <a:endParaRPr lang="zh-TW" altLang="en-US"/>
+          </a:p>
+        </p:txBody>
+      </p:sp>
+      <p:sp>
+        <p:nvSpPr>
+          <p:cNvPr id="49" name="矩形 48">
+            <a:extLst>
+              <a:ext uri="{FF2B5EF4-FFF2-40B4-BE49-F238E27FC236}">
+                <a16:creationId xmlns:a16="http://schemas.microsoft.com/office/drawing/2014/main" id="{34387A9E-572A-CBCA-972D-108F0EF14174}"/>
+              </a:ext>
+            </a:extLst>
+          </p:cNvPr>
+          <p:cNvSpPr/>
+          <p:nvPr/>
+        </p:nvSpPr>
+        <p:spPr>
+          <a:xfrm>
+            <a:off x="7912529" y="3102899"/>
+            <a:ext cx="249057" cy="1189814"/>
+          </a:xfrm>
+          <a:prstGeom prst="rect">
+            <a:avLst/>
+          </a:prstGeom>
+          <a:solidFill>
+            <a:srgbClr val="FC1723"/>
+          </a:solidFill>
+          <a:ln w="38100">
+            <a:solidFill>
+              <a:schemeClr val="bg1"/>
+            </a:solidFill>
+          </a:ln>
+        </p:spPr>
+        <p:style>
+          <a:lnRef idx="2">
+            <a:schemeClr val="accent1">
+              <a:shade val="15000"/>
+            </a:schemeClr>
+          </a:lnRef>
+          <a:fillRef idx="1">
+            <a:schemeClr val="accent1"/>
+          </a:fillRef>
+          <a:effectRef idx="0">
+            <a:schemeClr val="accent1"/>
+          </a:effectRef>
+          <a:fontRef idx="minor">
+            <a:schemeClr val="lt1"/>
+          </a:fontRef>
+        </p:style>
+        <p:txBody>
+          <a:bodyPr rtlCol="0" anchor="ctr"/>
+          <a:lstStyle/>
+          <a:p>
+            <a:pPr algn="ctr"/>
+            <a:endParaRPr lang="zh-TW" altLang="en-US"/>
+          </a:p>
+        </p:txBody>
+      </p:sp>
+      <p:sp>
+        <p:nvSpPr>
+          <p:cNvPr id="50" name="矩形 49">
+            <a:extLst>
+              <a:ext uri="{FF2B5EF4-FFF2-40B4-BE49-F238E27FC236}">
+                <a16:creationId xmlns:a16="http://schemas.microsoft.com/office/drawing/2014/main" id="{49C8F558-E3C2-C93B-6DAC-420237F99409}"/>
+              </a:ext>
+            </a:extLst>
+          </p:cNvPr>
+          <p:cNvSpPr/>
+          <p:nvPr/>
+        </p:nvSpPr>
+        <p:spPr>
+          <a:xfrm>
+            <a:off x="6882999" y="3205467"/>
+            <a:ext cx="249057" cy="1087245"/>
+          </a:xfrm>
+          <a:prstGeom prst="rect">
+            <a:avLst/>
+          </a:prstGeom>
+          <a:solidFill>
+            <a:srgbClr val="77F540"/>
+          </a:solidFill>
+          <a:ln w="38100">
+            <a:solidFill>
+              <a:schemeClr val="bg1"/>
+            </a:solidFill>
+          </a:ln>
+        </p:spPr>
+        <p:style>
+          <a:lnRef idx="2">
+            <a:schemeClr val="accent1">
+              <a:shade val="15000"/>
+            </a:schemeClr>
+          </a:lnRef>
+          <a:fillRef idx="1">
+            <a:schemeClr val="accent1"/>
+          </a:fillRef>
+          <a:effectRef idx="0">
+            <a:schemeClr val="accent1"/>
+          </a:effectRef>
+          <a:fontRef idx="minor">
+            <a:schemeClr val="lt1"/>
+          </a:fontRef>
+        </p:style>
+        <p:txBody>
+          <a:bodyPr rtlCol="0" anchor="ctr"/>
+          <a:lstStyle/>
+          <a:p>
+            <a:pPr algn="ctr"/>
+            <a:endParaRPr lang="zh-TW" altLang="en-US"/>
+          </a:p>
+        </p:txBody>
+      </p:sp>
+      <p:sp>
+        <p:nvSpPr>
+          <p:cNvPr id="51" name="矩形 50">
+            <a:extLst>
+              <a:ext uri="{FF2B5EF4-FFF2-40B4-BE49-F238E27FC236}">
+                <a16:creationId xmlns:a16="http://schemas.microsoft.com/office/drawing/2014/main" id="{07C1C2D0-C631-A222-1B4F-867FAE1F614C}"/>
+              </a:ext>
+            </a:extLst>
+          </p:cNvPr>
+          <p:cNvSpPr/>
+          <p:nvPr/>
+        </p:nvSpPr>
+        <p:spPr>
+          <a:xfrm>
+            <a:off x="5334000" y="3057955"/>
+            <a:ext cx="258465" cy="1234758"/>
+          </a:xfrm>
+          <a:prstGeom prst="rect">
+            <a:avLst/>
+          </a:prstGeom>
+          <a:solidFill>
+            <a:srgbClr val="ED7013"/>
+          </a:solidFill>
+          <a:ln w="38100">
+            <a:solidFill>
+              <a:schemeClr val="bg1"/>
+            </a:solidFill>
+          </a:ln>
+        </p:spPr>
+        <p:style>
+          <a:lnRef idx="2">
+            <a:schemeClr val="accent1">
+              <a:shade val="15000"/>
+            </a:schemeClr>
+          </a:lnRef>
+          <a:fillRef idx="1">
+            <a:schemeClr val="accent1"/>
+          </a:fillRef>
+          <a:effectRef idx="0">
+            <a:schemeClr val="accent1"/>
+          </a:effectRef>
+          <a:fontRef idx="minor">
+            <a:schemeClr val="lt1"/>
+          </a:fontRef>
+        </p:style>
+        <p:txBody>
+          <a:bodyPr rtlCol="0" anchor="ctr"/>
+          <a:lstStyle/>
+          <a:p>
+            <a:pPr algn="ctr"/>
+            <a:endParaRPr lang="zh-TW" altLang="en-US"/>
+          </a:p>
+        </p:txBody>
+      </p:sp>
+      <p:sp>
+        <p:nvSpPr>
+          <p:cNvPr id="52" name="矩形 51">
+            <a:extLst>
+              <a:ext uri="{FF2B5EF4-FFF2-40B4-BE49-F238E27FC236}">
+                <a16:creationId xmlns:a16="http://schemas.microsoft.com/office/drawing/2014/main" id="{CFD7E38B-7B8D-3732-BDB9-CEB11E0A3D22}"/>
+              </a:ext>
+            </a:extLst>
+          </p:cNvPr>
+          <p:cNvSpPr/>
+          <p:nvPr/>
+        </p:nvSpPr>
+        <p:spPr>
+          <a:xfrm>
+            <a:off x="8422590" y="3164398"/>
+            <a:ext cx="258465" cy="1128315"/>
+          </a:xfrm>
+          <a:prstGeom prst="rect">
+            <a:avLst/>
+          </a:prstGeom>
+          <a:solidFill>
+            <a:srgbClr val="203F8B"/>
+          </a:solidFill>
+          <a:ln w="38100">
+            <a:solidFill>
+              <a:schemeClr val="bg1"/>
+            </a:solidFill>
+          </a:ln>
+        </p:spPr>
+        <p:style>
+          <a:lnRef idx="2">
+            <a:schemeClr val="accent1">
+              <a:shade val="15000"/>
+            </a:schemeClr>
+          </a:lnRef>
+          <a:fillRef idx="1">
+            <a:schemeClr val="accent1"/>
+          </a:fillRef>
+          <a:effectRef idx="0">
+            <a:schemeClr val="accent1"/>
+          </a:effectRef>
+          <a:fontRef idx="minor">
+            <a:schemeClr val="lt1"/>
+          </a:fontRef>
+        </p:style>
+        <p:txBody>
+          <a:bodyPr rtlCol="0" anchor="ctr"/>
+          <a:lstStyle/>
+          <a:p>
+            <a:pPr algn="ctr"/>
+            <a:endParaRPr lang="zh-TW" altLang="en-US"/>
+          </a:p>
+        </p:txBody>
+      </p:sp>
+      <p:sp>
+        <p:nvSpPr>
+          <p:cNvPr id="53" name="矩形 52">
+            <a:extLst>
+              <a:ext uri="{FF2B5EF4-FFF2-40B4-BE49-F238E27FC236}">
+                <a16:creationId xmlns:a16="http://schemas.microsoft.com/office/drawing/2014/main" id="{4D0FFB5F-90B6-95B0-C666-0654CB9F2C4C}"/>
+              </a:ext>
+            </a:extLst>
+          </p:cNvPr>
+          <p:cNvSpPr/>
+          <p:nvPr/>
+        </p:nvSpPr>
+        <p:spPr>
+          <a:xfrm>
+            <a:off x="5853469" y="3102899"/>
+            <a:ext cx="249057" cy="1189814"/>
+          </a:xfrm>
+          <a:prstGeom prst="rect">
+            <a:avLst/>
+          </a:prstGeom>
+          <a:solidFill>
+            <a:srgbClr val="EDF20E"/>
+          </a:solidFill>
+          <a:ln w="38100">
+            <a:solidFill>
+              <a:schemeClr val="bg1"/>
+            </a:solidFill>
+          </a:ln>
+        </p:spPr>
+        <p:style>
+          <a:lnRef idx="2">
+            <a:schemeClr val="accent1">
+              <a:shade val="15000"/>
+            </a:schemeClr>
+          </a:lnRef>
+          <a:fillRef idx="1">
+            <a:schemeClr val="accent1"/>
+          </a:fillRef>
+          <a:effectRef idx="0">
+            <a:schemeClr val="accent1"/>
+          </a:effectRef>
+          <a:fontRef idx="minor">
+            <a:schemeClr val="lt1"/>
+          </a:fontRef>
+        </p:style>
+        <p:txBody>
+          <a:bodyPr rtlCol="0" anchor="ctr"/>
+          <a:lstStyle/>
+          <a:p>
+            <a:pPr algn="ctr"/>
+            <a:endParaRPr lang="zh-TW" altLang="en-US"/>
+          </a:p>
+        </p:txBody>
+      </p:sp>
+      <p:sp>
+        <p:nvSpPr>
+          <p:cNvPr id="54" name="矩形 53">
+            <a:extLst>
+              <a:ext uri="{FF2B5EF4-FFF2-40B4-BE49-F238E27FC236}">
+                <a16:creationId xmlns:a16="http://schemas.microsoft.com/office/drawing/2014/main" id="{C22C62F3-D871-6F12-6F30-33E9C1D1C52A}"/>
+              </a:ext>
+            </a:extLst>
+          </p:cNvPr>
+          <p:cNvSpPr/>
+          <p:nvPr/>
+        </p:nvSpPr>
+        <p:spPr>
+          <a:xfrm>
+            <a:off x="8942056" y="3205467"/>
+            <a:ext cx="249057" cy="1087245"/>
+          </a:xfrm>
+          <a:prstGeom prst="rect">
+            <a:avLst/>
+          </a:prstGeom>
+          <a:solidFill>
+            <a:srgbClr val="1C78DB"/>
+          </a:solidFill>
+          <a:ln w="38100">
+            <a:solidFill>
+              <a:schemeClr val="bg1"/>
+            </a:solidFill>
+          </a:ln>
+        </p:spPr>
+        <p:style>
+          <a:lnRef idx="2">
+            <a:schemeClr val="accent1">
+              <a:shade val="15000"/>
+            </a:schemeClr>
+          </a:lnRef>
+          <a:fillRef idx="1">
+            <a:schemeClr val="accent1"/>
+          </a:fillRef>
+          <a:effectRef idx="0">
+            <a:schemeClr val="accent1"/>
+          </a:effectRef>
+          <a:fontRef idx="minor">
+            <a:schemeClr val="lt1"/>
+          </a:fontRef>
+        </p:style>
+        <p:txBody>
+          <a:bodyPr rtlCol="0" anchor="ctr"/>
+          <a:lstStyle/>
+          <a:p>
+            <a:pPr algn="ctr"/>
+            <a:endParaRPr lang="zh-TW" altLang="en-US"/>
           </a:p>
         </p:txBody>
       </p:sp>
@@ -24982,10 +27832,5929 @@
           </a:p>
         </p:txBody>
       </p:sp>
+      <p:cxnSp>
+        <p:nvCxnSpPr>
+          <p:cNvPr id="3" name="直線接點 2">
+            <a:extLst>
+              <a:ext uri="{FF2B5EF4-FFF2-40B4-BE49-F238E27FC236}">
+                <a16:creationId xmlns:a16="http://schemas.microsoft.com/office/drawing/2014/main" id="{2B46F50F-2BCA-4CD7-FE65-D9D2B887769F}"/>
+              </a:ext>
+            </a:extLst>
+          </p:cNvPr>
+          <p:cNvCxnSpPr/>
+          <p:nvPr/>
+        </p:nvCxnSpPr>
+        <p:spPr>
+          <a:xfrm flipV="1">
+            <a:off x="1706171" y="1589829"/>
+            <a:ext cx="778042" cy="481264"/>
+          </a:xfrm>
+          <a:prstGeom prst="line">
+            <a:avLst/>
+          </a:prstGeom>
+          <a:ln w="76200">
+            <a:solidFill>
+              <a:schemeClr val="tx1"/>
+            </a:solidFill>
+            <a:prstDash val="sysDash"/>
+          </a:ln>
+        </p:spPr>
+        <p:style>
+          <a:lnRef idx="1">
+            <a:schemeClr val="accent1"/>
+          </a:lnRef>
+          <a:fillRef idx="0">
+            <a:schemeClr val="accent1"/>
+          </a:fillRef>
+          <a:effectRef idx="0">
+            <a:schemeClr val="accent1"/>
+          </a:effectRef>
+          <a:fontRef idx="minor">
+            <a:schemeClr val="tx1"/>
+          </a:fontRef>
+        </p:style>
+      </p:cxnSp>
+      <p:cxnSp>
+        <p:nvCxnSpPr>
+          <p:cNvPr id="8" name="直線接點 7">
+            <a:extLst>
+              <a:ext uri="{FF2B5EF4-FFF2-40B4-BE49-F238E27FC236}">
+                <a16:creationId xmlns:a16="http://schemas.microsoft.com/office/drawing/2014/main" id="{64398DED-A52A-4084-9CCC-D5CF641AF8FB}"/>
+              </a:ext>
+            </a:extLst>
+          </p:cNvPr>
+          <p:cNvCxnSpPr>
+            <a:cxnSpLocks/>
+          </p:cNvCxnSpPr>
+          <p:nvPr/>
+        </p:nvCxnSpPr>
+        <p:spPr>
+          <a:xfrm>
+            <a:off x="2484213" y="1589829"/>
+            <a:ext cx="449950" cy="96253"/>
+          </a:xfrm>
+          <a:prstGeom prst="line">
+            <a:avLst/>
+          </a:prstGeom>
+          <a:ln w="76200">
+            <a:solidFill>
+              <a:schemeClr val="accent6">
+                <a:lumMod val="60000"/>
+                <a:lumOff val="40000"/>
+              </a:schemeClr>
+            </a:solidFill>
+          </a:ln>
+        </p:spPr>
+        <p:style>
+          <a:lnRef idx="1">
+            <a:schemeClr val="accent1"/>
+          </a:lnRef>
+          <a:fillRef idx="0">
+            <a:schemeClr val="accent1"/>
+          </a:fillRef>
+          <a:effectRef idx="0">
+            <a:schemeClr val="accent1"/>
+          </a:effectRef>
+          <a:fontRef idx="minor">
+            <a:schemeClr val="tx1"/>
+          </a:fontRef>
+        </p:style>
+      </p:cxnSp>
+      <p:cxnSp>
+        <p:nvCxnSpPr>
+          <p:cNvPr id="14" name="直線接點 13">
+            <a:extLst>
+              <a:ext uri="{FF2B5EF4-FFF2-40B4-BE49-F238E27FC236}">
+                <a16:creationId xmlns:a16="http://schemas.microsoft.com/office/drawing/2014/main" id="{D69EC5B9-026D-90EE-302B-5CF929A5087B}"/>
+              </a:ext>
+            </a:extLst>
+          </p:cNvPr>
+          <p:cNvCxnSpPr>
+            <a:cxnSpLocks/>
+          </p:cNvCxnSpPr>
+          <p:nvPr/>
+        </p:nvCxnSpPr>
+        <p:spPr>
+          <a:xfrm flipV="1">
+            <a:off x="2934163" y="1381282"/>
+            <a:ext cx="449950" cy="288757"/>
+          </a:xfrm>
+          <a:prstGeom prst="line">
+            <a:avLst/>
+          </a:prstGeom>
+          <a:ln w="76200">
+            <a:solidFill>
+              <a:schemeClr val="accent6">
+                <a:lumMod val="75000"/>
+              </a:schemeClr>
+            </a:solidFill>
+          </a:ln>
+        </p:spPr>
+        <p:style>
+          <a:lnRef idx="1">
+            <a:schemeClr val="accent1"/>
+          </a:lnRef>
+          <a:fillRef idx="0">
+            <a:schemeClr val="accent1"/>
+          </a:fillRef>
+          <a:effectRef idx="0">
+            <a:schemeClr val="accent1"/>
+          </a:effectRef>
+          <a:fontRef idx="minor">
+            <a:schemeClr val="tx1"/>
+          </a:fontRef>
+        </p:style>
+      </p:cxnSp>
+      <p:cxnSp>
+        <p:nvCxnSpPr>
+          <p:cNvPr id="23" name="直線接點 22">
+            <a:extLst>
+              <a:ext uri="{FF2B5EF4-FFF2-40B4-BE49-F238E27FC236}">
+                <a16:creationId xmlns:a16="http://schemas.microsoft.com/office/drawing/2014/main" id="{334C8E83-6828-2EF0-0188-F08FF43D38C5}"/>
+              </a:ext>
+            </a:extLst>
+          </p:cNvPr>
+          <p:cNvCxnSpPr>
+            <a:cxnSpLocks/>
+          </p:cNvCxnSpPr>
+          <p:nvPr/>
+        </p:nvCxnSpPr>
+        <p:spPr>
+          <a:xfrm>
+            <a:off x="3384113" y="1397323"/>
+            <a:ext cx="583995" cy="882317"/>
+          </a:xfrm>
+          <a:prstGeom prst="line">
+            <a:avLst/>
+          </a:prstGeom>
+          <a:ln w="76200">
+            <a:solidFill>
+              <a:schemeClr val="tx1"/>
+            </a:solidFill>
+            <a:prstDash val="sysDash"/>
+          </a:ln>
+        </p:spPr>
+        <p:style>
+          <a:lnRef idx="1">
+            <a:schemeClr val="accent1"/>
+          </a:lnRef>
+          <a:fillRef idx="0">
+            <a:schemeClr val="accent1"/>
+          </a:fillRef>
+          <a:effectRef idx="0">
+            <a:schemeClr val="accent1"/>
+          </a:effectRef>
+          <a:fontRef idx="minor">
+            <a:schemeClr val="tx1"/>
+          </a:fontRef>
+        </p:style>
+      </p:cxnSp>
+      <p:cxnSp>
+        <p:nvCxnSpPr>
+          <p:cNvPr id="25" name="直線接點 24">
+            <a:extLst>
+              <a:ext uri="{FF2B5EF4-FFF2-40B4-BE49-F238E27FC236}">
+                <a16:creationId xmlns:a16="http://schemas.microsoft.com/office/drawing/2014/main" id="{1A9FECFB-6286-CC76-27CE-F8C9C56F7E4C}"/>
+              </a:ext>
+            </a:extLst>
+          </p:cNvPr>
+          <p:cNvCxnSpPr>
+            <a:cxnSpLocks/>
+          </p:cNvCxnSpPr>
+          <p:nvPr/>
+        </p:nvCxnSpPr>
+        <p:spPr>
+          <a:xfrm flipV="1">
+            <a:off x="3968108" y="1838481"/>
+            <a:ext cx="899900" cy="441159"/>
+          </a:xfrm>
+          <a:prstGeom prst="line">
+            <a:avLst/>
+          </a:prstGeom>
+          <a:ln w="76200">
+            <a:solidFill>
+              <a:schemeClr val="tx1"/>
+            </a:solidFill>
+            <a:prstDash val="sysDash"/>
+          </a:ln>
+        </p:spPr>
+        <p:style>
+          <a:lnRef idx="1">
+            <a:schemeClr val="accent1"/>
+          </a:lnRef>
+          <a:fillRef idx="0">
+            <a:schemeClr val="accent1"/>
+          </a:fillRef>
+          <a:effectRef idx="0">
+            <a:schemeClr val="accent1"/>
+          </a:effectRef>
+          <a:fontRef idx="minor">
+            <a:schemeClr val="tx1"/>
+          </a:fontRef>
+        </p:style>
+      </p:cxnSp>
+      <p:cxnSp>
+        <p:nvCxnSpPr>
+          <p:cNvPr id="27" name="直線接點 26">
+            <a:extLst>
+              <a:ext uri="{FF2B5EF4-FFF2-40B4-BE49-F238E27FC236}">
+                <a16:creationId xmlns:a16="http://schemas.microsoft.com/office/drawing/2014/main" id="{1D07C291-F2CF-2CDE-D278-E4B99A3EB04E}"/>
+              </a:ext>
+            </a:extLst>
+          </p:cNvPr>
+          <p:cNvCxnSpPr/>
+          <p:nvPr/>
+        </p:nvCxnSpPr>
+        <p:spPr>
+          <a:xfrm flipV="1">
+            <a:off x="4868008" y="1369250"/>
+            <a:ext cx="778042" cy="481264"/>
+          </a:xfrm>
+          <a:prstGeom prst="line">
+            <a:avLst/>
+          </a:prstGeom>
+          <a:ln w="76200">
+            <a:solidFill>
+              <a:schemeClr val="accent6">
+                <a:lumMod val="40000"/>
+                <a:lumOff val="60000"/>
+              </a:schemeClr>
+            </a:solidFill>
+          </a:ln>
+        </p:spPr>
+        <p:style>
+          <a:lnRef idx="1">
+            <a:schemeClr val="accent1"/>
+          </a:lnRef>
+          <a:fillRef idx="0">
+            <a:schemeClr val="accent1"/>
+          </a:fillRef>
+          <a:effectRef idx="0">
+            <a:schemeClr val="accent1"/>
+          </a:effectRef>
+          <a:fontRef idx="minor">
+            <a:schemeClr val="tx1"/>
+          </a:fontRef>
+        </p:style>
+      </p:cxnSp>
+      <p:cxnSp>
+        <p:nvCxnSpPr>
+          <p:cNvPr id="28" name="直線接點 27">
+            <a:extLst>
+              <a:ext uri="{FF2B5EF4-FFF2-40B4-BE49-F238E27FC236}">
+                <a16:creationId xmlns:a16="http://schemas.microsoft.com/office/drawing/2014/main" id="{7F57E324-82AA-9442-0E29-42E3F7C5A2C3}"/>
+              </a:ext>
+            </a:extLst>
+          </p:cNvPr>
+          <p:cNvCxnSpPr>
+            <a:cxnSpLocks/>
+          </p:cNvCxnSpPr>
+          <p:nvPr/>
+        </p:nvCxnSpPr>
+        <p:spPr>
+          <a:xfrm>
+            <a:off x="5646050" y="1369250"/>
+            <a:ext cx="449950" cy="96253"/>
+          </a:xfrm>
+          <a:prstGeom prst="line">
+            <a:avLst/>
+          </a:prstGeom>
+          <a:ln w="76200">
+            <a:solidFill>
+              <a:schemeClr val="accent6">
+                <a:lumMod val="75000"/>
+              </a:schemeClr>
+            </a:solidFill>
+          </a:ln>
+        </p:spPr>
+        <p:style>
+          <a:lnRef idx="1">
+            <a:schemeClr val="accent1"/>
+          </a:lnRef>
+          <a:fillRef idx="0">
+            <a:schemeClr val="accent1"/>
+          </a:fillRef>
+          <a:effectRef idx="0">
+            <a:schemeClr val="accent1"/>
+          </a:effectRef>
+          <a:fontRef idx="minor">
+            <a:schemeClr val="tx1"/>
+          </a:fontRef>
+        </p:style>
+      </p:cxnSp>
+      <p:cxnSp>
+        <p:nvCxnSpPr>
+          <p:cNvPr id="29" name="直線接點 28">
+            <a:extLst>
+              <a:ext uri="{FF2B5EF4-FFF2-40B4-BE49-F238E27FC236}">
+                <a16:creationId xmlns:a16="http://schemas.microsoft.com/office/drawing/2014/main" id="{4F7AABF4-3F55-5F7A-DE50-F13F8789C131}"/>
+              </a:ext>
+            </a:extLst>
+          </p:cNvPr>
+          <p:cNvCxnSpPr>
+            <a:cxnSpLocks/>
+          </p:cNvCxnSpPr>
+          <p:nvPr/>
+        </p:nvCxnSpPr>
+        <p:spPr>
+          <a:xfrm flipV="1">
+            <a:off x="6096000" y="1160703"/>
+            <a:ext cx="449950" cy="288757"/>
+          </a:xfrm>
+          <a:prstGeom prst="line">
+            <a:avLst/>
+          </a:prstGeom>
+          <a:ln w="76200">
+            <a:solidFill>
+              <a:schemeClr val="tx1"/>
+            </a:solidFill>
+            <a:prstDash val="sysDash"/>
+          </a:ln>
+        </p:spPr>
+        <p:style>
+          <a:lnRef idx="1">
+            <a:schemeClr val="accent1"/>
+          </a:lnRef>
+          <a:fillRef idx="0">
+            <a:schemeClr val="accent1"/>
+          </a:fillRef>
+          <a:effectRef idx="0">
+            <a:schemeClr val="accent1"/>
+          </a:effectRef>
+          <a:fontRef idx="minor">
+            <a:schemeClr val="tx1"/>
+          </a:fontRef>
+        </p:style>
+      </p:cxnSp>
+      <p:cxnSp>
+        <p:nvCxnSpPr>
+          <p:cNvPr id="30" name="直線接點 29">
+            <a:extLst>
+              <a:ext uri="{FF2B5EF4-FFF2-40B4-BE49-F238E27FC236}">
+                <a16:creationId xmlns:a16="http://schemas.microsoft.com/office/drawing/2014/main" id="{BAA9D3F0-C9D6-E14E-5565-69DEB4237F4D}"/>
+              </a:ext>
+            </a:extLst>
+          </p:cNvPr>
+          <p:cNvCxnSpPr>
+            <a:cxnSpLocks/>
+          </p:cNvCxnSpPr>
+          <p:nvPr/>
+        </p:nvCxnSpPr>
+        <p:spPr>
+          <a:xfrm>
+            <a:off x="6545950" y="1176744"/>
+            <a:ext cx="583995" cy="882317"/>
+          </a:xfrm>
+          <a:prstGeom prst="line">
+            <a:avLst/>
+          </a:prstGeom>
+          <a:ln w="76200">
+            <a:solidFill>
+              <a:schemeClr val="tx1"/>
+            </a:solidFill>
+            <a:prstDash val="sysDash"/>
+          </a:ln>
+        </p:spPr>
+        <p:style>
+          <a:lnRef idx="1">
+            <a:schemeClr val="accent1"/>
+          </a:lnRef>
+          <a:fillRef idx="0">
+            <a:schemeClr val="accent1"/>
+          </a:fillRef>
+          <a:effectRef idx="0">
+            <a:schemeClr val="accent1"/>
+          </a:effectRef>
+          <a:fontRef idx="minor">
+            <a:schemeClr val="tx1"/>
+          </a:fontRef>
+        </p:style>
+      </p:cxnSp>
+      <p:cxnSp>
+        <p:nvCxnSpPr>
+          <p:cNvPr id="31" name="直線接點 30">
+            <a:extLst>
+              <a:ext uri="{FF2B5EF4-FFF2-40B4-BE49-F238E27FC236}">
+                <a16:creationId xmlns:a16="http://schemas.microsoft.com/office/drawing/2014/main" id="{7D8A80AF-95F6-25AF-C784-4E5A1AE31D6C}"/>
+              </a:ext>
+            </a:extLst>
+          </p:cNvPr>
+          <p:cNvCxnSpPr>
+            <a:cxnSpLocks/>
+          </p:cNvCxnSpPr>
+          <p:nvPr/>
+        </p:nvCxnSpPr>
+        <p:spPr>
+          <a:xfrm flipV="1">
+            <a:off x="7129945" y="1617902"/>
+            <a:ext cx="899900" cy="441159"/>
+          </a:xfrm>
+          <a:prstGeom prst="line">
+            <a:avLst/>
+          </a:prstGeom>
+          <a:ln w="76200">
+            <a:solidFill>
+              <a:schemeClr val="tx1"/>
+            </a:solidFill>
+            <a:prstDash val="sysDash"/>
+          </a:ln>
+        </p:spPr>
+        <p:style>
+          <a:lnRef idx="1">
+            <a:schemeClr val="accent1"/>
+          </a:lnRef>
+          <a:fillRef idx="0">
+            <a:schemeClr val="accent1"/>
+          </a:fillRef>
+          <a:effectRef idx="0">
+            <a:schemeClr val="accent1"/>
+          </a:effectRef>
+          <a:fontRef idx="minor">
+            <a:schemeClr val="tx1"/>
+          </a:fontRef>
+        </p:style>
+      </p:cxnSp>
+      <p:cxnSp>
+        <p:nvCxnSpPr>
+          <p:cNvPr id="32" name="直線接點 31">
+            <a:extLst>
+              <a:ext uri="{FF2B5EF4-FFF2-40B4-BE49-F238E27FC236}">
+                <a16:creationId xmlns:a16="http://schemas.microsoft.com/office/drawing/2014/main" id="{27C60A26-2A34-144D-60A5-6C8558550C38}"/>
+              </a:ext>
+            </a:extLst>
+          </p:cNvPr>
+          <p:cNvCxnSpPr>
+            <a:cxnSpLocks/>
+          </p:cNvCxnSpPr>
+          <p:nvPr/>
+        </p:nvCxnSpPr>
+        <p:spPr>
+          <a:xfrm>
+            <a:off x="1763089" y="2548247"/>
+            <a:ext cx="721124" cy="322946"/>
+          </a:xfrm>
+          <a:prstGeom prst="line">
+            <a:avLst/>
+          </a:prstGeom>
+          <a:ln w="76200">
+            <a:solidFill>
+              <a:schemeClr val="tx1"/>
+            </a:solidFill>
+            <a:prstDash val="sysDash"/>
+          </a:ln>
+        </p:spPr>
+        <p:style>
+          <a:lnRef idx="1">
+            <a:schemeClr val="accent1"/>
+          </a:lnRef>
+          <a:fillRef idx="0">
+            <a:schemeClr val="accent1"/>
+          </a:fillRef>
+          <a:effectRef idx="0">
+            <a:schemeClr val="accent1"/>
+          </a:effectRef>
+          <a:fontRef idx="minor">
+            <a:schemeClr val="tx1"/>
+          </a:fontRef>
+        </p:style>
+      </p:cxnSp>
+      <p:cxnSp>
+        <p:nvCxnSpPr>
+          <p:cNvPr id="33" name="直線接點 32">
+            <a:extLst>
+              <a:ext uri="{FF2B5EF4-FFF2-40B4-BE49-F238E27FC236}">
+                <a16:creationId xmlns:a16="http://schemas.microsoft.com/office/drawing/2014/main" id="{7B584E89-1D9F-7D30-0494-5B6A830676E3}"/>
+              </a:ext>
+            </a:extLst>
+          </p:cNvPr>
+          <p:cNvCxnSpPr>
+            <a:cxnSpLocks/>
+          </p:cNvCxnSpPr>
+          <p:nvPr/>
+        </p:nvCxnSpPr>
+        <p:spPr>
+          <a:xfrm>
+            <a:off x="2484213" y="2871193"/>
+            <a:ext cx="449950" cy="96253"/>
+          </a:xfrm>
+          <a:prstGeom prst="line">
+            <a:avLst/>
+          </a:prstGeom>
+          <a:ln w="76200">
+            <a:solidFill>
+              <a:schemeClr val="accent6">
+                <a:lumMod val="60000"/>
+                <a:lumOff val="40000"/>
+              </a:schemeClr>
+            </a:solidFill>
+          </a:ln>
+        </p:spPr>
+        <p:style>
+          <a:lnRef idx="1">
+            <a:schemeClr val="accent1"/>
+          </a:lnRef>
+          <a:fillRef idx="0">
+            <a:schemeClr val="accent1"/>
+          </a:fillRef>
+          <a:effectRef idx="0">
+            <a:schemeClr val="accent1"/>
+          </a:effectRef>
+          <a:fontRef idx="minor">
+            <a:schemeClr val="tx1"/>
+          </a:fontRef>
+        </p:style>
+      </p:cxnSp>
+      <p:cxnSp>
+        <p:nvCxnSpPr>
+          <p:cNvPr id="34" name="直線接點 33">
+            <a:extLst>
+              <a:ext uri="{FF2B5EF4-FFF2-40B4-BE49-F238E27FC236}">
+                <a16:creationId xmlns:a16="http://schemas.microsoft.com/office/drawing/2014/main" id="{2D8C0E95-82C9-03AE-7EC2-0DDD2F208AEA}"/>
+              </a:ext>
+            </a:extLst>
+          </p:cNvPr>
+          <p:cNvCxnSpPr>
+            <a:cxnSpLocks/>
+          </p:cNvCxnSpPr>
+          <p:nvPr/>
+        </p:nvCxnSpPr>
+        <p:spPr>
+          <a:xfrm flipV="1">
+            <a:off x="2934163" y="2662646"/>
+            <a:ext cx="449950" cy="288757"/>
+          </a:xfrm>
+          <a:prstGeom prst="line">
+            <a:avLst/>
+          </a:prstGeom>
+          <a:ln w="76200">
+            <a:solidFill>
+              <a:schemeClr val="accent6">
+                <a:lumMod val="75000"/>
+              </a:schemeClr>
+            </a:solidFill>
+          </a:ln>
+        </p:spPr>
+        <p:style>
+          <a:lnRef idx="1">
+            <a:schemeClr val="accent1"/>
+          </a:lnRef>
+          <a:fillRef idx="0">
+            <a:schemeClr val="accent1"/>
+          </a:fillRef>
+          <a:effectRef idx="0">
+            <a:schemeClr val="accent1"/>
+          </a:effectRef>
+          <a:fontRef idx="minor">
+            <a:schemeClr val="tx1"/>
+          </a:fontRef>
+        </p:style>
+      </p:cxnSp>
+      <p:cxnSp>
+        <p:nvCxnSpPr>
+          <p:cNvPr id="35" name="直線接點 34">
+            <a:extLst>
+              <a:ext uri="{FF2B5EF4-FFF2-40B4-BE49-F238E27FC236}">
+                <a16:creationId xmlns:a16="http://schemas.microsoft.com/office/drawing/2014/main" id="{B384E88D-D2A9-9EA5-F932-E1BDCDD3062C}"/>
+              </a:ext>
+            </a:extLst>
+          </p:cNvPr>
+          <p:cNvCxnSpPr>
+            <a:cxnSpLocks/>
+          </p:cNvCxnSpPr>
+          <p:nvPr/>
+        </p:nvCxnSpPr>
+        <p:spPr>
+          <a:xfrm>
+            <a:off x="3384113" y="2678687"/>
+            <a:ext cx="681018" cy="192506"/>
+          </a:xfrm>
+          <a:prstGeom prst="line">
+            <a:avLst/>
+          </a:prstGeom>
+          <a:ln w="76200">
+            <a:solidFill>
+              <a:schemeClr val="tx1"/>
+            </a:solidFill>
+            <a:prstDash val="sysDash"/>
+          </a:ln>
+        </p:spPr>
+        <p:style>
+          <a:lnRef idx="1">
+            <a:schemeClr val="accent1"/>
+          </a:lnRef>
+          <a:fillRef idx="0">
+            <a:schemeClr val="accent1"/>
+          </a:fillRef>
+          <a:effectRef idx="0">
+            <a:schemeClr val="accent1"/>
+          </a:effectRef>
+          <a:fontRef idx="minor">
+            <a:schemeClr val="tx1"/>
+          </a:fontRef>
+        </p:style>
+      </p:cxnSp>
+      <p:cxnSp>
+        <p:nvCxnSpPr>
+          <p:cNvPr id="36" name="直線接點 35">
+            <a:extLst>
+              <a:ext uri="{FF2B5EF4-FFF2-40B4-BE49-F238E27FC236}">
+                <a16:creationId xmlns:a16="http://schemas.microsoft.com/office/drawing/2014/main" id="{36C153AF-B24B-0641-A829-F438F5DC667A}"/>
+              </a:ext>
+            </a:extLst>
+          </p:cNvPr>
+          <p:cNvCxnSpPr>
+            <a:cxnSpLocks/>
+          </p:cNvCxnSpPr>
+          <p:nvPr/>
+        </p:nvCxnSpPr>
+        <p:spPr>
+          <a:xfrm>
+            <a:off x="4048319" y="2871193"/>
+            <a:ext cx="819689" cy="248652"/>
+          </a:xfrm>
+          <a:prstGeom prst="line">
+            <a:avLst/>
+          </a:prstGeom>
+          <a:ln w="76200">
+            <a:solidFill>
+              <a:schemeClr val="tx1"/>
+            </a:solidFill>
+            <a:prstDash val="sysDash"/>
+          </a:ln>
+        </p:spPr>
+        <p:style>
+          <a:lnRef idx="1">
+            <a:schemeClr val="accent1"/>
+          </a:lnRef>
+          <a:fillRef idx="0">
+            <a:schemeClr val="accent1"/>
+          </a:fillRef>
+          <a:effectRef idx="0">
+            <a:schemeClr val="accent1"/>
+          </a:effectRef>
+          <a:fontRef idx="minor">
+            <a:schemeClr val="tx1"/>
+          </a:fontRef>
+        </p:style>
+      </p:cxnSp>
+      <p:cxnSp>
+        <p:nvCxnSpPr>
+          <p:cNvPr id="37" name="直線接點 36">
+            <a:extLst>
+              <a:ext uri="{FF2B5EF4-FFF2-40B4-BE49-F238E27FC236}">
+                <a16:creationId xmlns:a16="http://schemas.microsoft.com/office/drawing/2014/main" id="{D4DD7E63-2783-8E13-79DC-BE4490AE7709}"/>
+              </a:ext>
+            </a:extLst>
+          </p:cNvPr>
+          <p:cNvCxnSpPr/>
+          <p:nvPr/>
+        </p:nvCxnSpPr>
+        <p:spPr>
+          <a:xfrm flipV="1">
+            <a:off x="4868008" y="2650614"/>
+            <a:ext cx="778042" cy="481264"/>
+          </a:xfrm>
+          <a:prstGeom prst="line">
+            <a:avLst/>
+          </a:prstGeom>
+          <a:ln w="76200">
+            <a:solidFill>
+              <a:schemeClr val="accent6">
+                <a:lumMod val="40000"/>
+                <a:lumOff val="60000"/>
+              </a:schemeClr>
+            </a:solidFill>
+          </a:ln>
+        </p:spPr>
+        <p:style>
+          <a:lnRef idx="1">
+            <a:schemeClr val="accent1"/>
+          </a:lnRef>
+          <a:fillRef idx="0">
+            <a:schemeClr val="accent1"/>
+          </a:fillRef>
+          <a:effectRef idx="0">
+            <a:schemeClr val="accent1"/>
+          </a:effectRef>
+          <a:fontRef idx="minor">
+            <a:schemeClr val="tx1"/>
+          </a:fontRef>
+        </p:style>
+      </p:cxnSp>
+      <p:cxnSp>
+        <p:nvCxnSpPr>
+          <p:cNvPr id="38" name="直線接點 37">
+            <a:extLst>
+              <a:ext uri="{FF2B5EF4-FFF2-40B4-BE49-F238E27FC236}">
+                <a16:creationId xmlns:a16="http://schemas.microsoft.com/office/drawing/2014/main" id="{E716C856-056E-EABA-1B69-787BFC5B13F6}"/>
+              </a:ext>
+            </a:extLst>
+          </p:cNvPr>
+          <p:cNvCxnSpPr>
+            <a:cxnSpLocks/>
+          </p:cNvCxnSpPr>
+          <p:nvPr/>
+        </p:nvCxnSpPr>
+        <p:spPr>
+          <a:xfrm>
+            <a:off x="5646050" y="2650614"/>
+            <a:ext cx="449950" cy="96253"/>
+          </a:xfrm>
+          <a:prstGeom prst="line">
+            <a:avLst/>
+          </a:prstGeom>
+          <a:ln w="76200">
+            <a:solidFill>
+              <a:schemeClr val="accent6">
+                <a:lumMod val="75000"/>
+              </a:schemeClr>
+            </a:solidFill>
+          </a:ln>
+        </p:spPr>
+        <p:style>
+          <a:lnRef idx="1">
+            <a:schemeClr val="accent1"/>
+          </a:lnRef>
+          <a:fillRef idx="0">
+            <a:schemeClr val="accent1"/>
+          </a:fillRef>
+          <a:effectRef idx="0">
+            <a:schemeClr val="accent1"/>
+          </a:effectRef>
+          <a:fontRef idx="minor">
+            <a:schemeClr val="tx1"/>
+          </a:fontRef>
+        </p:style>
+      </p:cxnSp>
+      <p:cxnSp>
+        <p:nvCxnSpPr>
+          <p:cNvPr id="39" name="直線接點 38">
+            <a:extLst>
+              <a:ext uri="{FF2B5EF4-FFF2-40B4-BE49-F238E27FC236}">
+                <a16:creationId xmlns:a16="http://schemas.microsoft.com/office/drawing/2014/main" id="{2405F437-409B-13FC-4F04-43CF12F92515}"/>
+              </a:ext>
+            </a:extLst>
+          </p:cNvPr>
+          <p:cNvCxnSpPr>
+            <a:cxnSpLocks/>
+          </p:cNvCxnSpPr>
+          <p:nvPr/>
+        </p:nvCxnSpPr>
+        <p:spPr>
+          <a:xfrm>
+            <a:off x="6096000" y="2730824"/>
+            <a:ext cx="449950" cy="401054"/>
+          </a:xfrm>
+          <a:prstGeom prst="line">
+            <a:avLst/>
+          </a:prstGeom>
+          <a:ln w="76200">
+            <a:solidFill>
+              <a:schemeClr val="tx1"/>
+            </a:solidFill>
+            <a:prstDash val="sysDash"/>
+          </a:ln>
+        </p:spPr>
+        <p:style>
+          <a:lnRef idx="1">
+            <a:schemeClr val="accent1"/>
+          </a:lnRef>
+          <a:fillRef idx="0">
+            <a:schemeClr val="accent1"/>
+          </a:fillRef>
+          <a:effectRef idx="0">
+            <a:schemeClr val="accent1"/>
+          </a:effectRef>
+          <a:fontRef idx="minor">
+            <a:schemeClr val="tx1"/>
+          </a:fontRef>
+        </p:style>
+      </p:cxnSp>
+      <p:cxnSp>
+        <p:nvCxnSpPr>
+          <p:cNvPr id="40" name="直線接點 39">
+            <a:extLst>
+              <a:ext uri="{FF2B5EF4-FFF2-40B4-BE49-F238E27FC236}">
+                <a16:creationId xmlns:a16="http://schemas.microsoft.com/office/drawing/2014/main" id="{77406FF0-30F1-75C4-CADF-74F460CDE921}"/>
+              </a:ext>
+            </a:extLst>
+          </p:cNvPr>
+          <p:cNvCxnSpPr>
+            <a:cxnSpLocks/>
+          </p:cNvCxnSpPr>
+          <p:nvPr/>
+        </p:nvCxnSpPr>
+        <p:spPr>
+          <a:xfrm>
+            <a:off x="6545950" y="3131878"/>
+            <a:ext cx="583995" cy="208547"/>
+          </a:xfrm>
+          <a:prstGeom prst="line">
+            <a:avLst/>
+          </a:prstGeom>
+          <a:ln w="76200">
+            <a:solidFill>
+              <a:schemeClr val="tx1"/>
+            </a:solidFill>
+            <a:prstDash val="sysDash"/>
+          </a:ln>
+        </p:spPr>
+        <p:style>
+          <a:lnRef idx="1">
+            <a:schemeClr val="accent1"/>
+          </a:lnRef>
+          <a:fillRef idx="0">
+            <a:schemeClr val="accent1"/>
+          </a:fillRef>
+          <a:effectRef idx="0">
+            <a:schemeClr val="accent1"/>
+          </a:effectRef>
+          <a:fontRef idx="minor">
+            <a:schemeClr val="tx1"/>
+          </a:fontRef>
+        </p:style>
+      </p:cxnSp>
+      <p:cxnSp>
+        <p:nvCxnSpPr>
+          <p:cNvPr id="41" name="直線接點 40">
+            <a:extLst>
+              <a:ext uri="{FF2B5EF4-FFF2-40B4-BE49-F238E27FC236}">
+                <a16:creationId xmlns:a16="http://schemas.microsoft.com/office/drawing/2014/main" id="{30672DFA-0BEB-96CA-19BA-B10395CE9133}"/>
+              </a:ext>
+            </a:extLst>
+          </p:cNvPr>
+          <p:cNvCxnSpPr>
+            <a:cxnSpLocks/>
+          </p:cNvCxnSpPr>
+          <p:nvPr/>
+        </p:nvCxnSpPr>
+        <p:spPr>
+          <a:xfrm flipV="1">
+            <a:off x="7129945" y="3119845"/>
+            <a:ext cx="899900" cy="220580"/>
+          </a:xfrm>
+          <a:prstGeom prst="line">
+            <a:avLst/>
+          </a:prstGeom>
+          <a:ln w="76200">
+            <a:solidFill>
+              <a:schemeClr val="tx1"/>
+            </a:solidFill>
+            <a:prstDash val="sysDash"/>
+          </a:ln>
+        </p:spPr>
+        <p:style>
+          <a:lnRef idx="1">
+            <a:schemeClr val="accent1"/>
+          </a:lnRef>
+          <a:fillRef idx="0">
+            <a:schemeClr val="accent1"/>
+          </a:fillRef>
+          <a:effectRef idx="0">
+            <a:schemeClr val="accent1"/>
+          </a:effectRef>
+          <a:fontRef idx="minor">
+            <a:schemeClr val="tx1"/>
+          </a:fontRef>
+        </p:style>
+      </p:cxnSp>
+      <p:sp>
+        <p:nvSpPr>
+          <p:cNvPr id="47" name="TextBox 21">
+            <a:extLst>
+              <a:ext uri="{FF2B5EF4-FFF2-40B4-BE49-F238E27FC236}">
+                <a16:creationId xmlns:a16="http://schemas.microsoft.com/office/drawing/2014/main" id="{F4347A9D-81B3-918F-60AE-E62E4A5CE21F}"/>
+              </a:ext>
+            </a:extLst>
+          </p:cNvPr>
+          <p:cNvSpPr txBox="1"/>
+          <p:nvPr/>
+        </p:nvSpPr>
+        <p:spPr>
+          <a:xfrm>
+            <a:off x="8613840" y="1686082"/>
+            <a:ext cx="1027465" cy="246221"/>
+          </a:xfrm>
+          <a:prstGeom prst="rect">
+            <a:avLst/>
+          </a:prstGeom>
+          <a:noFill/>
+        </p:spPr>
+        <p:txBody>
+          <a:bodyPr wrap="square" rtlCol="0">
+            <a:spAutoFit/>
+          </a:bodyPr>
+          <a:lstStyle/>
+          <a:p>
+            <a:pPr algn="ctr" defTabSz="182880"/>
+            <a:r>
+              <a:rPr lang="en-US" altLang="zh-TW" sz="1000" b="1">
+                <a:latin typeface="Consolas" panose="020B0609020204030204" pitchFamily="49" charset="0"/>
+              </a:rPr>
+              <a:t>Mod 1</a:t>
+            </a:r>
+            <a:endParaRPr lang="en-US" sz="1000" b="1">
+              <a:latin typeface="Consolas" panose="020B0609020204030204" pitchFamily="49" charset="0"/>
+            </a:endParaRPr>
+          </a:p>
+        </p:txBody>
+      </p:sp>
+      <p:sp>
+        <p:nvSpPr>
+          <p:cNvPr id="48" name="TextBox 21">
+            <a:extLst>
+              <a:ext uri="{FF2B5EF4-FFF2-40B4-BE49-F238E27FC236}">
+                <a16:creationId xmlns:a16="http://schemas.microsoft.com/office/drawing/2014/main" id="{04109063-A8F8-7E53-460F-2454BA71C117}"/>
+              </a:ext>
+            </a:extLst>
+          </p:cNvPr>
+          <p:cNvSpPr txBox="1"/>
+          <p:nvPr/>
+        </p:nvSpPr>
+        <p:spPr>
+          <a:xfrm>
+            <a:off x="8613840" y="2776155"/>
+            <a:ext cx="1027465" cy="246221"/>
+          </a:xfrm>
+          <a:prstGeom prst="rect">
+            <a:avLst/>
+          </a:prstGeom>
+          <a:noFill/>
+        </p:spPr>
+        <p:txBody>
+          <a:bodyPr wrap="square" rtlCol="0">
+            <a:spAutoFit/>
+          </a:bodyPr>
+          <a:lstStyle/>
+          <a:p>
+            <a:pPr algn="ctr" defTabSz="182880"/>
+            <a:r>
+              <a:rPr lang="en-US" altLang="zh-TW" sz="1000" b="1">
+                <a:latin typeface="Consolas" panose="020B0609020204030204" pitchFamily="49" charset="0"/>
+              </a:rPr>
+              <a:t>Mod 1</a:t>
+            </a:r>
+            <a:endParaRPr lang="en-US" sz="1000" b="1">
+              <a:latin typeface="Consolas" panose="020B0609020204030204" pitchFamily="49" charset="0"/>
+            </a:endParaRPr>
+          </a:p>
+        </p:txBody>
+      </p:sp>
+      <p:sp>
+        <p:nvSpPr>
+          <p:cNvPr id="51" name="橢圓 50">
+            <a:extLst>
+              <a:ext uri="{FF2B5EF4-FFF2-40B4-BE49-F238E27FC236}">
+                <a16:creationId xmlns:a16="http://schemas.microsoft.com/office/drawing/2014/main" id="{5C26915E-8AF7-4FEC-BDE7-77435E354889}"/>
+              </a:ext>
+            </a:extLst>
+          </p:cNvPr>
+          <p:cNvSpPr/>
+          <p:nvPr/>
+        </p:nvSpPr>
+        <p:spPr>
+          <a:xfrm>
+            <a:off x="1726937" y="5108625"/>
+            <a:ext cx="277318" cy="277318"/>
+          </a:xfrm>
+          <a:prstGeom prst="ellipse">
+            <a:avLst/>
+          </a:prstGeom>
+          <a:noFill/>
+          <a:ln w="76200">
+            <a:solidFill>
+              <a:schemeClr val="tx1"/>
+            </a:solidFill>
+          </a:ln>
+        </p:spPr>
+        <p:style>
+          <a:lnRef idx="2">
+            <a:schemeClr val="accent1">
+              <a:shade val="15000"/>
+            </a:schemeClr>
+          </a:lnRef>
+          <a:fillRef idx="1">
+            <a:schemeClr val="accent1"/>
+          </a:fillRef>
+          <a:effectRef idx="0">
+            <a:schemeClr val="accent1"/>
+          </a:effectRef>
+          <a:fontRef idx="minor">
+            <a:schemeClr val="lt1"/>
+          </a:fontRef>
+        </p:style>
+        <p:txBody>
+          <a:bodyPr rtlCol="0" anchor="ctr"/>
+          <a:lstStyle/>
+          <a:p>
+            <a:pPr algn="ctr"/>
+            <a:endParaRPr lang="zh-TW" altLang="en-US"/>
+          </a:p>
+        </p:txBody>
+      </p:sp>
+      <p:sp>
+        <p:nvSpPr>
+          <p:cNvPr id="52" name="橢圓 51">
+            <a:extLst>
+              <a:ext uri="{FF2B5EF4-FFF2-40B4-BE49-F238E27FC236}">
+                <a16:creationId xmlns:a16="http://schemas.microsoft.com/office/drawing/2014/main" id="{7817091B-4AF9-5475-6861-B8EEFFA9D49C}"/>
+              </a:ext>
+            </a:extLst>
+          </p:cNvPr>
+          <p:cNvSpPr/>
+          <p:nvPr/>
+        </p:nvSpPr>
+        <p:spPr>
+          <a:xfrm>
+            <a:off x="2367955" y="4716382"/>
+            <a:ext cx="277318" cy="277318"/>
+          </a:xfrm>
+          <a:prstGeom prst="ellipse">
+            <a:avLst/>
+          </a:prstGeom>
+          <a:noFill/>
+          <a:ln w="76200">
+            <a:solidFill>
+              <a:schemeClr val="tx1"/>
+            </a:solidFill>
+          </a:ln>
+        </p:spPr>
+        <p:style>
+          <a:lnRef idx="2">
+            <a:schemeClr val="accent1">
+              <a:shade val="15000"/>
+            </a:schemeClr>
+          </a:lnRef>
+          <a:fillRef idx="1">
+            <a:schemeClr val="accent1"/>
+          </a:fillRef>
+          <a:effectRef idx="0">
+            <a:schemeClr val="accent1"/>
+          </a:effectRef>
+          <a:fontRef idx="minor">
+            <a:schemeClr val="lt1"/>
+          </a:fontRef>
+        </p:style>
+        <p:txBody>
+          <a:bodyPr rtlCol="0" anchor="ctr"/>
+          <a:lstStyle/>
+          <a:p>
+            <a:pPr algn="ctr"/>
+            <a:endParaRPr lang="zh-TW" altLang="en-US"/>
+          </a:p>
+        </p:txBody>
+      </p:sp>
+      <p:sp>
+        <p:nvSpPr>
+          <p:cNvPr id="53" name="橢圓 52">
+            <a:extLst>
+              <a:ext uri="{FF2B5EF4-FFF2-40B4-BE49-F238E27FC236}">
+                <a16:creationId xmlns:a16="http://schemas.microsoft.com/office/drawing/2014/main" id="{75A17371-9D79-5040-9E16-5E8335FF0AE7}"/>
+              </a:ext>
+            </a:extLst>
+          </p:cNvPr>
+          <p:cNvSpPr/>
+          <p:nvPr/>
+        </p:nvSpPr>
+        <p:spPr>
+          <a:xfrm>
+            <a:off x="3124423" y="5502446"/>
+            <a:ext cx="277318" cy="277318"/>
+          </a:xfrm>
+          <a:prstGeom prst="ellipse">
+            <a:avLst/>
+          </a:prstGeom>
+          <a:noFill/>
+          <a:ln w="76200">
+            <a:solidFill>
+              <a:schemeClr val="tx1"/>
+            </a:solidFill>
+          </a:ln>
+        </p:spPr>
+        <p:style>
+          <a:lnRef idx="2">
+            <a:schemeClr val="accent1">
+              <a:shade val="15000"/>
+            </a:schemeClr>
+          </a:lnRef>
+          <a:fillRef idx="1">
+            <a:schemeClr val="accent1"/>
+          </a:fillRef>
+          <a:effectRef idx="0">
+            <a:schemeClr val="accent1"/>
+          </a:effectRef>
+          <a:fontRef idx="minor">
+            <a:schemeClr val="lt1"/>
+          </a:fontRef>
+        </p:style>
+        <p:txBody>
+          <a:bodyPr rtlCol="0" anchor="ctr"/>
+          <a:lstStyle/>
+          <a:p>
+            <a:pPr algn="ctr"/>
+            <a:endParaRPr lang="zh-TW" altLang="en-US"/>
+          </a:p>
+        </p:txBody>
+      </p:sp>
+      <p:sp>
+        <p:nvSpPr>
+          <p:cNvPr id="54" name="橢圓 53">
+            <a:extLst>
+              <a:ext uri="{FF2B5EF4-FFF2-40B4-BE49-F238E27FC236}">
+                <a16:creationId xmlns:a16="http://schemas.microsoft.com/office/drawing/2014/main" id="{86BD2B64-6418-FCB3-C816-591370ABE396}"/>
+              </a:ext>
+            </a:extLst>
+          </p:cNvPr>
+          <p:cNvSpPr/>
+          <p:nvPr/>
+        </p:nvSpPr>
+        <p:spPr>
+          <a:xfrm>
+            <a:off x="3830219" y="5108625"/>
+            <a:ext cx="277318" cy="277318"/>
+          </a:xfrm>
+          <a:prstGeom prst="ellipse">
+            <a:avLst/>
+          </a:prstGeom>
+          <a:noFill/>
+          <a:ln w="76200">
+            <a:solidFill>
+              <a:schemeClr val="tx1"/>
+            </a:solidFill>
+          </a:ln>
+        </p:spPr>
+        <p:style>
+          <a:lnRef idx="2">
+            <a:schemeClr val="accent1">
+              <a:shade val="15000"/>
+            </a:schemeClr>
+          </a:lnRef>
+          <a:fillRef idx="1">
+            <a:schemeClr val="accent1"/>
+          </a:fillRef>
+          <a:effectRef idx="0">
+            <a:schemeClr val="accent1"/>
+          </a:effectRef>
+          <a:fontRef idx="minor">
+            <a:schemeClr val="lt1"/>
+          </a:fontRef>
+        </p:style>
+        <p:txBody>
+          <a:bodyPr rtlCol="0" anchor="ctr"/>
+          <a:lstStyle/>
+          <a:p>
+            <a:pPr algn="ctr"/>
+            <a:endParaRPr lang="zh-TW" altLang="en-US"/>
+          </a:p>
+        </p:txBody>
+      </p:sp>
+      <p:sp>
+        <p:nvSpPr>
+          <p:cNvPr id="55" name="橢圓 54">
+            <a:extLst>
+              <a:ext uri="{FF2B5EF4-FFF2-40B4-BE49-F238E27FC236}">
+                <a16:creationId xmlns:a16="http://schemas.microsoft.com/office/drawing/2014/main" id="{8F95F4E9-AE92-C3E8-5C51-14B10F90EA63}"/>
+              </a:ext>
+            </a:extLst>
+          </p:cNvPr>
+          <p:cNvSpPr/>
+          <p:nvPr/>
+        </p:nvSpPr>
+        <p:spPr>
+          <a:xfrm>
+            <a:off x="4494437" y="5385943"/>
+            <a:ext cx="277318" cy="277318"/>
+          </a:xfrm>
+          <a:prstGeom prst="ellipse">
+            <a:avLst/>
+          </a:prstGeom>
+          <a:noFill/>
+          <a:ln w="76200">
+            <a:solidFill>
+              <a:schemeClr val="tx1"/>
+            </a:solidFill>
+          </a:ln>
+        </p:spPr>
+        <p:style>
+          <a:lnRef idx="2">
+            <a:schemeClr val="accent1">
+              <a:shade val="15000"/>
+            </a:schemeClr>
+          </a:lnRef>
+          <a:fillRef idx="1">
+            <a:schemeClr val="accent1"/>
+          </a:fillRef>
+          <a:effectRef idx="0">
+            <a:schemeClr val="accent1"/>
+          </a:effectRef>
+          <a:fontRef idx="minor">
+            <a:schemeClr val="lt1"/>
+          </a:fontRef>
+        </p:style>
+        <p:txBody>
+          <a:bodyPr rtlCol="0" anchor="ctr"/>
+          <a:lstStyle/>
+          <a:p>
+            <a:pPr algn="ctr"/>
+            <a:endParaRPr lang="zh-TW" altLang="en-US"/>
+          </a:p>
+        </p:txBody>
+      </p:sp>
+      <p:sp>
+        <p:nvSpPr>
+          <p:cNvPr id="56" name="橢圓 55">
+            <a:extLst>
+              <a:ext uri="{FF2B5EF4-FFF2-40B4-BE49-F238E27FC236}">
+                <a16:creationId xmlns:a16="http://schemas.microsoft.com/office/drawing/2014/main" id="{B8FE21B1-FEDB-F5EB-42B4-2A85C28F951E}"/>
+              </a:ext>
+            </a:extLst>
+          </p:cNvPr>
+          <p:cNvSpPr/>
+          <p:nvPr/>
+        </p:nvSpPr>
+        <p:spPr>
+          <a:xfrm>
+            <a:off x="5322681" y="5141498"/>
+            <a:ext cx="277318" cy="277318"/>
+          </a:xfrm>
+          <a:prstGeom prst="ellipse">
+            <a:avLst/>
+          </a:prstGeom>
+          <a:noFill/>
+          <a:ln w="76200">
+            <a:solidFill>
+              <a:schemeClr val="tx1"/>
+            </a:solidFill>
+          </a:ln>
+        </p:spPr>
+        <p:style>
+          <a:lnRef idx="2">
+            <a:schemeClr val="accent1">
+              <a:shade val="15000"/>
+            </a:schemeClr>
+          </a:lnRef>
+          <a:fillRef idx="1">
+            <a:schemeClr val="accent1"/>
+          </a:fillRef>
+          <a:effectRef idx="0">
+            <a:schemeClr val="accent1"/>
+          </a:effectRef>
+          <a:fontRef idx="minor">
+            <a:schemeClr val="lt1"/>
+          </a:fontRef>
+        </p:style>
+        <p:txBody>
+          <a:bodyPr rtlCol="0" anchor="ctr"/>
+          <a:lstStyle/>
+          <a:p>
+            <a:pPr algn="ctr"/>
+            <a:endParaRPr lang="zh-TW" altLang="en-US"/>
+          </a:p>
+        </p:txBody>
+      </p:sp>
+      <p:sp>
+        <p:nvSpPr>
+          <p:cNvPr id="57" name="橢圓 56">
+            <a:extLst>
+              <a:ext uri="{FF2B5EF4-FFF2-40B4-BE49-F238E27FC236}">
+                <a16:creationId xmlns:a16="http://schemas.microsoft.com/office/drawing/2014/main" id="{FD5415F2-70A1-F749-1D6D-50D904DD216C}"/>
+              </a:ext>
+            </a:extLst>
+          </p:cNvPr>
+          <p:cNvSpPr/>
+          <p:nvPr/>
+        </p:nvSpPr>
+        <p:spPr>
+          <a:xfrm>
+            <a:off x="5963699" y="4749255"/>
+            <a:ext cx="277318" cy="277318"/>
+          </a:xfrm>
+          <a:prstGeom prst="ellipse">
+            <a:avLst/>
+          </a:prstGeom>
+          <a:noFill/>
+          <a:ln w="76200">
+            <a:solidFill>
+              <a:schemeClr val="tx1"/>
+            </a:solidFill>
+          </a:ln>
+        </p:spPr>
+        <p:style>
+          <a:lnRef idx="2">
+            <a:schemeClr val="accent1">
+              <a:shade val="15000"/>
+            </a:schemeClr>
+          </a:lnRef>
+          <a:fillRef idx="1">
+            <a:schemeClr val="accent1"/>
+          </a:fillRef>
+          <a:effectRef idx="0">
+            <a:schemeClr val="accent1"/>
+          </a:effectRef>
+          <a:fontRef idx="minor">
+            <a:schemeClr val="lt1"/>
+          </a:fontRef>
+        </p:style>
+        <p:txBody>
+          <a:bodyPr rtlCol="0" anchor="ctr"/>
+          <a:lstStyle/>
+          <a:p>
+            <a:pPr algn="ctr"/>
+            <a:endParaRPr lang="zh-TW" altLang="en-US"/>
+          </a:p>
+        </p:txBody>
+      </p:sp>
+      <p:sp>
+        <p:nvSpPr>
+          <p:cNvPr id="58" name="橢圓 57">
+            <a:extLst>
+              <a:ext uri="{FF2B5EF4-FFF2-40B4-BE49-F238E27FC236}">
+                <a16:creationId xmlns:a16="http://schemas.microsoft.com/office/drawing/2014/main" id="{C4494D79-73E8-91A2-E56D-62B70CC6C8FE}"/>
+              </a:ext>
+            </a:extLst>
+          </p:cNvPr>
+          <p:cNvSpPr/>
+          <p:nvPr/>
+        </p:nvSpPr>
+        <p:spPr>
+          <a:xfrm>
+            <a:off x="6720167" y="5535319"/>
+            <a:ext cx="277318" cy="277318"/>
+          </a:xfrm>
+          <a:prstGeom prst="ellipse">
+            <a:avLst/>
+          </a:prstGeom>
+          <a:noFill/>
+          <a:ln w="76200">
+            <a:solidFill>
+              <a:schemeClr val="tx1"/>
+            </a:solidFill>
+          </a:ln>
+        </p:spPr>
+        <p:style>
+          <a:lnRef idx="2">
+            <a:schemeClr val="accent1">
+              <a:shade val="15000"/>
+            </a:schemeClr>
+          </a:lnRef>
+          <a:fillRef idx="1">
+            <a:schemeClr val="accent1"/>
+          </a:fillRef>
+          <a:effectRef idx="0">
+            <a:schemeClr val="accent1"/>
+          </a:effectRef>
+          <a:fontRef idx="minor">
+            <a:schemeClr val="lt1"/>
+          </a:fontRef>
+        </p:style>
+        <p:txBody>
+          <a:bodyPr rtlCol="0" anchor="ctr"/>
+          <a:lstStyle/>
+          <a:p>
+            <a:pPr algn="ctr"/>
+            <a:endParaRPr lang="zh-TW" altLang="en-US"/>
+          </a:p>
+        </p:txBody>
+      </p:sp>
+      <p:sp>
+        <p:nvSpPr>
+          <p:cNvPr id="59" name="橢圓 58">
+            <a:extLst>
+              <a:ext uri="{FF2B5EF4-FFF2-40B4-BE49-F238E27FC236}">
+                <a16:creationId xmlns:a16="http://schemas.microsoft.com/office/drawing/2014/main" id="{73C33BB7-A539-9951-81F1-8E563A3D6BDE}"/>
+              </a:ext>
+            </a:extLst>
+          </p:cNvPr>
+          <p:cNvSpPr/>
+          <p:nvPr/>
+        </p:nvSpPr>
+        <p:spPr>
+          <a:xfrm>
+            <a:off x="7425963" y="5141498"/>
+            <a:ext cx="277318" cy="277318"/>
+          </a:xfrm>
+          <a:prstGeom prst="ellipse">
+            <a:avLst/>
+          </a:prstGeom>
+          <a:noFill/>
+          <a:ln w="76200">
+            <a:solidFill>
+              <a:schemeClr val="tx1"/>
+            </a:solidFill>
+          </a:ln>
+        </p:spPr>
+        <p:style>
+          <a:lnRef idx="2">
+            <a:schemeClr val="accent1">
+              <a:shade val="15000"/>
+            </a:schemeClr>
+          </a:lnRef>
+          <a:fillRef idx="1">
+            <a:schemeClr val="accent1"/>
+          </a:fillRef>
+          <a:effectRef idx="0">
+            <a:schemeClr val="accent1"/>
+          </a:effectRef>
+          <a:fontRef idx="minor">
+            <a:schemeClr val="lt1"/>
+          </a:fontRef>
+        </p:style>
+        <p:txBody>
+          <a:bodyPr rtlCol="0" anchor="ctr"/>
+          <a:lstStyle/>
+          <a:p>
+            <a:pPr algn="ctr"/>
+            <a:endParaRPr lang="zh-TW" altLang="en-US"/>
+          </a:p>
+        </p:txBody>
+      </p:sp>
+      <p:sp>
+        <p:nvSpPr>
+          <p:cNvPr id="60" name="橢圓 59">
+            <a:extLst>
+              <a:ext uri="{FF2B5EF4-FFF2-40B4-BE49-F238E27FC236}">
+                <a16:creationId xmlns:a16="http://schemas.microsoft.com/office/drawing/2014/main" id="{B382CB67-1678-C857-3F2C-C408C2D30F39}"/>
+              </a:ext>
+            </a:extLst>
+          </p:cNvPr>
+          <p:cNvSpPr/>
+          <p:nvPr/>
+        </p:nvSpPr>
+        <p:spPr>
+          <a:xfrm>
+            <a:off x="8090181" y="5418816"/>
+            <a:ext cx="277318" cy="277318"/>
+          </a:xfrm>
+          <a:prstGeom prst="ellipse">
+            <a:avLst/>
+          </a:prstGeom>
+          <a:noFill/>
+          <a:ln w="76200">
+            <a:solidFill>
+              <a:schemeClr val="tx1"/>
+            </a:solidFill>
+          </a:ln>
+        </p:spPr>
+        <p:style>
+          <a:lnRef idx="2">
+            <a:schemeClr val="accent1">
+              <a:shade val="15000"/>
+            </a:schemeClr>
+          </a:lnRef>
+          <a:fillRef idx="1">
+            <a:schemeClr val="accent1"/>
+          </a:fillRef>
+          <a:effectRef idx="0">
+            <a:schemeClr val="accent1"/>
+          </a:effectRef>
+          <a:fontRef idx="minor">
+            <a:schemeClr val="lt1"/>
+          </a:fontRef>
+        </p:style>
+        <p:txBody>
+          <a:bodyPr rtlCol="0" anchor="ctr"/>
+          <a:lstStyle/>
+          <a:p>
+            <a:pPr algn="ctr"/>
+            <a:endParaRPr lang="zh-TW" altLang="en-US"/>
+          </a:p>
+        </p:txBody>
+      </p:sp>
+      <p:cxnSp>
+        <p:nvCxnSpPr>
+          <p:cNvPr id="61" name="直線接點 60">
+            <a:extLst>
+              <a:ext uri="{FF2B5EF4-FFF2-40B4-BE49-F238E27FC236}">
+                <a16:creationId xmlns:a16="http://schemas.microsoft.com/office/drawing/2014/main" id="{2C8D0712-98A3-1BCF-D40D-3F666B2BC152}"/>
+              </a:ext>
+            </a:extLst>
+          </p:cNvPr>
+          <p:cNvCxnSpPr>
+            <a:cxnSpLocks/>
+            <a:stCxn id="52" idx="6"/>
+          </p:cNvCxnSpPr>
+          <p:nvPr/>
+        </p:nvCxnSpPr>
+        <p:spPr>
+          <a:xfrm>
+            <a:off x="2645273" y="4855041"/>
+            <a:ext cx="617809" cy="780342"/>
+          </a:xfrm>
+          <a:prstGeom prst="line">
+            <a:avLst/>
+          </a:prstGeom>
+          <a:ln w="76200">
+            <a:solidFill>
+              <a:schemeClr val="tx1"/>
+            </a:solidFill>
+            <a:prstDash val="sysDash"/>
+          </a:ln>
+        </p:spPr>
+        <p:style>
+          <a:lnRef idx="1">
+            <a:schemeClr val="accent1"/>
+          </a:lnRef>
+          <a:fillRef idx="0">
+            <a:schemeClr val="accent1"/>
+          </a:fillRef>
+          <a:effectRef idx="0">
+            <a:schemeClr val="accent1"/>
+          </a:effectRef>
+          <a:fontRef idx="minor">
+            <a:schemeClr val="tx1"/>
+          </a:fontRef>
+        </p:style>
+      </p:cxnSp>
+      <p:cxnSp>
+        <p:nvCxnSpPr>
+          <p:cNvPr id="64" name="直線接點 63">
+            <a:extLst>
+              <a:ext uri="{FF2B5EF4-FFF2-40B4-BE49-F238E27FC236}">
+                <a16:creationId xmlns:a16="http://schemas.microsoft.com/office/drawing/2014/main" id="{A00664EF-AC17-411C-2100-538547C33D9D}"/>
+              </a:ext>
+            </a:extLst>
+          </p:cNvPr>
+          <p:cNvCxnSpPr>
+            <a:cxnSpLocks/>
+            <a:endCxn id="53" idx="3"/>
+          </p:cNvCxnSpPr>
+          <p:nvPr/>
+        </p:nvCxnSpPr>
+        <p:spPr>
+          <a:xfrm flipH="1">
+            <a:off x="3165035" y="5245212"/>
+            <a:ext cx="778476" cy="493940"/>
+          </a:xfrm>
+          <a:prstGeom prst="line">
+            <a:avLst/>
+          </a:prstGeom>
+          <a:ln w="76200">
+            <a:solidFill>
+              <a:schemeClr val="tx1"/>
+            </a:solidFill>
+            <a:prstDash val="sysDash"/>
+          </a:ln>
+        </p:spPr>
+        <p:style>
+          <a:lnRef idx="1">
+            <a:schemeClr val="accent1"/>
+          </a:lnRef>
+          <a:fillRef idx="0">
+            <a:schemeClr val="accent1"/>
+          </a:fillRef>
+          <a:effectRef idx="0">
+            <a:schemeClr val="accent1"/>
+          </a:effectRef>
+          <a:fontRef idx="minor">
+            <a:schemeClr val="tx1"/>
+          </a:fontRef>
+        </p:style>
+      </p:cxnSp>
+      <p:cxnSp>
+        <p:nvCxnSpPr>
+          <p:cNvPr id="67" name="直線接點 66">
+            <a:extLst>
+              <a:ext uri="{FF2B5EF4-FFF2-40B4-BE49-F238E27FC236}">
+                <a16:creationId xmlns:a16="http://schemas.microsoft.com/office/drawing/2014/main" id="{32D14F08-A3BC-453D-8FDF-0A06FE7C485D}"/>
+              </a:ext>
+            </a:extLst>
+          </p:cNvPr>
+          <p:cNvCxnSpPr>
+            <a:cxnSpLocks/>
+            <a:stCxn id="52" idx="7"/>
+            <a:endCxn id="57" idx="2"/>
+          </p:cNvCxnSpPr>
+          <p:nvPr/>
+        </p:nvCxnSpPr>
+        <p:spPr>
+          <a:xfrm>
+            <a:off x="2604661" y="4756994"/>
+            <a:ext cx="3359038" cy="130920"/>
+          </a:xfrm>
+          <a:prstGeom prst="line">
+            <a:avLst/>
+          </a:prstGeom>
+          <a:ln w="76200">
+            <a:solidFill>
+              <a:schemeClr val="accent6">
+                <a:lumMod val="75000"/>
+              </a:schemeClr>
+            </a:solidFill>
+          </a:ln>
+        </p:spPr>
+        <p:style>
+          <a:lnRef idx="1">
+            <a:schemeClr val="accent1"/>
+          </a:lnRef>
+          <a:fillRef idx="0">
+            <a:schemeClr val="accent1"/>
+          </a:fillRef>
+          <a:effectRef idx="0">
+            <a:schemeClr val="accent1"/>
+          </a:effectRef>
+          <a:fontRef idx="minor">
+            <a:schemeClr val="tx1"/>
+          </a:fontRef>
+        </p:style>
+      </p:cxnSp>
+      <p:cxnSp>
+        <p:nvCxnSpPr>
+          <p:cNvPr id="71" name="直線接點 70">
+            <a:extLst>
+              <a:ext uri="{FF2B5EF4-FFF2-40B4-BE49-F238E27FC236}">
+                <a16:creationId xmlns:a16="http://schemas.microsoft.com/office/drawing/2014/main" id="{6D3D3C29-5AD5-EB03-5A62-52FDD608470F}"/>
+              </a:ext>
+            </a:extLst>
+          </p:cNvPr>
+          <p:cNvCxnSpPr>
+            <a:cxnSpLocks/>
+          </p:cNvCxnSpPr>
+          <p:nvPr/>
+        </p:nvCxnSpPr>
+        <p:spPr>
+          <a:xfrm>
+            <a:off x="3984123" y="5230336"/>
+            <a:ext cx="2874703" cy="457612"/>
+          </a:xfrm>
+          <a:prstGeom prst="line">
+            <a:avLst/>
+          </a:prstGeom>
+          <a:ln w="76200">
+            <a:solidFill>
+              <a:schemeClr val="accent6">
+                <a:lumMod val="75000"/>
+              </a:schemeClr>
+            </a:solidFill>
+          </a:ln>
+        </p:spPr>
+        <p:style>
+          <a:lnRef idx="1">
+            <a:schemeClr val="accent1"/>
+          </a:lnRef>
+          <a:fillRef idx="0">
+            <a:schemeClr val="accent1"/>
+          </a:fillRef>
+          <a:effectRef idx="0">
+            <a:schemeClr val="accent1"/>
+          </a:effectRef>
+          <a:fontRef idx="minor">
+            <a:schemeClr val="tx1"/>
+          </a:fontRef>
+        </p:style>
+      </p:cxnSp>
+      <p:cxnSp>
+        <p:nvCxnSpPr>
+          <p:cNvPr id="73" name="直線接點 72">
+            <a:extLst>
+              <a:ext uri="{FF2B5EF4-FFF2-40B4-BE49-F238E27FC236}">
+                <a16:creationId xmlns:a16="http://schemas.microsoft.com/office/drawing/2014/main" id="{E93C0C75-AEC8-5CAC-7928-15EB84843FCB}"/>
+              </a:ext>
+            </a:extLst>
+          </p:cNvPr>
+          <p:cNvCxnSpPr>
+            <a:cxnSpLocks/>
+            <a:endCxn id="59" idx="1"/>
+          </p:cNvCxnSpPr>
+          <p:nvPr/>
+        </p:nvCxnSpPr>
+        <p:spPr>
+          <a:xfrm flipV="1">
+            <a:off x="4602328" y="5182110"/>
+            <a:ext cx="2864247" cy="339294"/>
+          </a:xfrm>
+          <a:prstGeom prst="line">
+            <a:avLst/>
+          </a:prstGeom>
+          <a:ln w="76200">
+            <a:solidFill>
+              <a:schemeClr val="accent6">
+                <a:lumMod val="75000"/>
+              </a:schemeClr>
+            </a:solidFill>
+          </a:ln>
+        </p:spPr>
+        <p:style>
+          <a:lnRef idx="1">
+            <a:schemeClr val="accent1"/>
+          </a:lnRef>
+          <a:fillRef idx="0">
+            <a:schemeClr val="accent1"/>
+          </a:fillRef>
+          <a:effectRef idx="0">
+            <a:schemeClr val="accent1"/>
+          </a:effectRef>
+          <a:fontRef idx="minor">
+            <a:schemeClr val="tx1"/>
+          </a:fontRef>
+        </p:style>
+      </p:cxnSp>
+      <p:cxnSp>
+        <p:nvCxnSpPr>
+          <p:cNvPr id="75" name="直線接點 74">
+            <a:extLst>
+              <a:ext uri="{FF2B5EF4-FFF2-40B4-BE49-F238E27FC236}">
+                <a16:creationId xmlns:a16="http://schemas.microsoft.com/office/drawing/2014/main" id="{68F86FC5-EC69-076B-4AAD-5196EE95104F}"/>
+              </a:ext>
+            </a:extLst>
+          </p:cNvPr>
+          <p:cNvCxnSpPr>
+            <a:cxnSpLocks/>
+          </p:cNvCxnSpPr>
+          <p:nvPr/>
+        </p:nvCxnSpPr>
+        <p:spPr>
+          <a:xfrm flipV="1">
+            <a:off x="1859773" y="4861450"/>
+            <a:ext cx="642795" cy="360986"/>
+          </a:xfrm>
+          <a:prstGeom prst="line">
+            <a:avLst/>
+          </a:prstGeom>
+          <a:ln w="76200">
+            <a:solidFill>
+              <a:schemeClr val="accent6">
+                <a:lumMod val="20000"/>
+                <a:lumOff val="80000"/>
+              </a:schemeClr>
+            </a:solidFill>
+          </a:ln>
+        </p:spPr>
+        <p:style>
+          <a:lnRef idx="1">
+            <a:schemeClr val="accent1"/>
+          </a:lnRef>
+          <a:fillRef idx="0">
+            <a:schemeClr val="accent1"/>
+          </a:fillRef>
+          <a:effectRef idx="0">
+            <a:schemeClr val="accent1"/>
+          </a:effectRef>
+          <a:fontRef idx="minor">
+            <a:schemeClr val="tx1"/>
+          </a:fontRef>
+        </p:style>
+      </p:cxnSp>
+      <p:cxnSp>
+        <p:nvCxnSpPr>
+          <p:cNvPr id="77" name="直線接點 76">
+            <a:extLst>
+              <a:ext uri="{FF2B5EF4-FFF2-40B4-BE49-F238E27FC236}">
+                <a16:creationId xmlns:a16="http://schemas.microsoft.com/office/drawing/2014/main" id="{11148503-0A76-CBCE-E45C-F20F6DB8F3AB}"/>
+              </a:ext>
+            </a:extLst>
+          </p:cNvPr>
+          <p:cNvCxnSpPr>
+            <a:cxnSpLocks/>
+          </p:cNvCxnSpPr>
+          <p:nvPr/>
+        </p:nvCxnSpPr>
+        <p:spPr>
+          <a:xfrm flipV="1">
+            <a:off x="6865004" y="5335148"/>
+            <a:ext cx="642795" cy="360986"/>
+          </a:xfrm>
+          <a:prstGeom prst="line">
+            <a:avLst/>
+          </a:prstGeom>
+          <a:ln w="76200">
+            <a:solidFill>
+              <a:schemeClr val="accent6">
+                <a:lumMod val="20000"/>
+                <a:lumOff val="80000"/>
+              </a:schemeClr>
+            </a:solidFill>
+          </a:ln>
+        </p:spPr>
+        <p:style>
+          <a:lnRef idx="1">
+            <a:schemeClr val="accent1"/>
+          </a:lnRef>
+          <a:fillRef idx="0">
+            <a:schemeClr val="accent1"/>
+          </a:fillRef>
+          <a:effectRef idx="0">
+            <a:schemeClr val="accent1"/>
+          </a:effectRef>
+          <a:fontRef idx="minor">
+            <a:schemeClr val="tx1"/>
+          </a:fontRef>
+        </p:style>
+      </p:cxnSp>
+      <p:cxnSp>
+        <p:nvCxnSpPr>
+          <p:cNvPr id="78" name="直線接點 77">
+            <a:extLst>
+              <a:ext uri="{FF2B5EF4-FFF2-40B4-BE49-F238E27FC236}">
+                <a16:creationId xmlns:a16="http://schemas.microsoft.com/office/drawing/2014/main" id="{343BC336-EA24-53C6-ECFD-F2C3C76CA992}"/>
+              </a:ext>
+            </a:extLst>
+          </p:cNvPr>
+          <p:cNvCxnSpPr>
+            <a:cxnSpLocks/>
+          </p:cNvCxnSpPr>
+          <p:nvPr/>
+        </p:nvCxnSpPr>
+        <p:spPr>
+          <a:xfrm flipH="1">
+            <a:off x="3269260" y="4901555"/>
+            <a:ext cx="2802676" cy="733828"/>
+          </a:xfrm>
+          <a:prstGeom prst="line">
+            <a:avLst/>
+          </a:prstGeom>
+          <a:ln w="76200">
+            <a:solidFill>
+              <a:schemeClr val="accent6">
+                <a:lumMod val="20000"/>
+                <a:lumOff val="80000"/>
+              </a:schemeClr>
+            </a:solidFill>
+          </a:ln>
+        </p:spPr>
+        <p:style>
+          <a:lnRef idx="1">
+            <a:schemeClr val="accent1"/>
+          </a:lnRef>
+          <a:fillRef idx="0">
+            <a:schemeClr val="accent1"/>
+          </a:fillRef>
+          <a:effectRef idx="0">
+            <a:schemeClr val="accent1"/>
+          </a:effectRef>
+          <a:fontRef idx="minor">
+            <a:schemeClr val="tx1"/>
+          </a:fontRef>
+        </p:style>
+      </p:cxnSp>
     </p:spTree>
     <p:extLst>
       <p:ext uri="{BB962C8B-B14F-4D97-AF65-F5344CB8AC3E}">
         <p14:creationId xmlns:p14="http://schemas.microsoft.com/office/powerpoint/2010/main" val="2808202389"/>
+      </p:ext>
+    </p:extLst>
+  </p:cSld>
+  <p:clrMapOvr>
+    <a:masterClrMapping/>
+  </p:clrMapOvr>
+</p:sld>
+</file>
+
+<file path=ppt/slides/slide8.xml><?xml version="1.0" encoding="utf-8"?>
+<p:sld xmlns:a="http://schemas.openxmlformats.org/drawingml/2006/main" xmlns:r="http://schemas.openxmlformats.org/officeDocument/2006/relationships" xmlns:p="http://schemas.openxmlformats.org/presentationml/2006/main">
+  <p:cSld>
+    <p:spTree>
+      <p:nvGrpSpPr>
+        <p:cNvPr id="1" name=""/>
+        <p:cNvGrpSpPr/>
+        <p:nvPr/>
+      </p:nvGrpSpPr>
+      <p:grpSpPr>
+        <a:xfrm>
+          <a:off x="0" y="0"/>
+          <a:ext cx="0" cy="0"/>
+          <a:chOff x="0" y="0"/>
+          <a:chExt cx="0" cy="0"/>
+        </a:xfrm>
+      </p:grpSpPr>
+      <p:sp>
+        <p:nvSpPr>
+          <p:cNvPr id="4" name="矩形 3">
+            <a:extLst>
+              <a:ext uri="{FF2B5EF4-FFF2-40B4-BE49-F238E27FC236}">
+                <a16:creationId xmlns:a16="http://schemas.microsoft.com/office/drawing/2014/main" id="{46280CBA-0C50-DD3D-2C31-BB466455E233}"/>
+              </a:ext>
+            </a:extLst>
+          </p:cNvPr>
+          <p:cNvSpPr/>
+          <p:nvPr/>
+        </p:nvSpPr>
+        <p:spPr>
+          <a:xfrm>
+            <a:off x="586746" y="1303419"/>
+            <a:ext cx="3247314" cy="1227221"/>
+          </a:xfrm>
+          <a:prstGeom prst="rect">
+            <a:avLst/>
+          </a:prstGeom>
+          <a:solidFill>
+            <a:schemeClr val="tx1">
+              <a:lumMod val="75000"/>
+            </a:schemeClr>
+          </a:solidFill>
+          <a:ln>
+            <a:noFill/>
+          </a:ln>
+        </p:spPr>
+        <p:style>
+          <a:lnRef idx="2">
+            <a:schemeClr val="accent1">
+              <a:shade val="15000"/>
+            </a:schemeClr>
+          </a:lnRef>
+          <a:fillRef idx="1">
+            <a:schemeClr val="accent1"/>
+          </a:fillRef>
+          <a:effectRef idx="0">
+            <a:schemeClr val="accent1"/>
+          </a:effectRef>
+          <a:fontRef idx="minor">
+            <a:schemeClr val="lt1"/>
+          </a:fontRef>
+        </p:style>
+        <p:txBody>
+          <a:bodyPr rtlCol="0" anchor="ctr"/>
+          <a:lstStyle/>
+          <a:p>
+            <a:pPr algn="ctr"/>
+            <a:r>
+              <a:rPr lang="en-US" altLang="zh-TW" b="1">
+                <a:solidFill>
+                  <a:schemeClr val="bg1"/>
+                </a:solidFill>
+              </a:rPr>
+              <a:t>Transformer down</a:t>
+            </a:r>
+            <a:endParaRPr lang="zh-TW" altLang="en-US" b="1">
+              <a:solidFill>
+                <a:schemeClr val="bg1"/>
+              </a:solidFill>
+            </a:endParaRPr>
+          </a:p>
+        </p:txBody>
+      </p:sp>
+      <p:sp>
+        <p:nvSpPr>
+          <p:cNvPr id="5" name="矩形 4">
+            <a:extLst>
+              <a:ext uri="{FF2B5EF4-FFF2-40B4-BE49-F238E27FC236}">
+                <a16:creationId xmlns:a16="http://schemas.microsoft.com/office/drawing/2014/main" id="{ABB4E665-26F6-A77C-FE8A-D66B64DBEA43}"/>
+              </a:ext>
+            </a:extLst>
+          </p:cNvPr>
+          <p:cNvSpPr/>
+          <p:nvPr/>
+        </p:nvSpPr>
+        <p:spPr>
+          <a:xfrm>
+            <a:off x="1015266" y="697831"/>
+            <a:ext cx="2390274" cy="409073"/>
+          </a:xfrm>
+          <a:prstGeom prst="rect">
+            <a:avLst/>
+          </a:prstGeom>
+          <a:solidFill>
+            <a:schemeClr val="tx1">
+              <a:lumMod val="75000"/>
+            </a:schemeClr>
+          </a:solidFill>
+          <a:ln>
+            <a:noFill/>
+          </a:ln>
+        </p:spPr>
+        <p:style>
+          <a:lnRef idx="2">
+            <a:schemeClr val="accent1">
+              <a:shade val="15000"/>
+            </a:schemeClr>
+          </a:lnRef>
+          <a:fillRef idx="1">
+            <a:schemeClr val="accent1"/>
+          </a:fillRef>
+          <a:effectRef idx="0">
+            <a:schemeClr val="accent1"/>
+          </a:effectRef>
+          <a:fontRef idx="minor">
+            <a:schemeClr val="lt1"/>
+          </a:fontRef>
+        </p:style>
+        <p:txBody>
+          <a:bodyPr rtlCol="0" anchor="ctr"/>
+          <a:lstStyle/>
+          <a:p>
+            <a:pPr algn="ctr"/>
+            <a:r>
+              <a:rPr lang="en-US" altLang="zh-TW" b="1">
+                <a:solidFill>
+                  <a:schemeClr val="bg1"/>
+                </a:solidFill>
+              </a:rPr>
+              <a:t>input wireless</a:t>
+            </a:r>
+            <a:endParaRPr lang="zh-TW" altLang="en-US" b="1">
+              <a:solidFill>
+                <a:schemeClr val="bg1"/>
+              </a:solidFill>
+            </a:endParaRPr>
+          </a:p>
+        </p:txBody>
+      </p:sp>
+      <p:sp>
+        <p:nvSpPr>
+          <p:cNvPr id="6" name="矩形 5">
+            <a:extLst>
+              <a:ext uri="{FF2B5EF4-FFF2-40B4-BE49-F238E27FC236}">
+                <a16:creationId xmlns:a16="http://schemas.microsoft.com/office/drawing/2014/main" id="{40A79E21-E1A3-BC73-53B0-F8FF62602AC2}"/>
+              </a:ext>
+            </a:extLst>
+          </p:cNvPr>
+          <p:cNvSpPr/>
+          <p:nvPr/>
+        </p:nvSpPr>
+        <p:spPr>
+          <a:xfrm>
+            <a:off x="5069302" y="1483894"/>
+            <a:ext cx="2165684" cy="866272"/>
+          </a:xfrm>
+          <a:prstGeom prst="rect">
+            <a:avLst/>
+          </a:prstGeom>
+          <a:solidFill>
+            <a:schemeClr val="tx1">
+              <a:lumMod val="75000"/>
+            </a:schemeClr>
+          </a:solidFill>
+          <a:ln>
+            <a:noFill/>
+          </a:ln>
+        </p:spPr>
+        <p:style>
+          <a:lnRef idx="2">
+            <a:schemeClr val="accent1">
+              <a:shade val="15000"/>
+            </a:schemeClr>
+          </a:lnRef>
+          <a:fillRef idx="1">
+            <a:schemeClr val="accent1"/>
+          </a:fillRef>
+          <a:effectRef idx="0">
+            <a:schemeClr val="accent1"/>
+          </a:effectRef>
+          <a:fontRef idx="minor">
+            <a:schemeClr val="lt1"/>
+          </a:fontRef>
+        </p:style>
+        <p:txBody>
+          <a:bodyPr rtlCol="0" anchor="ctr"/>
+          <a:lstStyle/>
+          <a:p>
+            <a:pPr algn="ctr"/>
+            <a:r>
+              <a:rPr lang="en-US" altLang="zh-TW" b="1">
+                <a:solidFill>
+                  <a:schemeClr val="bg1"/>
+                </a:solidFill>
+              </a:rPr>
+              <a:t>perturbation gen</a:t>
+            </a:r>
+          </a:p>
+          <a:p>
+            <a:pPr algn="ctr"/>
+            <a:r>
+              <a:rPr lang="en-US" altLang="zh-TW" b="1">
+                <a:solidFill>
+                  <a:schemeClr val="bg1"/>
+                </a:solidFill>
+              </a:rPr>
+              <a:t>tensor</a:t>
+            </a:r>
+            <a:endParaRPr lang="zh-TW" altLang="en-US" b="1">
+              <a:solidFill>
+                <a:schemeClr val="bg1"/>
+              </a:solidFill>
+            </a:endParaRPr>
+          </a:p>
+        </p:txBody>
+      </p:sp>
+      <p:cxnSp>
+        <p:nvCxnSpPr>
+          <p:cNvPr id="9" name="直線單箭頭接點 8">
+            <a:extLst>
+              <a:ext uri="{FF2B5EF4-FFF2-40B4-BE49-F238E27FC236}">
+                <a16:creationId xmlns:a16="http://schemas.microsoft.com/office/drawing/2014/main" id="{B4C93326-9278-69AD-EF73-7DD39A80215F}"/>
+              </a:ext>
+            </a:extLst>
+          </p:cNvPr>
+          <p:cNvCxnSpPr>
+            <a:cxnSpLocks/>
+            <a:stCxn id="6" idx="1"/>
+            <a:endCxn id="4" idx="3"/>
+          </p:cNvCxnSpPr>
+          <p:nvPr/>
+        </p:nvCxnSpPr>
+        <p:spPr>
+          <a:xfrm flipH="1">
+            <a:off x="3834060" y="1917030"/>
+            <a:ext cx="1235242" cy="0"/>
+          </a:xfrm>
+          <a:prstGeom prst="straightConnector1">
+            <a:avLst/>
+          </a:prstGeom>
+          <a:ln w="76200">
+            <a:solidFill>
+              <a:srgbClr val="8D1017"/>
+            </a:solidFill>
+            <a:tailEnd type="triangle"/>
+          </a:ln>
+        </p:spPr>
+        <p:style>
+          <a:lnRef idx="1">
+            <a:schemeClr val="accent1"/>
+          </a:lnRef>
+          <a:fillRef idx="0">
+            <a:schemeClr val="accent1"/>
+          </a:fillRef>
+          <a:effectRef idx="0">
+            <a:schemeClr val="accent1"/>
+          </a:effectRef>
+          <a:fontRef idx="minor">
+            <a:schemeClr val="tx1"/>
+          </a:fontRef>
+        </p:style>
+      </p:cxnSp>
+      <p:cxnSp>
+        <p:nvCxnSpPr>
+          <p:cNvPr id="13" name="直線單箭頭接點 12">
+            <a:extLst>
+              <a:ext uri="{FF2B5EF4-FFF2-40B4-BE49-F238E27FC236}">
+                <a16:creationId xmlns:a16="http://schemas.microsoft.com/office/drawing/2014/main" id="{C3B58CE2-F41C-2799-2F49-E79ACDC28611}"/>
+              </a:ext>
+            </a:extLst>
+          </p:cNvPr>
+          <p:cNvCxnSpPr>
+            <a:cxnSpLocks/>
+          </p:cNvCxnSpPr>
+          <p:nvPr/>
+        </p:nvCxnSpPr>
+        <p:spPr>
+          <a:xfrm flipV="1">
+            <a:off x="6160168" y="1102893"/>
+            <a:ext cx="0" cy="401052"/>
+          </a:xfrm>
+          <a:prstGeom prst="straightConnector1">
+            <a:avLst/>
+          </a:prstGeom>
+          <a:ln w="76200">
+            <a:solidFill>
+              <a:srgbClr val="8D1017"/>
+            </a:solidFill>
+            <a:tailEnd type="triangle"/>
+          </a:ln>
+        </p:spPr>
+        <p:style>
+          <a:lnRef idx="1">
+            <a:schemeClr val="accent1"/>
+          </a:lnRef>
+          <a:fillRef idx="0">
+            <a:schemeClr val="accent1"/>
+          </a:fillRef>
+          <a:effectRef idx="0">
+            <a:schemeClr val="accent1"/>
+          </a:effectRef>
+          <a:fontRef idx="minor">
+            <a:schemeClr val="tx1"/>
+          </a:fontRef>
+        </p:style>
+      </p:cxnSp>
+      <p:sp>
+        <p:nvSpPr>
+          <p:cNvPr id="15" name="矩形 14">
+            <a:extLst>
+              <a:ext uri="{FF2B5EF4-FFF2-40B4-BE49-F238E27FC236}">
+                <a16:creationId xmlns:a16="http://schemas.microsoft.com/office/drawing/2014/main" id="{FC011F0F-2EBA-07A9-DF34-232D413F3C5B}"/>
+              </a:ext>
+            </a:extLst>
+          </p:cNvPr>
+          <p:cNvSpPr/>
+          <p:nvPr/>
+        </p:nvSpPr>
+        <p:spPr>
+          <a:xfrm>
+            <a:off x="4940962" y="697831"/>
+            <a:ext cx="2390274" cy="409073"/>
+          </a:xfrm>
+          <a:prstGeom prst="rect">
+            <a:avLst/>
+          </a:prstGeom>
+          <a:solidFill>
+            <a:schemeClr val="tx1">
+              <a:lumMod val="75000"/>
+            </a:schemeClr>
+          </a:solidFill>
+          <a:ln>
+            <a:noFill/>
+          </a:ln>
+        </p:spPr>
+        <p:style>
+          <a:lnRef idx="2">
+            <a:schemeClr val="accent1">
+              <a:shade val="15000"/>
+            </a:schemeClr>
+          </a:lnRef>
+          <a:fillRef idx="1">
+            <a:schemeClr val="accent1"/>
+          </a:fillRef>
+          <a:effectRef idx="0">
+            <a:schemeClr val="accent1"/>
+          </a:effectRef>
+          <a:fontRef idx="minor">
+            <a:schemeClr val="lt1"/>
+          </a:fontRef>
+        </p:style>
+        <p:txBody>
+          <a:bodyPr rtlCol="0" anchor="ctr"/>
+          <a:lstStyle/>
+          <a:p>
+            <a:pPr algn="ctr"/>
+            <a:r>
+              <a:rPr lang="en-US" altLang="zh-TW" b="1">
+                <a:solidFill>
+                  <a:schemeClr val="bg1"/>
+                </a:solidFill>
+              </a:rPr>
+              <a:t>noise(pert)</a:t>
+            </a:r>
+            <a:endParaRPr lang="zh-TW" altLang="en-US" b="1">
+              <a:solidFill>
+                <a:schemeClr val="bg1"/>
+              </a:solidFill>
+            </a:endParaRPr>
+          </a:p>
+        </p:txBody>
+      </p:sp>
+      <p:sp>
+        <p:nvSpPr>
+          <p:cNvPr id="16" name="矩形 15">
+            <a:extLst>
+              <a:ext uri="{FF2B5EF4-FFF2-40B4-BE49-F238E27FC236}">
+                <a16:creationId xmlns:a16="http://schemas.microsoft.com/office/drawing/2014/main" id="{ED93DFD8-23F2-E9AF-8B0F-6BEA4334C0B8}"/>
+              </a:ext>
+            </a:extLst>
+          </p:cNvPr>
+          <p:cNvSpPr/>
+          <p:nvPr/>
+        </p:nvSpPr>
+        <p:spPr>
+          <a:xfrm>
+            <a:off x="7940840" y="697831"/>
+            <a:ext cx="2390274" cy="409073"/>
+          </a:xfrm>
+          <a:prstGeom prst="rect">
+            <a:avLst/>
+          </a:prstGeom>
+          <a:solidFill>
+            <a:schemeClr val="tx1">
+              <a:lumMod val="75000"/>
+            </a:schemeClr>
+          </a:solidFill>
+          <a:ln>
+            <a:noFill/>
+          </a:ln>
+        </p:spPr>
+        <p:style>
+          <a:lnRef idx="2">
+            <a:schemeClr val="accent1">
+              <a:shade val="15000"/>
+            </a:schemeClr>
+          </a:lnRef>
+          <a:fillRef idx="1">
+            <a:schemeClr val="accent1"/>
+          </a:fillRef>
+          <a:effectRef idx="0">
+            <a:schemeClr val="accent1"/>
+          </a:effectRef>
+          <a:fontRef idx="minor">
+            <a:schemeClr val="lt1"/>
+          </a:fontRef>
+        </p:style>
+        <p:txBody>
+          <a:bodyPr rtlCol="0" anchor="ctr"/>
+          <a:lstStyle/>
+          <a:p>
+            <a:pPr algn="ctr"/>
+            <a:r>
+              <a:rPr lang="en-US" altLang="zh-TW" b="1">
+                <a:solidFill>
+                  <a:schemeClr val="bg1"/>
+                </a:solidFill>
+              </a:rPr>
+              <a:t>noise wireless</a:t>
+            </a:r>
+            <a:endParaRPr lang="zh-TW" altLang="en-US" b="1">
+              <a:solidFill>
+                <a:schemeClr val="bg1"/>
+              </a:solidFill>
+            </a:endParaRPr>
+          </a:p>
+        </p:txBody>
+      </p:sp>
+      <p:cxnSp>
+        <p:nvCxnSpPr>
+          <p:cNvPr id="19" name="直線單箭頭接點 18">
+            <a:extLst>
+              <a:ext uri="{FF2B5EF4-FFF2-40B4-BE49-F238E27FC236}">
+                <a16:creationId xmlns:a16="http://schemas.microsoft.com/office/drawing/2014/main" id="{097A9439-5B8A-4F97-DFEC-38672AB84328}"/>
+              </a:ext>
+            </a:extLst>
+          </p:cNvPr>
+          <p:cNvCxnSpPr>
+            <a:cxnSpLocks/>
+            <a:stCxn id="15" idx="3"/>
+            <a:endCxn id="16" idx="1"/>
+          </p:cNvCxnSpPr>
+          <p:nvPr/>
+        </p:nvCxnSpPr>
+        <p:spPr>
+          <a:xfrm>
+            <a:off x="7331236" y="902368"/>
+            <a:ext cx="609604" cy="0"/>
+          </a:xfrm>
+          <a:prstGeom prst="straightConnector1">
+            <a:avLst/>
+          </a:prstGeom>
+          <a:ln w="76200">
+            <a:solidFill>
+              <a:srgbClr val="8D1017"/>
+            </a:solidFill>
+            <a:tailEnd type="triangle"/>
+          </a:ln>
+        </p:spPr>
+        <p:style>
+          <a:lnRef idx="1">
+            <a:schemeClr val="accent1"/>
+          </a:lnRef>
+          <a:fillRef idx="0">
+            <a:schemeClr val="accent1"/>
+          </a:fillRef>
+          <a:effectRef idx="0">
+            <a:schemeClr val="accent1"/>
+          </a:effectRef>
+          <a:fontRef idx="minor">
+            <a:schemeClr val="tx1"/>
+          </a:fontRef>
+        </p:style>
+      </p:cxnSp>
+      <p:sp>
+        <p:nvSpPr>
+          <p:cNvPr id="28" name="矩形 27">
+            <a:extLst>
+              <a:ext uri="{FF2B5EF4-FFF2-40B4-BE49-F238E27FC236}">
+                <a16:creationId xmlns:a16="http://schemas.microsoft.com/office/drawing/2014/main" id="{2D525483-C567-5FA3-B235-D006EFC6DE4B}"/>
+              </a:ext>
+            </a:extLst>
+          </p:cNvPr>
+          <p:cNvSpPr/>
+          <p:nvPr/>
+        </p:nvSpPr>
+        <p:spPr>
+          <a:xfrm>
+            <a:off x="7690977" y="1303418"/>
+            <a:ext cx="3247314" cy="1227221"/>
+          </a:xfrm>
+          <a:prstGeom prst="rect">
+            <a:avLst/>
+          </a:prstGeom>
+          <a:solidFill>
+            <a:schemeClr val="tx1">
+              <a:lumMod val="75000"/>
+            </a:schemeClr>
+          </a:solidFill>
+          <a:ln>
+            <a:noFill/>
+          </a:ln>
+        </p:spPr>
+        <p:style>
+          <a:lnRef idx="2">
+            <a:schemeClr val="accent1">
+              <a:shade val="15000"/>
+            </a:schemeClr>
+          </a:lnRef>
+          <a:fillRef idx="1">
+            <a:schemeClr val="accent1"/>
+          </a:fillRef>
+          <a:effectRef idx="0">
+            <a:schemeClr val="accent1"/>
+          </a:effectRef>
+          <a:fontRef idx="minor">
+            <a:schemeClr val="lt1"/>
+          </a:fontRef>
+        </p:style>
+        <p:txBody>
+          <a:bodyPr rtlCol="0" anchor="ctr"/>
+          <a:lstStyle/>
+          <a:p>
+            <a:pPr algn="ctr"/>
+            <a:r>
+              <a:rPr lang="en-US" altLang="zh-TW" b="1">
+                <a:solidFill>
+                  <a:schemeClr val="bg1"/>
+                </a:solidFill>
+              </a:rPr>
+              <a:t>Transformer new</a:t>
+            </a:r>
+            <a:endParaRPr lang="zh-TW" altLang="en-US" b="1">
+              <a:solidFill>
+                <a:schemeClr val="bg1"/>
+              </a:solidFill>
+            </a:endParaRPr>
+          </a:p>
+        </p:txBody>
+      </p:sp>
+      <p:cxnSp>
+        <p:nvCxnSpPr>
+          <p:cNvPr id="29" name="直線單箭頭接點 28">
+            <a:extLst>
+              <a:ext uri="{FF2B5EF4-FFF2-40B4-BE49-F238E27FC236}">
+                <a16:creationId xmlns:a16="http://schemas.microsoft.com/office/drawing/2014/main" id="{09B37DA8-B875-B950-30C3-BCBDF618DFED}"/>
+              </a:ext>
+            </a:extLst>
+          </p:cNvPr>
+          <p:cNvCxnSpPr>
+            <a:cxnSpLocks/>
+            <a:stCxn id="28" idx="2"/>
+          </p:cNvCxnSpPr>
+          <p:nvPr/>
+        </p:nvCxnSpPr>
+        <p:spPr>
+          <a:xfrm>
+            <a:off x="9314634" y="2530639"/>
+            <a:ext cx="0" cy="1271340"/>
+          </a:xfrm>
+          <a:prstGeom prst="straightConnector1">
+            <a:avLst/>
+          </a:prstGeom>
+          <a:ln w="76200">
+            <a:solidFill>
+              <a:srgbClr val="8D1017"/>
+            </a:solidFill>
+            <a:tailEnd type="triangle"/>
+          </a:ln>
+        </p:spPr>
+        <p:style>
+          <a:lnRef idx="1">
+            <a:schemeClr val="accent1"/>
+          </a:lnRef>
+          <a:fillRef idx="0">
+            <a:schemeClr val="accent1"/>
+          </a:fillRef>
+          <a:effectRef idx="0">
+            <a:schemeClr val="accent1"/>
+          </a:effectRef>
+          <a:fontRef idx="minor">
+            <a:schemeClr val="tx1"/>
+          </a:fontRef>
+        </p:style>
+      </p:cxnSp>
+      <p:sp>
+        <p:nvSpPr>
+          <p:cNvPr id="33" name="矩形 32">
+            <a:extLst>
+              <a:ext uri="{FF2B5EF4-FFF2-40B4-BE49-F238E27FC236}">
+                <a16:creationId xmlns:a16="http://schemas.microsoft.com/office/drawing/2014/main" id="{52F5DB57-EF06-8CF9-6993-6C2758985E1F}"/>
+              </a:ext>
+            </a:extLst>
+          </p:cNvPr>
+          <p:cNvSpPr/>
+          <p:nvPr/>
+        </p:nvSpPr>
+        <p:spPr>
+          <a:xfrm>
+            <a:off x="8119497" y="3801979"/>
+            <a:ext cx="2390274" cy="409073"/>
+          </a:xfrm>
+          <a:prstGeom prst="rect">
+            <a:avLst/>
+          </a:prstGeom>
+          <a:solidFill>
+            <a:schemeClr val="tx1">
+              <a:lumMod val="75000"/>
+            </a:schemeClr>
+          </a:solidFill>
+          <a:ln>
+            <a:noFill/>
+          </a:ln>
+        </p:spPr>
+        <p:style>
+          <a:lnRef idx="2">
+            <a:schemeClr val="accent1">
+              <a:shade val="15000"/>
+            </a:schemeClr>
+          </a:lnRef>
+          <a:fillRef idx="1">
+            <a:schemeClr val="accent1"/>
+          </a:fillRef>
+          <a:effectRef idx="0">
+            <a:schemeClr val="accent1"/>
+          </a:effectRef>
+          <a:fontRef idx="minor">
+            <a:schemeClr val="lt1"/>
+          </a:fontRef>
+        </p:style>
+        <p:txBody>
+          <a:bodyPr rtlCol="0" anchor="ctr"/>
+          <a:lstStyle/>
+          <a:p>
+            <a:pPr algn="ctr"/>
+            <a:r>
+              <a:rPr lang="en-US" altLang="zh-TW" b="1">
+                <a:solidFill>
+                  <a:schemeClr val="bg1"/>
+                </a:solidFill>
+              </a:rPr>
+              <a:t>new accr</a:t>
+            </a:r>
+            <a:endParaRPr lang="zh-TW" altLang="en-US" b="1">
+              <a:solidFill>
+                <a:schemeClr val="bg1"/>
+              </a:solidFill>
+            </a:endParaRPr>
+          </a:p>
+        </p:txBody>
+      </p:sp>
+      <p:sp>
+        <p:nvSpPr>
+          <p:cNvPr id="34" name="矩形 33">
+            <a:extLst>
+              <a:ext uri="{FF2B5EF4-FFF2-40B4-BE49-F238E27FC236}">
+                <a16:creationId xmlns:a16="http://schemas.microsoft.com/office/drawing/2014/main" id="{7258D69D-504C-C4CC-2F26-5F5AB96AE9E3}"/>
+              </a:ext>
+            </a:extLst>
+          </p:cNvPr>
+          <p:cNvSpPr/>
+          <p:nvPr/>
+        </p:nvSpPr>
+        <p:spPr>
+          <a:xfrm>
+            <a:off x="1037507" y="2875539"/>
+            <a:ext cx="2390274" cy="409073"/>
+          </a:xfrm>
+          <a:prstGeom prst="rect">
+            <a:avLst/>
+          </a:prstGeom>
+          <a:solidFill>
+            <a:schemeClr val="tx1">
+              <a:lumMod val="75000"/>
+            </a:schemeClr>
+          </a:solidFill>
+          <a:ln>
+            <a:noFill/>
+          </a:ln>
+        </p:spPr>
+        <p:style>
+          <a:lnRef idx="2">
+            <a:schemeClr val="accent1">
+              <a:shade val="15000"/>
+            </a:schemeClr>
+          </a:lnRef>
+          <a:fillRef idx="1">
+            <a:schemeClr val="accent1"/>
+          </a:fillRef>
+          <a:effectRef idx="0">
+            <a:schemeClr val="accent1"/>
+          </a:effectRef>
+          <a:fontRef idx="minor">
+            <a:schemeClr val="lt1"/>
+          </a:fontRef>
+        </p:style>
+        <p:txBody>
+          <a:bodyPr rtlCol="0" anchor="ctr"/>
+          <a:lstStyle/>
+          <a:p>
+            <a:pPr algn="ctr"/>
+            <a:r>
+              <a:rPr lang="en-US" altLang="zh-TW" b="1">
+                <a:solidFill>
+                  <a:schemeClr val="bg1"/>
+                </a:solidFill>
+              </a:rPr>
+              <a:t>old accr</a:t>
+            </a:r>
+            <a:endParaRPr lang="zh-TW" altLang="en-US" b="1">
+              <a:solidFill>
+                <a:schemeClr val="bg1"/>
+              </a:solidFill>
+            </a:endParaRPr>
+          </a:p>
+        </p:txBody>
+      </p:sp>
+      <p:cxnSp>
+        <p:nvCxnSpPr>
+          <p:cNvPr id="36" name="直線單箭頭接點 35">
+            <a:extLst>
+              <a:ext uri="{FF2B5EF4-FFF2-40B4-BE49-F238E27FC236}">
+                <a16:creationId xmlns:a16="http://schemas.microsoft.com/office/drawing/2014/main" id="{A3FBD11B-8D76-7FA8-FA1C-F415293AA74C}"/>
+              </a:ext>
+            </a:extLst>
+          </p:cNvPr>
+          <p:cNvCxnSpPr>
+            <a:cxnSpLocks/>
+          </p:cNvCxnSpPr>
+          <p:nvPr/>
+        </p:nvCxnSpPr>
+        <p:spPr>
+          <a:xfrm>
+            <a:off x="6384758" y="2314071"/>
+            <a:ext cx="2381036" cy="1588168"/>
+          </a:xfrm>
+          <a:prstGeom prst="straightConnector1">
+            <a:avLst/>
+          </a:prstGeom>
+          <a:ln w="76200">
+            <a:solidFill>
+              <a:srgbClr val="8D1017"/>
+            </a:solidFill>
+            <a:prstDash val="sysDot"/>
+            <a:tailEnd type="triangle"/>
+          </a:ln>
+        </p:spPr>
+        <p:style>
+          <a:lnRef idx="1">
+            <a:schemeClr val="accent1"/>
+          </a:lnRef>
+          <a:fillRef idx="0">
+            <a:schemeClr val="accent1"/>
+          </a:fillRef>
+          <a:effectRef idx="0">
+            <a:schemeClr val="accent1"/>
+          </a:effectRef>
+          <a:fontRef idx="minor">
+            <a:schemeClr val="tx1"/>
+          </a:fontRef>
+        </p:style>
+      </p:cxnSp>
+      <p:sp>
+        <p:nvSpPr>
+          <p:cNvPr id="42" name="Rectangle: Rounded Corners 6">
+            <a:extLst>
+              <a:ext uri="{FF2B5EF4-FFF2-40B4-BE49-F238E27FC236}">
+                <a16:creationId xmlns:a16="http://schemas.microsoft.com/office/drawing/2014/main" id="{3AE8B332-982F-3DCF-CD3F-C17E6F59D897}"/>
+              </a:ext>
+            </a:extLst>
+          </p:cNvPr>
+          <p:cNvSpPr/>
+          <p:nvPr/>
+        </p:nvSpPr>
+        <p:spPr>
+          <a:xfrm>
+            <a:off x="4756482" y="364957"/>
+            <a:ext cx="6497054" cy="2510582"/>
+          </a:xfrm>
+          <a:prstGeom prst="roundRect">
+            <a:avLst>
+              <a:gd name="adj" fmla="val 3248"/>
+            </a:avLst>
+          </a:prstGeom>
+          <a:noFill/>
+          <a:ln w="76200">
+            <a:solidFill>
+              <a:srgbClr val="77F540"/>
+            </a:solidFill>
+          </a:ln>
+        </p:spPr>
+        <p:style>
+          <a:lnRef idx="2">
+            <a:schemeClr val="accent4">
+              <a:shade val="15000"/>
+            </a:schemeClr>
+          </a:lnRef>
+          <a:fillRef idx="1">
+            <a:schemeClr val="accent4"/>
+          </a:fillRef>
+          <a:effectRef idx="0">
+            <a:schemeClr val="accent4"/>
+          </a:effectRef>
+          <a:fontRef idx="minor">
+            <a:schemeClr val="lt1"/>
+          </a:fontRef>
+        </p:style>
+        <p:txBody>
+          <a:bodyPr rtlCol="0" anchor="ctr"/>
+          <a:lstStyle/>
+          <a:p>
+            <a:pPr algn="ctr"/>
+            <a:endParaRPr lang="en-US" sz="1000">
+              <a:latin typeface="Consolas" panose="020B0609020204030204" pitchFamily="49" charset="0"/>
+            </a:endParaRPr>
+          </a:p>
+        </p:txBody>
+      </p:sp>
+      <p:sp>
+        <p:nvSpPr>
+          <p:cNvPr id="48" name="矩形 47">
+            <a:extLst>
+              <a:ext uri="{FF2B5EF4-FFF2-40B4-BE49-F238E27FC236}">
+                <a16:creationId xmlns:a16="http://schemas.microsoft.com/office/drawing/2014/main" id="{33D52ED2-AB9D-AD2A-2CC4-2F0CEF6363A6}"/>
+              </a:ext>
+            </a:extLst>
+          </p:cNvPr>
+          <p:cNvSpPr/>
+          <p:nvPr/>
+        </p:nvSpPr>
+        <p:spPr>
+          <a:xfrm>
+            <a:off x="5069302" y="4050634"/>
+            <a:ext cx="2390274" cy="409073"/>
+          </a:xfrm>
+          <a:prstGeom prst="rect">
+            <a:avLst/>
+          </a:prstGeom>
+          <a:solidFill>
+            <a:schemeClr val="tx1">
+              <a:lumMod val="75000"/>
+            </a:schemeClr>
+          </a:solidFill>
+          <a:ln>
+            <a:noFill/>
+          </a:ln>
+        </p:spPr>
+        <p:style>
+          <a:lnRef idx="2">
+            <a:schemeClr val="accent1">
+              <a:shade val="15000"/>
+            </a:schemeClr>
+          </a:lnRef>
+          <a:fillRef idx="1">
+            <a:schemeClr val="accent1"/>
+          </a:fillRef>
+          <a:effectRef idx="0">
+            <a:schemeClr val="accent1"/>
+          </a:effectRef>
+          <a:fontRef idx="minor">
+            <a:schemeClr val="lt1"/>
+          </a:fontRef>
+        </p:style>
+        <p:txBody>
+          <a:bodyPr rtlCol="0" anchor="ctr"/>
+          <a:lstStyle/>
+          <a:p>
+            <a:pPr algn="ctr"/>
+            <a:r>
+              <a:rPr lang="en-US" altLang="zh-TW" b="1">
+                <a:solidFill>
+                  <a:schemeClr val="bg1"/>
+                </a:solidFill>
+              </a:rPr>
+              <a:t>noise(pert)</a:t>
+            </a:r>
+            <a:endParaRPr lang="zh-TW" altLang="en-US" b="1">
+              <a:solidFill>
+                <a:schemeClr val="bg1"/>
+              </a:solidFill>
+            </a:endParaRPr>
+          </a:p>
+        </p:txBody>
+      </p:sp>
+      <p:sp>
+        <p:nvSpPr>
+          <p:cNvPr id="49" name="矩形 48">
+            <a:extLst>
+              <a:ext uri="{FF2B5EF4-FFF2-40B4-BE49-F238E27FC236}">
+                <a16:creationId xmlns:a16="http://schemas.microsoft.com/office/drawing/2014/main" id="{EC7D0F95-DB19-68F3-4032-263503029008}"/>
+              </a:ext>
+            </a:extLst>
+          </p:cNvPr>
+          <p:cNvSpPr/>
+          <p:nvPr/>
+        </p:nvSpPr>
+        <p:spPr>
+          <a:xfrm>
+            <a:off x="7690977" y="4728419"/>
+            <a:ext cx="3247314" cy="1227221"/>
+          </a:xfrm>
+          <a:prstGeom prst="rect">
+            <a:avLst/>
+          </a:prstGeom>
+          <a:solidFill>
+            <a:schemeClr val="tx1">
+              <a:lumMod val="75000"/>
+            </a:schemeClr>
+          </a:solidFill>
+          <a:ln>
+            <a:noFill/>
+          </a:ln>
+        </p:spPr>
+        <p:style>
+          <a:lnRef idx="2">
+            <a:schemeClr val="accent1">
+              <a:shade val="15000"/>
+            </a:schemeClr>
+          </a:lnRef>
+          <a:fillRef idx="1">
+            <a:schemeClr val="accent1"/>
+          </a:fillRef>
+          <a:effectRef idx="0">
+            <a:schemeClr val="accent1"/>
+          </a:effectRef>
+          <a:fontRef idx="minor">
+            <a:schemeClr val="lt1"/>
+          </a:fontRef>
+        </p:style>
+        <p:txBody>
+          <a:bodyPr rtlCol="0" anchor="ctr"/>
+          <a:lstStyle/>
+          <a:p>
+            <a:pPr algn="ctr"/>
+            <a:r>
+              <a:rPr lang="en-US" altLang="zh-TW" b="1">
+                <a:solidFill>
+                  <a:schemeClr val="bg1"/>
+                </a:solidFill>
+              </a:rPr>
+              <a:t>Transformer new</a:t>
+            </a:r>
+            <a:endParaRPr lang="zh-TW" altLang="en-US" b="1">
+              <a:solidFill>
+                <a:schemeClr val="bg1"/>
+              </a:solidFill>
+            </a:endParaRPr>
+          </a:p>
+        </p:txBody>
+      </p:sp>
+      <p:sp>
+        <p:nvSpPr>
+          <p:cNvPr id="50" name="矩形 49">
+            <a:extLst>
+              <a:ext uri="{FF2B5EF4-FFF2-40B4-BE49-F238E27FC236}">
+                <a16:creationId xmlns:a16="http://schemas.microsoft.com/office/drawing/2014/main" id="{8DED9334-5043-F2CC-AE39-B9FFB7F4D344}"/>
+              </a:ext>
+            </a:extLst>
+          </p:cNvPr>
+          <p:cNvSpPr/>
+          <p:nvPr/>
+        </p:nvSpPr>
+        <p:spPr>
+          <a:xfrm>
+            <a:off x="5071495" y="3777931"/>
+            <a:ext cx="2390274" cy="409073"/>
+          </a:xfrm>
+          <a:prstGeom prst="rect">
+            <a:avLst/>
+          </a:prstGeom>
+          <a:solidFill>
+            <a:schemeClr val="tx1">
+              <a:lumMod val="75000"/>
+            </a:schemeClr>
+          </a:solidFill>
+          <a:ln>
+            <a:noFill/>
+          </a:ln>
+        </p:spPr>
+        <p:style>
+          <a:lnRef idx="2">
+            <a:schemeClr val="accent1">
+              <a:shade val="15000"/>
+            </a:schemeClr>
+          </a:lnRef>
+          <a:fillRef idx="1">
+            <a:schemeClr val="accent1"/>
+          </a:fillRef>
+          <a:effectRef idx="0">
+            <a:schemeClr val="accent1"/>
+          </a:effectRef>
+          <a:fontRef idx="minor">
+            <a:schemeClr val="lt1"/>
+          </a:fontRef>
+        </p:style>
+        <p:txBody>
+          <a:bodyPr rtlCol="0" anchor="ctr"/>
+          <a:lstStyle/>
+          <a:p>
+            <a:pPr algn="ctr"/>
+            <a:r>
+              <a:rPr lang="en-US" altLang="zh-TW" b="1">
+                <a:solidFill>
+                  <a:schemeClr val="bg1"/>
+                </a:solidFill>
+              </a:rPr>
+              <a:t>noise(pert)</a:t>
+            </a:r>
+            <a:endParaRPr lang="zh-TW" altLang="en-US" b="1">
+              <a:solidFill>
+                <a:schemeClr val="bg1"/>
+              </a:solidFill>
+            </a:endParaRPr>
+          </a:p>
+        </p:txBody>
+      </p:sp>
+      <p:sp>
+        <p:nvSpPr>
+          <p:cNvPr id="51" name="矩形 50">
+            <a:extLst>
+              <a:ext uri="{FF2B5EF4-FFF2-40B4-BE49-F238E27FC236}">
+                <a16:creationId xmlns:a16="http://schemas.microsoft.com/office/drawing/2014/main" id="{F11FC4F9-E9F2-A58B-BC6C-EFC6B74E2C95}"/>
+              </a:ext>
+            </a:extLst>
+          </p:cNvPr>
+          <p:cNvSpPr/>
+          <p:nvPr/>
+        </p:nvSpPr>
+        <p:spPr>
+          <a:xfrm>
+            <a:off x="5071495" y="3527265"/>
+            <a:ext cx="2390274" cy="409073"/>
+          </a:xfrm>
+          <a:prstGeom prst="rect">
+            <a:avLst/>
+          </a:prstGeom>
+          <a:solidFill>
+            <a:schemeClr val="tx1">
+              <a:lumMod val="75000"/>
+            </a:schemeClr>
+          </a:solidFill>
+          <a:ln>
+            <a:noFill/>
+          </a:ln>
+        </p:spPr>
+        <p:style>
+          <a:lnRef idx="2">
+            <a:schemeClr val="accent1">
+              <a:shade val="15000"/>
+            </a:schemeClr>
+          </a:lnRef>
+          <a:fillRef idx="1">
+            <a:schemeClr val="accent1"/>
+          </a:fillRef>
+          <a:effectRef idx="0">
+            <a:schemeClr val="accent1"/>
+          </a:effectRef>
+          <a:fontRef idx="minor">
+            <a:schemeClr val="lt1"/>
+          </a:fontRef>
+        </p:style>
+        <p:txBody>
+          <a:bodyPr rtlCol="0" anchor="ctr"/>
+          <a:lstStyle/>
+          <a:p>
+            <a:pPr algn="ctr"/>
+            <a:r>
+              <a:rPr lang="en-US" altLang="zh-TW" b="1">
+                <a:solidFill>
+                  <a:schemeClr val="bg1"/>
+                </a:solidFill>
+              </a:rPr>
+              <a:t>noise(pert)</a:t>
+            </a:r>
+            <a:endParaRPr lang="zh-TW" altLang="en-US" b="1">
+              <a:solidFill>
+                <a:schemeClr val="bg1"/>
+              </a:solidFill>
+            </a:endParaRPr>
+          </a:p>
+        </p:txBody>
+      </p:sp>
+      <p:sp>
+        <p:nvSpPr>
+          <p:cNvPr id="52" name="矩形 51">
+            <a:extLst>
+              <a:ext uri="{FF2B5EF4-FFF2-40B4-BE49-F238E27FC236}">
+                <a16:creationId xmlns:a16="http://schemas.microsoft.com/office/drawing/2014/main" id="{27F830AF-7896-B3E7-5EA4-EDD27EF4F6A0}"/>
+              </a:ext>
+            </a:extLst>
+          </p:cNvPr>
+          <p:cNvSpPr/>
+          <p:nvPr/>
+        </p:nvSpPr>
+        <p:spPr>
+          <a:xfrm>
+            <a:off x="5071495" y="3276629"/>
+            <a:ext cx="2390274" cy="409073"/>
+          </a:xfrm>
+          <a:prstGeom prst="rect">
+            <a:avLst/>
+          </a:prstGeom>
+          <a:solidFill>
+            <a:schemeClr val="tx1">
+              <a:lumMod val="75000"/>
+            </a:schemeClr>
+          </a:solidFill>
+          <a:ln>
+            <a:noFill/>
+          </a:ln>
+        </p:spPr>
+        <p:style>
+          <a:lnRef idx="2">
+            <a:schemeClr val="accent1">
+              <a:shade val="15000"/>
+            </a:schemeClr>
+          </a:lnRef>
+          <a:fillRef idx="1">
+            <a:schemeClr val="accent1"/>
+          </a:fillRef>
+          <a:effectRef idx="0">
+            <a:schemeClr val="accent1"/>
+          </a:effectRef>
+          <a:fontRef idx="minor">
+            <a:schemeClr val="lt1"/>
+          </a:fontRef>
+        </p:style>
+        <p:txBody>
+          <a:bodyPr rtlCol="0" anchor="ctr"/>
+          <a:lstStyle/>
+          <a:p>
+            <a:pPr algn="ctr"/>
+            <a:r>
+              <a:rPr lang="en-US" altLang="zh-TW" b="1">
+                <a:solidFill>
+                  <a:schemeClr val="bg1"/>
+                </a:solidFill>
+              </a:rPr>
+              <a:t>noise(pert)</a:t>
+            </a:r>
+            <a:endParaRPr lang="zh-TW" altLang="en-US" b="1">
+              <a:solidFill>
+                <a:schemeClr val="bg1"/>
+              </a:solidFill>
+            </a:endParaRPr>
+          </a:p>
+        </p:txBody>
+      </p:sp>
+      <p:sp>
+        <p:nvSpPr>
+          <p:cNvPr id="54" name="矩形 53">
+            <a:extLst>
+              <a:ext uri="{FF2B5EF4-FFF2-40B4-BE49-F238E27FC236}">
+                <a16:creationId xmlns:a16="http://schemas.microsoft.com/office/drawing/2014/main" id="{BBFCAECD-D04C-8122-A03E-64C2CF29A172}"/>
+              </a:ext>
+            </a:extLst>
+          </p:cNvPr>
+          <p:cNvSpPr/>
+          <p:nvPr/>
+        </p:nvSpPr>
+        <p:spPr>
+          <a:xfrm>
+            <a:off x="5071495" y="4744442"/>
+            <a:ext cx="2390274" cy="409073"/>
+          </a:xfrm>
+          <a:prstGeom prst="rect">
+            <a:avLst/>
+          </a:prstGeom>
+          <a:solidFill>
+            <a:schemeClr val="tx1">
+              <a:lumMod val="75000"/>
+            </a:schemeClr>
+          </a:solidFill>
+          <a:ln>
+            <a:noFill/>
+          </a:ln>
+        </p:spPr>
+        <p:style>
+          <a:lnRef idx="2">
+            <a:schemeClr val="accent1">
+              <a:shade val="15000"/>
+            </a:schemeClr>
+          </a:lnRef>
+          <a:fillRef idx="1">
+            <a:schemeClr val="accent1"/>
+          </a:fillRef>
+          <a:effectRef idx="0">
+            <a:schemeClr val="accent1"/>
+          </a:effectRef>
+          <a:fontRef idx="minor">
+            <a:schemeClr val="lt1"/>
+          </a:fontRef>
+        </p:style>
+        <p:txBody>
+          <a:bodyPr rtlCol="0" anchor="ctr"/>
+          <a:lstStyle/>
+          <a:p>
+            <a:pPr algn="ctr"/>
+            <a:r>
+              <a:rPr lang="en-US" altLang="zh-TW" b="1">
+                <a:solidFill>
+                  <a:schemeClr val="bg1"/>
+                </a:solidFill>
+              </a:rPr>
+              <a:t>noise wireless</a:t>
+            </a:r>
+            <a:endParaRPr lang="zh-TW" altLang="en-US" b="1">
+              <a:solidFill>
+                <a:schemeClr val="bg1"/>
+              </a:solidFill>
+            </a:endParaRPr>
+          </a:p>
+        </p:txBody>
+      </p:sp>
+    </p:spTree>
+    <p:extLst>
+      <p:ext uri="{BB962C8B-B14F-4D97-AF65-F5344CB8AC3E}">
+        <p14:creationId xmlns:p14="http://schemas.microsoft.com/office/powerpoint/2010/main" val="2468475753"/>
+      </p:ext>
+    </p:extLst>
+  </p:cSld>
+  <p:clrMapOvr>
+    <a:masterClrMapping/>
+  </p:clrMapOvr>
+</p:sld>
+</file>
+
+<file path=ppt/slides/slide9.xml><?xml version="1.0" encoding="utf-8"?>
+<p:sld xmlns:a="http://schemas.openxmlformats.org/drawingml/2006/main" xmlns:r="http://schemas.openxmlformats.org/officeDocument/2006/relationships" xmlns:p="http://schemas.openxmlformats.org/presentationml/2006/main">
+  <p:cSld>
+    <p:spTree>
+      <p:nvGrpSpPr>
+        <p:cNvPr id="1" name=""/>
+        <p:cNvGrpSpPr/>
+        <p:nvPr/>
+      </p:nvGrpSpPr>
+      <p:grpSpPr>
+        <a:xfrm>
+          <a:off x="0" y="0"/>
+          <a:ext cx="0" cy="0"/>
+          <a:chOff x="0" y="0"/>
+          <a:chExt cx="0" cy="0"/>
+        </a:xfrm>
+      </p:grpSpPr>
+      <p:sp>
+        <p:nvSpPr>
+          <p:cNvPr id="4" name="Rectangle: Rounded Corners 3">
+            <a:extLst>
+              <a:ext uri="{FF2B5EF4-FFF2-40B4-BE49-F238E27FC236}">
+                <a16:creationId xmlns:a16="http://schemas.microsoft.com/office/drawing/2014/main" id="{0529DAC7-D153-B502-FD22-F84ECEC1B68A}"/>
+              </a:ext>
+            </a:extLst>
+          </p:cNvPr>
+          <p:cNvSpPr/>
+          <p:nvPr/>
+        </p:nvSpPr>
+        <p:spPr>
+          <a:xfrm>
+            <a:off x="239843" y="209863"/>
+            <a:ext cx="689547" cy="277318"/>
+          </a:xfrm>
+          <a:prstGeom prst="roundRect">
+            <a:avLst/>
+          </a:prstGeom>
+        </p:spPr>
+        <p:style>
+          <a:lnRef idx="2">
+            <a:schemeClr val="accent1">
+              <a:shade val="15000"/>
+            </a:schemeClr>
+          </a:lnRef>
+          <a:fillRef idx="1">
+            <a:schemeClr val="accent1"/>
+          </a:fillRef>
+          <a:effectRef idx="0">
+            <a:schemeClr val="accent1"/>
+          </a:effectRef>
+          <a:fontRef idx="minor">
+            <a:schemeClr val="lt1"/>
+          </a:fontRef>
+        </p:style>
+        <p:txBody>
+          <a:bodyPr rtlCol="0" anchor="ctr"/>
+          <a:lstStyle/>
+          <a:p>
+            <a:pPr algn="ctr"/>
+            <a:endParaRPr lang="en-US" sz="1000">
+              <a:latin typeface="Consolas" panose="020B0609020204030204" pitchFamily="49" charset="0"/>
+            </a:endParaRPr>
+          </a:p>
+        </p:txBody>
+      </p:sp>
+      <p:sp>
+        <p:nvSpPr>
+          <p:cNvPr id="5" name="Rectangle: Rounded Corners 4">
+            <a:extLst>
+              <a:ext uri="{FF2B5EF4-FFF2-40B4-BE49-F238E27FC236}">
+                <a16:creationId xmlns:a16="http://schemas.microsoft.com/office/drawing/2014/main" id="{78222DEF-245D-DEE9-110A-41326A009FE2}"/>
+              </a:ext>
+            </a:extLst>
+          </p:cNvPr>
+          <p:cNvSpPr/>
+          <p:nvPr/>
+        </p:nvSpPr>
+        <p:spPr>
+          <a:xfrm>
+            <a:off x="1134970" y="209863"/>
+            <a:ext cx="689547" cy="277318"/>
+          </a:xfrm>
+          <a:prstGeom prst="roundRect">
+            <a:avLst/>
+          </a:prstGeom>
+        </p:spPr>
+        <p:style>
+          <a:lnRef idx="2">
+            <a:schemeClr val="accent2">
+              <a:shade val="15000"/>
+            </a:schemeClr>
+          </a:lnRef>
+          <a:fillRef idx="1">
+            <a:schemeClr val="accent2"/>
+          </a:fillRef>
+          <a:effectRef idx="0">
+            <a:schemeClr val="accent2"/>
+          </a:effectRef>
+          <a:fontRef idx="minor">
+            <a:schemeClr val="lt1"/>
+          </a:fontRef>
+        </p:style>
+        <p:txBody>
+          <a:bodyPr rtlCol="0" anchor="ctr"/>
+          <a:lstStyle/>
+          <a:p>
+            <a:pPr algn="ctr"/>
+            <a:endParaRPr lang="en-US" sz="1000">
+              <a:latin typeface="Consolas" panose="020B0609020204030204" pitchFamily="49" charset="0"/>
+            </a:endParaRPr>
+          </a:p>
+        </p:txBody>
+      </p:sp>
+      <p:sp>
+        <p:nvSpPr>
+          <p:cNvPr id="6" name="Rectangle: Rounded Corners 5">
+            <a:extLst>
+              <a:ext uri="{FF2B5EF4-FFF2-40B4-BE49-F238E27FC236}">
+                <a16:creationId xmlns:a16="http://schemas.microsoft.com/office/drawing/2014/main" id="{20E1BD12-F7E2-C18E-A07D-5F38DF4EB450}"/>
+              </a:ext>
+            </a:extLst>
+          </p:cNvPr>
+          <p:cNvSpPr/>
+          <p:nvPr/>
+        </p:nvSpPr>
+        <p:spPr>
+          <a:xfrm>
+            <a:off x="2030097" y="209863"/>
+            <a:ext cx="689547" cy="277318"/>
+          </a:xfrm>
+          <a:prstGeom prst="roundRect">
+            <a:avLst/>
+          </a:prstGeom>
+        </p:spPr>
+        <p:style>
+          <a:lnRef idx="2">
+            <a:schemeClr val="accent3">
+              <a:shade val="15000"/>
+            </a:schemeClr>
+          </a:lnRef>
+          <a:fillRef idx="1">
+            <a:schemeClr val="accent3"/>
+          </a:fillRef>
+          <a:effectRef idx="0">
+            <a:schemeClr val="accent3"/>
+          </a:effectRef>
+          <a:fontRef idx="minor">
+            <a:schemeClr val="lt1"/>
+          </a:fontRef>
+        </p:style>
+        <p:txBody>
+          <a:bodyPr rtlCol="0" anchor="ctr"/>
+          <a:lstStyle/>
+          <a:p>
+            <a:pPr algn="ctr"/>
+            <a:endParaRPr lang="en-US" sz="1000">
+              <a:latin typeface="Consolas" panose="020B0609020204030204" pitchFamily="49" charset="0"/>
+            </a:endParaRPr>
+          </a:p>
+        </p:txBody>
+      </p:sp>
+      <p:sp>
+        <p:nvSpPr>
+          <p:cNvPr id="7" name="Rectangle: Rounded Corners 6">
+            <a:extLst>
+              <a:ext uri="{FF2B5EF4-FFF2-40B4-BE49-F238E27FC236}">
+                <a16:creationId xmlns:a16="http://schemas.microsoft.com/office/drawing/2014/main" id="{019F89DF-61BC-EA53-3541-39455786AC54}"/>
+              </a:ext>
+            </a:extLst>
+          </p:cNvPr>
+          <p:cNvSpPr/>
+          <p:nvPr/>
+        </p:nvSpPr>
+        <p:spPr>
+          <a:xfrm>
+            <a:off x="2925224" y="209863"/>
+            <a:ext cx="689547" cy="277318"/>
+          </a:xfrm>
+          <a:prstGeom prst="roundRect">
+            <a:avLst/>
+          </a:prstGeom>
+        </p:spPr>
+        <p:style>
+          <a:lnRef idx="2">
+            <a:schemeClr val="accent4">
+              <a:shade val="15000"/>
+            </a:schemeClr>
+          </a:lnRef>
+          <a:fillRef idx="1">
+            <a:schemeClr val="accent4"/>
+          </a:fillRef>
+          <a:effectRef idx="0">
+            <a:schemeClr val="accent4"/>
+          </a:effectRef>
+          <a:fontRef idx="minor">
+            <a:schemeClr val="lt1"/>
+          </a:fontRef>
+        </p:style>
+        <p:txBody>
+          <a:bodyPr rtlCol="0" anchor="ctr"/>
+          <a:lstStyle/>
+          <a:p>
+            <a:pPr algn="ctr"/>
+            <a:endParaRPr lang="en-US" sz="1000">
+              <a:latin typeface="Consolas" panose="020B0609020204030204" pitchFamily="49" charset="0"/>
+            </a:endParaRPr>
+          </a:p>
+        </p:txBody>
+      </p:sp>
+      <p:sp>
+        <p:nvSpPr>
+          <p:cNvPr id="12" name="Rectangle: Rounded Corners 11">
+            <a:extLst>
+              <a:ext uri="{FF2B5EF4-FFF2-40B4-BE49-F238E27FC236}">
+                <a16:creationId xmlns:a16="http://schemas.microsoft.com/office/drawing/2014/main" id="{6539D597-232A-4DF8-DEB0-3D64C812EDCD}"/>
+              </a:ext>
+            </a:extLst>
+          </p:cNvPr>
+          <p:cNvSpPr/>
+          <p:nvPr/>
+        </p:nvSpPr>
+        <p:spPr>
+          <a:xfrm>
+            <a:off x="3820351" y="209863"/>
+            <a:ext cx="689547" cy="277318"/>
+          </a:xfrm>
+          <a:prstGeom prst="roundRect">
+            <a:avLst/>
+          </a:prstGeom>
+        </p:spPr>
+        <p:style>
+          <a:lnRef idx="2">
+            <a:schemeClr val="accent5">
+              <a:shade val="15000"/>
+            </a:schemeClr>
+          </a:lnRef>
+          <a:fillRef idx="1">
+            <a:schemeClr val="accent5"/>
+          </a:fillRef>
+          <a:effectRef idx="0">
+            <a:schemeClr val="accent5"/>
+          </a:effectRef>
+          <a:fontRef idx="minor">
+            <a:schemeClr val="lt1"/>
+          </a:fontRef>
+        </p:style>
+        <p:txBody>
+          <a:bodyPr rtlCol="0" anchor="ctr"/>
+          <a:lstStyle/>
+          <a:p>
+            <a:pPr algn="ctr"/>
+            <a:endParaRPr lang="en-US" sz="1000">
+              <a:latin typeface="Consolas" panose="020B0609020204030204" pitchFamily="49" charset="0"/>
+            </a:endParaRPr>
+          </a:p>
+        </p:txBody>
+      </p:sp>
+      <p:sp>
+        <p:nvSpPr>
+          <p:cNvPr id="13" name="Rectangle: Rounded Corners 12">
+            <a:extLst>
+              <a:ext uri="{FF2B5EF4-FFF2-40B4-BE49-F238E27FC236}">
+                <a16:creationId xmlns:a16="http://schemas.microsoft.com/office/drawing/2014/main" id="{489840EA-4EF7-5BAE-CBF3-F3D0E368E9FA}"/>
+              </a:ext>
+            </a:extLst>
+          </p:cNvPr>
+          <p:cNvSpPr/>
+          <p:nvPr/>
+        </p:nvSpPr>
+        <p:spPr>
+          <a:xfrm>
+            <a:off x="4715478" y="209863"/>
+            <a:ext cx="689547" cy="277318"/>
+          </a:xfrm>
+          <a:prstGeom prst="roundRect">
+            <a:avLst/>
+          </a:prstGeom>
+        </p:spPr>
+        <p:style>
+          <a:lnRef idx="2">
+            <a:schemeClr val="accent6">
+              <a:shade val="15000"/>
+            </a:schemeClr>
+          </a:lnRef>
+          <a:fillRef idx="1">
+            <a:schemeClr val="accent6"/>
+          </a:fillRef>
+          <a:effectRef idx="0">
+            <a:schemeClr val="accent6"/>
+          </a:effectRef>
+          <a:fontRef idx="minor">
+            <a:schemeClr val="lt1"/>
+          </a:fontRef>
+        </p:style>
+        <p:txBody>
+          <a:bodyPr rtlCol="0" anchor="ctr"/>
+          <a:lstStyle/>
+          <a:p>
+            <a:pPr algn="ctr"/>
+            <a:endParaRPr lang="en-US" sz="1000">
+              <a:latin typeface="Consolas" panose="020B0609020204030204" pitchFamily="49" charset="0"/>
+            </a:endParaRPr>
+          </a:p>
+        </p:txBody>
+      </p:sp>
+      <p:sp>
+        <p:nvSpPr>
+          <p:cNvPr id="16" name="Rectangle: Rounded Corners 15">
+            <a:extLst>
+              <a:ext uri="{FF2B5EF4-FFF2-40B4-BE49-F238E27FC236}">
+                <a16:creationId xmlns:a16="http://schemas.microsoft.com/office/drawing/2014/main" id="{0ED46574-321C-E859-E016-627441BBE361}"/>
+              </a:ext>
+            </a:extLst>
+          </p:cNvPr>
+          <p:cNvSpPr/>
+          <p:nvPr/>
+        </p:nvSpPr>
+        <p:spPr>
+          <a:xfrm>
+            <a:off x="5610605" y="209863"/>
+            <a:ext cx="689547" cy="277318"/>
+          </a:xfrm>
+          <a:prstGeom prst="roundRect">
+            <a:avLst/>
+          </a:prstGeom>
+        </p:spPr>
+        <p:style>
+          <a:lnRef idx="2">
+            <a:schemeClr val="accent1"/>
+          </a:lnRef>
+          <a:fillRef idx="1">
+            <a:schemeClr val="lt1"/>
+          </a:fillRef>
+          <a:effectRef idx="0">
+            <a:schemeClr val="accent1"/>
+          </a:effectRef>
+          <a:fontRef idx="minor">
+            <a:schemeClr val="dk1"/>
+          </a:fontRef>
+        </p:style>
+        <p:txBody>
+          <a:bodyPr rtlCol="0" anchor="ctr"/>
+          <a:lstStyle/>
+          <a:p>
+            <a:pPr algn="ctr"/>
+            <a:endParaRPr lang="en-US" sz="1000">
+              <a:latin typeface="Consolas" panose="020B0609020204030204" pitchFamily="49" charset="0"/>
+            </a:endParaRPr>
+          </a:p>
+        </p:txBody>
+      </p:sp>
+      <p:sp>
+        <p:nvSpPr>
+          <p:cNvPr id="17" name="Rectangle: Rounded Corners 16">
+            <a:extLst>
+              <a:ext uri="{FF2B5EF4-FFF2-40B4-BE49-F238E27FC236}">
+                <a16:creationId xmlns:a16="http://schemas.microsoft.com/office/drawing/2014/main" id="{1D585F3F-F776-A353-60D3-4AD9BCEF2D2E}"/>
+              </a:ext>
+            </a:extLst>
+          </p:cNvPr>
+          <p:cNvSpPr/>
+          <p:nvPr/>
+        </p:nvSpPr>
+        <p:spPr>
+          <a:xfrm>
+            <a:off x="6505732" y="209863"/>
+            <a:ext cx="689547" cy="277318"/>
+          </a:xfrm>
+          <a:prstGeom prst="roundRect">
+            <a:avLst/>
+          </a:prstGeom>
+        </p:spPr>
+        <p:style>
+          <a:lnRef idx="2">
+            <a:schemeClr val="accent2"/>
+          </a:lnRef>
+          <a:fillRef idx="1">
+            <a:schemeClr val="lt1"/>
+          </a:fillRef>
+          <a:effectRef idx="0">
+            <a:schemeClr val="accent2"/>
+          </a:effectRef>
+          <a:fontRef idx="minor">
+            <a:schemeClr val="dk1"/>
+          </a:fontRef>
+        </p:style>
+        <p:txBody>
+          <a:bodyPr rtlCol="0" anchor="ctr"/>
+          <a:lstStyle/>
+          <a:p>
+            <a:pPr algn="ctr"/>
+            <a:endParaRPr lang="en-US" sz="1000">
+              <a:latin typeface="Consolas" panose="020B0609020204030204" pitchFamily="49" charset="0"/>
+            </a:endParaRPr>
+          </a:p>
+        </p:txBody>
+      </p:sp>
+      <p:sp>
+        <p:nvSpPr>
+          <p:cNvPr id="18" name="Rectangle: Rounded Corners 17">
+            <a:extLst>
+              <a:ext uri="{FF2B5EF4-FFF2-40B4-BE49-F238E27FC236}">
+                <a16:creationId xmlns:a16="http://schemas.microsoft.com/office/drawing/2014/main" id="{85A2BCEB-550A-3DB0-0F13-FDEC41356A96}"/>
+              </a:ext>
+            </a:extLst>
+          </p:cNvPr>
+          <p:cNvSpPr/>
+          <p:nvPr/>
+        </p:nvSpPr>
+        <p:spPr>
+          <a:xfrm>
+            <a:off x="7400859" y="209863"/>
+            <a:ext cx="689547" cy="277318"/>
+          </a:xfrm>
+          <a:prstGeom prst="roundRect">
+            <a:avLst/>
+          </a:prstGeom>
+        </p:spPr>
+        <p:style>
+          <a:lnRef idx="2">
+            <a:schemeClr val="accent3"/>
+          </a:lnRef>
+          <a:fillRef idx="1">
+            <a:schemeClr val="lt1"/>
+          </a:fillRef>
+          <a:effectRef idx="0">
+            <a:schemeClr val="accent3"/>
+          </a:effectRef>
+          <a:fontRef idx="minor">
+            <a:schemeClr val="dk1"/>
+          </a:fontRef>
+        </p:style>
+        <p:txBody>
+          <a:bodyPr rtlCol="0" anchor="ctr"/>
+          <a:lstStyle/>
+          <a:p>
+            <a:pPr algn="ctr"/>
+            <a:endParaRPr lang="en-US" sz="1000">
+              <a:latin typeface="Consolas" panose="020B0609020204030204" pitchFamily="49" charset="0"/>
+            </a:endParaRPr>
+          </a:p>
+        </p:txBody>
+      </p:sp>
+      <p:sp>
+        <p:nvSpPr>
+          <p:cNvPr id="20" name="Rectangle: Rounded Corners 19">
+            <a:extLst>
+              <a:ext uri="{FF2B5EF4-FFF2-40B4-BE49-F238E27FC236}">
+                <a16:creationId xmlns:a16="http://schemas.microsoft.com/office/drawing/2014/main" id="{5B37CBE8-F3F5-6740-03A5-6850DF1AFBE4}"/>
+              </a:ext>
+            </a:extLst>
+          </p:cNvPr>
+          <p:cNvSpPr/>
+          <p:nvPr/>
+        </p:nvSpPr>
+        <p:spPr>
+          <a:xfrm>
+            <a:off x="9191113" y="209863"/>
+            <a:ext cx="689547" cy="277318"/>
+          </a:xfrm>
+          <a:prstGeom prst="roundRect">
+            <a:avLst/>
+          </a:prstGeom>
+        </p:spPr>
+        <p:style>
+          <a:lnRef idx="2">
+            <a:schemeClr val="accent5"/>
+          </a:lnRef>
+          <a:fillRef idx="1">
+            <a:schemeClr val="lt1"/>
+          </a:fillRef>
+          <a:effectRef idx="0">
+            <a:schemeClr val="accent5"/>
+          </a:effectRef>
+          <a:fontRef idx="minor">
+            <a:schemeClr val="dk1"/>
+          </a:fontRef>
+        </p:style>
+        <p:txBody>
+          <a:bodyPr rtlCol="0" anchor="ctr"/>
+          <a:lstStyle/>
+          <a:p>
+            <a:pPr algn="ctr"/>
+            <a:endParaRPr lang="en-US" sz="1000">
+              <a:latin typeface="Consolas" panose="020B0609020204030204" pitchFamily="49" charset="0"/>
+            </a:endParaRPr>
+          </a:p>
+        </p:txBody>
+      </p:sp>
+      <p:sp>
+        <p:nvSpPr>
+          <p:cNvPr id="21" name="Rectangle: Rounded Corners 20">
+            <a:extLst>
+              <a:ext uri="{FF2B5EF4-FFF2-40B4-BE49-F238E27FC236}">
+                <a16:creationId xmlns:a16="http://schemas.microsoft.com/office/drawing/2014/main" id="{68620648-732D-F651-4188-C57937E972E0}"/>
+              </a:ext>
+            </a:extLst>
+          </p:cNvPr>
+          <p:cNvSpPr/>
+          <p:nvPr/>
+        </p:nvSpPr>
+        <p:spPr>
+          <a:xfrm>
+            <a:off x="10086240" y="209863"/>
+            <a:ext cx="689547" cy="277318"/>
+          </a:xfrm>
+          <a:prstGeom prst="roundRect">
+            <a:avLst/>
+          </a:prstGeom>
+        </p:spPr>
+        <p:style>
+          <a:lnRef idx="2">
+            <a:schemeClr val="accent6"/>
+          </a:lnRef>
+          <a:fillRef idx="1">
+            <a:schemeClr val="lt1"/>
+          </a:fillRef>
+          <a:effectRef idx="0">
+            <a:schemeClr val="accent6"/>
+          </a:effectRef>
+          <a:fontRef idx="minor">
+            <a:schemeClr val="dk1"/>
+          </a:fontRef>
+        </p:style>
+        <p:txBody>
+          <a:bodyPr rtlCol="0" anchor="ctr"/>
+          <a:lstStyle/>
+          <a:p>
+            <a:pPr algn="ctr"/>
+            <a:endParaRPr lang="en-US" sz="1000">
+              <a:latin typeface="Consolas" panose="020B0609020204030204" pitchFamily="49" charset="0"/>
+            </a:endParaRPr>
+          </a:p>
+        </p:txBody>
+      </p:sp>
+      <p:sp>
+        <p:nvSpPr>
+          <p:cNvPr id="22" name="TextBox 21">
+            <a:extLst>
+              <a:ext uri="{FF2B5EF4-FFF2-40B4-BE49-F238E27FC236}">
+                <a16:creationId xmlns:a16="http://schemas.microsoft.com/office/drawing/2014/main" id="{C31BC362-2B82-C326-AAF1-FFB27398ADAF}"/>
+              </a:ext>
+            </a:extLst>
+          </p:cNvPr>
+          <p:cNvSpPr txBox="1"/>
+          <p:nvPr/>
+        </p:nvSpPr>
+        <p:spPr>
+          <a:xfrm>
+            <a:off x="10981367" y="225411"/>
+            <a:ext cx="689547" cy="246221"/>
+          </a:xfrm>
+          <a:prstGeom prst="rect">
+            <a:avLst/>
+          </a:prstGeom>
+          <a:noFill/>
+        </p:spPr>
+        <p:txBody>
+          <a:bodyPr wrap="square" rtlCol="0">
+            <a:spAutoFit/>
+          </a:bodyPr>
+          <a:lstStyle/>
+          <a:p>
+            <a:pPr algn="ctr" defTabSz="182880"/>
+            <a:r>
+              <a:rPr lang="en-US" sz="1000">
+                <a:latin typeface="Consolas" panose="020B0609020204030204" pitchFamily="49" charset="0"/>
+              </a:rPr>
+              <a:t>text</a:t>
+            </a:r>
+          </a:p>
+        </p:txBody>
+      </p:sp>
+      <p:sp>
+        <p:nvSpPr>
+          <p:cNvPr id="11" name="TextBox 21">
+            <a:extLst>
+              <a:ext uri="{FF2B5EF4-FFF2-40B4-BE49-F238E27FC236}">
+                <a16:creationId xmlns:a16="http://schemas.microsoft.com/office/drawing/2014/main" id="{94AB4CB3-8817-E3E2-3F2C-600D8C7092B7}"/>
+              </a:ext>
+            </a:extLst>
+          </p:cNvPr>
+          <p:cNvSpPr txBox="1"/>
+          <p:nvPr/>
+        </p:nvSpPr>
+        <p:spPr>
+          <a:xfrm>
+            <a:off x="2532804" y="4176363"/>
+            <a:ext cx="689547" cy="246221"/>
+          </a:xfrm>
+          <a:prstGeom prst="rect">
+            <a:avLst/>
+          </a:prstGeom>
+          <a:noFill/>
+        </p:spPr>
+        <p:txBody>
+          <a:bodyPr wrap="square" rtlCol="0">
+            <a:spAutoFit/>
+          </a:bodyPr>
+          <a:lstStyle/>
+          <a:p>
+            <a:pPr algn="ctr" defTabSz="182880"/>
+            <a:r>
+              <a:rPr lang="en-US" altLang="zh-TW" sz="1000">
+                <a:latin typeface="Consolas" panose="020B0609020204030204" pitchFamily="49" charset="0"/>
+              </a:rPr>
+              <a:t>comb1</a:t>
+            </a:r>
+            <a:endParaRPr lang="en-US" sz="1000">
+              <a:latin typeface="Consolas" panose="020B0609020204030204" pitchFamily="49" charset="0"/>
+            </a:endParaRPr>
+          </a:p>
+        </p:txBody>
+      </p:sp>
+      <p:sp>
+        <p:nvSpPr>
+          <p:cNvPr id="14" name="TextBox 21">
+            <a:extLst>
+              <a:ext uri="{FF2B5EF4-FFF2-40B4-BE49-F238E27FC236}">
+                <a16:creationId xmlns:a16="http://schemas.microsoft.com/office/drawing/2014/main" id="{1394D751-A8E9-7391-1BC8-32C15E5D1605}"/>
+              </a:ext>
+            </a:extLst>
+          </p:cNvPr>
+          <p:cNvSpPr txBox="1"/>
+          <p:nvPr/>
+        </p:nvSpPr>
+        <p:spPr>
+          <a:xfrm>
+            <a:off x="4211257" y="4176363"/>
+            <a:ext cx="689547" cy="246221"/>
+          </a:xfrm>
+          <a:prstGeom prst="rect">
+            <a:avLst/>
+          </a:prstGeom>
+          <a:noFill/>
+        </p:spPr>
+        <p:txBody>
+          <a:bodyPr wrap="square" rtlCol="0">
+            <a:spAutoFit/>
+          </a:bodyPr>
+          <a:lstStyle/>
+          <a:p>
+            <a:pPr algn="ctr" defTabSz="182880"/>
+            <a:r>
+              <a:rPr lang="en-US" altLang="zh-TW" sz="1000">
+                <a:latin typeface="Consolas" panose="020B0609020204030204" pitchFamily="49" charset="0"/>
+              </a:rPr>
+              <a:t>comb2</a:t>
+            </a:r>
+          </a:p>
+        </p:txBody>
+      </p:sp>
+      <p:sp>
+        <p:nvSpPr>
+          <p:cNvPr id="15" name="TextBox 21">
+            <a:extLst>
+              <a:ext uri="{FF2B5EF4-FFF2-40B4-BE49-F238E27FC236}">
+                <a16:creationId xmlns:a16="http://schemas.microsoft.com/office/drawing/2014/main" id="{564CBC53-EF7E-1C46-8DD4-31FBA49350EF}"/>
+              </a:ext>
+            </a:extLst>
+          </p:cNvPr>
+          <p:cNvSpPr txBox="1"/>
+          <p:nvPr/>
+        </p:nvSpPr>
+        <p:spPr>
+          <a:xfrm>
+            <a:off x="5936520" y="4176363"/>
+            <a:ext cx="689547" cy="246221"/>
+          </a:xfrm>
+          <a:prstGeom prst="rect">
+            <a:avLst/>
+          </a:prstGeom>
+          <a:noFill/>
+        </p:spPr>
+        <p:txBody>
+          <a:bodyPr wrap="square" rtlCol="0">
+            <a:spAutoFit/>
+          </a:bodyPr>
+          <a:lstStyle/>
+          <a:p>
+            <a:pPr algn="ctr" defTabSz="182880"/>
+            <a:r>
+              <a:rPr lang="en-US" altLang="zh-TW" sz="1000">
+                <a:latin typeface="Consolas" panose="020B0609020204030204" pitchFamily="49" charset="0"/>
+              </a:rPr>
+              <a:t>comb3</a:t>
+            </a:r>
+          </a:p>
+        </p:txBody>
+      </p:sp>
+      <p:cxnSp>
+        <p:nvCxnSpPr>
+          <p:cNvPr id="9" name="直線單箭頭接點 8">
+            <a:extLst>
+              <a:ext uri="{FF2B5EF4-FFF2-40B4-BE49-F238E27FC236}">
+                <a16:creationId xmlns:a16="http://schemas.microsoft.com/office/drawing/2014/main" id="{99EA144D-305D-B2EC-57DF-F74F0AAF56F9}"/>
+              </a:ext>
+            </a:extLst>
+          </p:cNvPr>
+          <p:cNvCxnSpPr>
+            <a:cxnSpLocks/>
+          </p:cNvCxnSpPr>
+          <p:nvPr/>
+        </p:nvCxnSpPr>
+        <p:spPr>
+          <a:xfrm>
+            <a:off x="2043686" y="3978136"/>
+            <a:ext cx="5313981" cy="0"/>
+          </a:xfrm>
+          <a:prstGeom prst="straightConnector1">
+            <a:avLst/>
+          </a:prstGeom>
+          <a:ln w="76200">
+            <a:solidFill>
+              <a:schemeClr val="tx1"/>
+            </a:solidFill>
+            <a:tailEnd type="triangle"/>
+          </a:ln>
+        </p:spPr>
+        <p:style>
+          <a:lnRef idx="1">
+            <a:schemeClr val="accent1"/>
+          </a:lnRef>
+          <a:fillRef idx="0">
+            <a:schemeClr val="accent1"/>
+          </a:fillRef>
+          <a:effectRef idx="0">
+            <a:schemeClr val="accent1"/>
+          </a:effectRef>
+          <a:fontRef idx="minor">
+            <a:schemeClr val="tx1"/>
+          </a:fontRef>
+        </p:style>
+      </p:cxnSp>
+      <p:sp>
+        <p:nvSpPr>
+          <p:cNvPr id="43" name="矩形 42">
+            <a:extLst>
+              <a:ext uri="{FF2B5EF4-FFF2-40B4-BE49-F238E27FC236}">
+                <a16:creationId xmlns:a16="http://schemas.microsoft.com/office/drawing/2014/main" id="{89A62AF9-6AB4-CDF2-7484-8A530FB8EFFE}"/>
+              </a:ext>
+            </a:extLst>
+          </p:cNvPr>
+          <p:cNvSpPr/>
+          <p:nvPr/>
+        </p:nvSpPr>
+        <p:spPr>
+          <a:xfrm>
+            <a:off x="9908943" y="1166016"/>
+            <a:ext cx="166101" cy="537408"/>
+          </a:xfrm>
+          <a:prstGeom prst="rect">
+            <a:avLst/>
+          </a:prstGeom>
+          <a:solidFill>
+            <a:schemeClr val="bg1">
+              <a:lumMod val="65000"/>
+              <a:lumOff val="35000"/>
+            </a:schemeClr>
+          </a:solidFill>
+          <a:ln>
+            <a:noFill/>
+          </a:ln>
+        </p:spPr>
+        <p:style>
+          <a:lnRef idx="2">
+            <a:schemeClr val="accent1">
+              <a:shade val="15000"/>
+            </a:schemeClr>
+          </a:lnRef>
+          <a:fillRef idx="1">
+            <a:schemeClr val="accent1"/>
+          </a:fillRef>
+          <a:effectRef idx="0">
+            <a:schemeClr val="accent1"/>
+          </a:effectRef>
+          <a:fontRef idx="minor">
+            <a:schemeClr val="lt1"/>
+          </a:fontRef>
+        </p:style>
+        <p:txBody>
+          <a:bodyPr rtlCol="0" anchor="ctr"/>
+          <a:lstStyle/>
+          <a:p>
+            <a:pPr algn="ctr"/>
+            <a:endParaRPr lang="zh-TW" altLang="en-US"/>
+          </a:p>
+        </p:txBody>
+      </p:sp>
+      <p:sp>
+        <p:nvSpPr>
+          <p:cNvPr id="44" name="矩形 43">
+            <a:extLst>
+              <a:ext uri="{FF2B5EF4-FFF2-40B4-BE49-F238E27FC236}">
+                <a16:creationId xmlns:a16="http://schemas.microsoft.com/office/drawing/2014/main" id="{63E63DC0-56F4-09C6-D02A-C97D1FED6D53}"/>
+              </a:ext>
+            </a:extLst>
+          </p:cNvPr>
+          <p:cNvSpPr/>
+          <p:nvPr/>
+        </p:nvSpPr>
+        <p:spPr>
+          <a:xfrm>
+            <a:off x="10339280" y="1166016"/>
+            <a:ext cx="166101" cy="537408"/>
+          </a:xfrm>
+          <a:prstGeom prst="rect">
+            <a:avLst/>
+          </a:prstGeom>
+          <a:solidFill>
+            <a:schemeClr val="tx1">
+              <a:lumMod val="75000"/>
+            </a:schemeClr>
+          </a:solidFill>
+          <a:ln>
+            <a:noFill/>
+          </a:ln>
+        </p:spPr>
+        <p:style>
+          <a:lnRef idx="2">
+            <a:schemeClr val="accent1">
+              <a:shade val="15000"/>
+            </a:schemeClr>
+          </a:lnRef>
+          <a:fillRef idx="1">
+            <a:schemeClr val="accent1"/>
+          </a:fillRef>
+          <a:effectRef idx="0">
+            <a:schemeClr val="accent1"/>
+          </a:effectRef>
+          <a:fontRef idx="minor">
+            <a:schemeClr val="lt1"/>
+          </a:fontRef>
+        </p:style>
+        <p:txBody>
+          <a:bodyPr rtlCol="0" anchor="ctr"/>
+          <a:lstStyle/>
+          <a:p>
+            <a:pPr algn="ctr"/>
+            <a:endParaRPr lang="zh-TW" altLang="en-US"/>
+          </a:p>
+        </p:txBody>
+      </p:sp>
+      <p:sp>
+        <p:nvSpPr>
+          <p:cNvPr id="45" name="TextBox 21">
+            <a:extLst>
+              <a:ext uri="{FF2B5EF4-FFF2-40B4-BE49-F238E27FC236}">
+                <a16:creationId xmlns:a16="http://schemas.microsoft.com/office/drawing/2014/main" id="{E1E0BA46-BF4B-DA26-6246-1D29066A2C3E}"/>
+              </a:ext>
+            </a:extLst>
+          </p:cNvPr>
+          <p:cNvSpPr txBox="1"/>
+          <p:nvPr/>
+        </p:nvSpPr>
+        <p:spPr>
+          <a:xfrm>
+            <a:off x="9641174" y="789021"/>
+            <a:ext cx="689547" cy="246221"/>
+          </a:xfrm>
+          <a:prstGeom prst="rect">
+            <a:avLst/>
+          </a:prstGeom>
+          <a:noFill/>
+        </p:spPr>
+        <p:txBody>
+          <a:bodyPr wrap="square" rtlCol="0">
+            <a:spAutoFit/>
+          </a:bodyPr>
+          <a:lstStyle/>
+          <a:p>
+            <a:pPr algn="ctr" defTabSz="182880"/>
+            <a:r>
+              <a:rPr lang="en-US" altLang="zh-TW" sz="1000">
+                <a:latin typeface="Consolas" panose="020B0609020204030204" pitchFamily="49" charset="0"/>
+              </a:rPr>
+              <a:t>w/ f</a:t>
+            </a:r>
+          </a:p>
+        </p:txBody>
+      </p:sp>
+      <p:sp>
+        <p:nvSpPr>
+          <p:cNvPr id="46" name="TextBox 21">
+            <a:extLst>
+              <a:ext uri="{FF2B5EF4-FFF2-40B4-BE49-F238E27FC236}">
+                <a16:creationId xmlns:a16="http://schemas.microsoft.com/office/drawing/2014/main" id="{976FF492-6956-81DB-43DF-71BE74C5A501}"/>
+              </a:ext>
+            </a:extLst>
+          </p:cNvPr>
+          <p:cNvSpPr txBox="1"/>
+          <p:nvPr/>
+        </p:nvSpPr>
+        <p:spPr>
+          <a:xfrm>
+            <a:off x="10086240" y="789021"/>
+            <a:ext cx="689547" cy="246221"/>
+          </a:xfrm>
+          <a:prstGeom prst="rect">
+            <a:avLst/>
+          </a:prstGeom>
+          <a:noFill/>
+        </p:spPr>
+        <p:txBody>
+          <a:bodyPr wrap="square" rtlCol="0">
+            <a:spAutoFit/>
+          </a:bodyPr>
+          <a:lstStyle/>
+          <a:p>
+            <a:pPr algn="ctr" defTabSz="182880"/>
+            <a:r>
+              <a:rPr lang="en-US" altLang="zh-TW" sz="1000">
+                <a:latin typeface="Consolas" panose="020B0609020204030204" pitchFamily="49" charset="0"/>
+              </a:rPr>
+              <a:t>w/o f</a:t>
+            </a:r>
+          </a:p>
+        </p:txBody>
+      </p:sp>
+      <p:sp>
+        <p:nvSpPr>
+          <p:cNvPr id="81" name="TextBox 21">
+            <a:extLst>
+              <a:ext uri="{FF2B5EF4-FFF2-40B4-BE49-F238E27FC236}">
+                <a16:creationId xmlns:a16="http://schemas.microsoft.com/office/drawing/2014/main" id="{83540E07-3DC0-B8D6-025F-2EAAA0395D79}"/>
+              </a:ext>
+            </a:extLst>
+          </p:cNvPr>
+          <p:cNvSpPr txBox="1"/>
+          <p:nvPr/>
+        </p:nvSpPr>
+        <p:spPr>
+          <a:xfrm>
+            <a:off x="8090406" y="789020"/>
+            <a:ext cx="689547" cy="246221"/>
+          </a:xfrm>
+          <a:prstGeom prst="rect">
+            <a:avLst/>
+          </a:prstGeom>
+          <a:noFill/>
+        </p:spPr>
+        <p:txBody>
+          <a:bodyPr wrap="square" rtlCol="0">
+            <a:spAutoFit/>
+          </a:bodyPr>
+          <a:lstStyle/>
+          <a:p>
+            <a:pPr algn="ctr" defTabSz="182880"/>
+            <a:r>
+              <a:rPr lang="en-US" altLang="zh-TW" sz="1000">
+                <a:latin typeface="Consolas" panose="020B0609020204030204" pitchFamily="49" charset="0"/>
+              </a:rPr>
+              <a:t>Scene 2</a:t>
+            </a:r>
+          </a:p>
+        </p:txBody>
+      </p:sp>
+      <p:sp>
+        <p:nvSpPr>
+          <p:cNvPr id="3" name="TextBox 21">
+            <a:extLst>
+              <a:ext uri="{FF2B5EF4-FFF2-40B4-BE49-F238E27FC236}">
+                <a16:creationId xmlns:a16="http://schemas.microsoft.com/office/drawing/2014/main" id="{77172783-46AE-084B-85FE-9EDD9B1A86A9}"/>
+              </a:ext>
+            </a:extLst>
+          </p:cNvPr>
+          <p:cNvSpPr txBox="1"/>
+          <p:nvPr/>
+        </p:nvSpPr>
+        <p:spPr>
+          <a:xfrm>
+            <a:off x="2401292" y="1149426"/>
+            <a:ext cx="1307656" cy="400110"/>
+          </a:xfrm>
+          <a:prstGeom prst="rect">
+            <a:avLst/>
+          </a:prstGeom>
+          <a:noFill/>
+        </p:spPr>
+        <p:txBody>
+          <a:bodyPr wrap="square" rtlCol="0">
+            <a:spAutoFit/>
+          </a:bodyPr>
+          <a:lstStyle/>
+          <a:p>
+            <a:pPr defTabSz="182880"/>
+            <a:r>
+              <a:rPr lang="en-US" sz="1000">
+                <a:latin typeface="Consolas" panose="020B0609020204030204" pitchFamily="49" charset="0"/>
+              </a:rPr>
+              <a:t>similar area</a:t>
+            </a:r>
+          </a:p>
+          <a:p>
+            <a:pPr defTabSz="182880"/>
+            <a:r>
+              <a:rPr lang="en-US" sz="1000">
+                <a:latin typeface="Consolas" panose="020B0609020204030204" pitchFamily="49" charset="0"/>
+              </a:rPr>
+              <a:t>different area</a:t>
+            </a:r>
+          </a:p>
+        </p:txBody>
+      </p:sp>
+      <p:sp>
+        <p:nvSpPr>
+          <p:cNvPr id="19" name="TextBox 21">
+            <a:extLst>
+              <a:ext uri="{FF2B5EF4-FFF2-40B4-BE49-F238E27FC236}">
+                <a16:creationId xmlns:a16="http://schemas.microsoft.com/office/drawing/2014/main" id="{D9E1A264-81DC-4515-B993-C99B0F34B08B}"/>
+              </a:ext>
+            </a:extLst>
+          </p:cNvPr>
+          <p:cNvSpPr txBox="1"/>
+          <p:nvPr/>
+        </p:nvSpPr>
+        <p:spPr>
+          <a:xfrm>
+            <a:off x="1065629" y="1072482"/>
+            <a:ext cx="1307656" cy="553998"/>
+          </a:xfrm>
+          <a:prstGeom prst="rect">
+            <a:avLst/>
+          </a:prstGeom>
+          <a:noFill/>
+        </p:spPr>
+        <p:txBody>
+          <a:bodyPr wrap="square" rtlCol="0">
+            <a:spAutoFit/>
+          </a:bodyPr>
+          <a:lstStyle/>
+          <a:p>
+            <a:pPr defTabSz="182880"/>
+            <a:r>
+              <a:rPr lang="en-US" sz="1000">
+                <a:solidFill>
+                  <a:srgbClr val="FFFF00"/>
+                </a:solidFill>
+                <a:latin typeface="Consolas" panose="020B0609020204030204" pitchFamily="49" charset="0"/>
+              </a:rPr>
+              <a:t>dataset size 10</a:t>
+            </a:r>
+          </a:p>
+          <a:p>
+            <a:pPr defTabSz="182880"/>
+            <a:r>
+              <a:rPr lang="en-US" altLang="zh-TW" sz="1000">
+                <a:solidFill>
+                  <a:srgbClr val="FFFF00"/>
+                </a:solidFill>
+                <a:latin typeface="Consolas" panose="020B0609020204030204" pitchFamily="49" charset="0"/>
+              </a:rPr>
+              <a:t>dataset size 50</a:t>
+            </a:r>
+          </a:p>
+          <a:p>
+            <a:pPr defTabSz="182880"/>
+            <a:r>
+              <a:rPr lang="en-US" altLang="zh-TW" sz="1000">
+                <a:solidFill>
+                  <a:srgbClr val="FFFF00"/>
+                </a:solidFill>
+                <a:latin typeface="Consolas" panose="020B0609020204030204" pitchFamily="49" charset="0"/>
+              </a:rPr>
+              <a:t>dataset size 100</a:t>
+            </a:r>
+          </a:p>
+        </p:txBody>
+      </p:sp>
+      <p:sp>
+        <p:nvSpPr>
+          <p:cNvPr id="24" name="TextBox 21">
+            <a:extLst>
+              <a:ext uri="{FF2B5EF4-FFF2-40B4-BE49-F238E27FC236}">
+                <a16:creationId xmlns:a16="http://schemas.microsoft.com/office/drawing/2014/main" id="{A849562E-A9A7-907A-FBFE-0A9E6FBEE7CF}"/>
+              </a:ext>
+            </a:extLst>
+          </p:cNvPr>
+          <p:cNvSpPr txBox="1"/>
+          <p:nvPr/>
+        </p:nvSpPr>
+        <p:spPr>
+          <a:xfrm>
+            <a:off x="181810" y="1149426"/>
+            <a:ext cx="953160" cy="400110"/>
+          </a:xfrm>
+          <a:prstGeom prst="rect">
+            <a:avLst/>
+          </a:prstGeom>
+          <a:noFill/>
+        </p:spPr>
+        <p:txBody>
+          <a:bodyPr wrap="square" rtlCol="0">
+            <a:spAutoFit/>
+          </a:bodyPr>
+          <a:lstStyle/>
+          <a:p>
+            <a:pPr defTabSz="182880"/>
+            <a:r>
+              <a:rPr lang="en-US" sz="1000">
+                <a:solidFill>
+                  <a:srgbClr val="FFFF00"/>
+                </a:solidFill>
+                <a:latin typeface="Consolas" panose="020B0609020204030204" pitchFamily="49" charset="0"/>
+              </a:rPr>
+              <a:t>feature 0</a:t>
+            </a:r>
+          </a:p>
+          <a:p>
+            <a:pPr defTabSz="182880"/>
+            <a:r>
+              <a:rPr lang="en-US" altLang="zh-TW" sz="1000">
+                <a:solidFill>
+                  <a:srgbClr val="FFFF00"/>
+                </a:solidFill>
+                <a:latin typeface="Consolas" panose="020B0609020204030204" pitchFamily="49" charset="0"/>
+              </a:rPr>
+              <a:t>feature 1</a:t>
+            </a:r>
+          </a:p>
+        </p:txBody>
+      </p:sp>
+      <p:sp>
+        <p:nvSpPr>
+          <p:cNvPr id="26" name="TextBox 21">
+            <a:extLst>
+              <a:ext uri="{FF2B5EF4-FFF2-40B4-BE49-F238E27FC236}">
+                <a16:creationId xmlns:a16="http://schemas.microsoft.com/office/drawing/2014/main" id="{04A34FE6-20A3-0A49-C556-6F17D39AED6F}"/>
+              </a:ext>
+            </a:extLst>
+          </p:cNvPr>
+          <p:cNvSpPr txBox="1"/>
+          <p:nvPr/>
+        </p:nvSpPr>
+        <p:spPr>
+          <a:xfrm>
+            <a:off x="3648806" y="995538"/>
+            <a:ext cx="2116504" cy="707886"/>
+          </a:xfrm>
+          <a:prstGeom prst="rect">
+            <a:avLst/>
+          </a:prstGeom>
+          <a:noFill/>
+        </p:spPr>
+        <p:txBody>
+          <a:bodyPr wrap="square" rtlCol="0">
+            <a:spAutoFit/>
+          </a:bodyPr>
+          <a:lstStyle/>
+          <a:p>
+            <a:pPr defTabSz="182880"/>
+            <a:r>
+              <a:rPr lang="en-US" altLang="zh-TW" sz="1000">
+                <a:latin typeface="Consolas" panose="020B0609020204030204" pitchFamily="49" charset="0"/>
+              </a:rPr>
+              <a:t>same pwr, dis wo_inter</a:t>
+            </a:r>
+          </a:p>
+          <a:p>
+            <a:pPr defTabSz="182880"/>
+            <a:r>
+              <a:rPr lang="en-US" altLang="zh-TW" sz="1000">
+                <a:latin typeface="Consolas" panose="020B0609020204030204" pitchFamily="49" charset="0"/>
+              </a:rPr>
+              <a:t>diff pwr, dis wo_inter</a:t>
+            </a:r>
+            <a:endParaRPr lang="en-US" sz="1000">
+              <a:latin typeface="Consolas" panose="020B0609020204030204" pitchFamily="49" charset="0"/>
+            </a:endParaRPr>
+          </a:p>
+          <a:p>
+            <a:pPr defTabSz="182880"/>
+            <a:r>
+              <a:rPr lang="en-US" sz="1000">
+                <a:latin typeface="Consolas" panose="020B0609020204030204" pitchFamily="49" charset="0"/>
+              </a:rPr>
+              <a:t>same pwr, dis </a:t>
+            </a:r>
+            <a:r>
+              <a:rPr lang="en-US" altLang="zh-TW" sz="1000">
+                <a:latin typeface="Consolas" panose="020B0609020204030204" pitchFamily="49" charset="0"/>
+              </a:rPr>
+              <a:t>w_inter</a:t>
+            </a:r>
+            <a:endParaRPr lang="en-US" sz="1000">
+              <a:latin typeface="Consolas" panose="020B0609020204030204" pitchFamily="49" charset="0"/>
+            </a:endParaRPr>
+          </a:p>
+          <a:p>
+            <a:pPr defTabSz="182880"/>
+            <a:r>
+              <a:rPr lang="en-US" sz="1000">
+                <a:latin typeface="Consolas" panose="020B0609020204030204" pitchFamily="49" charset="0"/>
+              </a:rPr>
+              <a:t>diff pwr, dis w_inter</a:t>
+            </a:r>
+          </a:p>
+        </p:txBody>
+      </p:sp>
+      <p:sp>
+        <p:nvSpPr>
+          <p:cNvPr id="28" name="矩形 27">
+            <a:extLst>
+              <a:ext uri="{FF2B5EF4-FFF2-40B4-BE49-F238E27FC236}">
+                <a16:creationId xmlns:a16="http://schemas.microsoft.com/office/drawing/2014/main" id="{F1C17040-7ABE-74D8-45B0-AFCB0C3A6E6C}"/>
+              </a:ext>
+            </a:extLst>
+          </p:cNvPr>
+          <p:cNvSpPr/>
+          <p:nvPr/>
+        </p:nvSpPr>
+        <p:spPr>
+          <a:xfrm>
+            <a:off x="10159049" y="2040614"/>
+            <a:ext cx="142201" cy="1774690"/>
+          </a:xfrm>
+          <a:prstGeom prst="rect">
+            <a:avLst/>
+          </a:prstGeom>
+          <a:solidFill>
+            <a:srgbClr val="8D1017"/>
+          </a:solidFill>
+          <a:ln w="38100">
+            <a:solidFill>
+              <a:schemeClr val="bg1"/>
+            </a:solidFill>
+          </a:ln>
+        </p:spPr>
+        <p:style>
+          <a:lnRef idx="2">
+            <a:schemeClr val="accent1">
+              <a:shade val="15000"/>
+            </a:schemeClr>
+          </a:lnRef>
+          <a:fillRef idx="1">
+            <a:schemeClr val="accent1"/>
+          </a:fillRef>
+          <a:effectRef idx="0">
+            <a:schemeClr val="accent1"/>
+          </a:effectRef>
+          <a:fontRef idx="minor">
+            <a:schemeClr val="lt1"/>
+          </a:fontRef>
+        </p:style>
+        <p:txBody>
+          <a:bodyPr rtlCol="0" anchor="ctr"/>
+          <a:lstStyle/>
+          <a:p>
+            <a:pPr algn="ctr"/>
+            <a:endParaRPr lang="zh-TW" altLang="en-US"/>
+          </a:p>
+        </p:txBody>
+      </p:sp>
+      <p:sp>
+        <p:nvSpPr>
+          <p:cNvPr id="31" name="矩形 30">
+            <a:extLst>
+              <a:ext uri="{FF2B5EF4-FFF2-40B4-BE49-F238E27FC236}">
+                <a16:creationId xmlns:a16="http://schemas.microsoft.com/office/drawing/2014/main" id="{FEAF6455-E2F1-EA95-71F7-CD5B54561DC3}"/>
+              </a:ext>
+            </a:extLst>
+          </p:cNvPr>
+          <p:cNvSpPr/>
+          <p:nvPr/>
+        </p:nvSpPr>
+        <p:spPr>
+          <a:xfrm>
+            <a:off x="9711331" y="2193603"/>
+            <a:ext cx="142201" cy="1621702"/>
+          </a:xfrm>
+          <a:prstGeom prst="rect">
+            <a:avLst/>
+          </a:prstGeom>
+          <a:solidFill>
+            <a:srgbClr val="1E5800"/>
+          </a:solidFill>
+          <a:ln w="38100">
+            <a:solidFill>
+              <a:schemeClr val="bg1"/>
+            </a:solidFill>
+          </a:ln>
+        </p:spPr>
+        <p:style>
+          <a:lnRef idx="2">
+            <a:schemeClr val="accent1">
+              <a:shade val="15000"/>
+            </a:schemeClr>
+          </a:lnRef>
+          <a:fillRef idx="1">
+            <a:schemeClr val="accent1"/>
+          </a:fillRef>
+          <a:effectRef idx="0">
+            <a:schemeClr val="accent1"/>
+          </a:effectRef>
+          <a:fontRef idx="minor">
+            <a:schemeClr val="lt1"/>
+          </a:fontRef>
+        </p:style>
+        <p:txBody>
+          <a:bodyPr rtlCol="0" anchor="ctr"/>
+          <a:lstStyle/>
+          <a:p>
+            <a:pPr algn="ctr"/>
+            <a:endParaRPr lang="zh-TW" altLang="en-US"/>
+          </a:p>
+        </p:txBody>
+      </p:sp>
+      <p:sp>
+        <p:nvSpPr>
+          <p:cNvPr id="32" name="矩形 31">
+            <a:extLst>
+              <a:ext uri="{FF2B5EF4-FFF2-40B4-BE49-F238E27FC236}">
+                <a16:creationId xmlns:a16="http://schemas.microsoft.com/office/drawing/2014/main" id="{069DBE04-7BAF-9423-FCF0-3E340C95555E}"/>
+              </a:ext>
+            </a:extLst>
+          </p:cNvPr>
+          <p:cNvSpPr/>
+          <p:nvPr/>
+        </p:nvSpPr>
+        <p:spPr>
+          <a:xfrm>
+            <a:off x="10301250" y="2105211"/>
+            <a:ext cx="137025" cy="1710093"/>
+          </a:xfrm>
+          <a:prstGeom prst="rect">
+            <a:avLst/>
+          </a:prstGeom>
+          <a:solidFill>
+            <a:srgbClr val="FC1723"/>
+          </a:solidFill>
+          <a:ln w="38100">
+            <a:solidFill>
+              <a:schemeClr val="bg1"/>
+            </a:solidFill>
+          </a:ln>
+        </p:spPr>
+        <p:style>
+          <a:lnRef idx="2">
+            <a:schemeClr val="accent1">
+              <a:shade val="15000"/>
+            </a:schemeClr>
+          </a:lnRef>
+          <a:fillRef idx="1">
+            <a:schemeClr val="accent1"/>
+          </a:fillRef>
+          <a:effectRef idx="0">
+            <a:schemeClr val="accent1"/>
+          </a:effectRef>
+          <a:fontRef idx="minor">
+            <a:schemeClr val="lt1"/>
+          </a:fontRef>
+        </p:style>
+        <p:txBody>
+          <a:bodyPr rtlCol="0" anchor="ctr"/>
+          <a:lstStyle/>
+          <a:p>
+            <a:pPr algn="ctr"/>
+            <a:endParaRPr lang="zh-TW" altLang="en-US"/>
+          </a:p>
+        </p:txBody>
+      </p:sp>
+      <p:sp>
+        <p:nvSpPr>
+          <p:cNvPr id="33" name="矩形 32">
+            <a:extLst>
+              <a:ext uri="{FF2B5EF4-FFF2-40B4-BE49-F238E27FC236}">
+                <a16:creationId xmlns:a16="http://schemas.microsoft.com/office/drawing/2014/main" id="{EAB4A053-6841-E0E8-41C3-37432079DA65}"/>
+              </a:ext>
+            </a:extLst>
+          </p:cNvPr>
+          <p:cNvSpPr/>
+          <p:nvPr/>
+        </p:nvSpPr>
+        <p:spPr>
+          <a:xfrm>
+            <a:off x="9858708" y="2252630"/>
+            <a:ext cx="137025" cy="1562673"/>
+          </a:xfrm>
+          <a:prstGeom prst="rect">
+            <a:avLst/>
+          </a:prstGeom>
+          <a:solidFill>
+            <a:srgbClr val="77F540"/>
+          </a:solidFill>
+          <a:ln w="38100">
+            <a:solidFill>
+              <a:schemeClr val="bg1"/>
+            </a:solidFill>
+          </a:ln>
+        </p:spPr>
+        <p:style>
+          <a:lnRef idx="2">
+            <a:schemeClr val="accent1">
+              <a:shade val="15000"/>
+            </a:schemeClr>
+          </a:lnRef>
+          <a:fillRef idx="1">
+            <a:schemeClr val="accent1"/>
+          </a:fillRef>
+          <a:effectRef idx="0">
+            <a:schemeClr val="accent1"/>
+          </a:effectRef>
+          <a:fontRef idx="minor">
+            <a:schemeClr val="lt1"/>
+          </a:fontRef>
+        </p:style>
+        <p:txBody>
+          <a:bodyPr rtlCol="0" anchor="ctr"/>
+          <a:lstStyle/>
+          <a:p>
+            <a:pPr algn="ctr"/>
+            <a:endParaRPr lang="zh-TW" altLang="en-US"/>
+          </a:p>
+        </p:txBody>
+      </p:sp>
+      <p:sp>
+        <p:nvSpPr>
+          <p:cNvPr id="34" name="矩形 33">
+            <a:extLst>
+              <a:ext uri="{FF2B5EF4-FFF2-40B4-BE49-F238E27FC236}">
+                <a16:creationId xmlns:a16="http://schemas.microsoft.com/office/drawing/2014/main" id="{B2B867B5-5CC6-3B87-D82B-92A1A3091DF5}"/>
+              </a:ext>
+            </a:extLst>
+          </p:cNvPr>
+          <p:cNvSpPr/>
+          <p:nvPr/>
+        </p:nvSpPr>
+        <p:spPr>
+          <a:xfrm>
+            <a:off x="10638762" y="2193603"/>
+            <a:ext cx="142201" cy="1621702"/>
+          </a:xfrm>
+          <a:prstGeom prst="rect">
+            <a:avLst/>
+          </a:prstGeom>
+          <a:solidFill>
+            <a:srgbClr val="203F8B"/>
+          </a:solidFill>
+          <a:ln w="38100">
+            <a:solidFill>
+              <a:schemeClr val="bg1"/>
+            </a:solidFill>
+          </a:ln>
+        </p:spPr>
+        <p:style>
+          <a:lnRef idx="2">
+            <a:schemeClr val="accent1">
+              <a:shade val="15000"/>
+            </a:schemeClr>
+          </a:lnRef>
+          <a:fillRef idx="1">
+            <a:schemeClr val="accent1"/>
+          </a:fillRef>
+          <a:effectRef idx="0">
+            <a:schemeClr val="accent1"/>
+          </a:effectRef>
+          <a:fontRef idx="minor">
+            <a:schemeClr val="lt1"/>
+          </a:fontRef>
+        </p:style>
+        <p:txBody>
+          <a:bodyPr rtlCol="0" anchor="ctr"/>
+          <a:lstStyle/>
+          <a:p>
+            <a:pPr algn="ctr"/>
+            <a:endParaRPr lang="zh-TW" altLang="en-US"/>
+          </a:p>
+        </p:txBody>
+      </p:sp>
+      <p:sp>
+        <p:nvSpPr>
+          <p:cNvPr id="35" name="矩形 34">
+            <a:extLst>
+              <a:ext uri="{FF2B5EF4-FFF2-40B4-BE49-F238E27FC236}">
+                <a16:creationId xmlns:a16="http://schemas.microsoft.com/office/drawing/2014/main" id="{93729BA3-4820-CFDE-47BD-A1931DD97182}"/>
+              </a:ext>
+            </a:extLst>
+          </p:cNvPr>
+          <p:cNvSpPr/>
+          <p:nvPr/>
+        </p:nvSpPr>
+        <p:spPr>
+          <a:xfrm>
+            <a:off x="10775787" y="2252630"/>
+            <a:ext cx="137025" cy="1562673"/>
+          </a:xfrm>
+          <a:prstGeom prst="rect">
+            <a:avLst/>
+          </a:prstGeom>
+          <a:solidFill>
+            <a:srgbClr val="1C78DB"/>
+          </a:solidFill>
+          <a:ln w="38100">
+            <a:solidFill>
+              <a:schemeClr val="bg1"/>
+            </a:solidFill>
+          </a:ln>
+        </p:spPr>
+        <p:style>
+          <a:lnRef idx="2">
+            <a:schemeClr val="accent1">
+              <a:shade val="15000"/>
+            </a:schemeClr>
+          </a:lnRef>
+          <a:fillRef idx="1">
+            <a:schemeClr val="accent1"/>
+          </a:fillRef>
+          <a:effectRef idx="0">
+            <a:schemeClr val="accent1"/>
+          </a:effectRef>
+          <a:fontRef idx="minor">
+            <a:schemeClr val="lt1"/>
+          </a:fontRef>
+        </p:style>
+        <p:txBody>
+          <a:bodyPr rtlCol="0" anchor="ctr"/>
+          <a:lstStyle/>
+          <a:p>
+            <a:pPr algn="ctr"/>
+            <a:endParaRPr lang="zh-TW" altLang="en-US"/>
+          </a:p>
+        </p:txBody>
+      </p:sp>
+      <p:sp>
+        <p:nvSpPr>
+          <p:cNvPr id="36" name="矩形 35">
+            <a:extLst>
+              <a:ext uri="{FF2B5EF4-FFF2-40B4-BE49-F238E27FC236}">
+                <a16:creationId xmlns:a16="http://schemas.microsoft.com/office/drawing/2014/main" id="{9A0724EE-7F0B-D8CE-B995-8BA0E454C3CA}"/>
+              </a:ext>
+            </a:extLst>
+          </p:cNvPr>
+          <p:cNvSpPr/>
+          <p:nvPr/>
+        </p:nvSpPr>
+        <p:spPr>
+          <a:xfrm>
+            <a:off x="2733963" y="2179828"/>
+            <a:ext cx="142201" cy="1774690"/>
+          </a:xfrm>
+          <a:prstGeom prst="rect">
+            <a:avLst/>
+          </a:prstGeom>
+          <a:solidFill>
+            <a:srgbClr val="8D1017"/>
+          </a:solidFill>
+          <a:ln w="38100">
+            <a:solidFill>
+              <a:schemeClr val="bg1"/>
+            </a:solidFill>
+          </a:ln>
+        </p:spPr>
+        <p:style>
+          <a:lnRef idx="2">
+            <a:schemeClr val="accent1">
+              <a:shade val="15000"/>
+            </a:schemeClr>
+          </a:lnRef>
+          <a:fillRef idx="1">
+            <a:schemeClr val="accent1"/>
+          </a:fillRef>
+          <a:effectRef idx="0">
+            <a:schemeClr val="accent1"/>
+          </a:effectRef>
+          <a:fontRef idx="minor">
+            <a:schemeClr val="lt1"/>
+          </a:fontRef>
+        </p:style>
+        <p:txBody>
+          <a:bodyPr rtlCol="0" anchor="ctr"/>
+          <a:lstStyle/>
+          <a:p>
+            <a:pPr algn="ctr"/>
+            <a:endParaRPr lang="zh-TW" altLang="en-US"/>
+          </a:p>
+        </p:txBody>
+      </p:sp>
+      <p:sp>
+        <p:nvSpPr>
+          <p:cNvPr id="37" name="矩形 36">
+            <a:extLst>
+              <a:ext uri="{FF2B5EF4-FFF2-40B4-BE49-F238E27FC236}">
+                <a16:creationId xmlns:a16="http://schemas.microsoft.com/office/drawing/2014/main" id="{BDED7811-07E5-8221-7790-B0CAC02417E8}"/>
+              </a:ext>
+            </a:extLst>
+          </p:cNvPr>
+          <p:cNvSpPr/>
+          <p:nvPr/>
+        </p:nvSpPr>
+        <p:spPr>
+          <a:xfrm>
+            <a:off x="2373285" y="2332817"/>
+            <a:ext cx="142201" cy="1621702"/>
+          </a:xfrm>
+          <a:prstGeom prst="rect">
+            <a:avLst/>
+          </a:prstGeom>
+          <a:solidFill>
+            <a:srgbClr val="1E5800"/>
+          </a:solidFill>
+          <a:ln w="38100">
+            <a:solidFill>
+              <a:schemeClr val="bg1"/>
+            </a:solidFill>
+          </a:ln>
+        </p:spPr>
+        <p:style>
+          <a:lnRef idx="2">
+            <a:schemeClr val="accent1">
+              <a:shade val="15000"/>
+            </a:schemeClr>
+          </a:lnRef>
+          <a:fillRef idx="1">
+            <a:schemeClr val="accent1"/>
+          </a:fillRef>
+          <a:effectRef idx="0">
+            <a:schemeClr val="accent1"/>
+          </a:effectRef>
+          <a:fontRef idx="minor">
+            <a:schemeClr val="lt1"/>
+          </a:fontRef>
+        </p:style>
+        <p:txBody>
+          <a:bodyPr rtlCol="0" anchor="ctr"/>
+          <a:lstStyle/>
+          <a:p>
+            <a:pPr algn="ctr"/>
+            <a:endParaRPr lang="zh-TW" altLang="en-US"/>
+          </a:p>
+        </p:txBody>
+      </p:sp>
+      <p:sp>
+        <p:nvSpPr>
+          <p:cNvPr id="38" name="矩形 37">
+            <a:extLst>
+              <a:ext uri="{FF2B5EF4-FFF2-40B4-BE49-F238E27FC236}">
+                <a16:creationId xmlns:a16="http://schemas.microsoft.com/office/drawing/2014/main" id="{814DA196-B088-9375-F3D2-79F1C19D5EFD}"/>
+              </a:ext>
+            </a:extLst>
+          </p:cNvPr>
+          <p:cNvSpPr/>
+          <p:nvPr/>
+        </p:nvSpPr>
+        <p:spPr>
+          <a:xfrm>
+            <a:off x="2876164" y="2244425"/>
+            <a:ext cx="137025" cy="1710093"/>
+          </a:xfrm>
+          <a:prstGeom prst="rect">
+            <a:avLst/>
+          </a:prstGeom>
+          <a:solidFill>
+            <a:srgbClr val="FC1723"/>
+          </a:solidFill>
+          <a:ln w="38100">
+            <a:solidFill>
+              <a:schemeClr val="bg1"/>
+            </a:solidFill>
+          </a:ln>
+        </p:spPr>
+        <p:style>
+          <a:lnRef idx="2">
+            <a:schemeClr val="accent1">
+              <a:shade val="15000"/>
+            </a:schemeClr>
+          </a:lnRef>
+          <a:fillRef idx="1">
+            <a:schemeClr val="accent1"/>
+          </a:fillRef>
+          <a:effectRef idx="0">
+            <a:schemeClr val="accent1"/>
+          </a:effectRef>
+          <a:fontRef idx="minor">
+            <a:schemeClr val="lt1"/>
+          </a:fontRef>
+        </p:style>
+        <p:txBody>
+          <a:bodyPr rtlCol="0" anchor="ctr"/>
+          <a:lstStyle/>
+          <a:p>
+            <a:pPr algn="ctr"/>
+            <a:endParaRPr lang="zh-TW" altLang="en-US"/>
+          </a:p>
+        </p:txBody>
+      </p:sp>
+      <p:sp>
+        <p:nvSpPr>
+          <p:cNvPr id="39" name="矩形 38">
+            <a:extLst>
+              <a:ext uri="{FF2B5EF4-FFF2-40B4-BE49-F238E27FC236}">
+                <a16:creationId xmlns:a16="http://schemas.microsoft.com/office/drawing/2014/main" id="{FFECB632-9F28-86E5-E5F2-646F38A82000}"/>
+              </a:ext>
+            </a:extLst>
+          </p:cNvPr>
+          <p:cNvSpPr/>
+          <p:nvPr/>
+        </p:nvSpPr>
+        <p:spPr>
+          <a:xfrm>
+            <a:off x="2520662" y="2391844"/>
+            <a:ext cx="137025" cy="1562673"/>
+          </a:xfrm>
+          <a:prstGeom prst="rect">
+            <a:avLst/>
+          </a:prstGeom>
+          <a:solidFill>
+            <a:srgbClr val="77F540"/>
+          </a:solidFill>
+          <a:ln w="38100">
+            <a:solidFill>
+              <a:schemeClr val="bg1"/>
+            </a:solidFill>
+          </a:ln>
+        </p:spPr>
+        <p:style>
+          <a:lnRef idx="2">
+            <a:schemeClr val="accent1">
+              <a:shade val="15000"/>
+            </a:schemeClr>
+          </a:lnRef>
+          <a:fillRef idx="1">
+            <a:schemeClr val="accent1"/>
+          </a:fillRef>
+          <a:effectRef idx="0">
+            <a:schemeClr val="accent1"/>
+          </a:effectRef>
+          <a:fontRef idx="minor">
+            <a:schemeClr val="lt1"/>
+          </a:fontRef>
+        </p:style>
+        <p:txBody>
+          <a:bodyPr rtlCol="0" anchor="ctr"/>
+          <a:lstStyle/>
+          <a:p>
+            <a:pPr algn="ctr"/>
+            <a:endParaRPr lang="zh-TW" altLang="en-US"/>
+          </a:p>
+        </p:txBody>
+      </p:sp>
+      <p:sp>
+        <p:nvSpPr>
+          <p:cNvPr id="40" name="矩形 39">
+            <a:extLst>
+              <a:ext uri="{FF2B5EF4-FFF2-40B4-BE49-F238E27FC236}">
+                <a16:creationId xmlns:a16="http://schemas.microsoft.com/office/drawing/2014/main" id="{07AC366B-7D3E-14BA-D816-82BCA062BB58}"/>
+              </a:ext>
+            </a:extLst>
+          </p:cNvPr>
+          <p:cNvSpPr/>
+          <p:nvPr/>
+        </p:nvSpPr>
+        <p:spPr>
+          <a:xfrm>
+            <a:off x="3095138" y="2332817"/>
+            <a:ext cx="142201" cy="1621702"/>
+          </a:xfrm>
+          <a:prstGeom prst="rect">
+            <a:avLst/>
+          </a:prstGeom>
+          <a:solidFill>
+            <a:srgbClr val="203F8B"/>
+          </a:solidFill>
+          <a:ln w="38100">
+            <a:solidFill>
+              <a:schemeClr val="bg1"/>
+            </a:solidFill>
+          </a:ln>
+        </p:spPr>
+        <p:style>
+          <a:lnRef idx="2">
+            <a:schemeClr val="accent1">
+              <a:shade val="15000"/>
+            </a:schemeClr>
+          </a:lnRef>
+          <a:fillRef idx="1">
+            <a:schemeClr val="accent1"/>
+          </a:fillRef>
+          <a:effectRef idx="0">
+            <a:schemeClr val="accent1"/>
+          </a:effectRef>
+          <a:fontRef idx="minor">
+            <a:schemeClr val="lt1"/>
+          </a:fontRef>
+        </p:style>
+        <p:txBody>
+          <a:bodyPr rtlCol="0" anchor="ctr"/>
+          <a:lstStyle/>
+          <a:p>
+            <a:pPr algn="ctr"/>
+            <a:endParaRPr lang="zh-TW" altLang="en-US"/>
+          </a:p>
+        </p:txBody>
+      </p:sp>
+      <p:sp>
+        <p:nvSpPr>
+          <p:cNvPr id="41" name="矩形 40">
+            <a:extLst>
+              <a:ext uri="{FF2B5EF4-FFF2-40B4-BE49-F238E27FC236}">
+                <a16:creationId xmlns:a16="http://schemas.microsoft.com/office/drawing/2014/main" id="{6BD23D64-ECC1-FC38-ADBA-C83CDEF37AB4}"/>
+              </a:ext>
+            </a:extLst>
+          </p:cNvPr>
+          <p:cNvSpPr/>
+          <p:nvPr/>
+        </p:nvSpPr>
+        <p:spPr>
+          <a:xfrm>
+            <a:off x="3232163" y="2391844"/>
+            <a:ext cx="137025" cy="1562673"/>
+          </a:xfrm>
+          <a:prstGeom prst="rect">
+            <a:avLst/>
+          </a:prstGeom>
+          <a:solidFill>
+            <a:srgbClr val="1C78DB"/>
+          </a:solidFill>
+          <a:ln w="38100">
+            <a:solidFill>
+              <a:schemeClr val="bg1"/>
+            </a:solidFill>
+          </a:ln>
+        </p:spPr>
+        <p:style>
+          <a:lnRef idx="2">
+            <a:schemeClr val="accent1">
+              <a:shade val="15000"/>
+            </a:schemeClr>
+          </a:lnRef>
+          <a:fillRef idx="1">
+            <a:schemeClr val="accent1"/>
+          </a:fillRef>
+          <a:effectRef idx="0">
+            <a:schemeClr val="accent1"/>
+          </a:effectRef>
+          <a:fontRef idx="minor">
+            <a:schemeClr val="lt1"/>
+          </a:fontRef>
+        </p:style>
+        <p:txBody>
+          <a:bodyPr rtlCol="0" anchor="ctr"/>
+          <a:lstStyle/>
+          <a:p>
+            <a:pPr algn="ctr"/>
+            <a:endParaRPr lang="zh-TW" altLang="en-US"/>
+          </a:p>
+        </p:txBody>
+      </p:sp>
+      <p:sp>
+        <p:nvSpPr>
+          <p:cNvPr id="42" name="矩形 41">
+            <a:extLst>
+              <a:ext uri="{FF2B5EF4-FFF2-40B4-BE49-F238E27FC236}">
+                <a16:creationId xmlns:a16="http://schemas.microsoft.com/office/drawing/2014/main" id="{D841BE82-93B4-8C89-746B-9BF4ABB10CCC}"/>
+              </a:ext>
+            </a:extLst>
+          </p:cNvPr>
+          <p:cNvSpPr/>
+          <p:nvPr/>
+        </p:nvSpPr>
+        <p:spPr>
+          <a:xfrm>
+            <a:off x="4284082" y="2179828"/>
+            <a:ext cx="142201" cy="1774690"/>
+          </a:xfrm>
+          <a:prstGeom prst="rect">
+            <a:avLst/>
+          </a:prstGeom>
+          <a:solidFill>
+            <a:srgbClr val="8D1017"/>
+          </a:solidFill>
+          <a:ln w="38100">
+            <a:solidFill>
+              <a:schemeClr val="bg1"/>
+            </a:solidFill>
+          </a:ln>
+        </p:spPr>
+        <p:style>
+          <a:lnRef idx="2">
+            <a:schemeClr val="accent1">
+              <a:shade val="15000"/>
+            </a:schemeClr>
+          </a:lnRef>
+          <a:fillRef idx="1">
+            <a:schemeClr val="accent1"/>
+          </a:fillRef>
+          <a:effectRef idx="0">
+            <a:schemeClr val="accent1"/>
+          </a:effectRef>
+          <a:fontRef idx="minor">
+            <a:schemeClr val="lt1"/>
+          </a:fontRef>
+        </p:style>
+        <p:txBody>
+          <a:bodyPr rtlCol="0" anchor="ctr"/>
+          <a:lstStyle/>
+          <a:p>
+            <a:pPr algn="ctr"/>
+            <a:endParaRPr lang="zh-TW" altLang="en-US"/>
+          </a:p>
+        </p:txBody>
+      </p:sp>
+      <p:sp>
+        <p:nvSpPr>
+          <p:cNvPr id="47" name="矩形 46">
+            <a:extLst>
+              <a:ext uri="{FF2B5EF4-FFF2-40B4-BE49-F238E27FC236}">
+                <a16:creationId xmlns:a16="http://schemas.microsoft.com/office/drawing/2014/main" id="{5E4B0077-961B-2CB8-98ED-AF4E3911A355}"/>
+              </a:ext>
+            </a:extLst>
+          </p:cNvPr>
+          <p:cNvSpPr/>
+          <p:nvPr/>
+        </p:nvSpPr>
+        <p:spPr>
+          <a:xfrm>
+            <a:off x="3923404" y="2332817"/>
+            <a:ext cx="142201" cy="1621702"/>
+          </a:xfrm>
+          <a:prstGeom prst="rect">
+            <a:avLst/>
+          </a:prstGeom>
+          <a:solidFill>
+            <a:srgbClr val="1E5800"/>
+          </a:solidFill>
+          <a:ln w="38100">
+            <a:solidFill>
+              <a:schemeClr val="bg1"/>
+            </a:solidFill>
+          </a:ln>
+        </p:spPr>
+        <p:style>
+          <a:lnRef idx="2">
+            <a:schemeClr val="accent1">
+              <a:shade val="15000"/>
+            </a:schemeClr>
+          </a:lnRef>
+          <a:fillRef idx="1">
+            <a:schemeClr val="accent1"/>
+          </a:fillRef>
+          <a:effectRef idx="0">
+            <a:schemeClr val="accent1"/>
+          </a:effectRef>
+          <a:fontRef idx="minor">
+            <a:schemeClr val="lt1"/>
+          </a:fontRef>
+        </p:style>
+        <p:txBody>
+          <a:bodyPr rtlCol="0" anchor="ctr"/>
+          <a:lstStyle/>
+          <a:p>
+            <a:pPr algn="ctr"/>
+            <a:endParaRPr lang="zh-TW" altLang="en-US"/>
+          </a:p>
+        </p:txBody>
+      </p:sp>
+      <p:sp>
+        <p:nvSpPr>
+          <p:cNvPr id="48" name="矩形 47">
+            <a:extLst>
+              <a:ext uri="{FF2B5EF4-FFF2-40B4-BE49-F238E27FC236}">
+                <a16:creationId xmlns:a16="http://schemas.microsoft.com/office/drawing/2014/main" id="{24ED1F70-19CA-3809-F8A7-F58C98247563}"/>
+              </a:ext>
+            </a:extLst>
+          </p:cNvPr>
+          <p:cNvSpPr/>
+          <p:nvPr/>
+        </p:nvSpPr>
+        <p:spPr>
+          <a:xfrm>
+            <a:off x="4426283" y="2244425"/>
+            <a:ext cx="137025" cy="1710093"/>
+          </a:xfrm>
+          <a:prstGeom prst="rect">
+            <a:avLst/>
+          </a:prstGeom>
+          <a:solidFill>
+            <a:srgbClr val="FC1723"/>
+          </a:solidFill>
+          <a:ln w="38100">
+            <a:solidFill>
+              <a:schemeClr val="bg1"/>
+            </a:solidFill>
+          </a:ln>
+        </p:spPr>
+        <p:style>
+          <a:lnRef idx="2">
+            <a:schemeClr val="accent1">
+              <a:shade val="15000"/>
+            </a:schemeClr>
+          </a:lnRef>
+          <a:fillRef idx="1">
+            <a:schemeClr val="accent1"/>
+          </a:fillRef>
+          <a:effectRef idx="0">
+            <a:schemeClr val="accent1"/>
+          </a:effectRef>
+          <a:fontRef idx="minor">
+            <a:schemeClr val="lt1"/>
+          </a:fontRef>
+        </p:style>
+        <p:txBody>
+          <a:bodyPr rtlCol="0" anchor="ctr"/>
+          <a:lstStyle/>
+          <a:p>
+            <a:pPr algn="ctr"/>
+            <a:endParaRPr lang="zh-TW" altLang="en-US"/>
+          </a:p>
+        </p:txBody>
+      </p:sp>
+      <p:sp>
+        <p:nvSpPr>
+          <p:cNvPr id="49" name="矩形 48">
+            <a:extLst>
+              <a:ext uri="{FF2B5EF4-FFF2-40B4-BE49-F238E27FC236}">
+                <a16:creationId xmlns:a16="http://schemas.microsoft.com/office/drawing/2014/main" id="{D64AC909-F9B7-C1A2-351C-035AEDE039B9}"/>
+              </a:ext>
+            </a:extLst>
+          </p:cNvPr>
+          <p:cNvSpPr/>
+          <p:nvPr/>
+        </p:nvSpPr>
+        <p:spPr>
+          <a:xfrm>
+            <a:off x="4070781" y="2391844"/>
+            <a:ext cx="137025" cy="1562673"/>
+          </a:xfrm>
+          <a:prstGeom prst="rect">
+            <a:avLst/>
+          </a:prstGeom>
+          <a:solidFill>
+            <a:srgbClr val="77F540"/>
+          </a:solidFill>
+          <a:ln w="38100">
+            <a:solidFill>
+              <a:schemeClr val="bg1"/>
+            </a:solidFill>
+          </a:ln>
+        </p:spPr>
+        <p:style>
+          <a:lnRef idx="2">
+            <a:schemeClr val="accent1">
+              <a:shade val="15000"/>
+            </a:schemeClr>
+          </a:lnRef>
+          <a:fillRef idx="1">
+            <a:schemeClr val="accent1"/>
+          </a:fillRef>
+          <a:effectRef idx="0">
+            <a:schemeClr val="accent1"/>
+          </a:effectRef>
+          <a:fontRef idx="minor">
+            <a:schemeClr val="lt1"/>
+          </a:fontRef>
+        </p:style>
+        <p:txBody>
+          <a:bodyPr rtlCol="0" anchor="ctr"/>
+          <a:lstStyle/>
+          <a:p>
+            <a:pPr algn="ctr"/>
+            <a:endParaRPr lang="zh-TW" altLang="en-US"/>
+          </a:p>
+        </p:txBody>
+      </p:sp>
+      <p:sp>
+        <p:nvSpPr>
+          <p:cNvPr id="50" name="矩形 49">
+            <a:extLst>
+              <a:ext uri="{FF2B5EF4-FFF2-40B4-BE49-F238E27FC236}">
+                <a16:creationId xmlns:a16="http://schemas.microsoft.com/office/drawing/2014/main" id="{FFA8F4EA-46F0-0789-2699-292EF4EF7136}"/>
+              </a:ext>
+            </a:extLst>
+          </p:cNvPr>
+          <p:cNvSpPr/>
+          <p:nvPr/>
+        </p:nvSpPr>
+        <p:spPr>
+          <a:xfrm>
+            <a:off x="4645257" y="2332817"/>
+            <a:ext cx="142201" cy="1621702"/>
+          </a:xfrm>
+          <a:prstGeom prst="rect">
+            <a:avLst/>
+          </a:prstGeom>
+          <a:solidFill>
+            <a:srgbClr val="203F8B"/>
+          </a:solidFill>
+          <a:ln w="38100">
+            <a:solidFill>
+              <a:schemeClr val="bg1"/>
+            </a:solidFill>
+          </a:ln>
+        </p:spPr>
+        <p:style>
+          <a:lnRef idx="2">
+            <a:schemeClr val="accent1">
+              <a:shade val="15000"/>
+            </a:schemeClr>
+          </a:lnRef>
+          <a:fillRef idx="1">
+            <a:schemeClr val="accent1"/>
+          </a:fillRef>
+          <a:effectRef idx="0">
+            <a:schemeClr val="accent1"/>
+          </a:effectRef>
+          <a:fontRef idx="minor">
+            <a:schemeClr val="lt1"/>
+          </a:fontRef>
+        </p:style>
+        <p:txBody>
+          <a:bodyPr rtlCol="0" anchor="ctr"/>
+          <a:lstStyle/>
+          <a:p>
+            <a:pPr algn="ctr"/>
+            <a:endParaRPr lang="zh-TW" altLang="en-US"/>
+          </a:p>
+        </p:txBody>
+      </p:sp>
+      <p:sp>
+        <p:nvSpPr>
+          <p:cNvPr id="51" name="矩形 50">
+            <a:extLst>
+              <a:ext uri="{FF2B5EF4-FFF2-40B4-BE49-F238E27FC236}">
+                <a16:creationId xmlns:a16="http://schemas.microsoft.com/office/drawing/2014/main" id="{D934B5E9-BD60-96C5-3AFD-831E6359A84F}"/>
+              </a:ext>
+            </a:extLst>
+          </p:cNvPr>
+          <p:cNvSpPr/>
+          <p:nvPr/>
+        </p:nvSpPr>
+        <p:spPr>
+          <a:xfrm>
+            <a:off x="4782282" y="2391844"/>
+            <a:ext cx="137025" cy="1562673"/>
+          </a:xfrm>
+          <a:prstGeom prst="rect">
+            <a:avLst/>
+          </a:prstGeom>
+          <a:solidFill>
+            <a:srgbClr val="1C78DB"/>
+          </a:solidFill>
+          <a:ln w="38100">
+            <a:solidFill>
+              <a:schemeClr val="bg1"/>
+            </a:solidFill>
+          </a:ln>
+        </p:spPr>
+        <p:style>
+          <a:lnRef idx="2">
+            <a:schemeClr val="accent1">
+              <a:shade val="15000"/>
+            </a:schemeClr>
+          </a:lnRef>
+          <a:fillRef idx="1">
+            <a:schemeClr val="accent1"/>
+          </a:fillRef>
+          <a:effectRef idx="0">
+            <a:schemeClr val="accent1"/>
+          </a:effectRef>
+          <a:fontRef idx="minor">
+            <a:schemeClr val="lt1"/>
+          </a:fontRef>
+        </p:style>
+        <p:txBody>
+          <a:bodyPr rtlCol="0" anchor="ctr"/>
+          <a:lstStyle/>
+          <a:p>
+            <a:pPr algn="ctr"/>
+            <a:endParaRPr lang="zh-TW" altLang="en-US"/>
+          </a:p>
+        </p:txBody>
+      </p:sp>
+      <p:sp>
+        <p:nvSpPr>
+          <p:cNvPr id="52" name="矩形 51">
+            <a:extLst>
+              <a:ext uri="{FF2B5EF4-FFF2-40B4-BE49-F238E27FC236}">
+                <a16:creationId xmlns:a16="http://schemas.microsoft.com/office/drawing/2014/main" id="{E33D5AF7-F67C-77CC-E3D5-E9A0F29F911A}"/>
+              </a:ext>
+            </a:extLst>
+          </p:cNvPr>
+          <p:cNvSpPr/>
+          <p:nvPr/>
+        </p:nvSpPr>
+        <p:spPr>
+          <a:xfrm>
+            <a:off x="6008889" y="2179828"/>
+            <a:ext cx="142201" cy="1774690"/>
+          </a:xfrm>
+          <a:prstGeom prst="rect">
+            <a:avLst/>
+          </a:prstGeom>
+          <a:solidFill>
+            <a:srgbClr val="8D1017"/>
+          </a:solidFill>
+          <a:ln w="38100">
+            <a:solidFill>
+              <a:schemeClr val="bg1"/>
+            </a:solidFill>
+          </a:ln>
+        </p:spPr>
+        <p:style>
+          <a:lnRef idx="2">
+            <a:schemeClr val="accent1">
+              <a:shade val="15000"/>
+            </a:schemeClr>
+          </a:lnRef>
+          <a:fillRef idx="1">
+            <a:schemeClr val="accent1"/>
+          </a:fillRef>
+          <a:effectRef idx="0">
+            <a:schemeClr val="accent1"/>
+          </a:effectRef>
+          <a:fontRef idx="minor">
+            <a:schemeClr val="lt1"/>
+          </a:fontRef>
+        </p:style>
+        <p:txBody>
+          <a:bodyPr rtlCol="0" anchor="ctr"/>
+          <a:lstStyle/>
+          <a:p>
+            <a:pPr algn="ctr"/>
+            <a:endParaRPr lang="zh-TW" altLang="en-US"/>
+          </a:p>
+        </p:txBody>
+      </p:sp>
+      <p:sp>
+        <p:nvSpPr>
+          <p:cNvPr id="53" name="矩形 52">
+            <a:extLst>
+              <a:ext uri="{FF2B5EF4-FFF2-40B4-BE49-F238E27FC236}">
+                <a16:creationId xmlns:a16="http://schemas.microsoft.com/office/drawing/2014/main" id="{D1EDC080-A3F1-963B-B6F2-43E2FD1AD782}"/>
+              </a:ext>
+            </a:extLst>
+          </p:cNvPr>
+          <p:cNvSpPr/>
+          <p:nvPr/>
+        </p:nvSpPr>
+        <p:spPr>
+          <a:xfrm>
+            <a:off x="5648211" y="2332817"/>
+            <a:ext cx="142201" cy="1621702"/>
+          </a:xfrm>
+          <a:prstGeom prst="rect">
+            <a:avLst/>
+          </a:prstGeom>
+          <a:solidFill>
+            <a:srgbClr val="1E5800"/>
+          </a:solidFill>
+          <a:ln w="38100">
+            <a:solidFill>
+              <a:schemeClr val="bg1"/>
+            </a:solidFill>
+          </a:ln>
+        </p:spPr>
+        <p:style>
+          <a:lnRef idx="2">
+            <a:schemeClr val="accent1">
+              <a:shade val="15000"/>
+            </a:schemeClr>
+          </a:lnRef>
+          <a:fillRef idx="1">
+            <a:schemeClr val="accent1"/>
+          </a:fillRef>
+          <a:effectRef idx="0">
+            <a:schemeClr val="accent1"/>
+          </a:effectRef>
+          <a:fontRef idx="minor">
+            <a:schemeClr val="lt1"/>
+          </a:fontRef>
+        </p:style>
+        <p:txBody>
+          <a:bodyPr rtlCol="0" anchor="ctr"/>
+          <a:lstStyle/>
+          <a:p>
+            <a:pPr algn="ctr"/>
+            <a:endParaRPr lang="zh-TW" altLang="en-US"/>
+          </a:p>
+        </p:txBody>
+      </p:sp>
+      <p:sp>
+        <p:nvSpPr>
+          <p:cNvPr id="54" name="矩形 53">
+            <a:extLst>
+              <a:ext uri="{FF2B5EF4-FFF2-40B4-BE49-F238E27FC236}">
+                <a16:creationId xmlns:a16="http://schemas.microsoft.com/office/drawing/2014/main" id="{A1CFD143-3E67-31A2-5142-AE1A4D5276C3}"/>
+              </a:ext>
+            </a:extLst>
+          </p:cNvPr>
+          <p:cNvSpPr/>
+          <p:nvPr/>
+        </p:nvSpPr>
+        <p:spPr>
+          <a:xfrm>
+            <a:off x="6151090" y="2244425"/>
+            <a:ext cx="137025" cy="1710093"/>
+          </a:xfrm>
+          <a:prstGeom prst="rect">
+            <a:avLst/>
+          </a:prstGeom>
+          <a:solidFill>
+            <a:srgbClr val="FC1723"/>
+          </a:solidFill>
+          <a:ln w="38100">
+            <a:solidFill>
+              <a:schemeClr val="bg1"/>
+            </a:solidFill>
+          </a:ln>
+        </p:spPr>
+        <p:style>
+          <a:lnRef idx="2">
+            <a:schemeClr val="accent1">
+              <a:shade val="15000"/>
+            </a:schemeClr>
+          </a:lnRef>
+          <a:fillRef idx="1">
+            <a:schemeClr val="accent1"/>
+          </a:fillRef>
+          <a:effectRef idx="0">
+            <a:schemeClr val="accent1"/>
+          </a:effectRef>
+          <a:fontRef idx="minor">
+            <a:schemeClr val="lt1"/>
+          </a:fontRef>
+        </p:style>
+        <p:txBody>
+          <a:bodyPr rtlCol="0" anchor="ctr"/>
+          <a:lstStyle/>
+          <a:p>
+            <a:pPr algn="ctr"/>
+            <a:endParaRPr lang="zh-TW" altLang="en-US"/>
+          </a:p>
+        </p:txBody>
+      </p:sp>
+      <p:sp>
+        <p:nvSpPr>
+          <p:cNvPr id="55" name="矩形 54">
+            <a:extLst>
+              <a:ext uri="{FF2B5EF4-FFF2-40B4-BE49-F238E27FC236}">
+                <a16:creationId xmlns:a16="http://schemas.microsoft.com/office/drawing/2014/main" id="{3E37708C-9069-904E-AD90-041D44E2C11E}"/>
+              </a:ext>
+            </a:extLst>
+          </p:cNvPr>
+          <p:cNvSpPr/>
+          <p:nvPr/>
+        </p:nvSpPr>
+        <p:spPr>
+          <a:xfrm>
+            <a:off x="5795588" y="2391844"/>
+            <a:ext cx="137025" cy="1562673"/>
+          </a:xfrm>
+          <a:prstGeom prst="rect">
+            <a:avLst/>
+          </a:prstGeom>
+          <a:solidFill>
+            <a:srgbClr val="77F540"/>
+          </a:solidFill>
+          <a:ln w="38100">
+            <a:solidFill>
+              <a:schemeClr val="bg1"/>
+            </a:solidFill>
+          </a:ln>
+        </p:spPr>
+        <p:style>
+          <a:lnRef idx="2">
+            <a:schemeClr val="accent1">
+              <a:shade val="15000"/>
+            </a:schemeClr>
+          </a:lnRef>
+          <a:fillRef idx="1">
+            <a:schemeClr val="accent1"/>
+          </a:fillRef>
+          <a:effectRef idx="0">
+            <a:schemeClr val="accent1"/>
+          </a:effectRef>
+          <a:fontRef idx="minor">
+            <a:schemeClr val="lt1"/>
+          </a:fontRef>
+        </p:style>
+        <p:txBody>
+          <a:bodyPr rtlCol="0" anchor="ctr"/>
+          <a:lstStyle/>
+          <a:p>
+            <a:pPr algn="ctr"/>
+            <a:endParaRPr lang="zh-TW" altLang="en-US"/>
+          </a:p>
+        </p:txBody>
+      </p:sp>
+      <p:sp>
+        <p:nvSpPr>
+          <p:cNvPr id="56" name="矩形 55">
+            <a:extLst>
+              <a:ext uri="{FF2B5EF4-FFF2-40B4-BE49-F238E27FC236}">
+                <a16:creationId xmlns:a16="http://schemas.microsoft.com/office/drawing/2014/main" id="{2FF59473-1745-4841-6DDF-145A519FDADA}"/>
+              </a:ext>
+            </a:extLst>
+          </p:cNvPr>
+          <p:cNvSpPr/>
+          <p:nvPr/>
+        </p:nvSpPr>
+        <p:spPr>
+          <a:xfrm>
+            <a:off x="6370064" y="2332817"/>
+            <a:ext cx="142201" cy="1621702"/>
+          </a:xfrm>
+          <a:prstGeom prst="rect">
+            <a:avLst/>
+          </a:prstGeom>
+          <a:solidFill>
+            <a:srgbClr val="203F8B"/>
+          </a:solidFill>
+          <a:ln w="38100">
+            <a:solidFill>
+              <a:schemeClr val="bg1"/>
+            </a:solidFill>
+          </a:ln>
+        </p:spPr>
+        <p:style>
+          <a:lnRef idx="2">
+            <a:schemeClr val="accent1">
+              <a:shade val="15000"/>
+            </a:schemeClr>
+          </a:lnRef>
+          <a:fillRef idx="1">
+            <a:schemeClr val="accent1"/>
+          </a:fillRef>
+          <a:effectRef idx="0">
+            <a:schemeClr val="accent1"/>
+          </a:effectRef>
+          <a:fontRef idx="minor">
+            <a:schemeClr val="lt1"/>
+          </a:fontRef>
+        </p:style>
+        <p:txBody>
+          <a:bodyPr rtlCol="0" anchor="ctr"/>
+          <a:lstStyle/>
+          <a:p>
+            <a:pPr algn="ctr"/>
+            <a:endParaRPr lang="zh-TW" altLang="en-US"/>
+          </a:p>
+        </p:txBody>
+      </p:sp>
+      <p:sp>
+        <p:nvSpPr>
+          <p:cNvPr id="57" name="矩形 56">
+            <a:extLst>
+              <a:ext uri="{FF2B5EF4-FFF2-40B4-BE49-F238E27FC236}">
+                <a16:creationId xmlns:a16="http://schemas.microsoft.com/office/drawing/2014/main" id="{53FD6656-7C1B-A821-952F-A05A346D55CA}"/>
+              </a:ext>
+            </a:extLst>
+          </p:cNvPr>
+          <p:cNvSpPr/>
+          <p:nvPr/>
+        </p:nvSpPr>
+        <p:spPr>
+          <a:xfrm>
+            <a:off x="6507089" y="2391844"/>
+            <a:ext cx="137025" cy="1562673"/>
+          </a:xfrm>
+          <a:prstGeom prst="rect">
+            <a:avLst/>
+          </a:prstGeom>
+          <a:solidFill>
+            <a:srgbClr val="1C78DB"/>
+          </a:solidFill>
+          <a:ln w="38100">
+            <a:solidFill>
+              <a:schemeClr val="bg1"/>
+            </a:solidFill>
+          </a:ln>
+        </p:spPr>
+        <p:style>
+          <a:lnRef idx="2">
+            <a:schemeClr val="accent1">
+              <a:shade val="15000"/>
+            </a:schemeClr>
+          </a:lnRef>
+          <a:fillRef idx="1">
+            <a:schemeClr val="accent1"/>
+          </a:fillRef>
+          <a:effectRef idx="0">
+            <a:schemeClr val="accent1"/>
+          </a:effectRef>
+          <a:fontRef idx="minor">
+            <a:schemeClr val="lt1"/>
+          </a:fontRef>
+        </p:style>
+        <p:txBody>
+          <a:bodyPr rtlCol="0" anchor="ctr"/>
+          <a:lstStyle/>
+          <a:p>
+            <a:pPr algn="ctr"/>
+            <a:endParaRPr lang="zh-TW" altLang="en-US"/>
+          </a:p>
+        </p:txBody>
+      </p:sp>
+      <p:sp>
+        <p:nvSpPr>
+          <p:cNvPr id="58" name="TextBox 21">
+            <a:extLst>
+              <a:ext uri="{FF2B5EF4-FFF2-40B4-BE49-F238E27FC236}">
+                <a16:creationId xmlns:a16="http://schemas.microsoft.com/office/drawing/2014/main" id="{F4691C4D-6D98-6F66-B917-6FB0A2E8CA85}"/>
+              </a:ext>
+            </a:extLst>
+          </p:cNvPr>
+          <p:cNvSpPr txBox="1"/>
+          <p:nvPr/>
+        </p:nvSpPr>
+        <p:spPr>
+          <a:xfrm>
+            <a:off x="9429636" y="3868110"/>
+            <a:ext cx="689547" cy="400110"/>
+          </a:xfrm>
+          <a:prstGeom prst="rect">
+            <a:avLst/>
+          </a:prstGeom>
+          <a:noFill/>
+        </p:spPr>
+        <p:txBody>
+          <a:bodyPr wrap="square" rtlCol="0">
+            <a:spAutoFit/>
+          </a:bodyPr>
+          <a:lstStyle/>
+          <a:p>
+            <a:pPr algn="ctr" defTabSz="182880"/>
+            <a:r>
+              <a:rPr lang="en-US" altLang="zh-TW" sz="1000">
+                <a:latin typeface="Consolas" panose="020B0609020204030204" pitchFamily="49" charset="0"/>
+              </a:rPr>
+              <a:t>10 f0</a:t>
+            </a:r>
+          </a:p>
+          <a:p>
+            <a:pPr algn="ctr" defTabSz="182880"/>
+            <a:r>
+              <a:rPr lang="en-US" altLang="zh-TW" sz="1000">
+                <a:latin typeface="Consolas" panose="020B0609020204030204" pitchFamily="49" charset="0"/>
+              </a:rPr>
+              <a:t>10 f1</a:t>
+            </a:r>
+          </a:p>
+        </p:txBody>
+      </p:sp>
+      <p:sp>
+        <p:nvSpPr>
+          <p:cNvPr id="60" name="TextBox 21">
+            <a:extLst>
+              <a:ext uri="{FF2B5EF4-FFF2-40B4-BE49-F238E27FC236}">
+                <a16:creationId xmlns:a16="http://schemas.microsoft.com/office/drawing/2014/main" id="{BD59F03E-0561-0E1A-C319-1F572F1747C6}"/>
+              </a:ext>
+            </a:extLst>
+          </p:cNvPr>
+          <p:cNvSpPr txBox="1"/>
+          <p:nvPr/>
+        </p:nvSpPr>
+        <p:spPr>
+          <a:xfrm>
+            <a:off x="9977839" y="3868110"/>
+            <a:ext cx="689547" cy="400110"/>
+          </a:xfrm>
+          <a:prstGeom prst="rect">
+            <a:avLst/>
+          </a:prstGeom>
+          <a:noFill/>
+        </p:spPr>
+        <p:txBody>
+          <a:bodyPr wrap="square" rtlCol="0">
+            <a:spAutoFit/>
+          </a:bodyPr>
+          <a:lstStyle/>
+          <a:p>
+            <a:pPr algn="ctr" defTabSz="182880"/>
+            <a:r>
+              <a:rPr lang="en-US" altLang="zh-TW" sz="1000">
+                <a:latin typeface="Consolas" panose="020B0609020204030204" pitchFamily="49" charset="0"/>
+              </a:rPr>
+              <a:t>50 f0</a:t>
+            </a:r>
+          </a:p>
+          <a:p>
+            <a:pPr algn="ctr" defTabSz="182880"/>
+            <a:r>
+              <a:rPr lang="en-US" altLang="zh-TW" sz="1000">
+                <a:latin typeface="Consolas" panose="020B0609020204030204" pitchFamily="49" charset="0"/>
+              </a:rPr>
+              <a:t>50 f1</a:t>
+            </a:r>
+          </a:p>
+        </p:txBody>
+      </p:sp>
+      <p:sp>
+        <p:nvSpPr>
+          <p:cNvPr id="61" name="TextBox 21">
+            <a:extLst>
+              <a:ext uri="{FF2B5EF4-FFF2-40B4-BE49-F238E27FC236}">
+                <a16:creationId xmlns:a16="http://schemas.microsoft.com/office/drawing/2014/main" id="{8ED92E45-FFBB-0A9A-060E-CF45674DD407}"/>
+              </a:ext>
+            </a:extLst>
+          </p:cNvPr>
+          <p:cNvSpPr txBox="1"/>
+          <p:nvPr/>
+        </p:nvSpPr>
+        <p:spPr>
+          <a:xfrm>
+            <a:off x="10561306" y="3868110"/>
+            <a:ext cx="689547" cy="400110"/>
+          </a:xfrm>
+          <a:prstGeom prst="rect">
+            <a:avLst/>
+          </a:prstGeom>
+          <a:noFill/>
+        </p:spPr>
+        <p:txBody>
+          <a:bodyPr wrap="square" rtlCol="0">
+            <a:spAutoFit/>
+          </a:bodyPr>
+          <a:lstStyle/>
+          <a:p>
+            <a:pPr algn="ctr" defTabSz="182880"/>
+            <a:r>
+              <a:rPr lang="en-US" altLang="zh-TW" sz="1000">
+                <a:latin typeface="Consolas" panose="020B0609020204030204" pitchFamily="49" charset="0"/>
+              </a:rPr>
+              <a:t>100 f0</a:t>
+            </a:r>
+          </a:p>
+          <a:p>
+            <a:pPr algn="ctr" defTabSz="182880"/>
+            <a:r>
+              <a:rPr lang="en-US" altLang="zh-TW" sz="1000">
+                <a:latin typeface="Consolas" panose="020B0609020204030204" pitchFamily="49" charset="0"/>
+              </a:rPr>
+              <a:t>100 f1</a:t>
+            </a:r>
+          </a:p>
+        </p:txBody>
+      </p:sp>
+      <p:sp>
+        <p:nvSpPr>
+          <p:cNvPr id="82" name="TextBox 21">
+            <a:extLst>
+              <a:ext uri="{FF2B5EF4-FFF2-40B4-BE49-F238E27FC236}">
+                <a16:creationId xmlns:a16="http://schemas.microsoft.com/office/drawing/2014/main" id="{0C1F58EE-62C4-7DF0-E68E-18DF23286E48}"/>
+              </a:ext>
+            </a:extLst>
+          </p:cNvPr>
+          <p:cNvSpPr txBox="1"/>
+          <p:nvPr/>
+        </p:nvSpPr>
+        <p:spPr>
+          <a:xfrm>
+            <a:off x="2950320" y="4620810"/>
+            <a:ext cx="3145680" cy="1477328"/>
+          </a:xfrm>
+          <a:prstGeom prst="rect">
+            <a:avLst/>
+          </a:prstGeom>
+          <a:noFill/>
+        </p:spPr>
+        <p:txBody>
+          <a:bodyPr wrap="square" rtlCol="0">
+            <a:spAutoFit/>
+          </a:bodyPr>
+          <a:lstStyle/>
+          <a:p>
+            <a:pPr algn="ctr" defTabSz="182880"/>
+            <a:r>
+              <a:rPr lang="en-US" altLang="zh-TW" sz="1000">
+                <a:latin typeface="Consolas" panose="020B0609020204030204" pitchFamily="49" charset="0"/>
+              </a:rPr>
+              <a:t>similar area + same power dis (1)</a:t>
+            </a:r>
+          </a:p>
+          <a:p>
+            <a:pPr algn="ctr" defTabSz="182880"/>
+            <a:r>
+              <a:rPr lang="en-US" altLang="zh-TW" sz="1000">
+                <a:latin typeface="Consolas" panose="020B0609020204030204" pitchFamily="49" charset="0"/>
+              </a:rPr>
+              <a:t>similar area + same power dis (2)</a:t>
+            </a:r>
+          </a:p>
+          <a:p>
+            <a:pPr algn="ctr" defTabSz="182880"/>
+            <a:r>
+              <a:rPr lang="en-US" altLang="zh-TW" sz="1000">
+                <a:latin typeface="Consolas" panose="020B0609020204030204" pitchFamily="49" charset="0"/>
+              </a:rPr>
+              <a:t>similar area + diff power dis (1)</a:t>
+            </a:r>
+          </a:p>
+          <a:p>
+            <a:pPr algn="ctr" defTabSz="182880"/>
+            <a:r>
+              <a:rPr lang="en-US" altLang="zh-TW" sz="1000">
+                <a:latin typeface="Consolas" panose="020B0609020204030204" pitchFamily="49" charset="0"/>
+              </a:rPr>
+              <a:t>similar area + diff power dis (2)</a:t>
+            </a:r>
+          </a:p>
+          <a:p>
+            <a:pPr algn="ctr" defTabSz="182880"/>
+            <a:endParaRPr lang="en-US" altLang="zh-TW" sz="1000">
+              <a:latin typeface="Consolas" panose="020B0609020204030204" pitchFamily="49" charset="0"/>
+            </a:endParaRPr>
+          </a:p>
+          <a:p>
+            <a:pPr algn="ctr" defTabSz="182880"/>
+            <a:r>
+              <a:rPr lang="en-US" altLang="zh-TW" sz="1000">
+                <a:latin typeface="Consolas" panose="020B0609020204030204" pitchFamily="49" charset="0"/>
+              </a:rPr>
+              <a:t>different area + same power dis</a:t>
+            </a:r>
+            <a:r>
+              <a:rPr lang="zh-TW" altLang="en-US" sz="1000">
+                <a:latin typeface="Consolas" panose="020B0609020204030204" pitchFamily="49" charset="0"/>
+              </a:rPr>
+              <a:t> </a:t>
+            </a:r>
+            <a:r>
+              <a:rPr lang="en-US" altLang="zh-TW" sz="1000">
+                <a:latin typeface="Consolas" panose="020B0609020204030204" pitchFamily="49" charset="0"/>
+              </a:rPr>
+              <a:t>(1)</a:t>
+            </a:r>
+          </a:p>
+          <a:p>
+            <a:pPr algn="ctr" defTabSz="182880"/>
+            <a:r>
+              <a:rPr lang="en-US" altLang="zh-TW" sz="1000">
+                <a:latin typeface="Consolas" panose="020B0609020204030204" pitchFamily="49" charset="0"/>
+              </a:rPr>
+              <a:t>different area + same power dis</a:t>
+            </a:r>
+            <a:r>
+              <a:rPr lang="zh-TW" altLang="en-US" sz="1000">
+                <a:latin typeface="Consolas" panose="020B0609020204030204" pitchFamily="49" charset="0"/>
+              </a:rPr>
+              <a:t> </a:t>
+            </a:r>
+            <a:r>
+              <a:rPr lang="en-US" altLang="zh-TW" sz="1000">
+                <a:latin typeface="Consolas" panose="020B0609020204030204" pitchFamily="49" charset="0"/>
+              </a:rPr>
+              <a:t>(2)</a:t>
+            </a:r>
+          </a:p>
+          <a:p>
+            <a:pPr algn="ctr" defTabSz="182880"/>
+            <a:r>
+              <a:rPr lang="en-US" altLang="zh-TW" sz="1000">
+                <a:latin typeface="Consolas" panose="020B0609020204030204" pitchFamily="49" charset="0"/>
+              </a:rPr>
+              <a:t>different area + diff power dis (1)</a:t>
+            </a:r>
+          </a:p>
+          <a:p>
+            <a:pPr algn="ctr" defTabSz="182880"/>
+            <a:r>
+              <a:rPr lang="en-US" altLang="zh-TW" sz="1000">
+                <a:latin typeface="Consolas" panose="020B0609020204030204" pitchFamily="49" charset="0"/>
+              </a:rPr>
+              <a:t>different area + diff power dis (2)</a:t>
+            </a:r>
+          </a:p>
+        </p:txBody>
+      </p:sp>
+      <p:sp>
+        <p:nvSpPr>
+          <p:cNvPr id="83" name="TextBox 21">
+            <a:extLst>
+              <a:ext uri="{FF2B5EF4-FFF2-40B4-BE49-F238E27FC236}">
+                <a16:creationId xmlns:a16="http://schemas.microsoft.com/office/drawing/2014/main" id="{4F65043D-557B-CCAE-7685-87C13CCD15C7}"/>
+              </a:ext>
+            </a:extLst>
+          </p:cNvPr>
+          <p:cNvSpPr txBox="1"/>
+          <p:nvPr/>
+        </p:nvSpPr>
+        <p:spPr>
+          <a:xfrm>
+            <a:off x="7012893" y="2121314"/>
+            <a:ext cx="2445143" cy="246221"/>
+          </a:xfrm>
+          <a:prstGeom prst="rect">
+            <a:avLst/>
+          </a:prstGeom>
+          <a:noFill/>
+        </p:spPr>
+        <p:txBody>
+          <a:bodyPr wrap="square" rtlCol="0">
+            <a:spAutoFit/>
+          </a:bodyPr>
+          <a:lstStyle/>
+          <a:p>
+            <a:pPr algn="ctr" defTabSz="182880"/>
+            <a:r>
+              <a:rPr lang="en-US" altLang="zh-TW" sz="1000">
+                <a:latin typeface="Consolas" panose="020B0609020204030204" pitchFamily="49" charset="0"/>
+              </a:rPr>
+              <a:t>same pmt: tp [-5, 5] d [5 15]</a:t>
+            </a:r>
+          </a:p>
+        </p:txBody>
+      </p:sp>
+    </p:spTree>
+    <p:extLst>
+      <p:ext uri="{BB962C8B-B14F-4D97-AF65-F5344CB8AC3E}">
+        <p14:creationId xmlns:p14="http://schemas.microsoft.com/office/powerpoint/2010/main" val="3169415947"/>
       </p:ext>
     </p:extLst>
   </p:cSld>
